--- a/doc/모바일프로그래밍 발표.pptx
+++ b/doc/모바일프로그래밍 발표.pptx
@@ -16,16 +16,18 @@
     <p:sldId id="316" r:id="rId10"/>
     <p:sldId id="304" r:id="rId11"/>
     <p:sldId id="305" r:id="rId12"/>
-    <p:sldId id="306" r:id="rId13"/>
-    <p:sldId id="307" r:id="rId14"/>
-    <p:sldId id="308" r:id="rId15"/>
-    <p:sldId id="309" r:id="rId16"/>
-    <p:sldId id="310" r:id="rId17"/>
-    <p:sldId id="311" r:id="rId18"/>
-    <p:sldId id="312" r:id="rId19"/>
-    <p:sldId id="270" r:id="rId20"/>
-    <p:sldId id="313" r:id="rId21"/>
-    <p:sldId id="271" r:id="rId22"/>
+    <p:sldId id="317" r:id="rId13"/>
+    <p:sldId id="318" r:id="rId14"/>
+    <p:sldId id="319" r:id="rId15"/>
+    <p:sldId id="320" r:id="rId16"/>
+    <p:sldId id="307" r:id="rId17"/>
+    <p:sldId id="308" r:id="rId18"/>
+    <p:sldId id="321" r:id="rId19"/>
+    <p:sldId id="322" r:id="rId20"/>
+    <p:sldId id="323" r:id="rId21"/>
+    <p:sldId id="312" r:id="rId22"/>
+    <p:sldId id="270" r:id="rId23"/>
+    <p:sldId id="271" r:id="rId24"/>
   </p:sldIdLst>
   <p:sldSz cx="12192000" cy="6858000"/>
   <p:notesSz cx="6858000" cy="9144000"/>
@@ -3779,8 +3781,39 @@
                 <a:latin typeface="맑은 고딕" panose="020B0503020000020004" pitchFamily="50" charset="-127"/>
                 <a:ea typeface="맑은 고딕" panose="020B0503020000020004" pitchFamily="50" charset="-127"/>
               </a:rPr>
-              <a:t>3. QT</a:t>
-            </a:r>
+              <a:t>3. </a:t>
+            </a:r>
+            <a:r>
+              <a:rPr lang="ko-KR" altLang="en-US" sz="2000" b="1" dirty="0" smtClean="0">
+                <a:ln>
+                  <a:solidFill>
+                    <a:schemeClr val="bg1">
+                      <a:alpha val="20000"/>
+                    </a:schemeClr>
+                  </a:solidFill>
+                </a:ln>
+                <a:solidFill>
+                  <a:srgbClr val="112F41"/>
+                </a:solidFill>
+                <a:latin typeface="맑은 고딕" panose="020B0503020000020004" pitchFamily="50" charset="-127"/>
+                <a:ea typeface="맑은 고딕" panose="020B0503020000020004" pitchFamily="50" charset="-127"/>
+              </a:rPr>
+              <a:t>구현 방법</a:t>
+            </a:r>
+            <a:endParaRPr lang="en-US" altLang="ko-KR" sz="2000" b="1" dirty="0" smtClean="0">
+              <a:ln>
+                <a:solidFill>
+                  <a:schemeClr val="bg1">
+                    <a:alpha val="20000"/>
+                  </a:schemeClr>
+                </a:solidFill>
+              </a:ln>
+              <a:solidFill>
+                <a:srgbClr val="112F41"/>
+              </a:solidFill>
+              <a:latin typeface="맑은 고딕" panose="020B0503020000020004" pitchFamily="50" charset="-127"/>
+              <a:ea typeface="맑은 고딕" panose="020B0503020000020004" pitchFamily="50" charset="-127"/>
+            </a:endParaRPr>
           </a:p>
         </p:txBody>
       </p:sp>
@@ -3833,8 +3866,8 @@
         </p:nvSpPr>
         <p:spPr>
           <a:xfrm>
-            <a:off x="628740" y="1366020"/>
-            <a:ext cx="1797937" cy="707886"/>
+            <a:off x="628740" y="1050549"/>
+            <a:ext cx="1797937" cy="523220"/>
           </a:xfrm>
           <a:prstGeom prst="rect">
             <a:avLst/>
@@ -3861,7 +3894,7 @@
           </a:lstStyle>
           <a:p>
             <a:r>
-              <a:rPr lang="en-US" altLang="ko-KR" sz="4000" b="1" dirty="0" smtClean="0">
+              <a:rPr lang="en-US" altLang="ko-KR" sz="2800" b="1" dirty="0" smtClean="0">
                 <a:solidFill>
                   <a:schemeClr val="tx1">
                     <a:lumMod val="50000"/>
@@ -3869,9 +3902,20 @@
                 </a:solidFill>
                 <a:latin typeface="+mj-lt"/>
               </a:rPr>
-              <a:t>* QT</a:t>
-            </a:r>
-            <a:endParaRPr lang="en-US" altLang="ko-KR" sz="4000" b="1" dirty="0">
+              <a:t>* </a:t>
+            </a:r>
+            <a:r>
+              <a:rPr lang="en-US" altLang="ko-KR" sz="2800" b="1" dirty="0" err="1" smtClean="0">
+                <a:solidFill>
+                  <a:schemeClr val="tx1">
+                    <a:lumMod val="50000"/>
+                  </a:schemeClr>
+                </a:solidFill>
+                <a:latin typeface="+mj-lt"/>
+              </a:rPr>
+              <a:t>Jsoup</a:t>
+            </a:r>
+            <a:endParaRPr lang="en-US" altLang="ko-KR" sz="2800" b="1" dirty="0">
               <a:solidFill>
                 <a:schemeClr val="tx1">
                   <a:lumMod val="50000"/>
@@ -3921,16 +3965,46 @@
           </a:p>
         </p:txBody>
       </p:sp>
-      <p:sp>
-        <p:nvSpPr>
-          <p:cNvPr id="11" name="TextBox 10"/>
+      <p:pic>
+        <p:nvPicPr>
+          <p:cNvPr id="8" name="그림 7"/>
+          <p:cNvPicPr>
+            <a:picLocks noChangeAspect="1"/>
+          </p:cNvPicPr>
+          <p:nvPr/>
+        </p:nvPicPr>
+        <p:blipFill>
+          <a:blip r:embed="rId2">
+            <a:extLst>
+              <a:ext uri="{28A0092B-C50C-407E-A947-70E740481C1C}">
+                <a14:useLocalDpi xmlns:a14="http://schemas.microsoft.com/office/drawing/2010/main" val="0"/>
+              </a:ext>
+            </a:extLst>
+          </a:blip>
+          <a:stretch>
+            <a:fillRect/>
+          </a:stretch>
+        </p:blipFill>
+        <p:spPr>
+          <a:xfrm>
+            <a:off x="1087263" y="1696916"/>
+            <a:ext cx="5571062" cy="4853354"/>
+          </a:xfrm>
+          <a:prstGeom prst="rect">
+            <a:avLst/>
+          </a:prstGeom>
+        </p:spPr>
+      </p:pic>
+      <p:sp>
+        <p:nvSpPr>
+          <p:cNvPr id="12" name="TextBox 11"/>
           <p:cNvSpPr txBox="1"/>
           <p:nvPr/>
         </p:nvSpPr>
         <p:spPr>
           <a:xfrm>
-            <a:off x="2787161" y="1050549"/>
-            <a:ext cx="3982916" cy="1338828"/>
+            <a:off x="6342185" y="1967880"/>
+            <a:ext cx="5600699" cy="2169825"/>
           </a:xfrm>
           <a:prstGeom prst="rect">
             <a:avLst/>
@@ -3942,22 +4016,6 @@
             <a:spAutoFit/>
           </a:bodyPr>
           <a:lstStyle/>
-          <a:p>
-            <a:pPr>
-              <a:lnSpc>
-                <a:spcPct val="150000"/>
-              </a:lnSpc>
-            </a:pPr>
-            <a:r>
-              <a:rPr lang="en-US" altLang="ko-KR" b="1" dirty="0" smtClean="0"/>
-              <a:t>- C++ GUI</a:t>
-            </a:r>
-            <a:r>
-              <a:rPr lang="ko-KR" altLang="en-US" b="1" dirty="0" smtClean="0"/>
-              <a:t>프로그래밍이 가능</a:t>
-            </a:r>
-            <a:endParaRPr lang="en-US" altLang="ko-KR" b="1" dirty="0" smtClean="0"/>
-          </a:p>
           <a:p>
             <a:pPr marL="285750" indent="-285750">
               <a:lnSpc>
@@ -3967,10 +4025,30 @@
               <a:buChar char="-"/>
             </a:pPr>
             <a:r>
+              <a:rPr lang="en-US" altLang="ko-KR" b="1" dirty="0" err="1" smtClean="0"/>
+              <a:t>Crawaling</a:t>
+            </a:r>
+            <a:r>
+              <a:rPr lang="en-US" altLang="ko-KR" b="1" dirty="0" smtClean="0"/>
+              <a:t> </a:t>
+            </a:r>
+            <a:r>
               <a:rPr lang="ko-KR" altLang="en-US" b="1" dirty="0" smtClean="0"/>
-              <a:t>다양한 위젯 제공</a:t>
-            </a:r>
-            <a:endParaRPr lang="en-US" altLang="ko-KR" b="1" dirty="0" smtClean="0"/>
+              <a:t>라이브러리인 </a:t>
+            </a:r>
+            <a:r>
+              <a:rPr lang="en-US" altLang="ko-KR" b="1" dirty="0" err="1" smtClean="0"/>
+              <a:t>jsoup</a:t>
+            </a:r>
+            <a:r>
+              <a:rPr lang="en-US" altLang="ko-KR" b="1" dirty="0" smtClean="0"/>
+              <a:t> </a:t>
+            </a:r>
+            <a:r>
+              <a:rPr lang="ko-KR" altLang="en-US" b="1" dirty="0" smtClean="0"/>
+              <a:t>사용</a:t>
+            </a:r>
+            <a:endParaRPr lang="en-US" altLang="ko-KR" b="1" dirty="0"/>
           </a:p>
           <a:p>
             <a:pPr marL="285750" indent="-285750">
@@ -3982,68 +4060,130 @@
             </a:pPr>
             <a:r>
               <a:rPr lang="ko-KR" altLang="en-US" b="1" dirty="0" smtClean="0"/>
-              <a:t>시그널 </a:t>
+              <a:t>로그인 정보를 </a:t>
             </a:r>
             <a:r>
               <a:rPr lang="en-US" altLang="ko-KR" b="1" dirty="0" smtClean="0"/>
-              <a:t>/ </a:t>
+              <a:t>cookie</a:t>
             </a:r>
             <a:r>
               <a:rPr lang="ko-KR" altLang="en-US" b="1" dirty="0" smtClean="0"/>
-              <a:t>슬롯을 통해 기능 수행</a:t>
-            </a:r>
-            <a:endParaRPr lang="ko-KR" altLang="en-US" b="1" dirty="0"/>
-          </a:p>
-        </p:txBody>
-      </p:sp>
-      <p:pic>
-        <p:nvPicPr>
-          <p:cNvPr id="5" name="그림 4"/>
-          <p:cNvPicPr>
-            <a:picLocks noChangeAspect="1"/>
-          </p:cNvPicPr>
-          <p:nvPr/>
-        </p:nvPicPr>
-        <p:blipFill>
-          <a:blip r:embed="rId2"/>
-          <a:stretch>
-            <a:fillRect/>
-          </a:stretch>
-        </p:blipFill>
-        <p:spPr>
-          <a:xfrm>
-            <a:off x="7557266" y="301079"/>
-            <a:ext cx="3428267" cy="6285156"/>
-          </a:xfrm>
-          <a:prstGeom prst="rect">
-            <a:avLst/>
-          </a:prstGeom>
-        </p:spPr>
-      </p:pic>
-      <p:pic>
-        <p:nvPicPr>
-          <p:cNvPr id="7" name="그림 6"/>
-          <p:cNvPicPr>
-            <a:picLocks noChangeAspect="1"/>
-          </p:cNvPicPr>
-          <p:nvPr/>
-        </p:nvPicPr>
-        <p:blipFill>
-          <a:blip r:embed="rId3"/>
-          <a:stretch>
-            <a:fillRect/>
-          </a:stretch>
-        </p:blipFill>
-        <p:spPr>
-          <a:xfrm>
-            <a:off x="603175" y="2543736"/>
-            <a:ext cx="6267111" cy="4139824"/>
-          </a:xfrm>
-          <a:prstGeom prst="rect">
-            <a:avLst/>
-          </a:prstGeom>
-        </p:spPr>
-      </p:pic>
+              <a:t>로 만들어서</a:t>
+            </a:r>
+            <a:r>
+              <a:rPr lang="en-US" altLang="ko-KR" b="1" dirty="0" smtClean="0"/>
+              <a:t>,</a:t>
+            </a:r>
+          </a:p>
+          <a:p>
+            <a:pPr marL="285750" indent="-285750">
+              <a:lnSpc>
+                <a:spcPct val="150000"/>
+              </a:lnSpc>
+              <a:buFontTx/>
+              <a:buChar char="-"/>
+            </a:pPr>
+            <a:r>
+              <a:rPr lang="ko-KR" altLang="en-US" b="1" dirty="0" smtClean="0"/>
+              <a:t>필요한 </a:t>
+            </a:r>
+            <a:r>
+              <a:rPr lang="en-US" altLang="ko-KR" b="1" dirty="0" smtClean="0"/>
+              <a:t>page</a:t>
+            </a:r>
+            <a:r>
+              <a:rPr lang="ko-KR" altLang="en-US" b="1" dirty="0" smtClean="0"/>
+              <a:t>에 </a:t>
+            </a:r>
+            <a:r>
+              <a:rPr lang="en-US" altLang="ko-KR" b="1" dirty="0" smtClean="0"/>
+              <a:t>cookie</a:t>
+            </a:r>
+            <a:r>
+              <a:rPr lang="ko-KR" altLang="en-US" b="1" dirty="0" smtClean="0"/>
+              <a:t>와 함께 </a:t>
+            </a:r>
+            <a:r>
+              <a:rPr lang="en-US" altLang="ko-KR" b="1" dirty="0" smtClean="0"/>
+              <a:t>get</a:t>
+            </a:r>
+            <a:r>
+              <a:rPr lang="ko-KR" altLang="en-US" b="1" dirty="0" smtClean="0"/>
+              <a:t>을 전송</a:t>
+            </a:r>
+            <a:endParaRPr lang="en-US" altLang="ko-KR" b="1" dirty="0" smtClean="0"/>
+          </a:p>
+          <a:p>
+            <a:pPr marL="285750" indent="-285750">
+              <a:lnSpc>
+                <a:spcPct val="150000"/>
+              </a:lnSpc>
+              <a:buFontTx/>
+              <a:buChar char="-"/>
+            </a:pPr>
+            <a:r>
+              <a:rPr lang="ko-KR" altLang="en-US" b="1" dirty="0" smtClean="0"/>
+              <a:t>받아온 </a:t>
+            </a:r>
+            <a:r>
+              <a:rPr lang="en-US" altLang="ko-KR" b="1" dirty="0" smtClean="0"/>
+              <a:t>html </a:t>
+            </a:r>
+            <a:r>
+              <a:rPr lang="ko-KR" altLang="en-US" b="1" dirty="0" smtClean="0"/>
+              <a:t>페이지를 </a:t>
+            </a:r>
+            <a:r>
+              <a:rPr lang="en-US" altLang="ko-KR" b="1" dirty="0" smtClean="0"/>
+              <a:t>document, element</a:t>
+            </a:r>
+            <a:r>
+              <a:rPr lang="ko-KR" altLang="en-US" b="1" dirty="0" smtClean="0"/>
+              <a:t>를 사용하여 필요한 데이터를 가져다 씀</a:t>
+            </a:r>
+            <a:endParaRPr lang="en-US" altLang="ko-KR" b="1" dirty="0" smtClean="0"/>
+          </a:p>
+        </p:txBody>
+      </p:sp>
+      <p:sp>
+        <p:nvSpPr>
+          <p:cNvPr id="13" name="TextBox 12"/>
+          <p:cNvSpPr txBox="1"/>
+          <p:nvPr/>
+        </p:nvSpPr>
+        <p:spPr>
+          <a:xfrm>
+            <a:off x="2773665" y="6521834"/>
+            <a:ext cx="1926132" cy="353751"/>
+          </a:xfrm>
+          <a:prstGeom prst="rect">
+            <a:avLst/>
+          </a:prstGeom>
+          <a:noFill/>
+        </p:spPr>
+        <p:txBody>
+          <a:bodyPr wrap="square" rtlCol="0">
+            <a:spAutoFit/>
+          </a:bodyPr>
+          <a:lstStyle/>
+          <a:p>
+            <a:pPr>
+              <a:lnSpc>
+                <a:spcPct val="150000"/>
+              </a:lnSpc>
+            </a:pPr>
+            <a:r>
+              <a:rPr lang="ko-KR" altLang="en-US" sz="1300" b="1" dirty="0" err="1" smtClean="0"/>
+              <a:t>파싱</a:t>
+            </a:r>
+            <a:r>
+              <a:rPr lang="ko-KR" altLang="en-US" sz="1300" b="1" dirty="0" smtClean="0"/>
+              <a:t> 코드</a:t>
+            </a:r>
+            <a:endParaRPr lang="ko-KR" altLang="en-US" sz="1300" b="1" dirty="0"/>
+          </a:p>
+        </p:txBody>
+      </p:sp>
     </p:spTree>
     <p:extLst>
       <p:ext uri="{BB962C8B-B14F-4D97-AF65-F5344CB8AC3E}">
@@ -4121,8 +4261,39 @@
                 <a:latin typeface="맑은 고딕" panose="020B0503020000020004" pitchFamily="50" charset="-127"/>
                 <a:ea typeface="맑은 고딕" panose="020B0503020000020004" pitchFamily="50" charset="-127"/>
               </a:rPr>
-              <a:t>3. QT</a:t>
-            </a:r>
+              <a:t>3. </a:t>
+            </a:r>
+            <a:r>
+              <a:rPr lang="ko-KR" altLang="en-US" sz="2000" b="1" dirty="0" smtClean="0">
+                <a:ln>
+                  <a:solidFill>
+                    <a:schemeClr val="bg1">
+                      <a:alpha val="20000"/>
+                    </a:schemeClr>
+                  </a:solidFill>
+                </a:ln>
+                <a:solidFill>
+                  <a:srgbClr val="112F41"/>
+                </a:solidFill>
+                <a:latin typeface="맑은 고딕" panose="020B0503020000020004" pitchFamily="50" charset="-127"/>
+                <a:ea typeface="맑은 고딕" panose="020B0503020000020004" pitchFamily="50" charset="-127"/>
+              </a:rPr>
+              <a:t>구현 방법</a:t>
+            </a:r>
+            <a:endParaRPr lang="en-US" altLang="ko-KR" sz="2000" b="1" dirty="0" smtClean="0">
+              <a:ln>
+                <a:solidFill>
+                  <a:schemeClr val="bg1">
+                    <a:alpha val="20000"/>
+                  </a:schemeClr>
+                </a:solidFill>
+              </a:ln>
+              <a:solidFill>
+                <a:srgbClr val="112F41"/>
+              </a:solidFill>
+              <a:latin typeface="맑은 고딕" panose="020B0503020000020004" pitchFamily="50" charset="-127"/>
+              <a:ea typeface="맑은 고딕" panose="020B0503020000020004" pitchFamily="50" charset="-127"/>
+            </a:endParaRPr>
           </a:p>
         </p:txBody>
       </p:sp>
@@ -4175,8 +4346,8 @@
         </p:nvSpPr>
         <p:spPr>
           <a:xfrm>
-            <a:off x="628740" y="1366020"/>
-            <a:ext cx="1797937" cy="707886"/>
+            <a:off x="628740" y="1050549"/>
+            <a:ext cx="3749829" cy="523220"/>
           </a:xfrm>
           <a:prstGeom prst="rect">
             <a:avLst/>
@@ -4203,7 +4374,7 @@
           </a:lstStyle>
           <a:p>
             <a:r>
-              <a:rPr lang="en-US" altLang="ko-KR" sz="4000" b="1" dirty="0" smtClean="0">
+              <a:rPr lang="en-US" altLang="ko-KR" sz="2800" b="1" dirty="0" smtClean="0">
                 <a:solidFill>
                   <a:schemeClr val="tx1">
                     <a:lumMod val="50000"/>
@@ -4211,9 +4382,20 @@
                 </a:solidFill>
                 <a:latin typeface="+mj-lt"/>
               </a:rPr>
-              <a:t>* QT</a:t>
-            </a:r>
-            <a:endParaRPr lang="en-US" altLang="ko-KR" sz="4000" b="1" dirty="0">
+              <a:t>* </a:t>
+            </a:r>
+            <a:r>
+              <a:rPr lang="en-US" altLang="ko-KR" sz="2800" b="1" dirty="0" smtClean="0">
+                <a:solidFill>
+                  <a:schemeClr val="tx1">
+                    <a:lumMod val="50000"/>
+                  </a:schemeClr>
+                </a:solidFill>
+                <a:latin typeface="+mj-lt"/>
+              </a:rPr>
+              <a:t>Recycler View</a:t>
+            </a:r>
+            <a:endParaRPr lang="en-US" altLang="ko-KR" sz="2800" b="1" dirty="0">
               <a:solidFill>
                 <a:schemeClr val="tx1">
                   <a:lumMod val="50000"/>
@@ -4265,14 +4447,192 @@
       </p:sp>
       <p:sp>
         <p:nvSpPr>
-          <p:cNvPr id="11" name="TextBox 10"/>
+          <p:cNvPr id="12" name="TextBox 11"/>
           <p:cNvSpPr txBox="1"/>
           <p:nvPr/>
         </p:nvSpPr>
         <p:spPr>
           <a:xfrm>
-            <a:off x="8783513" y="3836658"/>
-            <a:ext cx="2453055" cy="1338828"/>
+            <a:off x="5867401" y="1449134"/>
+            <a:ext cx="5600699" cy="1754326"/>
+          </a:xfrm>
+          <a:prstGeom prst="rect">
+            <a:avLst/>
+          </a:prstGeom>
+          <a:noFill/>
+        </p:spPr>
+        <p:txBody>
+          <a:bodyPr wrap="square" rtlCol="0">
+            <a:spAutoFit/>
+          </a:bodyPr>
+          <a:lstStyle/>
+          <a:p>
+            <a:pPr marL="285750" indent="-285750">
+              <a:lnSpc>
+                <a:spcPct val="150000"/>
+              </a:lnSpc>
+              <a:buFontTx/>
+              <a:buChar char="-"/>
+            </a:pPr>
+            <a:r>
+              <a:rPr lang="ko-KR" altLang="en-US" b="1" dirty="0" smtClean="0"/>
+              <a:t>받아오는 과목의 개수를 알 수 없기에</a:t>
+            </a:r>
+            <a:r>
+              <a:rPr lang="en-US" altLang="ko-KR" b="1" dirty="0" smtClean="0"/>
+              <a:t>,</a:t>
+            </a:r>
+          </a:p>
+          <a:p>
+            <a:pPr marL="285750" indent="-285750">
+              <a:lnSpc>
+                <a:spcPct val="150000"/>
+              </a:lnSpc>
+              <a:buFontTx/>
+              <a:buChar char="-"/>
+            </a:pPr>
+            <a:r>
+              <a:rPr lang="en-US" altLang="ko-KR" b="1" dirty="0" smtClean="0"/>
+              <a:t>Data</a:t>
+            </a:r>
+            <a:r>
+              <a:rPr lang="ko-KR" altLang="en-US" b="1" dirty="0" smtClean="0"/>
+              <a:t>를 동적으로 생성</a:t>
+            </a:r>
+            <a:endParaRPr lang="en-US" altLang="ko-KR" b="1" dirty="0"/>
+          </a:p>
+          <a:p>
+            <a:pPr marL="285750" indent="-285750">
+              <a:lnSpc>
+                <a:spcPct val="150000"/>
+              </a:lnSpc>
+              <a:buFontTx/>
+              <a:buChar char="-"/>
+            </a:pPr>
+            <a:r>
+              <a:rPr lang="en-US" altLang="ko-KR" b="1" dirty="0" smtClean="0"/>
+              <a:t>Adapter</a:t>
+            </a:r>
+            <a:r>
+              <a:rPr lang="ko-KR" altLang="en-US" b="1" dirty="0" smtClean="0"/>
+              <a:t>와 </a:t>
+            </a:r>
+            <a:r>
+              <a:rPr lang="en-US" altLang="ko-KR" b="1" dirty="0" err="1" smtClean="0"/>
+              <a:t>layoutmanager</a:t>
+            </a:r>
+            <a:r>
+              <a:rPr lang="ko-KR" altLang="en-US" b="1" dirty="0" smtClean="0"/>
+              <a:t>를 통해 </a:t>
+            </a:r>
+            <a:r>
+              <a:rPr lang="en-US" altLang="ko-KR" b="1" dirty="0" smtClean="0"/>
+              <a:t>view</a:t>
+            </a:r>
+            <a:r>
+              <a:rPr lang="ko-KR" altLang="en-US" b="1" dirty="0" smtClean="0"/>
+              <a:t>를 구성</a:t>
+            </a:r>
+            <a:endParaRPr lang="en-US" altLang="ko-KR" b="1" dirty="0" smtClean="0"/>
+          </a:p>
+          <a:p>
+            <a:pPr marL="285750" indent="-285750">
+              <a:lnSpc>
+                <a:spcPct val="150000"/>
+              </a:lnSpc>
+              <a:buFontTx/>
+              <a:buChar char="-"/>
+            </a:pPr>
+            <a:r>
+              <a:rPr lang="ko-KR" altLang="en-US" b="1" dirty="0" smtClean="0"/>
+              <a:t>띄우는 동안 </a:t>
+            </a:r>
+            <a:r>
+              <a:rPr lang="en-US" altLang="ko-KR" b="1" dirty="0" err="1" smtClean="0"/>
+              <a:t>progressDialog</a:t>
+            </a:r>
+            <a:r>
+              <a:rPr lang="en-US" altLang="ko-KR" b="1" dirty="0" smtClean="0"/>
+              <a:t> </a:t>
+            </a:r>
+            <a:r>
+              <a:rPr lang="ko-KR" altLang="en-US" b="1" dirty="0" smtClean="0"/>
+              <a:t>보여줌</a:t>
+            </a:r>
+            <a:endParaRPr lang="en-US" altLang="ko-KR" b="1" dirty="0" smtClean="0"/>
+          </a:p>
+        </p:txBody>
+      </p:sp>
+      <p:pic>
+        <p:nvPicPr>
+          <p:cNvPr id="5" name="그림 4"/>
+          <p:cNvPicPr>
+            <a:picLocks noChangeAspect="1"/>
+          </p:cNvPicPr>
+          <p:nvPr/>
+        </p:nvPicPr>
+        <p:blipFill>
+          <a:blip r:embed="rId2">
+            <a:extLst>
+              <a:ext uri="{28A0092B-C50C-407E-A947-70E740481C1C}">
+                <a14:useLocalDpi xmlns:a14="http://schemas.microsoft.com/office/drawing/2010/main" val="0"/>
+              </a:ext>
+            </a:extLst>
+          </a:blip>
+          <a:stretch>
+            <a:fillRect/>
+          </a:stretch>
+        </p:blipFill>
+        <p:spPr>
+          <a:xfrm>
+            <a:off x="948104" y="1951660"/>
+            <a:ext cx="3905250" cy="1400175"/>
+          </a:xfrm>
+          <a:prstGeom prst="rect">
+            <a:avLst/>
+          </a:prstGeom>
+        </p:spPr>
+      </p:pic>
+      <p:pic>
+        <p:nvPicPr>
+          <p:cNvPr id="7" name="그림 6"/>
+          <p:cNvPicPr>
+            <a:picLocks noChangeAspect="1"/>
+          </p:cNvPicPr>
+          <p:nvPr/>
+        </p:nvPicPr>
+        <p:blipFill>
+          <a:blip r:embed="rId3">
+            <a:extLst>
+              <a:ext uri="{28A0092B-C50C-407E-A947-70E740481C1C}">
+                <a14:useLocalDpi xmlns:a14="http://schemas.microsoft.com/office/drawing/2010/main" val="0"/>
+              </a:ext>
+            </a:extLst>
+          </a:blip>
+          <a:stretch>
+            <a:fillRect/>
+          </a:stretch>
+        </p:blipFill>
+        <p:spPr>
+          <a:xfrm>
+            <a:off x="342900" y="4015154"/>
+            <a:ext cx="7705725" cy="2362200"/>
+          </a:xfrm>
+          <a:prstGeom prst="rect">
+            <a:avLst/>
+          </a:prstGeom>
+        </p:spPr>
+      </p:pic>
+      <p:sp>
+        <p:nvSpPr>
+          <p:cNvPr id="10" name="TextBox 9"/>
+          <p:cNvSpPr txBox="1"/>
+          <p:nvPr/>
+        </p:nvSpPr>
+        <p:spPr>
+          <a:xfrm>
+            <a:off x="2166996" y="3152868"/>
+            <a:ext cx="1926132" cy="353751"/>
           </a:xfrm>
           <a:prstGeom prst="rect">
             <a:avLst/>
@@ -4291,11 +4651,38 @@
               </a:lnSpc>
             </a:pPr>
             <a:r>
-              <a:rPr lang="ko-KR" altLang="en-US" b="1" dirty="0" smtClean="0"/>
-              <a:t>화면 전환을 위해 </a:t>
-            </a:r>
-            <a:endParaRPr lang="en-US" altLang="ko-KR" b="1" dirty="0" smtClean="0"/>
-          </a:p>
+              <a:rPr lang="en-US" altLang="ko-KR" sz="1300" b="1" dirty="0" smtClean="0"/>
+              <a:t>Xml </a:t>
+            </a:r>
+            <a:r>
+              <a:rPr lang="ko-KR" altLang="en-US" sz="1300" b="1" dirty="0" smtClean="0"/>
+              <a:t>구성</a:t>
+            </a:r>
+            <a:endParaRPr lang="ko-KR" altLang="en-US" sz="1300" b="1" dirty="0"/>
+          </a:p>
+        </p:txBody>
+      </p:sp>
+      <p:sp>
+        <p:nvSpPr>
+          <p:cNvPr id="11" name="TextBox 10"/>
+          <p:cNvSpPr txBox="1"/>
+          <p:nvPr/>
+        </p:nvSpPr>
+        <p:spPr>
+          <a:xfrm>
+            <a:off x="2503654" y="6200478"/>
+            <a:ext cx="1926132" cy="353751"/>
+          </a:xfrm>
+          <a:prstGeom prst="rect">
+            <a:avLst/>
+          </a:prstGeom>
+          <a:noFill/>
+        </p:spPr>
+        <p:txBody>
+          <a:bodyPr wrap="square" rtlCol="0">
+            <a:spAutoFit/>
+          </a:bodyPr>
+          <a:lstStyle/>
           <a:p>
             <a:pPr>
               <a:lnSpc>
@@ -4303,181 +4690,29 @@
               </a:lnSpc>
             </a:pPr>
             <a:r>
-              <a:rPr lang="en-US" altLang="ko-KR" b="1" dirty="0" err="1" smtClean="0"/>
-              <a:t>StackedWidget</a:t>
-            </a:r>
-            <a:r>
-              <a:rPr lang="en-US" altLang="ko-KR" b="1" dirty="0" smtClean="0"/>
-              <a:t> </a:t>
-            </a:r>
-            <a:r>
-              <a:rPr lang="ko-KR" altLang="en-US" b="1" dirty="0" smtClean="0"/>
-              <a:t>및</a:t>
-            </a:r>
-            <a:endParaRPr lang="en-US" altLang="ko-KR" b="1" dirty="0" smtClean="0"/>
-          </a:p>
-          <a:p>
-            <a:pPr>
-              <a:lnSpc>
-                <a:spcPct val="150000"/>
-              </a:lnSpc>
-            </a:pPr>
-            <a:r>
-              <a:rPr lang="en-US" altLang="ko-KR" b="1" dirty="0" smtClean="0"/>
-              <a:t>Show(), hide() </a:t>
-            </a:r>
-            <a:r>
-              <a:rPr lang="ko-KR" altLang="en-US" b="1" dirty="0" smtClean="0"/>
-              <a:t>사용</a:t>
-            </a:r>
-            <a:endParaRPr lang="ko-KR" altLang="en-US" b="1" dirty="0"/>
-          </a:p>
-        </p:txBody>
-      </p:sp>
-      <p:pic>
-        <p:nvPicPr>
-          <p:cNvPr id="8" name="그림 7"/>
-          <p:cNvPicPr>
-            <a:picLocks noChangeAspect="1"/>
-          </p:cNvPicPr>
-          <p:nvPr/>
-        </p:nvPicPr>
-        <p:blipFill>
-          <a:blip r:embed="rId2"/>
-          <a:stretch>
-            <a:fillRect/>
-          </a:stretch>
-        </p:blipFill>
-        <p:spPr>
-          <a:xfrm>
-            <a:off x="1828800" y="3502550"/>
-            <a:ext cx="6744800" cy="2858486"/>
-          </a:xfrm>
-          <a:prstGeom prst="rect">
-            <a:avLst/>
-          </a:prstGeom>
-        </p:spPr>
-      </p:pic>
-      <p:pic>
-        <p:nvPicPr>
-          <p:cNvPr id="9" name="그림 8"/>
-          <p:cNvPicPr>
-            <a:picLocks noChangeAspect="1"/>
-          </p:cNvPicPr>
-          <p:nvPr/>
-        </p:nvPicPr>
-        <p:blipFill>
-          <a:blip r:embed="rId3"/>
-          <a:stretch>
-            <a:fillRect/>
-          </a:stretch>
-        </p:blipFill>
-        <p:spPr>
-          <a:xfrm>
-            <a:off x="2872886" y="1035664"/>
-            <a:ext cx="1883752" cy="2150006"/>
-          </a:xfrm>
-          <a:prstGeom prst="rect">
-            <a:avLst/>
-          </a:prstGeom>
-        </p:spPr>
-      </p:pic>
-      <p:cxnSp>
-        <p:nvCxnSpPr>
-          <p:cNvPr id="12" name="직선 화살표 연결선 11"/>
-          <p:cNvCxnSpPr/>
-          <p:nvPr/>
-        </p:nvCxnSpPr>
-        <p:spPr>
-          <a:xfrm flipV="1">
-            <a:off x="4343400" y="1366020"/>
-            <a:ext cx="1107831" cy="1262880"/>
-          </a:xfrm>
-          <a:prstGeom prst="straightConnector1">
-            <a:avLst/>
-          </a:prstGeom>
-          <a:ln>
-            <a:tailEnd type="triangle"/>
-          </a:ln>
-        </p:spPr>
-        <p:style>
-          <a:lnRef idx="3">
-            <a:schemeClr val="accent1"/>
-          </a:lnRef>
-          <a:fillRef idx="0">
-            <a:schemeClr val="accent1"/>
-          </a:fillRef>
-          <a:effectRef idx="2">
-            <a:schemeClr val="accent1"/>
-          </a:effectRef>
-          <a:fontRef idx="minor">
-            <a:schemeClr val="tx1"/>
-          </a:fontRef>
-        </p:style>
-      </p:cxnSp>
-      <p:sp>
-        <p:nvSpPr>
-          <p:cNvPr id="13" name="TextBox 12"/>
-          <p:cNvSpPr txBox="1"/>
-          <p:nvPr/>
-        </p:nvSpPr>
-        <p:spPr>
-          <a:xfrm>
-            <a:off x="5590437" y="931125"/>
-            <a:ext cx="4419603" cy="869790"/>
-          </a:xfrm>
-          <a:prstGeom prst="rect">
-            <a:avLst/>
-          </a:prstGeom>
-          <a:noFill/>
-        </p:spPr>
-        <p:txBody>
-          <a:bodyPr wrap="square" rtlCol="0">
-            <a:spAutoFit/>
-          </a:bodyPr>
-          <a:lstStyle/>
-          <a:p>
-            <a:pPr>
-              <a:lnSpc>
-                <a:spcPct val="150000"/>
-              </a:lnSpc>
-            </a:pPr>
-            <a:r>
-              <a:rPr lang="ko-KR" altLang="en-US" b="1" dirty="0" smtClean="0"/>
-              <a:t>버튼을 누르면 시그널 발생 </a:t>
-            </a:r>
-            <a:r>
-              <a:rPr lang="en-US" altLang="ko-KR" b="1" dirty="0" smtClean="0"/>
-              <a:t>/ </a:t>
-            </a:r>
-            <a:r>
-              <a:rPr lang="ko-KR" altLang="en-US" b="1" dirty="0" smtClean="0"/>
-              <a:t>슬롯 호출</a:t>
-            </a:r>
-            <a:endParaRPr lang="en-US" altLang="ko-KR" b="1" dirty="0" smtClean="0"/>
-          </a:p>
-          <a:p>
-            <a:pPr>
-              <a:lnSpc>
-                <a:spcPct val="150000"/>
-              </a:lnSpc>
-            </a:pPr>
-            <a:r>
-              <a:rPr lang="en-US" altLang="ko-KR" b="1" dirty="0" smtClean="0"/>
-              <a:t>=&gt; </a:t>
-            </a:r>
-            <a:r>
-              <a:rPr lang="ko-KR" altLang="en-US" b="1" dirty="0" smtClean="0"/>
-              <a:t>기능 수행</a:t>
-            </a:r>
-            <a:endParaRPr lang="ko-KR" altLang="en-US" b="1" dirty="0"/>
+              <a:rPr lang="en-US" altLang="ko-KR" sz="1300" b="1" dirty="0" smtClean="0"/>
+              <a:t>Adapter</a:t>
+            </a:r>
+            <a:r>
+              <a:rPr lang="ko-KR" altLang="en-US" sz="1300" b="1" dirty="0" smtClean="0"/>
+              <a:t>로 </a:t>
+            </a:r>
+            <a:r>
+              <a:rPr lang="en-US" altLang="ko-KR" sz="1300" b="1" dirty="0" smtClean="0"/>
+              <a:t>view </a:t>
+            </a:r>
+            <a:r>
+              <a:rPr lang="ko-KR" altLang="en-US" sz="1300" b="1" dirty="0" smtClean="0"/>
+              <a:t>전환</a:t>
+            </a:r>
+            <a:endParaRPr lang="ko-KR" altLang="en-US" sz="1300" b="1" dirty="0"/>
           </a:p>
         </p:txBody>
       </p:sp>
     </p:spTree>
     <p:extLst>
       <p:ext uri="{BB962C8B-B14F-4D97-AF65-F5344CB8AC3E}">
-        <p14:creationId xmlns:p14="http://schemas.microsoft.com/office/powerpoint/2010/main" val="4007609739"/>
+        <p14:creationId xmlns:p14="http://schemas.microsoft.com/office/powerpoint/2010/main" val="1485007586"/>
       </p:ext>
     </p:extLst>
   </p:cSld>
@@ -4511,9 +4746,233 @@
           <a:chExt cx="0" cy="0"/>
         </a:xfrm>
       </p:grpSpPr>
+      <p:sp>
+        <p:nvSpPr>
+          <p:cNvPr id="2" name="TextBox 1"/>
+          <p:cNvSpPr txBox="1"/>
+          <p:nvPr/>
+        </p:nvSpPr>
+        <p:spPr>
+          <a:xfrm>
+            <a:off x="0" y="204364"/>
+            <a:ext cx="4853354" cy="400110"/>
+          </a:xfrm>
+          <a:prstGeom prst="rect">
+            <a:avLst/>
+          </a:prstGeom>
+          <a:noFill/>
+          <a:ln>
+            <a:noFill/>
+          </a:ln>
+        </p:spPr>
+        <p:txBody>
+          <a:bodyPr wrap="square" rtlCol="0">
+            <a:spAutoFit/>
+          </a:bodyPr>
+          <a:lstStyle/>
+          <a:p>
+            <a:r>
+              <a:rPr lang="en-US" altLang="ko-KR" sz="2000" b="1" dirty="0" smtClean="0">
+                <a:ln>
+                  <a:solidFill>
+                    <a:schemeClr val="bg1">
+                      <a:alpha val="20000"/>
+                    </a:schemeClr>
+                  </a:solidFill>
+                </a:ln>
+                <a:solidFill>
+                  <a:srgbClr val="112F41"/>
+                </a:solidFill>
+                <a:latin typeface="맑은 고딕" panose="020B0503020000020004" pitchFamily="50" charset="-127"/>
+                <a:ea typeface="맑은 고딕" panose="020B0503020000020004" pitchFamily="50" charset="-127"/>
+              </a:rPr>
+              <a:t>3. </a:t>
+            </a:r>
+            <a:r>
+              <a:rPr lang="ko-KR" altLang="en-US" sz="2000" b="1" dirty="0" smtClean="0">
+                <a:ln>
+                  <a:solidFill>
+                    <a:schemeClr val="bg1">
+                      <a:alpha val="20000"/>
+                    </a:schemeClr>
+                  </a:solidFill>
+                </a:ln>
+                <a:solidFill>
+                  <a:srgbClr val="112F41"/>
+                </a:solidFill>
+                <a:latin typeface="맑은 고딕" panose="020B0503020000020004" pitchFamily="50" charset="-127"/>
+                <a:ea typeface="맑은 고딕" panose="020B0503020000020004" pitchFamily="50" charset="-127"/>
+              </a:rPr>
+              <a:t>구현 방법</a:t>
+            </a:r>
+            <a:endParaRPr lang="en-US" altLang="ko-KR" sz="2000" b="1" dirty="0" smtClean="0">
+              <a:ln>
+                <a:solidFill>
+                  <a:schemeClr val="bg1">
+                    <a:alpha val="20000"/>
+                  </a:schemeClr>
+                </a:solidFill>
+              </a:ln>
+              <a:solidFill>
+                <a:srgbClr val="112F41"/>
+              </a:solidFill>
+              <a:latin typeface="맑은 고딕" panose="020B0503020000020004" pitchFamily="50" charset="-127"/>
+              <a:ea typeface="맑은 고딕" panose="020B0503020000020004" pitchFamily="50" charset="-127"/>
+            </a:endParaRPr>
+          </a:p>
+        </p:txBody>
+      </p:sp>
+      <p:cxnSp>
+        <p:nvCxnSpPr>
+          <p:cNvPr id="3" name="직선 연결선 2"/>
+          <p:cNvCxnSpPr/>
+          <p:nvPr/>
+        </p:nvCxnSpPr>
+        <p:spPr>
+          <a:xfrm>
+            <a:off x="186353" y="718783"/>
+            <a:ext cx="3550378" cy="0"/>
+          </a:xfrm>
+          <a:prstGeom prst="line">
+            <a:avLst/>
+          </a:prstGeom>
+          <a:ln w="28575">
+            <a:solidFill>
+              <a:srgbClr val="112F41"/>
+            </a:solidFill>
+          </a:ln>
+        </p:spPr>
+        <p:style>
+          <a:lnRef idx="1">
+            <a:schemeClr val="accent1"/>
+          </a:lnRef>
+          <a:fillRef idx="0">
+            <a:schemeClr val="accent1"/>
+          </a:fillRef>
+          <a:effectRef idx="0">
+            <a:schemeClr val="accent1"/>
+          </a:effectRef>
+          <a:fontRef idx="minor">
+            <a:schemeClr val="tx1"/>
+          </a:fontRef>
+        </p:style>
+      </p:cxnSp>
+      <p:sp>
+        <p:nvSpPr>
+          <p:cNvPr id="6" name="TextBox 5">
+            <a:extLst>
+              <a:ext uri="{FF2B5EF4-FFF2-40B4-BE49-F238E27FC236}">
+                <a16:creationId xmlns:a16="http://schemas.microsoft.com/office/drawing/2014/main" id="{6775E867-2435-43F1-BD85-E46354B77A79}"/>
+              </a:ext>
+            </a:extLst>
+          </p:cNvPr>
+          <p:cNvSpPr txBox="1"/>
+          <p:nvPr/>
+        </p:nvSpPr>
+        <p:spPr>
+          <a:xfrm>
+            <a:off x="637532" y="936239"/>
+            <a:ext cx="3749829" cy="523220"/>
+          </a:xfrm>
+          <a:prstGeom prst="rect">
+            <a:avLst/>
+          </a:prstGeom>
+          <a:noFill/>
+        </p:spPr>
+        <p:txBody>
+          <a:bodyPr wrap="square" rtlCol="0">
+            <a:spAutoFit/>
+          </a:bodyPr>
+          <a:lstStyle>
+            <a:defPPr>
+              <a:defRPr lang="ko-KR"/>
+            </a:defPPr>
+            <a:lvl1pPr algn="ctr">
+              <a:defRPr sz="3600">
+                <a:solidFill>
+                  <a:schemeClr val="bg1"/>
+                </a:solidFill>
+                <a:latin typeface="배달의민족 주아" panose="02020603020101020101" pitchFamily="18" charset="-127"/>
+                <a:ea typeface="배달의민족 주아" panose="02020603020101020101" pitchFamily="18" charset="-127"/>
+              </a:defRPr>
+            </a:lvl1pPr>
+          </a:lstStyle>
+          <a:p>
+            <a:r>
+              <a:rPr lang="en-US" altLang="ko-KR" sz="2800" b="1" dirty="0" smtClean="0">
+                <a:solidFill>
+                  <a:schemeClr val="tx1">
+                    <a:lumMod val="50000"/>
+                  </a:schemeClr>
+                </a:solidFill>
+                <a:latin typeface="+mj-lt"/>
+              </a:rPr>
+              <a:t>* </a:t>
+            </a:r>
+            <a:r>
+              <a:rPr lang="en-US" altLang="ko-KR" sz="2800" b="1" dirty="0" smtClean="0">
+                <a:solidFill>
+                  <a:schemeClr val="tx1">
+                    <a:lumMod val="50000"/>
+                  </a:schemeClr>
+                </a:solidFill>
+                <a:latin typeface="+mj-lt"/>
+              </a:rPr>
+              <a:t>Adapter</a:t>
+            </a:r>
+            <a:endParaRPr lang="en-US" altLang="ko-KR" sz="2800" b="1" dirty="0">
+              <a:solidFill>
+                <a:schemeClr val="tx1">
+                  <a:lumMod val="50000"/>
+                </a:schemeClr>
+              </a:solidFill>
+              <a:latin typeface="+mj-lt"/>
+            </a:endParaRPr>
+          </a:p>
+        </p:txBody>
+      </p:sp>
+      <p:sp>
+        <p:nvSpPr>
+          <p:cNvPr id="4" name="AutoShape 2" descr="원형큐에 대한 이미지 검색결과"/>
+          <p:cNvSpPr>
+            <a:spLocks noChangeAspect="1" noChangeArrowheads="1"/>
+          </p:cNvSpPr>
+          <p:nvPr/>
+        </p:nvSpPr>
+        <p:spPr bwMode="auto">
+          <a:xfrm>
+            <a:off x="155575" y="-144463"/>
+            <a:ext cx="304800" cy="304801"/>
+          </a:xfrm>
+          <a:prstGeom prst="rect">
+            <a:avLst/>
+          </a:prstGeom>
+          <a:noFill/>
+          <a:extLst>
+            <a:ext uri="{909E8E84-426E-40DD-AFC4-6F175D3DCCD1}">
+              <a14:hiddenFill xmlns:a14="http://schemas.microsoft.com/office/drawing/2010/main">
+                <a:solidFill>
+                  <a:srgbClr val="FFFFFF"/>
+                </a:solidFill>
+              </a14:hiddenFill>
+            </a:ext>
+          </a:extLst>
+        </p:spPr>
+        <p:txBody>
+          <a:bodyPr vert="horz" wrap="square" lIns="91440" tIns="45720" rIns="91440" bIns="45720" numCol="1" anchor="t" anchorCtr="0" compatLnSpc="1">
+            <a:prstTxWarp prst="textNoShape">
+              <a:avLst/>
+            </a:prstTxWarp>
+          </a:bodyPr>
+          <a:lstStyle/>
+          <a:p>
+            <a:endParaRPr lang="ko-KR" altLang="en-US"/>
+          </a:p>
+        </p:txBody>
+      </p:sp>
       <p:pic>
         <p:nvPicPr>
-          <p:cNvPr id="11" name="그림 10"/>
+          <p:cNvPr id="9" name="그림 8"/>
           <p:cNvPicPr>
             <a:picLocks noChangeAspect="1"/>
           </p:cNvPicPr>
@@ -4533,8 +4992,8 @@
         </p:blipFill>
         <p:spPr>
           <a:xfrm>
-            <a:off x="0" y="0"/>
-            <a:ext cx="12192000" cy="6858000"/>
+            <a:off x="1961542" y="1573769"/>
+            <a:ext cx="8024991" cy="4527306"/>
           </a:xfrm>
           <a:prstGeom prst="rect">
             <a:avLst/>
@@ -4543,119 +5002,19 @@
       </p:pic>
       <p:sp>
         <p:nvSpPr>
-          <p:cNvPr id="4" name="직사각형 3"/>
-          <p:cNvSpPr/>
-          <p:nvPr/>
-        </p:nvSpPr>
-        <p:spPr>
-          <a:xfrm>
-            <a:off x="0" y="12530"/>
-            <a:ext cx="12191999" cy="6858000"/>
-          </a:xfrm>
-          <a:prstGeom prst="rect">
-            <a:avLst/>
-          </a:prstGeom>
-          <a:solidFill>
-            <a:schemeClr val="bg1">
-              <a:alpha val="62000"/>
-            </a:schemeClr>
-          </a:solidFill>
-          <a:ln>
-            <a:noFill/>
-          </a:ln>
-        </p:spPr>
-        <p:style>
-          <a:lnRef idx="2">
-            <a:schemeClr val="accent1">
-              <a:shade val="50000"/>
-            </a:schemeClr>
-          </a:lnRef>
-          <a:fillRef idx="1">
-            <a:schemeClr val="accent1"/>
-          </a:fillRef>
-          <a:effectRef idx="0">
-            <a:schemeClr val="accent1"/>
-          </a:effectRef>
-          <a:fontRef idx="minor">
-            <a:schemeClr val="lt1"/>
-          </a:fontRef>
-        </p:style>
-        <p:txBody>
-          <a:bodyPr rtlCol="0" anchor="ctr"/>
-          <a:lstStyle/>
-          <a:p>
-            <a:pPr algn="ctr"/>
-            <a:endParaRPr lang="ko-KR" altLang="en-US"/>
-          </a:p>
-        </p:txBody>
-      </p:sp>
-      <p:sp>
-        <p:nvSpPr>
-          <p:cNvPr id="5" name="직사각형 4"/>
-          <p:cNvSpPr/>
-          <p:nvPr/>
-        </p:nvSpPr>
-        <p:spPr>
-          <a:xfrm>
-            <a:off x="2472353" y="2409756"/>
-            <a:ext cx="7247295" cy="2063548"/>
-          </a:xfrm>
-          <a:prstGeom prst="rect">
-            <a:avLst/>
-          </a:prstGeom>
-          <a:solidFill>
-            <a:schemeClr val="bg1">
-              <a:lumMod val="95000"/>
-              <a:alpha val="17000"/>
-            </a:schemeClr>
-          </a:solidFill>
-          <a:ln>
-            <a:noFill/>
-          </a:ln>
-        </p:spPr>
-        <p:style>
-          <a:lnRef idx="2">
-            <a:schemeClr val="accent1">
-              <a:shade val="50000"/>
-            </a:schemeClr>
-          </a:lnRef>
-          <a:fillRef idx="1">
-            <a:schemeClr val="accent1"/>
-          </a:fillRef>
-          <a:effectRef idx="0">
-            <a:schemeClr val="accent1"/>
-          </a:effectRef>
-          <a:fontRef idx="minor">
-            <a:schemeClr val="lt1"/>
-          </a:fontRef>
-        </p:style>
-        <p:txBody>
-          <a:bodyPr rtlCol="0" anchor="ctr"/>
-          <a:lstStyle/>
-          <a:p>
-            <a:pPr algn="ctr"/>
-            <a:endParaRPr lang="ko-KR" altLang="en-US"/>
-          </a:p>
-        </p:txBody>
-      </p:sp>
-      <p:sp>
-        <p:nvSpPr>
-          <p:cNvPr id="6" name="TextBox 5"/>
+          <p:cNvPr id="11" name="TextBox 10"/>
           <p:cNvSpPr txBox="1"/>
           <p:nvPr/>
         </p:nvSpPr>
         <p:spPr>
           <a:xfrm>
-            <a:off x="3107473" y="3061971"/>
-            <a:ext cx="5977052" cy="769441"/>
+            <a:off x="4853354" y="6101075"/>
+            <a:ext cx="2971800" cy="392415"/>
           </a:xfrm>
           <a:prstGeom prst="rect">
             <a:avLst/>
           </a:prstGeom>
           <a:noFill/>
-          <a:ln>
-            <a:noFill/>
-          </a:ln>
         </p:spPr>
         <p:txBody>
           <a:bodyPr wrap="square" rtlCol="0">
@@ -4663,189 +5022,23 @@
           </a:bodyPr>
           <a:lstStyle/>
           <a:p>
-            <a:pPr algn="ctr"/>
-            <a:r>
-              <a:rPr lang="en-US" altLang="ko-KR" sz="4400" b="1" dirty="0" smtClean="0">
-                <a:ln>
-                  <a:solidFill>
-                    <a:schemeClr val="bg1">
-                      <a:alpha val="20000"/>
-                    </a:schemeClr>
-                  </a:solidFill>
-                </a:ln>
-                <a:solidFill>
-                  <a:srgbClr val="112F41"/>
-                </a:solidFill>
-                <a:latin typeface="맑은 고딕" panose="020B0503020000020004" pitchFamily="50" charset="-127"/>
-                <a:ea typeface="맑은 고딕" panose="020B0503020000020004" pitchFamily="50" charset="-127"/>
-              </a:rPr>
-              <a:t>4. </a:t>
-            </a:r>
-            <a:r>
-              <a:rPr lang="ko-KR" altLang="en-US" sz="4400" b="1" dirty="0" smtClean="0">
-                <a:ln>
-                  <a:solidFill>
-                    <a:schemeClr val="bg1">
-                      <a:alpha val="20000"/>
-                    </a:schemeClr>
-                  </a:solidFill>
-                </a:ln>
-                <a:solidFill>
-                  <a:srgbClr val="112F41"/>
-                </a:solidFill>
-                <a:latin typeface="맑은 고딕" panose="020B0503020000020004" pitchFamily="50" charset="-127"/>
-                <a:ea typeface="맑은 고딕" panose="020B0503020000020004" pitchFamily="50" charset="-127"/>
-              </a:rPr>
-              <a:t>기능</a:t>
-            </a:r>
-            <a:endParaRPr lang="en-US" altLang="ko-KR" sz="4400" b="1" dirty="0" smtClean="0">
-              <a:ln>
-                <a:solidFill>
-                  <a:schemeClr val="bg1">
-                    <a:alpha val="20000"/>
-                  </a:schemeClr>
-                </a:solidFill>
-              </a:ln>
-              <a:solidFill>
-                <a:srgbClr val="112F41"/>
-              </a:solidFill>
-              <a:latin typeface="맑은 고딕" panose="020B0503020000020004" pitchFamily="50" charset="-127"/>
-              <a:ea typeface="맑은 고딕" panose="020B0503020000020004" pitchFamily="50" charset="-127"/>
-            </a:endParaRPr>
-          </a:p>
-        </p:txBody>
-      </p:sp>
-      <p:cxnSp>
-        <p:nvCxnSpPr>
-          <p:cNvPr id="7" name="직선 연결선 6"/>
-          <p:cNvCxnSpPr/>
-          <p:nvPr/>
-        </p:nvCxnSpPr>
-        <p:spPr>
-          <a:xfrm>
-            <a:off x="2472353" y="2409756"/>
-            <a:ext cx="7247295" cy="14395"/>
-          </a:xfrm>
-          <a:prstGeom prst="line">
-            <a:avLst/>
-          </a:prstGeom>
-          <a:ln w="28575">
-            <a:solidFill>
-              <a:srgbClr val="112F41"/>
-            </a:solidFill>
-          </a:ln>
-        </p:spPr>
-        <p:style>
-          <a:lnRef idx="1">
-            <a:schemeClr val="accent1"/>
-          </a:lnRef>
-          <a:fillRef idx="0">
-            <a:schemeClr val="accent1"/>
-          </a:fillRef>
-          <a:effectRef idx="0">
-            <a:schemeClr val="accent1"/>
-          </a:effectRef>
-          <a:fontRef idx="minor">
-            <a:schemeClr val="tx1"/>
-          </a:fontRef>
-        </p:style>
-      </p:cxnSp>
-      <p:cxnSp>
-        <p:nvCxnSpPr>
-          <p:cNvPr id="8" name="직선 연결선 7"/>
-          <p:cNvCxnSpPr/>
-          <p:nvPr/>
-        </p:nvCxnSpPr>
-        <p:spPr>
-          <a:xfrm>
-            <a:off x="2472353" y="4473304"/>
-            <a:ext cx="7247295" cy="0"/>
-          </a:xfrm>
-          <a:prstGeom prst="line">
-            <a:avLst/>
-          </a:prstGeom>
-          <a:ln w="28575">
-            <a:solidFill>
-              <a:srgbClr val="112F41"/>
-            </a:solidFill>
-          </a:ln>
-        </p:spPr>
-        <p:style>
-          <a:lnRef idx="1">
-            <a:schemeClr val="accent1"/>
-          </a:lnRef>
-          <a:fillRef idx="0">
-            <a:schemeClr val="accent1"/>
-          </a:fillRef>
-          <a:effectRef idx="0">
-            <a:schemeClr val="accent1"/>
-          </a:effectRef>
-          <a:fontRef idx="minor">
-            <a:schemeClr val="tx1"/>
-          </a:fontRef>
-        </p:style>
-      </p:cxnSp>
-      <p:sp>
-        <p:nvSpPr>
-          <p:cNvPr id="14" name="TextBox 13"/>
-          <p:cNvSpPr txBox="1"/>
-          <p:nvPr/>
-        </p:nvSpPr>
-        <p:spPr>
-          <a:xfrm>
-            <a:off x="13293139" y="2363482"/>
-            <a:ext cx="748923" cy="769441"/>
-          </a:xfrm>
-          <a:prstGeom prst="rect">
-            <a:avLst/>
-          </a:prstGeom>
-          <a:noFill/>
-        </p:spPr>
-        <p:txBody>
-          <a:bodyPr wrap="none" rtlCol="0">
-            <a:spAutoFit/>
-          </a:bodyPr>
-          <a:lstStyle/>
-          <a:p>
-            <a:pPr algn="ctr"/>
-            <a:r>
-              <a:rPr lang="en-US" altLang="ko-KR" sz="4400" b="1" dirty="0">
-                <a:ln>
-                  <a:solidFill>
-                    <a:schemeClr val="bg1">
-                      <a:alpha val="20000"/>
-                    </a:schemeClr>
-                  </a:solidFill>
-                </a:ln>
-                <a:solidFill>
-                  <a:schemeClr val="bg1"/>
-                </a:solidFill>
-                <a:latin typeface="나눔스퀘어 ExtraBold" panose="020B0600000101010101" pitchFamily="50" charset="-127"/>
-                <a:ea typeface="나눔스퀘어 ExtraBold" panose="020B0600000101010101" pitchFamily="50" charset="-127"/>
-              </a:rPr>
-              <a:t>1.</a:t>
-            </a:r>
-            <a:endParaRPr lang="ko-KR" altLang="en-US" sz="4400" b="1" dirty="0">
-              <a:ln>
-                <a:solidFill>
-                  <a:schemeClr val="bg1">
-                    <a:alpha val="20000"/>
-                  </a:schemeClr>
-                </a:solidFill>
-              </a:ln>
-              <a:solidFill>
-                <a:schemeClr val="bg1"/>
-              </a:solidFill>
-              <a:latin typeface="나눔스퀘어 ExtraBold" panose="020B0600000101010101" pitchFamily="50" charset="-127"/>
-              <a:ea typeface="나눔스퀘어 ExtraBold" panose="020B0600000101010101" pitchFamily="50" charset="-127"/>
-            </a:endParaRPr>
+            <a:pPr>
+              <a:lnSpc>
+                <a:spcPct val="150000"/>
+              </a:lnSpc>
+            </a:pPr>
+            <a:r>
+              <a:rPr lang="ko-KR" altLang="en-US" sz="1300" b="1" dirty="0" smtClean="0"/>
+              <a:t>뷰를 구성해주는 어댑터 코드</a:t>
+            </a:r>
+            <a:endParaRPr lang="ko-KR" altLang="en-US" sz="1300" b="1" dirty="0"/>
           </a:p>
         </p:txBody>
       </p:sp>
     </p:spTree>
     <p:extLst>
       <p:ext uri="{BB962C8B-B14F-4D97-AF65-F5344CB8AC3E}">
-        <p14:creationId xmlns:p14="http://schemas.microsoft.com/office/powerpoint/2010/main" val="1983664475"/>
+        <p14:creationId xmlns:p14="http://schemas.microsoft.com/office/powerpoint/2010/main" val="3770958811"/>
       </p:ext>
     </p:extLst>
   </p:cSld>
@@ -4905,23 +5098,6 @@
           <a:lstStyle/>
           <a:p>
             <a:r>
-              <a:rPr lang="en-US" altLang="ko-KR" sz="2000" b="1" dirty="0">
-                <a:ln>
-                  <a:solidFill>
-                    <a:schemeClr val="bg1">
-                      <a:alpha val="20000"/>
-                    </a:schemeClr>
-                  </a:solidFill>
-                </a:ln>
-                <a:solidFill>
-                  <a:srgbClr val="112F41"/>
-                </a:solidFill>
-                <a:latin typeface="맑은 고딕" panose="020B0503020000020004" pitchFamily="50" charset="-127"/>
-                <a:ea typeface="맑은 고딕" panose="020B0503020000020004" pitchFamily="50" charset="-127"/>
-              </a:rPr>
-              <a:t>4</a:t>
-            </a:r>
-            <a:r>
               <a:rPr lang="en-US" altLang="ko-KR" sz="2000" b="1" dirty="0" smtClean="0">
                 <a:ln>
                   <a:solidFill>
@@ -4936,7 +5112,7 @@
                 <a:latin typeface="맑은 고딕" panose="020B0503020000020004" pitchFamily="50" charset="-127"/>
                 <a:ea typeface="맑은 고딕" panose="020B0503020000020004" pitchFamily="50" charset="-127"/>
               </a:rPr>
-              <a:t>. </a:t>
+              <a:t>3. </a:t>
             </a:r>
             <a:r>
               <a:rPr lang="ko-KR" altLang="en-US" sz="2000" b="1" dirty="0" smtClean="0">
@@ -4953,7 +5129,7 @@
                 <a:latin typeface="맑은 고딕" panose="020B0503020000020004" pitchFamily="50" charset="-127"/>
                 <a:ea typeface="맑은 고딕" panose="020B0503020000020004" pitchFamily="50" charset="-127"/>
               </a:rPr>
-              <a:t>기능</a:t>
+              <a:t>구현 방법</a:t>
             </a:r>
             <a:endParaRPr lang="en-US" altLang="ko-KR" sz="2000" b="1" dirty="0" smtClean="0">
               <a:ln>
@@ -5009,6 +5185,80 @@
       </p:cxnSp>
       <p:sp>
         <p:nvSpPr>
+          <p:cNvPr id="6" name="TextBox 5">
+            <a:extLst>
+              <a:ext uri="{FF2B5EF4-FFF2-40B4-BE49-F238E27FC236}">
+                <a16:creationId xmlns:a16="http://schemas.microsoft.com/office/drawing/2014/main" id="{6775E867-2435-43F1-BD85-E46354B77A79}"/>
+              </a:ext>
+            </a:extLst>
+          </p:cNvPr>
+          <p:cNvSpPr txBox="1"/>
+          <p:nvPr/>
+        </p:nvSpPr>
+        <p:spPr>
+          <a:xfrm>
+            <a:off x="637532" y="936239"/>
+            <a:ext cx="3749829" cy="523220"/>
+          </a:xfrm>
+          <a:prstGeom prst="rect">
+            <a:avLst/>
+          </a:prstGeom>
+          <a:noFill/>
+        </p:spPr>
+        <p:txBody>
+          <a:bodyPr wrap="square" rtlCol="0">
+            <a:spAutoFit/>
+          </a:bodyPr>
+          <a:lstStyle>
+            <a:defPPr>
+              <a:defRPr lang="ko-KR"/>
+            </a:defPPr>
+            <a:lvl1pPr algn="ctr">
+              <a:defRPr sz="3600">
+                <a:solidFill>
+                  <a:schemeClr val="bg1"/>
+                </a:solidFill>
+                <a:latin typeface="배달의민족 주아" panose="02020603020101020101" pitchFamily="18" charset="-127"/>
+                <a:ea typeface="배달의민족 주아" panose="02020603020101020101" pitchFamily="18" charset="-127"/>
+              </a:defRPr>
+            </a:lvl1pPr>
+          </a:lstStyle>
+          <a:p>
+            <a:r>
+              <a:rPr lang="en-US" altLang="ko-KR" sz="2800" b="1" dirty="0" smtClean="0">
+                <a:solidFill>
+                  <a:schemeClr val="tx1">
+                    <a:lumMod val="50000"/>
+                  </a:schemeClr>
+                </a:solidFill>
+                <a:latin typeface="+mj-lt"/>
+              </a:rPr>
+              <a:t>* </a:t>
+            </a:r>
+            <a:r>
+              <a:rPr lang="en-US" altLang="ko-KR" sz="2800" b="1" dirty="0" smtClean="0">
+                <a:solidFill>
+                  <a:schemeClr val="tx1">
+                    <a:lumMod val="50000"/>
+                  </a:schemeClr>
+                </a:solidFill>
+                <a:latin typeface="+mj-lt"/>
+              </a:rPr>
+              <a:t>Preference</a:t>
+            </a:r>
+            <a:endParaRPr lang="en-US" altLang="ko-KR" sz="2800" b="1" dirty="0">
+              <a:solidFill>
+                <a:schemeClr val="tx1">
+                  <a:lumMod val="50000"/>
+                </a:schemeClr>
+              </a:solidFill>
+              <a:latin typeface="+mj-lt"/>
+            </a:endParaRPr>
+          </a:p>
+        </p:txBody>
+      </p:sp>
+      <p:sp>
+        <p:nvSpPr>
           <p:cNvPr id="4" name="AutoShape 2" descr="원형큐에 대한 이미지 검색결과"/>
           <p:cNvSpPr>
             <a:spLocks noChangeAspect="1" noChangeArrowheads="1"/>
@@ -5048,28 +5298,131 @@
       </p:sp>
       <p:pic>
         <p:nvPicPr>
-          <p:cNvPr id="9" name="그림 8"/>
+          <p:cNvPr id="5" name="그림 4"/>
           <p:cNvPicPr>
             <a:picLocks noChangeAspect="1"/>
           </p:cNvPicPr>
           <p:nvPr/>
         </p:nvPicPr>
         <p:blipFill>
-          <a:blip r:embed="rId2"/>
+          <a:blip r:embed="rId2">
+            <a:extLst>
+              <a:ext uri="{28A0092B-C50C-407E-A947-70E740481C1C}">
+                <a14:useLocalDpi xmlns:a14="http://schemas.microsoft.com/office/drawing/2010/main" val="0"/>
+              </a:ext>
+            </a:extLst>
+          </a:blip>
           <a:stretch>
             <a:fillRect/>
           </a:stretch>
         </p:blipFill>
         <p:spPr>
           <a:xfrm>
-            <a:off x="1685922" y="1668710"/>
-            <a:ext cx="3299315" cy="3765647"/>
+            <a:off x="5715001" y="1038602"/>
+            <a:ext cx="5585134" cy="5327028"/>
           </a:xfrm>
           <a:prstGeom prst="rect">
             <a:avLst/>
           </a:prstGeom>
         </p:spPr>
       </p:pic>
+      <p:sp>
+        <p:nvSpPr>
+          <p:cNvPr id="10" name="TextBox 9"/>
+          <p:cNvSpPr txBox="1"/>
+          <p:nvPr/>
+        </p:nvSpPr>
+        <p:spPr>
+          <a:xfrm>
+            <a:off x="637532" y="1676914"/>
+            <a:ext cx="5077469" cy="1338828"/>
+          </a:xfrm>
+          <a:prstGeom prst="rect">
+            <a:avLst/>
+          </a:prstGeom>
+          <a:noFill/>
+        </p:spPr>
+        <p:txBody>
+          <a:bodyPr wrap="square" rtlCol="0">
+            <a:spAutoFit/>
+          </a:bodyPr>
+          <a:lstStyle/>
+          <a:p>
+            <a:pPr marL="285750" indent="-285750">
+              <a:lnSpc>
+                <a:spcPct val="150000"/>
+              </a:lnSpc>
+              <a:buFontTx/>
+              <a:buChar char="-"/>
+            </a:pPr>
+            <a:r>
+              <a:rPr lang="ko-KR" altLang="en-US" b="1" dirty="0" smtClean="0"/>
+              <a:t>메인 화면은 </a:t>
+            </a:r>
+            <a:r>
+              <a:rPr lang="en-US" altLang="ko-KR" b="1" dirty="0" err="1" smtClean="0"/>
+              <a:t>PreferenceScreen</a:t>
+            </a:r>
+            <a:r>
+              <a:rPr lang="ko-KR" altLang="en-US" b="1" dirty="0" smtClean="0"/>
+              <a:t>을 채택</a:t>
+            </a:r>
+            <a:endParaRPr lang="en-US" altLang="ko-KR" b="1" dirty="0" smtClean="0"/>
+          </a:p>
+          <a:p>
+            <a:pPr marL="285750" indent="-285750">
+              <a:lnSpc>
+                <a:spcPct val="150000"/>
+              </a:lnSpc>
+              <a:buFontTx/>
+              <a:buChar char="-"/>
+            </a:pPr>
+            <a:r>
+              <a:rPr lang="en-US" altLang="ko-KR" b="1" dirty="0" smtClean="0"/>
+              <a:t>Notification</a:t>
+            </a:r>
+            <a:r>
+              <a:rPr lang="ko-KR" altLang="en-US" b="1" dirty="0" smtClean="0"/>
+              <a:t>이 주가 되는 </a:t>
+            </a:r>
+            <a:r>
+              <a:rPr lang="ko-KR" altLang="en-US" b="1" dirty="0" err="1" smtClean="0"/>
+              <a:t>어플이라</a:t>
+            </a:r>
+            <a:r>
+              <a:rPr lang="ko-KR" altLang="en-US" b="1" dirty="0" smtClean="0"/>
+              <a:t> 판단</a:t>
+            </a:r>
+            <a:endParaRPr lang="en-US" altLang="ko-KR" b="1" dirty="0" smtClean="0"/>
+          </a:p>
+          <a:p>
+            <a:pPr marL="285750" indent="-285750">
+              <a:lnSpc>
+                <a:spcPct val="150000"/>
+              </a:lnSpc>
+              <a:buFontTx/>
+              <a:buChar char="-"/>
+            </a:pPr>
+            <a:r>
+              <a:rPr lang="en-US" altLang="ko-KR" b="1" dirty="0" smtClean="0"/>
+              <a:t>UI</a:t>
+            </a:r>
+            <a:r>
+              <a:rPr lang="ko-KR" altLang="en-US" b="1" dirty="0" smtClean="0"/>
+              <a:t>는 </a:t>
+            </a:r>
+            <a:r>
+              <a:rPr lang="en-US" altLang="ko-KR" b="1" dirty="0" smtClean="0"/>
+              <a:t>Setting</a:t>
+            </a:r>
+            <a:r>
+              <a:rPr lang="ko-KR" altLang="en-US" b="1" dirty="0" smtClean="0"/>
+              <a:t>에 가까운 느낌을 주고자 함</a:t>
+            </a:r>
+            <a:endParaRPr lang="en-US" altLang="ko-KR" b="1" dirty="0" smtClean="0"/>
+          </a:p>
+        </p:txBody>
+      </p:sp>
       <p:pic>
         <p:nvPicPr>
           <p:cNvPr id="8" name="그림 7"/>
@@ -5079,25 +5432,105 @@
           <p:nvPr/>
         </p:nvPicPr>
         <p:blipFill>
-          <a:blip r:embed="rId3"/>
+          <a:blip r:embed="rId3">
+            <a:extLst>
+              <a:ext uri="{28A0092B-C50C-407E-A947-70E740481C1C}">
+                <a14:useLocalDpi xmlns:a14="http://schemas.microsoft.com/office/drawing/2010/main" val="0"/>
+              </a:ext>
+            </a:extLst>
+          </a:blip>
           <a:stretch>
             <a:fillRect/>
           </a:stretch>
         </p:blipFill>
         <p:spPr>
           <a:xfrm>
-            <a:off x="5607294" y="1668710"/>
-            <a:ext cx="3536706" cy="3765647"/>
+            <a:off x="637532" y="3015742"/>
+            <a:ext cx="4668716" cy="3549285"/>
           </a:xfrm>
           <a:prstGeom prst="rect">
             <a:avLst/>
           </a:prstGeom>
         </p:spPr>
       </p:pic>
+      <p:sp>
+        <p:nvSpPr>
+          <p:cNvPr id="11" name="TextBox 10"/>
+          <p:cNvSpPr txBox="1"/>
+          <p:nvPr/>
+        </p:nvSpPr>
+        <p:spPr>
+          <a:xfrm>
+            <a:off x="2213200" y="6504249"/>
+            <a:ext cx="1926132" cy="353751"/>
+          </a:xfrm>
+          <a:prstGeom prst="rect">
+            <a:avLst/>
+          </a:prstGeom>
+          <a:noFill/>
+        </p:spPr>
+        <p:txBody>
+          <a:bodyPr wrap="square" rtlCol="0">
+            <a:spAutoFit/>
+          </a:bodyPr>
+          <a:lstStyle/>
+          <a:p>
+            <a:pPr>
+              <a:lnSpc>
+                <a:spcPct val="150000"/>
+              </a:lnSpc>
+            </a:pPr>
+            <a:r>
+              <a:rPr lang="en-US" altLang="ko-KR" sz="1300" b="1" dirty="0" smtClean="0"/>
+              <a:t>Preference </a:t>
+            </a:r>
+            <a:r>
+              <a:rPr lang="ko-KR" altLang="en-US" sz="1300" b="1" dirty="0" smtClean="0"/>
+              <a:t>불러오기</a:t>
+            </a:r>
+            <a:endParaRPr lang="ko-KR" altLang="en-US" sz="1300" b="1" dirty="0"/>
+          </a:p>
+        </p:txBody>
+      </p:sp>
+      <p:sp>
+        <p:nvSpPr>
+          <p:cNvPr id="12" name="TextBox 11"/>
+          <p:cNvSpPr txBox="1"/>
+          <p:nvPr/>
+        </p:nvSpPr>
+        <p:spPr>
+          <a:xfrm>
+            <a:off x="7996295" y="6457461"/>
+            <a:ext cx="1926132" cy="353751"/>
+          </a:xfrm>
+          <a:prstGeom prst="rect">
+            <a:avLst/>
+          </a:prstGeom>
+          <a:noFill/>
+        </p:spPr>
+        <p:txBody>
+          <a:bodyPr wrap="square" rtlCol="0">
+            <a:spAutoFit/>
+          </a:bodyPr>
+          <a:lstStyle/>
+          <a:p>
+            <a:pPr>
+              <a:lnSpc>
+                <a:spcPct val="150000"/>
+              </a:lnSpc>
+            </a:pPr>
+            <a:r>
+              <a:rPr lang="en-US" altLang="ko-KR" sz="1300" b="1" dirty="0" smtClean="0"/>
+              <a:t>xml/preference</a:t>
+            </a:r>
+            <a:endParaRPr lang="ko-KR" altLang="en-US" sz="1300" b="1" dirty="0"/>
+          </a:p>
+        </p:txBody>
+      </p:sp>
     </p:spTree>
     <p:extLst>
       <p:ext uri="{BB962C8B-B14F-4D97-AF65-F5344CB8AC3E}">
-        <p14:creationId xmlns:p14="http://schemas.microsoft.com/office/powerpoint/2010/main" val="1138011428"/>
+        <p14:creationId xmlns:p14="http://schemas.microsoft.com/office/powerpoint/2010/main" val="3887228096"/>
       </p:ext>
     </p:extLst>
   </p:cSld>
@@ -5157,23 +5590,6 @@
           <a:lstStyle/>
           <a:p>
             <a:r>
-              <a:rPr lang="en-US" altLang="ko-KR" sz="2000" b="1" dirty="0">
-                <a:ln>
-                  <a:solidFill>
-                    <a:schemeClr val="bg1">
-                      <a:alpha val="20000"/>
-                    </a:schemeClr>
-                  </a:solidFill>
-                </a:ln>
-                <a:solidFill>
-                  <a:srgbClr val="112F41"/>
-                </a:solidFill>
-                <a:latin typeface="맑은 고딕" panose="020B0503020000020004" pitchFamily="50" charset="-127"/>
-                <a:ea typeface="맑은 고딕" panose="020B0503020000020004" pitchFamily="50" charset="-127"/>
-              </a:rPr>
-              <a:t>4</a:t>
-            </a:r>
-            <a:r>
               <a:rPr lang="en-US" altLang="ko-KR" sz="2000" b="1" dirty="0" smtClean="0">
                 <a:ln>
                   <a:solidFill>
@@ -5188,7 +5604,7 @@
                 <a:latin typeface="맑은 고딕" panose="020B0503020000020004" pitchFamily="50" charset="-127"/>
                 <a:ea typeface="맑은 고딕" panose="020B0503020000020004" pitchFamily="50" charset="-127"/>
               </a:rPr>
-              <a:t>. </a:t>
+              <a:t>3. </a:t>
             </a:r>
             <a:r>
               <a:rPr lang="ko-KR" altLang="en-US" sz="2000" b="1" dirty="0" smtClean="0">
@@ -5205,7 +5621,7 @@
                 <a:latin typeface="맑은 고딕" panose="020B0503020000020004" pitchFamily="50" charset="-127"/>
                 <a:ea typeface="맑은 고딕" panose="020B0503020000020004" pitchFamily="50" charset="-127"/>
               </a:rPr>
-              <a:t>기능</a:t>
+              <a:t>구현 방법</a:t>
             </a:r>
             <a:endParaRPr lang="en-US" altLang="ko-KR" sz="2000" b="1" dirty="0" smtClean="0">
               <a:ln>
@@ -5261,6 +5677,80 @@
       </p:cxnSp>
       <p:sp>
         <p:nvSpPr>
+          <p:cNvPr id="6" name="TextBox 5">
+            <a:extLst>
+              <a:ext uri="{FF2B5EF4-FFF2-40B4-BE49-F238E27FC236}">
+                <a16:creationId xmlns:a16="http://schemas.microsoft.com/office/drawing/2014/main" id="{6775E867-2435-43F1-BD85-E46354B77A79}"/>
+              </a:ext>
+            </a:extLst>
+          </p:cNvPr>
+          <p:cNvSpPr txBox="1"/>
+          <p:nvPr/>
+        </p:nvSpPr>
+        <p:spPr>
+          <a:xfrm>
+            <a:off x="637532" y="936239"/>
+            <a:ext cx="3749829" cy="523220"/>
+          </a:xfrm>
+          <a:prstGeom prst="rect">
+            <a:avLst/>
+          </a:prstGeom>
+          <a:noFill/>
+        </p:spPr>
+        <p:txBody>
+          <a:bodyPr wrap="square" rtlCol="0">
+            <a:spAutoFit/>
+          </a:bodyPr>
+          <a:lstStyle>
+            <a:defPPr>
+              <a:defRPr lang="ko-KR"/>
+            </a:defPPr>
+            <a:lvl1pPr algn="ctr">
+              <a:defRPr sz="3600">
+                <a:solidFill>
+                  <a:schemeClr val="bg1"/>
+                </a:solidFill>
+                <a:latin typeface="배달의민족 주아" panose="02020603020101020101" pitchFamily="18" charset="-127"/>
+                <a:ea typeface="배달의민족 주아" panose="02020603020101020101" pitchFamily="18" charset="-127"/>
+              </a:defRPr>
+            </a:lvl1pPr>
+          </a:lstStyle>
+          <a:p>
+            <a:r>
+              <a:rPr lang="en-US" altLang="ko-KR" sz="2800" b="1" dirty="0" smtClean="0">
+                <a:solidFill>
+                  <a:schemeClr val="tx1">
+                    <a:lumMod val="50000"/>
+                  </a:schemeClr>
+                </a:solidFill>
+                <a:latin typeface="+mj-lt"/>
+              </a:rPr>
+              <a:t>* </a:t>
+            </a:r>
+            <a:r>
+              <a:rPr lang="en-US" altLang="ko-KR" sz="2800" b="1" dirty="0" err="1" smtClean="0">
+                <a:solidFill>
+                  <a:schemeClr val="tx1">
+                    <a:lumMod val="50000"/>
+                  </a:schemeClr>
+                </a:solidFill>
+                <a:latin typeface="+mj-lt"/>
+              </a:rPr>
+              <a:t>SharedPreferences</a:t>
+            </a:r>
+            <a:endParaRPr lang="en-US" altLang="ko-KR" sz="2800" b="1" dirty="0">
+              <a:solidFill>
+                <a:schemeClr val="tx1">
+                  <a:lumMod val="50000"/>
+                </a:schemeClr>
+              </a:solidFill>
+              <a:latin typeface="+mj-lt"/>
+            </a:endParaRPr>
+          </a:p>
+        </p:txBody>
+      </p:sp>
+      <p:sp>
+        <p:nvSpPr>
           <p:cNvPr id="4" name="AutoShape 2" descr="원형큐에 대한 이미지 검색결과"/>
           <p:cNvSpPr>
             <a:spLocks noChangeAspect="1" noChangeArrowheads="1"/>
@@ -5298,24 +5788,129 @@
           </a:p>
         </p:txBody>
       </p:sp>
+      <p:sp>
+        <p:nvSpPr>
+          <p:cNvPr id="10" name="TextBox 9"/>
+          <p:cNvSpPr txBox="1"/>
+          <p:nvPr/>
+        </p:nvSpPr>
+        <p:spPr>
+          <a:xfrm>
+            <a:off x="998016" y="1676914"/>
+            <a:ext cx="5077469" cy="2169825"/>
+          </a:xfrm>
+          <a:prstGeom prst="rect">
+            <a:avLst/>
+          </a:prstGeom>
+          <a:noFill/>
+        </p:spPr>
+        <p:txBody>
+          <a:bodyPr wrap="square" rtlCol="0">
+            <a:spAutoFit/>
+          </a:bodyPr>
+          <a:lstStyle/>
+          <a:p>
+            <a:pPr marL="285750" indent="-285750">
+              <a:lnSpc>
+                <a:spcPct val="150000"/>
+              </a:lnSpc>
+              <a:buFontTx/>
+              <a:buChar char="-"/>
+            </a:pPr>
+            <a:r>
+              <a:rPr lang="en-US" altLang="ko-KR" b="1" dirty="0" err="1" smtClean="0"/>
+              <a:t>DataBase</a:t>
+            </a:r>
+            <a:r>
+              <a:rPr lang="ko-KR" altLang="en-US" b="1" dirty="0" smtClean="0"/>
+              <a:t>를 쓰는 것은 과하다고 판단</a:t>
+            </a:r>
+            <a:endParaRPr lang="en-US" altLang="ko-KR" b="1" dirty="0" smtClean="0"/>
+          </a:p>
+          <a:p>
+            <a:pPr marL="285750" indent="-285750">
+              <a:lnSpc>
+                <a:spcPct val="150000"/>
+              </a:lnSpc>
+              <a:buFontTx/>
+              <a:buChar char="-"/>
+            </a:pPr>
+            <a:r>
+              <a:rPr lang="ko-KR" altLang="en-US" b="1" dirty="0" smtClean="0"/>
+              <a:t>다른 </a:t>
+            </a:r>
+            <a:r>
+              <a:rPr lang="en-US" altLang="ko-KR" b="1" dirty="0" smtClean="0"/>
+              <a:t>Activity</a:t>
+            </a:r>
+            <a:r>
+              <a:rPr lang="ko-KR" altLang="en-US" b="1" dirty="0" smtClean="0"/>
+              <a:t>와 </a:t>
+            </a:r>
+            <a:r>
+              <a:rPr lang="en-US" altLang="ko-KR" b="1" dirty="0" smtClean="0"/>
+              <a:t>data</a:t>
+            </a:r>
+            <a:r>
+              <a:rPr lang="ko-KR" altLang="en-US" b="1" dirty="0" smtClean="0"/>
+              <a:t>를 주고 받기 위한 최적의 저장소</a:t>
+            </a:r>
+            <a:endParaRPr lang="en-US" altLang="ko-KR" b="1" dirty="0" smtClean="0"/>
+          </a:p>
+          <a:p>
+            <a:pPr marL="285750" indent="-285750">
+              <a:lnSpc>
+                <a:spcPct val="150000"/>
+              </a:lnSpc>
+              <a:buFontTx/>
+              <a:buChar char="-"/>
+            </a:pPr>
+            <a:r>
+              <a:rPr lang="ko-KR" altLang="en-US" b="1" dirty="0" smtClean="0"/>
+              <a:t>어플리케이션이 꺼져도 설정이 저장됨</a:t>
+            </a:r>
+            <a:r>
+              <a:rPr lang="en-US" altLang="ko-KR" b="1" dirty="0" smtClean="0"/>
+              <a:t>.</a:t>
+            </a:r>
+            <a:endParaRPr lang="en-US" altLang="ko-KR" b="1" dirty="0"/>
+          </a:p>
+          <a:p>
+            <a:pPr marL="285750" indent="-285750">
+              <a:lnSpc>
+                <a:spcPct val="150000"/>
+              </a:lnSpc>
+              <a:buFontTx/>
+              <a:buChar char="-"/>
+            </a:pPr>
+            <a:endParaRPr lang="en-US" altLang="ko-KR" b="1" dirty="0" smtClean="0"/>
+          </a:p>
+        </p:txBody>
+      </p:sp>
       <p:pic>
         <p:nvPicPr>
-          <p:cNvPr id="6" name="그림 5"/>
+          <p:cNvPr id="7" name="그림 6"/>
           <p:cNvPicPr>
             <a:picLocks noChangeAspect="1"/>
           </p:cNvPicPr>
           <p:nvPr/>
         </p:nvPicPr>
         <p:blipFill>
-          <a:blip r:embed="rId2"/>
+          <a:blip r:embed="rId2">
+            <a:extLst>
+              <a:ext uri="{28A0092B-C50C-407E-A947-70E740481C1C}">
+                <a14:useLocalDpi xmlns:a14="http://schemas.microsoft.com/office/drawing/2010/main" val="0"/>
+              </a:ext>
+            </a:extLst>
+          </a:blip>
           <a:stretch>
             <a:fillRect/>
           </a:stretch>
         </p:blipFill>
         <p:spPr>
           <a:xfrm>
-            <a:off x="1170098" y="1470393"/>
-            <a:ext cx="3870082" cy="4412168"/>
+            <a:off x="1960809" y="4545820"/>
+            <a:ext cx="6779236" cy="1747414"/>
           </a:xfrm>
           <a:prstGeom prst="rect">
             <a:avLst/>
@@ -5324,32 +5919,116 @@
       </p:pic>
       <p:pic>
         <p:nvPicPr>
-          <p:cNvPr id="5" name="그림 4"/>
+          <p:cNvPr id="9" name="그림 8"/>
           <p:cNvPicPr>
             <a:picLocks noChangeAspect="1"/>
           </p:cNvPicPr>
           <p:nvPr/>
         </p:nvPicPr>
         <p:blipFill>
-          <a:blip r:embed="rId3"/>
+          <a:blip r:embed="rId3">
+            <a:extLst>
+              <a:ext uri="{28A0092B-C50C-407E-A947-70E740481C1C}">
+                <a14:useLocalDpi xmlns:a14="http://schemas.microsoft.com/office/drawing/2010/main" val="0"/>
+              </a:ext>
+            </a:extLst>
+          </a:blip>
           <a:stretch>
             <a:fillRect/>
           </a:stretch>
         </p:blipFill>
         <p:spPr>
           <a:xfrm>
-            <a:off x="6568952" y="1382755"/>
-            <a:ext cx="4040643" cy="4587444"/>
+            <a:off x="7185513" y="2285576"/>
+            <a:ext cx="4591050" cy="952500"/>
           </a:xfrm>
           <a:prstGeom prst="rect">
             <a:avLst/>
           </a:prstGeom>
         </p:spPr>
       </p:pic>
+      <p:sp>
+        <p:nvSpPr>
+          <p:cNvPr id="11" name="TextBox 10"/>
+          <p:cNvSpPr txBox="1"/>
+          <p:nvPr/>
+        </p:nvSpPr>
+        <p:spPr>
+          <a:xfrm>
+            <a:off x="3951834" y="6293234"/>
+            <a:ext cx="2519304" cy="392415"/>
+          </a:xfrm>
+          <a:prstGeom prst="rect">
+            <a:avLst/>
+          </a:prstGeom>
+          <a:noFill/>
+        </p:spPr>
+        <p:txBody>
+          <a:bodyPr wrap="square" rtlCol="0">
+            <a:spAutoFit/>
+          </a:bodyPr>
+          <a:lstStyle/>
+          <a:p>
+            <a:pPr>
+              <a:lnSpc>
+                <a:spcPct val="150000"/>
+              </a:lnSpc>
+            </a:pPr>
+            <a:r>
+              <a:rPr lang="en-US" altLang="ko-KR" sz="1300" b="1" dirty="0" err="1" smtClean="0"/>
+              <a:t>SharedPreferences</a:t>
+            </a:r>
+            <a:r>
+              <a:rPr lang="ko-KR" altLang="en-US" sz="1300" b="1" dirty="0" smtClean="0"/>
+              <a:t>에 저장</a:t>
+            </a:r>
+            <a:endParaRPr lang="ko-KR" altLang="en-US" sz="1300" b="1" dirty="0"/>
+          </a:p>
+        </p:txBody>
+      </p:sp>
+      <p:sp>
+        <p:nvSpPr>
+          <p:cNvPr id="12" name="TextBox 11"/>
+          <p:cNvSpPr txBox="1"/>
+          <p:nvPr/>
+        </p:nvSpPr>
+        <p:spPr>
+          <a:xfrm>
+            <a:off x="7965831" y="3041868"/>
+            <a:ext cx="2791867" cy="392415"/>
+          </a:xfrm>
+          <a:prstGeom prst="rect">
+            <a:avLst/>
+          </a:prstGeom>
+          <a:noFill/>
+        </p:spPr>
+        <p:txBody>
+          <a:bodyPr wrap="square" rtlCol="0">
+            <a:spAutoFit/>
+          </a:bodyPr>
+          <a:lstStyle/>
+          <a:p>
+            <a:pPr>
+              <a:lnSpc>
+                <a:spcPct val="150000"/>
+              </a:lnSpc>
+            </a:pPr>
+            <a:r>
+              <a:rPr lang="en-US" altLang="ko-KR" sz="1300" b="1" dirty="0" err="1" smtClean="0"/>
+              <a:t>SharedPreferences</a:t>
+            </a:r>
+            <a:r>
+              <a:rPr lang="ko-KR" altLang="en-US" sz="1300" b="1" dirty="0" smtClean="0"/>
+              <a:t>에서 불러오기</a:t>
+            </a:r>
+            <a:endParaRPr lang="ko-KR" altLang="en-US" sz="1300" b="1" dirty="0"/>
+          </a:p>
+        </p:txBody>
+      </p:sp>
     </p:spTree>
     <p:extLst>
       <p:ext uri="{BB962C8B-B14F-4D97-AF65-F5344CB8AC3E}">
-        <p14:creationId xmlns:p14="http://schemas.microsoft.com/office/powerpoint/2010/main" val="1206726396"/>
+        <p14:creationId xmlns:p14="http://schemas.microsoft.com/office/powerpoint/2010/main" val="961766182"/>
       </p:ext>
     </p:extLst>
   </p:cSld>
@@ -5383,16 +6062,143 @@
           <a:chExt cx="0" cy="0"/>
         </a:xfrm>
       </p:grpSpPr>
-      <p:sp>
-        <p:nvSpPr>
-          <p:cNvPr id="2" name="TextBox 1"/>
+      <p:pic>
+        <p:nvPicPr>
+          <p:cNvPr id="11" name="그림 10"/>
+          <p:cNvPicPr>
+            <a:picLocks noChangeAspect="1"/>
+          </p:cNvPicPr>
+          <p:nvPr/>
+        </p:nvPicPr>
+        <p:blipFill>
+          <a:blip r:embed="rId2">
+            <a:extLst>
+              <a:ext uri="{28A0092B-C50C-407E-A947-70E740481C1C}">
+                <a14:useLocalDpi xmlns:a14="http://schemas.microsoft.com/office/drawing/2010/main" val="0"/>
+              </a:ext>
+            </a:extLst>
+          </a:blip>
+          <a:stretch>
+            <a:fillRect/>
+          </a:stretch>
+        </p:blipFill>
+        <p:spPr>
+          <a:xfrm>
+            <a:off x="0" y="0"/>
+            <a:ext cx="12192000" cy="6858000"/>
+          </a:xfrm>
+          <a:prstGeom prst="rect">
+            <a:avLst/>
+          </a:prstGeom>
+        </p:spPr>
+      </p:pic>
+      <p:sp>
+        <p:nvSpPr>
+          <p:cNvPr id="4" name="직사각형 3"/>
+          <p:cNvSpPr/>
+          <p:nvPr/>
+        </p:nvSpPr>
+        <p:spPr>
+          <a:xfrm>
+            <a:off x="0" y="12530"/>
+            <a:ext cx="12191999" cy="6858000"/>
+          </a:xfrm>
+          <a:prstGeom prst="rect">
+            <a:avLst/>
+          </a:prstGeom>
+          <a:solidFill>
+            <a:schemeClr val="bg1">
+              <a:alpha val="62000"/>
+            </a:schemeClr>
+          </a:solidFill>
+          <a:ln>
+            <a:noFill/>
+          </a:ln>
+        </p:spPr>
+        <p:style>
+          <a:lnRef idx="2">
+            <a:schemeClr val="accent1">
+              <a:shade val="50000"/>
+            </a:schemeClr>
+          </a:lnRef>
+          <a:fillRef idx="1">
+            <a:schemeClr val="accent1"/>
+          </a:fillRef>
+          <a:effectRef idx="0">
+            <a:schemeClr val="accent1"/>
+          </a:effectRef>
+          <a:fontRef idx="minor">
+            <a:schemeClr val="lt1"/>
+          </a:fontRef>
+        </p:style>
+        <p:txBody>
+          <a:bodyPr rtlCol="0" anchor="ctr"/>
+          <a:lstStyle/>
+          <a:p>
+            <a:pPr algn="ctr"/>
+            <a:endParaRPr lang="ko-KR" altLang="en-US"/>
+          </a:p>
+        </p:txBody>
+      </p:sp>
+      <p:sp>
+        <p:nvSpPr>
+          <p:cNvPr id="5" name="직사각형 4"/>
+          <p:cNvSpPr/>
+          <p:nvPr/>
+        </p:nvSpPr>
+        <p:spPr>
+          <a:xfrm>
+            <a:off x="2472353" y="2409756"/>
+            <a:ext cx="7247295" cy="2063548"/>
+          </a:xfrm>
+          <a:prstGeom prst="rect">
+            <a:avLst/>
+          </a:prstGeom>
+          <a:solidFill>
+            <a:schemeClr val="bg1">
+              <a:lumMod val="95000"/>
+              <a:alpha val="17000"/>
+            </a:schemeClr>
+          </a:solidFill>
+          <a:ln>
+            <a:noFill/>
+          </a:ln>
+        </p:spPr>
+        <p:style>
+          <a:lnRef idx="2">
+            <a:schemeClr val="accent1">
+              <a:shade val="50000"/>
+            </a:schemeClr>
+          </a:lnRef>
+          <a:fillRef idx="1">
+            <a:schemeClr val="accent1"/>
+          </a:fillRef>
+          <a:effectRef idx="0">
+            <a:schemeClr val="accent1"/>
+          </a:effectRef>
+          <a:fontRef idx="minor">
+            <a:schemeClr val="lt1"/>
+          </a:fontRef>
+        </p:style>
+        <p:txBody>
+          <a:bodyPr rtlCol="0" anchor="ctr"/>
+          <a:lstStyle/>
+          <a:p>
+            <a:pPr algn="ctr"/>
+            <a:endParaRPr lang="ko-KR" altLang="en-US"/>
+          </a:p>
+        </p:txBody>
+      </p:sp>
+      <p:sp>
+        <p:nvSpPr>
+          <p:cNvPr id="6" name="TextBox 5"/>
           <p:cNvSpPr txBox="1"/>
           <p:nvPr/>
         </p:nvSpPr>
         <p:spPr>
           <a:xfrm>
-            <a:off x="0" y="204364"/>
-            <a:ext cx="4853354" cy="400110"/>
+            <a:off x="3107473" y="3061971"/>
+            <a:ext cx="5977052" cy="769441"/>
           </a:xfrm>
           <a:prstGeom prst="rect">
             <a:avLst/>
@@ -5408,8 +6214,9 @@
           </a:bodyPr>
           <a:lstStyle/>
           <a:p>
-            <a:r>
-              <a:rPr lang="en-US" altLang="ko-KR" sz="2000" b="1" dirty="0">
+            <a:pPr algn="ctr"/>
+            <a:r>
+              <a:rPr lang="en-US" altLang="ko-KR" sz="4400" b="1" dirty="0" smtClean="0">
                 <a:ln>
                   <a:solidFill>
                     <a:schemeClr val="bg1">
@@ -5423,10 +6230,10 @@
                 <a:latin typeface="맑은 고딕" panose="020B0503020000020004" pitchFamily="50" charset="-127"/>
                 <a:ea typeface="맑은 고딕" panose="020B0503020000020004" pitchFamily="50" charset="-127"/>
               </a:rPr>
-              <a:t>4</a:t>
-            </a:r>
-            <a:r>
-              <a:rPr lang="en-US" altLang="ko-KR" sz="2000" b="1" dirty="0" smtClean="0">
+              <a:t>4. </a:t>
+            </a:r>
+            <a:r>
+              <a:rPr lang="ko-KR" altLang="en-US" sz="4400" b="1" dirty="0" smtClean="0">
                 <a:ln>
                   <a:solidFill>
                     <a:schemeClr val="bg1">
@@ -5440,10 +6247,10 @@
                 <a:latin typeface="맑은 고딕" panose="020B0503020000020004" pitchFamily="50" charset="-127"/>
                 <a:ea typeface="맑은 고딕" panose="020B0503020000020004" pitchFamily="50" charset="-127"/>
               </a:rPr>
-              <a:t>. </a:t>
-            </a:r>
-            <a:r>
-              <a:rPr lang="ko-KR" altLang="en-US" sz="2000" b="1" dirty="0" smtClean="0">
+              <a:t>한계점 및</a:t>
+            </a:r>
+            <a:r>
+              <a:rPr lang="en-US" altLang="ko-KR" sz="4400" b="1" dirty="0">
                 <a:ln>
                   <a:solidFill>
                     <a:schemeClr val="bg1">
@@ -5457,9 +6264,26 @@
                 <a:latin typeface="맑은 고딕" panose="020B0503020000020004" pitchFamily="50" charset="-127"/>
                 <a:ea typeface="맑은 고딕" panose="020B0503020000020004" pitchFamily="50" charset="-127"/>
               </a:rPr>
-              <a:t>기능</a:t>
-            </a:r>
-            <a:endParaRPr lang="en-US" altLang="ko-KR" sz="2000" b="1" dirty="0" smtClean="0">
+              <a:t> </a:t>
+            </a:r>
+            <a:r>
+              <a:rPr lang="ko-KR" altLang="en-US" sz="4400" b="1" dirty="0" smtClean="0">
+                <a:ln>
+                  <a:solidFill>
+                    <a:schemeClr val="bg1">
+                      <a:alpha val="20000"/>
+                    </a:schemeClr>
+                  </a:solidFill>
+                </a:ln>
+                <a:solidFill>
+                  <a:srgbClr val="112F41"/>
+                </a:solidFill>
+                <a:latin typeface="맑은 고딕" panose="020B0503020000020004" pitchFamily="50" charset="-127"/>
+                <a:ea typeface="맑은 고딕" panose="020B0503020000020004" pitchFamily="50" charset="-127"/>
+              </a:rPr>
+              <a:t>향후 계획</a:t>
+            </a:r>
+            <a:endParaRPr lang="en-US" altLang="ko-KR" sz="4400" b="1" dirty="0" smtClean="0">
               <a:ln>
                 <a:solidFill>
                   <a:schemeClr val="bg1">
@@ -5478,14 +6302,14 @@
       </p:sp>
       <p:cxnSp>
         <p:nvCxnSpPr>
-          <p:cNvPr id="3" name="직선 연결선 2"/>
+          <p:cNvPr id="7" name="직선 연결선 6"/>
           <p:cNvCxnSpPr/>
           <p:nvPr/>
         </p:nvCxnSpPr>
         <p:spPr>
           <a:xfrm>
-            <a:off x="186353" y="718783"/>
-            <a:ext cx="3550378" cy="0"/>
+            <a:off x="2472353" y="2409756"/>
+            <a:ext cx="7247295" cy="14395"/>
           </a:xfrm>
           <a:prstGeom prst="line">
             <a:avLst/>
@@ -5511,169 +6335,102 @@
           </a:fontRef>
         </p:style>
       </p:cxnSp>
-      <p:sp>
-        <p:nvSpPr>
-          <p:cNvPr id="4" name="AutoShape 2" descr="원형큐에 대한 이미지 검색결과"/>
-          <p:cNvSpPr>
-            <a:spLocks noChangeAspect="1" noChangeArrowheads="1"/>
-          </p:cNvSpPr>
-          <p:nvPr/>
-        </p:nvSpPr>
-        <p:spPr bwMode="auto">
-          <a:xfrm>
-            <a:off x="155575" y="-144463"/>
-            <a:ext cx="304800" cy="304801"/>
+      <p:cxnSp>
+        <p:nvCxnSpPr>
+          <p:cNvPr id="8" name="직선 연결선 7"/>
+          <p:cNvCxnSpPr/>
+          <p:nvPr/>
+        </p:nvCxnSpPr>
+        <p:spPr>
+          <a:xfrm>
+            <a:off x="2472353" y="4473304"/>
+            <a:ext cx="7247295" cy="0"/>
+          </a:xfrm>
+          <a:prstGeom prst="line">
+            <a:avLst/>
+          </a:prstGeom>
+          <a:ln w="28575">
+            <a:solidFill>
+              <a:srgbClr val="112F41"/>
+            </a:solidFill>
+          </a:ln>
+        </p:spPr>
+        <p:style>
+          <a:lnRef idx="1">
+            <a:schemeClr val="accent1"/>
+          </a:lnRef>
+          <a:fillRef idx="0">
+            <a:schemeClr val="accent1"/>
+          </a:fillRef>
+          <a:effectRef idx="0">
+            <a:schemeClr val="accent1"/>
+          </a:effectRef>
+          <a:fontRef idx="minor">
+            <a:schemeClr val="tx1"/>
+          </a:fontRef>
+        </p:style>
+      </p:cxnSp>
+      <p:sp>
+        <p:nvSpPr>
+          <p:cNvPr id="14" name="TextBox 13"/>
+          <p:cNvSpPr txBox="1"/>
+          <p:nvPr/>
+        </p:nvSpPr>
+        <p:spPr>
+          <a:xfrm>
+            <a:off x="13293139" y="2363482"/>
+            <a:ext cx="748923" cy="769441"/>
           </a:xfrm>
           <a:prstGeom prst="rect">
             <a:avLst/>
           </a:prstGeom>
           <a:noFill/>
-          <a:extLst>
-            <a:ext uri="{909E8E84-426E-40DD-AFC4-6F175D3DCCD1}">
-              <a14:hiddenFill xmlns:a14="http://schemas.microsoft.com/office/drawing/2010/main">
-                <a:solidFill>
-                  <a:srgbClr val="FFFFFF"/>
-                </a:solidFill>
-              </a14:hiddenFill>
-            </a:ext>
-          </a:extLst>
-        </p:spPr>
-        <p:txBody>
-          <a:bodyPr vert="horz" wrap="square" lIns="91440" tIns="45720" rIns="91440" bIns="45720" numCol="1" anchor="t" anchorCtr="0" compatLnSpc="1">
-            <a:prstTxWarp prst="textNoShape">
-              <a:avLst/>
-            </a:prstTxWarp>
+        </p:spPr>
+        <p:txBody>
+          <a:bodyPr wrap="none" rtlCol="0">
+            <a:spAutoFit/>
           </a:bodyPr>
           <a:lstStyle/>
           <a:p>
-            <a:endParaRPr lang="ko-KR" altLang="en-US"/>
-          </a:p>
-        </p:txBody>
-      </p:sp>
-      <p:pic>
-        <p:nvPicPr>
-          <p:cNvPr id="7" name="그림 6"/>
-          <p:cNvPicPr>
-            <a:picLocks noChangeAspect="1"/>
-          </p:cNvPicPr>
-          <p:nvPr/>
-        </p:nvPicPr>
-        <p:blipFill>
-          <a:blip r:embed="rId2"/>
-          <a:stretch>
-            <a:fillRect/>
-          </a:stretch>
-        </p:blipFill>
-        <p:spPr>
-          <a:xfrm>
-            <a:off x="598242" y="1277026"/>
-            <a:ext cx="4132561" cy="4675367"/>
-          </a:xfrm>
-          <a:prstGeom prst="rect">
-            <a:avLst/>
-          </a:prstGeom>
-        </p:spPr>
-      </p:pic>
-      <p:pic>
-        <p:nvPicPr>
-          <p:cNvPr id="8" name="그림 7"/>
-          <p:cNvPicPr>
-            <a:picLocks noChangeAspect="1"/>
-          </p:cNvPicPr>
-          <p:nvPr/>
-        </p:nvPicPr>
-        <p:blipFill>
-          <a:blip r:embed="rId3"/>
-          <a:stretch>
-            <a:fillRect/>
-          </a:stretch>
-        </p:blipFill>
-        <p:spPr>
-          <a:xfrm>
-            <a:off x="5639167" y="337771"/>
-            <a:ext cx="2425250" cy="2748329"/>
-          </a:xfrm>
-          <a:prstGeom prst="rect">
-            <a:avLst/>
-          </a:prstGeom>
-        </p:spPr>
-      </p:pic>
-      <p:pic>
-        <p:nvPicPr>
-          <p:cNvPr id="9" name="그림 8"/>
-          <p:cNvPicPr>
-            <a:picLocks noChangeAspect="1"/>
-          </p:cNvPicPr>
-          <p:nvPr/>
-        </p:nvPicPr>
-        <p:blipFill>
-          <a:blip r:embed="rId4"/>
-          <a:stretch>
-            <a:fillRect/>
-          </a:stretch>
-        </p:blipFill>
-        <p:spPr>
-          <a:xfrm>
-            <a:off x="9076226" y="337771"/>
-            <a:ext cx="2388569" cy="2709863"/>
-          </a:xfrm>
-          <a:prstGeom prst="rect">
-            <a:avLst/>
-          </a:prstGeom>
-        </p:spPr>
-      </p:pic>
-      <p:pic>
-        <p:nvPicPr>
-          <p:cNvPr id="10" name="그림 9"/>
-          <p:cNvPicPr>
-            <a:picLocks noChangeAspect="1"/>
-          </p:cNvPicPr>
-          <p:nvPr/>
-        </p:nvPicPr>
-        <p:blipFill>
-          <a:blip r:embed="rId5"/>
-          <a:stretch>
-            <a:fillRect/>
-          </a:stretch>
-        </p:blipFill>
-        <p:spPr>
-          <a:xfrm>
-            <a:off x="5639167" y="3614709"/>
-            <a:ext cx="2426462" cy="2621939"/>
-          </a:xfrm>
-          <a:prstGeom prst="rect">
-            <a:avLst/>
-          </a:prstGeom>
-        </p:spPr>
-      </p:pic>
-      <p:pic>
-        <p:nvPicPr>
-          <p:cNvPr id="11" name="그림 10"/>
-          <p:cNvPicPr>
-            <a:picLocks noChangeAspect="1"/>
-          </p:cNvPicPr>
-          <p:nvPr/>
-        </p:nvPicPr>
-        <p:blipFill>
-          <a:blip r:embed="rId6"/>
-          <a:stretch>
-            <a:fillRect/>
-          </a:stretch>
-        </p:blipFill>
-        <p:spPr>
-          <a:xfrm>
-            <a:off x="9113631" y="3532679"/>
-            <a:ext cx="2351164" cy="2683482"/>
-          </a:xfrm>
-          <a:prstGeom prst="rect">
-            <a:avLst/>
-          </a:prstGeom>
-        </p:spPr>
-      </p:pic>
+            <a:pPr algn="ctr"/>
+            <a:r>
+              <a:rPr lang="en-US" altLang="ko-KR" sz="4400" b="1" dirty="0">
+                <a:ln>
+                  <a:solidFill>
+                    <a:schemeClr val="bg1">
+                      <a:alpha val="20000"/>
+                    </a:schemeClr>
+                  </a:solidFill>
+                </a:ln>
+                <a:solidFill>
+                  <a:schemeClr val="bg1"/>
+                </a:solidFill>
+                <a:latin typeface="나눔스퀘어 ExtraBold" panose="020B0600000101010101" pitchFamily="50" charset="-127"/>
+                <a:ea typeface="나눔스퀘어 ExtraBold" panose="020B0600000101010101" pitchFamily="50" charset="-127"/>
+              </a:rPr>
+              <a:t>1.</a:t>
+            </a:r>
+            <a:endParaRPr lang="ko-KR" altLang="en-US" sz="4400" b="1" dirty="0">
+              <a:ln>
+                <a:solidFill>
+                  <a:schemeClr val="bg1">
+                    <a:alpha val="20000"/>
+                  </a:schemeClr>
+                </a:solidFill>
+              </a:ln>
+              <a:solidFill>
+                <a:schemeClr val="bg1"/>
+              </a:solidFill>
+              <a:latin typeface="나눔스퀘어 ExtraBold" panose="020B0600000101010101" pitchFamily="50" charset="-127"/>
+              <a:ea typeface="나눔스퀘어 ExtraBold" panose="020B0600000101010101" pitchFamily="50" charset="-127"/>
+            </a:endParaRPr>
+          </a:p>
+        </p:txBody>
+      </p:sp>
     </p:spTree>
     <p:extLst>
       <p:ext uri="{BB962C8B-B14F-4D97-AF65-F5344CB8AC3E}">
-        <p14:creationId xmlns:p14="http://schemas.microsoft.com/office/powerpoint/2010/main" val="2943350198"/>
+        <p14:creationId xmlns:p14="http://schemas.microsoft.com/office/powerpoint/2010/main" val="1983664475"/>
       </p:ext>
     </p:extLst>
   </p:cSld>
@@ -5781,7 +6538,7 @@
                 <a:latin typeface="맑은 고딕" panose="020B0503020000020004" pitchFamily="50" charset="-127"/>
                 <a:ea typeface="맑은 고딕" panose="020B0503020000020004" pitchFamily="50" charset="-127"/>
               </a:rPr>
-              <a:t>기능</a:t>
+              <a:t>한계점 및 향후 계획</a:t>
             </a:r>
             <a:endParaRPr lang="en-US" altLang="ko-KR" sz="2000" b="1" dirty="0" smtClean="0">
               <a:ln>
@@ -5883,15 +6640,21 @@
           <p:nvPr/>
         </p:nvPicPr>
         <p:blipFill>
-          <a:blip r:embed="rId2"/>
+          <a:blip r:embed="rId2" cstate="print">
+            <a:extLst>
+              <a:ext uri="{28A0092B-C50C-407E-A947-70E740481C1C}">
+                <a14:useLocalDpi xmlns:a14="http://schemas.microsoft.com/office/drawing/2010/main" val="0"/>
+              </a:ext>
+            </a:extLst>
+          </a:blip>
           <a:stretch>
             <a:fillRect/>
           </a:stretch>
         </p:blipFill>
         <p:spPr>
           <a:xfrm>
-            <a:off x="1116300" y="1356946"/>
-            <a:ext cx="3737054" cy="4305300"/>
+            <a:off x="782515" y="2136531"/>
+            <a:ext cx="5158155" cy="2901462"/>
           </a:xfrm>
           <a:prstGeom prst="rect">
             <a:avLst/>
@@ -5907,25 +6670,251 @@
           <p:nvPr/>
         </p:nvPicPr>
         <p:blipFill>
-          <a:blip r:embed="rId3"/>
+          <a:blip r:embed="rId3" cstate="print">
+            <a:extLst>
+              <a:ext uri="{28A0092B-C50C-407E-A947-70E740481C1C}">
+                <a14:useLocalDpi xmlns:a14="http://schemas.microsoft.com/office/drawing/2010/main" val="0"/>
+              </a:ext>
+            </a:extLst>
+          </a:blip>
           <a:stretch>
             <a:fillRect/>
           </a:stretch>
         </p:blipFill>
         <p:spPr>
           <a:xfrm>
-            <a:off x="5586045" y="825927"/>
-            <a:ext cx="5680805" cy="5367337"/>
+            <a:off x="6488723" y="2131586"/>
+            <a:ext cx="5166945" cy="2906407"/>
           </a:xfrm>
           <a:prstGeom prst="rect">
             <a:avLst/>
           </a:prstGeom>
         </p:spPr>
       </p:pic>
+      <p:sp>
+        <p:nvSpPr>
+          <p:cNvPr id="10" name="TextBox 9"/>
+          <p:cNvSpPr txBox="1"/>
+          <p:nvPr/>
+        </p:nvSpPr>
+        <p:spPr>
+          <a:xfrm>
+            <a:off x="2101940" y="5185403"/>
+            <a:ext cx="2519304" cy="353751"/>
+          </a:xfrm>
+          <a:prstGeom prst="rect">
+            <a:avLst/>
+          </a:prstGeom>
+          <a:noFill/>
+        </p:spPr>
+        <p:txBody>
+          <a:bodyPr wrap="square" rtlCol="0">
+            <a:spAutoFit/>
+          </a:bodyPr>
+          <a:lstStyle/>
+          <a:p>
+            <a:pPr>
+              <a:lnSpc>
+                <a:spcPct val="150000"/>
+              </a:lnSpc>
+            </a:pPr>
+            <a:r>
+              <a:rPr lang="en-US" altLang="ko-KR" sz="1300" b="1" dirty="0" smtClean="0"/>
+              <a:t>WMONID </a:t>
+            </a:r>
+            <a:r>
+              <a:rPr lang="ko-KR" altLang="en-US" sz="1300" b="1" dirty="0" smtClean="0"/>
+              <a:t>값 동일</a:t>
+            </a:r>
+            <a:endParaRPr lang="ko-KR" altLang="en-US" sz="1300" b="1" dirty="0"/>
+          </a:p>
+        </p:txBody>
+      </p:sp>
+      <p:sp>
+        <p:nvSpPr>
+          <p:cNvPr id="11" name="TextBox 10"/>
+          <p:cNvSpPr txBox="1"/>
+          <p:nvPr/>
+        </p:nvSpPr>
+        <p:spPr>
+          <a:xfrm>
+            <a:off x="7908373" y="5185403"/>
+            <a:ext cx="2519304" cy="353751"/>
+          </a:xfrm>
+          <a:prstGeom prst="rect">
+            <a:avLst/>
+          </a:prstGeom>
+          <a:noFill/>
+        </p:spPr>
+        <p:txBody>
+          <a:bodyPr wrap="square" rtlCol="0">
+            <a:spAutoFit/>
+          </a:bodyPr>
+          <a:lstStyle/>
+          <a:p>
+            <a:pPr>
+              <a:lnSpc>
+                <a:spcPct val="150000"/>
+              </a:lnSpc>
+            </a:pPr>
+            <a:r>
+              <a:rPr lang="en-US" altLang="ko-KR" sz="1300" b="1" dirty="0" smtClean="0"/>
+              <a:t>JESSIONID </a:t>
+            </a:r>
+            <a:r>
+              <a:rPr lang="ko-KR" altLang="en-US" sz="1300" b="1" dirty="0" smtClean="0"/>
+              <a:t>값 동일</a:t>
+            </a:r>
+            <a:endParaRPr lang="ko-KR" altLang="en-US" sz="1300" b="1" dirty="0"/>
+          </a:p>
+        </p:txBody>
+      </p:sp>
+      <p:sp>
+        <p:nvSpPr>
+          <p:cNvPr id="12" name="직사각형 11"/>
+          <p:cNvSpPr/>
+          <p:nvPr/>
+        </p:nvSpPr>
+        <p:spPr>
+          <a:xfrm>
+            <a:off x="-3" y="4566"/>
+            <a:ext cx="12192000" cy="6873371"/>
+          </a:xfrm>
+          <a:prstGeom prst="rect">
+            <a:avLst/>
+          </a:prstGeom>
+          <a:solidFill>
+            <a:schemeClr val="tx1">
+              <a:alpha val="65000"/>
+            </a:schemeClr>
+          </a:solidFill>
+          <a:ln>
+            <a:noFill/>
+          </a:ln>
+        </p:spPr>
+        <p:style>
+          <a:lnRef idx="2">
+            <a:schemeClr val="accent1">
+              <a:shade val="50000"/>
+            </a:schemeClr>
+          </a:lnRef>
+          <a:fillRef idx="1">
+            <a:schemeClr val="accent1"/>
+          </a:fillRef>
+          <a:effectRef idx="0">
+            <a:schemeClr val="accent1"/>
+          </a:effectRef>
+          <a:fontRef idx="minor">
+            <a:schemeClr val="lt1"/>
+          </a:fontRef>
+        </p:style>
+        <p:txBody>
+          <a:bodyPr rtlCol="0" anchor="ctr"/>
+          <a:lstStyle/>
+          <a:p>
+            <a:pPr algn="ctr"/>
+            <a:endParaRPr lang="ko-KR" altLang="en-US" dirty="0"/>
+          </a:p>
+        </p:txBody>
+      </p:sp>
+      <p:sp>
+        <p:nvSpPr>
+          <p:cNvPr id="13" name="TextBox 12"/>
+          <p:cNvSpPr txBox="1"/>
+          <p:nvPr/>
+        </p:nvSpPr>
+        <p:spPr>
+          <a:xfrm>
+            <a:off x="2812194" y="2861514"/>
+            <a:ext cx="6906965" cy="1446550"/>
+          </a:xfrm>
+          <a:prstGeom prst="rect">
+            <a:avLst/>
+          </a:prstGeom>
+          <a:noFill/>
+          <a:ln>
+            <a:noFill/>
+          </a:ln>
+        </p:spPr>
+        <p:txBody>
+          <a:bodyPr wrap="square" rtlCol="0">
+            <a:spAutoFit/>
+          </a:bodyPr>
+          <a:lstStyle/>
+          <a:p>
+            <a:pPr algn="ctr"/>
+            <a:r>
+              <a:rPr lang="ko-KR" altLang="en-US" sz="4400" b="1" dirty="0" smtClean="0">
+                <a:ln>
+                  <a:solidFill>
+                    <a:schemeClr val="bg1">
+                      <a:alpha val="20000"/>
+                    </a:schemeClr>
+                  </a:solidFill>
+                </a:ln>
+                <a:solidFill>
+                  <a:schemeClr val="bg1"/>
+                </a:solidFill>
+                <a:latin typeface="맑은 고딕" panose="020B0503020000020004" pitchFamily="50" charset="-127"/>
+                <a:ea typeface="맑은 고딕" panose="020B0503020000020004" pitchFamily="50" charset="-127"/>
+              </a:rPr>
+              <a:t>로그인 정보를 </a:t>
+            </a:r>
+            <a:r>
+              <a:rPr lang="ko-KR" altLang="en-US" sz="4400" b="1" dirty="0" err="1" smtClean="0">
+                <a:ln>
+                  <a:solidFill>
+                    <a:schemeClr val="bg1">
+                      <a:alpha val="20000"/>
+                    </a:schemeClr>
+                  </a:solidFill>
+                </a:ln>
+                <a:solidFill>
+                  <a:schemeClr val="bg1"/>
+                </a:solidFill>
+                <a:latin typeface="맑은 고딕" panose="020B0503020000020004" pitchFamily="50" charset="-127"/>
+                <a:ea typeface="맑은 고딕" panose="020B0503020000020004" pitchFamily="50" charset="-127"/>
+              </a:rPr>
+              <a:t>쿠키값으로</a:t>
+            </a:r>
+            <a:r>
+              <a:rPr lang="ko-KR" altLang="en-US" sz="4400" b="1" dirty="0" smtClean="0">
+                <a:ln>
+                  <a:solidFill>
+                    <a:schemeClr val="bg1">
+                      <a:alpha val="20000"/>
+                    </a:schemeClr>
+                  </a:solidFill>
+                </a:ln>
+                <a:solidFill>
+                  <a:schemeClr val="bg1"/>
+                </a:solidFill>
+                <a:latin typeface="맑은 고딕" panose="020B0503020000020004" pitchFamily="50" charset="-127"/>
+                <a:ea typeface="맑은 고딕" panose="020B0503020000020004" pitchFamily="50" charset="-127"/>
+              </a:rPr>
+              <a:t> 저장하지 않는다</a:t>
+            </a:r>
+            <a:endParaRPr lang="en-US" altLang="ko-KR" sz="4400" b="1" dirty="0" smtClean="0">
+              <a:ln>
+                <a:solidFill>
+                  <a:schemeClr val="bg1">
+                    <a:alpha val="20000"/>
+                  </a:schemeClr>
+                </a:solidFill>
+              </a:ln>
+              <a:solidFill>
+                <a:schemeClr val="bg1"/>
+              </a:solidFill>
+              <a:latin typeface="맑은 고딕" panose="020B0503020000020004" pitchFamily="50" charset="-127"/>
+              <a:ea typeface="맑은 고딕" panose="020B0503020000020004" pitchFamily="50" charset="-127"/>
+            </a:endParaRPr>
+          </a:p>
+        </p:txBody>
+      </p:sp>
     </p:spTree>
     <p:extLst>
       <p:ext uri="{BB962C8B-B14F-4D97-AF65-F5344CB8AC3E}">
-        <p14:creationId xmlns:p14="http://schemas.microsoft.com/office/powerpoint/2010/main" val="1908094779"/>
+        <p14:creationId xmlns:p14="http://schemas.microsoft.com/office/powerpoint/2010/main" val="1138011428"/>
       </p:ext>
     </p:extLst>
   </p:cSld>
@@ -5935,9 +6924,124 @@
   <p:timing>
     <p:tnLst>
       <p:par>
-        <p:cTn id="1" dur="indefinite" restart="never" nodeType="tmRoot"/>
+        <p:cTn id="1" dur="indefinite" restart="never" nodeType="tmRoot">
+          <p:childTnLst>
+            <p:seq concurrent="1" nextAc="seek">
+              <p:cTn id="2" dur="indefinite" nodeType="mainSeq">
+                <p:childTnLst>
+                  <p:par>
+                    <p:cTn id="3" fill="hold">
+                      <p:stCondLst>
+                        <p:cond delay="indefinite"/>
+                      </p:stCondLst>
+                      <p:childTnLst>
+                        <p:par>
+                          <p:cTn id="4" fill="hold">
+                            <p:stCondLst>
+                              <p:cond delay="0"/>
+                            </p:stCondLst>
+                            <p:childTnLst>
+                              <p:par>
+                                <p:cTn id="5" presetID="10" presetClass="entr" presetSubtype="0" fill="hold" grpId="0" nodeType="clickEffect">
+                                  <p:stCondLst>
+                                    <p:cond delay="0"/>
+                                  </p:stCondLst>
+                                  <p:childTnLst>
+                                    <p:set>
+                                      <p:cBhvr>
+                                        <p:cTn id="6" dur="1" fill="hold">
+                                          <p:stCondLst>
+                                            <p:cond delay="0"/>
+                                          </p:stCondLst>
+                                        </p:cTn>
+                                        <p:tgtEl>
+                                          <p:spTgt spid="12"/>
+                                        </p:tgtEl>
+                                        <p:attrNameLst>
+                                          <p:attrName>style.visibility</p:attrName>
+                                        </p:attrNameLst>
+                                      </p:cBhvr>
+                                      <p:to>
+                                        <p:strVal val="visible"/>
+                                      </p:to>
+                                    </p:set>
+                                    <p:animEffect transition="in" filter="fade">
+                                      <p:cBhvr>
+                                        <p:cTn id="7" dur="500"/>
+                                        <p:tgtEl>
+                                          <p:spTgt spid="12"/>
+                                        </p:tgtEl>
+                                      </p:cBhvr>
+                                    </p:animEffect>
+                                  </p:childTnLst>
+                                </p:cTn>
+                              </p:par>
+                              <p:par>
+                                <p:cTn id="8" presetID="16" presetClass="entr" presetSubtype="21" fill="hold" grpId="0" nodeType="withEffect">
+                                  <p:stCondLst>
+                                    <p:cond delay="0"/>
+                                  </p:stCondLst>
+                                  <p:childTnLst>
+                                    <p:set>
+                                      <p:cBhvr>
+                                        <p:cTn id="9" dur="1" fill="hold">
+                                          <p:stCondLst>
+                                            <p:cond delay="0"/>
+                                          </p:stCondLst>
+                                        </p:cTn>
+                                        <p:tgtEl>
+                                          <p:spTgt spid="13"/>
+                                        </p:tgtEl>
+                                        <p:attrNameLst>
+                                          <p:attrName>style.visibility</p:attrName>
+                                        </p:attrNameLst>
+                                      </p:cBhvr>
+                                      <p:to>
+                                        <p:strVal val="visible"/>
+                                      </p:to>
+                                    </p:set>
+                                    <p:animEffect transition="in" filter="barn(inVertical)">
+                                      <p:cBhvr>
+                                        <p:cTn id="10" dur="500"/>
+                                        <p:tgtEl>
+                                          <p:spTgt spid="13"/>
+                                        </p:tgtEl>
+                                      </p:cBhvr>
+                                    </p:animEffect>
+                                  </p:childTnLst>
+                                </p:cTn>
+                              </p:par>
+                            </p:childTnLst>
+                          </p:cTn>
+                        </p:par>
+                      </p:childTnLst>
+                    </p:cTn>
+                  </p:par>
+                </p:childTnLst>
+              </p:cTn>
+              <p:prevCondLst>
+                <p:cond evt="onPrev" delay="0">
+                  <p:tgtEl>
+                    <p:sldTgt/>
+                  </p:tgtEl>
+                </p:cond>
+              </p:prevCondLst>
+              <p:nextCondLst>
+                <p:cond evt="onNext" delay="0">
+                  <p:tgtEl>
+                    <p:sldTgt/>
+                  </p:tgtEl>
+                </p:cond>
+              </p:nextCondLst>
+            </p:seq>
+          </p:childTnLst>
+        </p:cTn>
       </p:par>
     </p:tnLst>
+    <p:bldLst>
+      <p:bldP spid="12" grpId="0" animBg="1"/>
+      <p:bldP spid="13" grpId="0"/>
+    </p:bldLst>
   </p:timing>
 </p:sld>
 </file>
@@ -5959,11 +7063,346 @@
           <a:chExt cx="0" cy="0"/>
         </a:xfrm>
       </p:grpSpPr>
+      <p:sp>
+        <p:nvSpPr>
+          <p:cNvPr id="2" name="TextBox 1"/>
+          <p:cNvSpPr txBox="1"/>
+          <p:nvPr/>
+        </p:nvSpPr>
+        <p:spPr>
+          <a:xfrm>
+            <a:off x="0" y="204364"/>
+            <a:ext cx="4853354" cy="400110"/>
+          </a:xfrm>
+          <a:prstGeom prst="rect">
+            <a:avLst/>
+          </a:prstGeom>
+          <a:noFill/>
+          <a:ln>
+            <a:noFill/>
+          </a:ln>
+        </p:spPr>
+        <p:txBody>
+          <a:bodyPr wrap="square" rtlCol="0">
+            <a:spAutoFit/>
+          </a:bodyPr>
+          <a:lstStyle/>
+          <a:p>
+            <a:r>
+              <a:rPr lang="en-US" altLang="ko-KR" sz="2000" b="1" dirty="0" smtClean="0">
+                <a:ln>
+                  <a:solidFill>
+                    <a:schemeClr val="bg1">
+                      <a:alpha val="20000"/>
+                    </a:schemeClr>
+                  </a:solidFill>
+                </a:ln>
+                <a:solidFill>
+                  <a:srgbClr val="112F41"/>
+                </a:solidFill>
+                <a:latin typeface="맑은 고딕" panose="020B0503020000020004" pitchFamily="50" charset="-127"/>
+                <a:ea typeface="맑은 고딕" panose="020B0503020000020004" pitchFamily="50" charset="-127"/>
+              </a:rPr>
+              <a:t>3. </a:t>
+            </a:r>
+            <a:r>
+              <a:rPr lang="ko-KR" altLang="en-US" sz="2000" b="1" dirty="0" smtClean="0">
+                <a:ln>
+                  <a:solidFill>
+                    <a:schemeClr val="bg1">
+                      <a:alpha val="20000"/>
+                    </a:schemeClr>
+                  </a:solidFill>
+                </a:ln>
+                <a:solidFill>
+                  <a:srgbClr val="112F41"/>
+                </a:solidFill>
+                <a:latin typeface="맑은 고딕" panose="020B0503020000020004" pitchFamily="50" charset="-127"/>
+                <a:ea typeface="맑은 고딕" panose="020B0503020000020004" pitchFamily="50" charset="-127"/>
+              </a:rPr>
+              <a:t>한계점 및 향후 계획</a:t>
+            </a:r>
+            <a:endParaRPr lang="en-US" altLang="ko-KR" sz="2000" b="1" dirty="0" smtClean="0">
+              <a:ln>
+                <a:solidFill>
+                  <a:schemeClr val="bg1">
+                    <a:alpha val="20000"/>
+                  </a:schemeClr>
+                </a:solidFill>
+              </a:ln>
+              <a:solidFill>
+                <a:srgbClr val="112F41"/>
+              </a:solidFill>
+              <a:latin typeface="맑은 고딕" panose="020B0503020000020004" pitchFamily="50" charset="-127"/>
+              <a:ea typeface="맑은 고딕" panose="020B0503020000020004" pitchFamily="50" charset="-127"/>
+            </a:endParaRPr>
+          </a:p>
+        </p:txBody>
+      </p:sp>
+      <p:cxnSp>
+        <p:nvCxnSpPr>
+          <p:cNvPr id="3" name="직선 연결선 2"/>
+          <p:cNvCxnSpPr/>
+          <p:nvPr/>
+        </p:nvCxnSpPr>
+        <p:spPr>
+          <a:xfrm>
+            <a:off x="186353" y="718783"/>
+            <a:ext cx="3550378" cy="0"/>
+          </a:xfrm>
+          <a:prstGeom prst="line">
+            <a:avLst/>
+          </a:prstGeom>
+          <a:ln w="28575">
+            <a:solidFill>
+              <a:srgbClr val="112F41"/>
+            </a:solidFill>
+          </a:ln>
+        </p:spPr>
+        <p:style>
+          <a:lnRef idx="1">
+            <a:schemeClr val="accent1"/>
+          </a:lnRef>
+          <a:fillRef idx="0">
+            <a:schemeClr val="accent1"/>
+          </a:fillRef>
+          <a:effectRef idx="0">
+            <a:schemeClr val="accent1"/>
+          </a:effectRef>
+          <a:fontRef idx="minor">
+            <a:schemeClr val="tx1"/>
+          </a:fontRef>
+        </p:style>
+      </p:cxnSp>
+      <p:sp>
+        <p:nvSpPr>
+          <p:cNvPr id="6" name="TextBox 5">
+            <a:extLst>
+              <a:ext uri="{FF2B5EF4-FFF2-40B4-BE49-F238E27FC236}">
+                <a16:creationId xmlns:a16="http://schemas.microsoft.com/office/drawing/2014/main" id="{6775E867-2435-43F1-BD85-E46354B77A79}"/>
+              </a:ext>
+            </a:extLst>
+          </p:cNvPr>
+          <p:cNvSpPr txBox="1"/>
+          <p:nvPr/>
+        </p:nvSpPr>
+        <p:spPr>
+          <a:xfrm>
+            <a:off x="637532" y="936239"/>
+            <a:ext cx="3749829" cy="523220"/>
+          </a:xfrm>
+          <a:prstGeom prst="rect">
+            <a:avLst/>
+          </a:prstGeom>
+          <a:noFill/>
+        </p:spPr>
+        <p:txBody>
+          <a:bodyPr wrap="square" rtlCol="0">
+            <a:spAutoFit/>
+          </a:bodyPr>
+          <a:lstStyle>
+            <a:defPPr>
+              <a:defRPr lang="ko-KR"/>
+            </a:defPPr>
+            <a:lvl1pPr algn="ctr">
+              <a:defRPr sz="3600">
+                <a:solidFill>
+                  <a:schemeClr val="bg1"/>
+                </a:solidFill>
+                <a:latin typeface="배달의민족 주아" panose="02020603020101020101" pitchFamily="18" charset="-127"/>
+                <a:ea typeface="배달의민족 주아" panose="02020603020101020101" pitchFamily="18" charset="-127"/>
+              </a:defRPr>
+            </a:lvl1pPr>
+          </a:lstStyle>
+          <a:p>
+            <a:r>
+              <a:rPr lang="en-US" altLang="ko-KR" sz="2800" b="1" dirty="0" smtClean="0">
+                <a:solidFill>
+                  <a:schemeClr val="tx1">
+                    <a:lumMod val="50000"/>
+                  </a:schemeClr>
+                </a:solidFill>
+                <a:latin typeface="+mj-lt"/>
+              </a:rPr>
+              <a:t>* </a:t>
+            </a:r>
+            <a:r>
+              <a:rPr lang="en-US" altLang="ko-KR" sz="2800" b="1" dirty="0" err="1" smtClean="0">
+                <a:solidFill>
+                  <a:schemeClr val="tx1">
+                    <a:lumMod val="50000"/>
+                  </a:schemeClr>
+                </a:solidFill>
+                <a:latin typeface="+mj-lt"/>
+              </a:rPr>
+              <a:t>Selendroid</a:t>
+            </a:r>
+            <a:endParaRPr lang="en-US" altLang="ko-KR" sz="2800" b="1" dirty="0">
+              <a:solidFill>
+                <a:schemeClr val="tx1">
+                  <a:lumMod val="50000"/>
+                </a:schemeClr>
+              </a:solidFill>
+              <a:latin typeface="+mj-lt"/>
+            </a:endParaRPr>
+          </a:p>
+        </p:txBody>
+      </p:sp>
+      <p:sp>
+        <p:nvSpPr>
+          <p:cNvPr id="4" name="AutoShape 2" descr="원형큐에 대한 이미지 검색결과"/>
+          <p:cNvSpPr>
+            <a:spLocks noChangeAspect="1" noChangeArrowheads="1"/>
+          </p:cNvSpPr>
+          <p:nvPr/>
+        </p:nvSpPr>
+        <p:spPr bwMode="auto">
+          <a:xfrm>
+            <a:off x="155575" y="-144463"/>
+            <a:ext cx="304800" cy="304801"/>
+          </a:xfrm>
+          <a:prstGeom prst="rect">
+            <a:avLst/>
+          </a:prstGeom>
+          <a:noFill/>
+          <a:extLst>
+            <a:ext uri="{909E8E84-426E-40DD-AFC4-6F175D3DCCD1}">
+              <a14:hiddenFill xmlns:a14="http://schemas.microsoft.com/office/drawing/2010/main">
+                <a:solidFill>
+                  <a:srgbClr val="FFFFFF"/>
+                </a:solidFill>
+              </a14:hiddenFill>
+            </a:ext>
+          </a:extLst>
+        </p:spPr>
+        <p:txBody>
+          <a:bodyPr vert="horz" wrap="square" lIns="91440" tIns="45720" rIns="91440" bIns="45720" numCol="1" anchor="t" anchorCtr="0" compatLnSpc="1">
+            <a:prstTxWarp prst="textNoShape">
+              <a:avLst/>
+            </a:prstTxWarp>
+          </a:bodyPr>
+          <a:lstStyle/>
+          <a:p>
+            <a:endParaRPr lang="ko-KR" altLang="en-US"/>
+          </a:p>
+        </p:txBody>
+      </p:sp>
+      <p:sp>
+        <p:nvSpPr>
+          <p:cNvPr id="10" name="TextBox 9"/>
+          <p:cNvSpPr txBox="1"/>
+          <p:nvPr/>
+        </p:nvSpPr>
+        <p:spPr>
+          <a:xfrm>
+            <a:off x="5460288" y="2609602"/>
+            <a:ext cx="5077469" cy="2585323"/>
+          </a:xfrm>
+          <a:prstGeom prst="rect">
+            <a:avLst/>
+          </a:prstGeom>
+          <a:noFill/>
+        </p:spPr>
+        <p:txBody>
+          <a:bodyPr wrap="square" rtlCol="0">
+            <a:spAutoFit/>
+          </a:bodyPr>
+          <a:lstStyle/>
+          <a:p>
+            <a:pPr marL="285750" indent="-285750">
+              <a:lnSpc>
+                <a:spcPct val="150000"/>
+              </a:lnSpc>
+              <a:buFontTx/>
+              <a:buChar char="-"/>
+            </a:pPr>
+            <a:r>
+              <a:rPr lang="en-US" altLang="ko-KR" b="1" dirty="0" smtClean="0"/>
+              <a:t>Selenium</a:t>
+            </a:r>
+            <a:r>
+              <a:rPr lang="ko-KR" altLang="en-US" b="1" dirty="0" smtClean="0"/>
+              <a:t>의 안드로이드 버전</a:t>
+            </a:r>
+            <a:endParaRPr lang="en-US" altLang="ko-KR" b="1" dirty="0" smtClean="0"/>
+          </a:p>
+          <a:p>
+            <a:pPr marL="285750" indent="-285750">
+              <a:lnSpc>
+                <a:spcPct val="150000"/>
+              </a:lnSpc>
+              <a:buFontTx/>
+              <a:buChar char="-"/>
+            </a:pPr>
+            <a:r>
+              <a:rPr lang="ko-KR" altLang="en-US" b="1" dirty="0" smtClean="0"/>
+              <a:t>개발 환경을 맞추지 못하여 사용 못하였음</a:t>
+            </a:r>
+            <a:endParaRPr lang="en-US" altLang="ko-KR" b="1" dirty="0" smtClean="0"/>
+          </a:p>
+          <a:p>
+            <a:pPr marL="285750" indent="-285750">
+              <a:lnSpc>
+                <a:spcPct val="150000"/>
+              </a:lnSpc>
+              <a:buFontTx/>
+              <a:buChar char="-"/>
+            </a:pPr>
+            <a:r>
+              <a:rPr lang="ko-KR" altLang="en-US" b="1" dirty="0" smtClean="0"/>
+              <a:t>웹 페이지를 직접 동작시킬 수 있음</a:t>
+            </a:r>
+            <a:endParaRPr lang="en-US" altLang="ko-KR" b="1" dirty="0"/>
+          </a:p>
+          <a:p>
+            <a:pPr marL="285750" indent="-285750">
+              <a:lnSpc>
+                <a:spcPct val="150000"/>
+              </a:lnSpc>
+              <a:buFontTx/>
+              <a:buChar char="-"/>
+            </a:pPr>
+            <a:r>
+              <a:rPr lang="ko-KR" altLang="en-US" b="1" dirty="0" smtClean="0"/>
+              <a:t>이것을 통해 </a:t>
+            </a:r>
+            <a:r>
+              <a:rPr lang="en-US" altLang="ko-KR" b="1" dirty="0" smtClean="0"/>
+              <a:t>html </a:t>
+            </a:r>
+            <a:r>
+              <a:rPr lang="ko-KR" altLang="en-US" b="1" dirty="0" smtClean="0"/>
+              <a:t>전부를 가져옴</a:t>
+            </a:r>
+            <a:endParaRPr lang="en-US" altLang="ko-KR" b="1" dirty="0" smtClean="0"/>
+          </a:p>
+          <a:p>
+            <a:pPr marL="285750" indent="-285750">
+              <a:lnSpc>
+                <a:spcPct val="150000"/>
+              </a:lnSpc>
+              <a:buFontTx/>
+              <a:buChar char="-"/>
+            </a:pPr>
+            <a:endParaRPr lang="en-US" altLang="ko-KR" b="1" dirty="0"/>
+          </a:p>
+          <a:p>
+            <a:pPr marL="285750" indent="-285750">
+              <a:lnSpc>
+                <a:spcPct val="150000"/>
+              </a:lnSpc>
+              <a:buFontTx/>
+              <a:buChar char="-"/>
+            </a:pPr>
+            <a:endParaRPr lang="en-US" altLang="ko-KR" b="1" dirty="0" smtClean="0"/>
+          </a:p>
+        </p:txBody>
+      </p:sp>
       <p:pic>
         <p:nvPicPr>
-          <p:cNvPr id="11" name="그림 10"/>
+          <p:cNvPr id="1028" name="Picture 4" descr="Selendroid에 대한 이미지 검색결과"/>
           <p:cNvPicPr>
-            <a:picLocks noChangeAspect="1"/>
+            <a:picLocks noChangeAspect="1" noChangeArrowheads="1"/>
           </p:cNvPicPr>
           <p:nvPr/>
         </p:nvPicPr>
@@ -5975,342 +7414,35 @@
               </a:ext>
             </a:extLst>
           </a:blip>
+          <a:srcRect/>
           <a:stretch>
             <a:fillRect/>
           </a:stretch>
         </p:blipFill>
-        <p:spPr>
-          <a:xfrm>
-            <a:off x="0" y="0"/>
-            <a:ext cx="12192000" cy="6858000"/>
-          </a:xfrm>
-          <a:prstGeom prst="rect">
-            <a:avLst/>
-          </a:prstGeom>
+        <p:spPr bwMode="auto">
+          <a:xfrm>
+            <a:off x="854847" y="3015742"/>
+            <a:ext cx="3810000" cy="1028701"/>
+          </a:xfrm>
+          <a:prstGeom prst="rect">
+            <a:avLst/>
+          </a:prstGeom>
+          <a:noFill/>
+          <a:extLst>
+            <a:ext uri="{909E8E84-426E-40DD-AFC4-6F175D3DCCD1}">
+              <a14:hiddenFill xmlns:a14="http://schemas.microsoft.com/office/drawing/2010/main">
+                <a:solidFill>
+                  <a:srgbClr val="FFFFFF"/>
+                </a:solidFill>
+              </a14:hiddenFill>
+            </a:ext>
+          </a:extLst>
         </p:spPr>
       </p:pic>
-      <p:sp>
-        <p:nvSpPr>
-          <p:cNvPr id="4" name="직사각형 3"/>
-          <p:cNvSpPr/>
-          <p:nvPr/>
-        </p:nvSpPr>
-        <p:spPr>
-          <a:xfrm>
-            <a:off x="0" y="12530"/>
-            <a:ext cx="12191999" cy="6858000"/>
-          </a:xfrm>
-          <a:prstGeom prst="rect">
-            <a:avLst/>
-          </a:prstGeom>
-          <a:solidFill>
-            <a:schemeClr val="bg1">
-              <a:alpha val="62000"/>
-            </a:schemeClr>
-          </a:solidFill>
-          <a:ln>
-            <a:noFill/>
-          </a:ln>
-        </p:spPr>
-        <p:style>
-          <a:lnRef idx="2">
-            <a:schemeClr val="accent1">
-              <a:shade val="50000"/>
-            </a:schemeClr>
-          </a:lnRef>
-          <a:fillRef idx="1">
-            <a:schemeClr val="accent1"/>
-          </a:fillRef>
-          <a:effectRef idx="0">
-            <a:schemeClr val="accent1"/>
-          </a:effectRef>
-          <a:fontRef idx="minor">
-            <a:schemeClr val="lt1"/>
-          </a:fontRef>
-        </p:style>
-        <p:txBody>
-          <a:bodyPr rtlCol="0" anchor="ctr"/>
-          <a:lstStyle/>
-          <a:p>
-            <a:pPr algn="ctr"/>
-            <a:endParaRPr lang="ko-KR" altLang="en-US"/>
-          </a:p>
-        </p:txBody>
-      </p:sp>
-      <p:sp>
-        <p:nvSpPr>
-          <p:cNvPr id="5" name="직사각형 4"/>
-          <p:cNvSpPr/>
-          <p:nvPr/>
-        </p:nvSpPr>
-        <p:spPr>
-          <a:xfrm>
-            <a:off x="2472353" y="2409756"/>
-            <a:ext cx="7247295" cy="2063548"/>
-          </a:xfrm>
-          <a:prstGeom prst="rect">
-            <a:avLst/>
-          </a:prstGeom>
-          <a:solidFill>
-            <a:schemeClr val="bg1">
-              <a:lumMod val="95000"/>
-              <a:alpha val="17000"/>
-            </a:schemeClr>
-          </a:solidFill>
-          <a:ln>
-            <a:noFill/>
-          </a:ln>
-        </p:spPr>
-        <p:style>
-          <a:lnRef idx="2">
-            <a:schemeClr val="accent1">
-              <a:shade val="50000"/>
-            </a:schemeClr>
-          </a:lnRef>
-          <a:fillRef idx="1">
-            <a:schemeClr val="accent1"/>
-          </a:fillRef>
-          <a:effectRef idx="0">
-            <a:schemeClr val="accent1"/>
-          </a:effectRef>
-          <a:fontRef idx="minor">
-            <a:schemeClr val="lt1"/>
-          </a:fontRef>
-        </p:style>
-        <p:txBody>
-          <a:bodyPr rtlCol="0" anchor="ctr"/>
-          <a:lstStyle/>
-          <a:p>
-            <a:pPr algn="ctr"/>
-            <a:endParaRPr lang="ko-KR" altLang="en-US"/>
-          </a:p>
-        </p:txBody>
-      </p:sp>
-      <p:sp>
-        <p:nvSpPr>
-          <p:cNvPr id="6" name="TextBox 5"/>
-          <p:cNvSpPr txBox="1"/>
-          <p:nvPr/>
-        </p:nvSpPr>
-        <p:spPr>
-          <a:xfrm>
-            <a:off x="3107473" y="3061971"/>
-            <a:ext cx="5977052" cy="769441"/>
-          </a:xfrm>
-          <a:prstGeom prst="rect">
-            <a:avLst/>
-          </a:prstGeom>
-          <a:noFill/>
-          <a:ln>
-            <a:noFill/>
-          </a:ln>
-        </p:spPr>
-        <p:txBody>
-          <a:bodyPr wrap="square" rtlCol="0">
-            <a:spAutoFit/>
-          </a:bodyPr>
-          <a:lstStyle/>
-          <a:p>
-            <a:pPr algn="ctr"/>
-            <a:r>
-              <a:rPr lang="en-US" altLang="ko-KR" sz="4400" b="1" dirty="0">
-                <a:ln>
-                  <a:solidFill>
-                    <a:schemeClr val="bg1">
-                      <a:alpha val="20000"/>
-                    </a:schemeClr>
-                  </a:solidFill>
-                </a:ln>
-                <a:solidFill>
-                  <a:srgbClr val="112F41"/>
-                </a:solidFill>
-                <a:latin typeface="맑은 고딕" panose="020B0503020000020004" pitchFamily="50" charset="-127"/>
-                <a:ea typeface="맑은 고딕" panose="020B0503020000020004" pitchFamily="50" charset="-127"/>
-              </a:rPr>
-              <a:t>5</a:t>
-            </a:r>
-            <a:r>
-              <a:rPr lang="en-US" altLang="ko-KR" sz="4400" b="1" dirty="0" smtClean="0">
-                <a:ln>
-                  <a:solidFill>
-                    <a:schemeClr val="bg1">
-                      <a:alpha val="20000"/>
-                    </a:schemeClr>
-                  </a:solidFill>
-                </a:ln>
-                <a:solidFill>
-                  <a:srgbClr val="112F41"/>
-                </a:solidFill>
-                <a:latin typeface="맑은 고딕" panose="020B0503020000020004" pitchFamily="50" charset="-127"/>
-                <a:ea typeface="맑은 고딕" panose="020B0503020000020004" pitchFamily="50" charset="-127"/>
-              </a:rPr>
-              <a:t>. </a:t>
-            </a:r>
-            <a:r>
-              <a:rPr lang="ko-KR" altLang="en-US" sz="4400" b="1" dirty="0" smtClean="0">
-                <a:ln>
-                  <a:solidFill>
-                    <a:schemeClr val="bg1">
-                      <a:alpha val="20000"/>
-                    </a:schemeClr>
-                  </a:solidFill>
-                </a:ln>
-                <a:solidFill>
-                  <a:srgbClr val="112F41"/>
-                </a:solidFill>
-                <a:latin typeface="맑은 고딕" panose="020B0503020000020004" pitchFamily="50" charset="-127"/>
-                <a:ea typeface="맑은 고딕" panose="020B0503020000020004" pitchFamily="50" charset="-127"/>
-              </a:rPr>
-              <a:t>시연</a:t>
-            </a:r>
-            <a:endParaRPr lang="en-US" altLang="ko-KR" sz="4400" b="1" dirty="0" smtClean="0">
-              <a:ln>
-                <a:solidFill>
-                  <a:schemeClr val="bg1">
-                    <a:alpha val="20000"/>
-                  </a:schemeClr>
-                </a:solidFill>
-              </a:ln>
-              <a:solidFill>
-                <a:srgbClr val="112F41"/>
-              </a:solidFill>
-              <a:latin typeface="맑은 고딕" panose="020B0503020000020004" pitchFamily="50" charset="-127"/>
-              <a:ea typeface="맑은 고딕" panose="020B0503020000020004" pitchFamily="50" charset="-127"/>
-            </a:endParaRPr>
-          </a:p>
-        </p:txBody>
-      </p:sp>
-      <p:cxnSp>
-        <p:nvCxnSpPr>
-          <p:cNvPr id="7" name="직선 연결선 6"/>
-          <p:cNvCxnSpPr/>
-          <p:nvPr/>
-        </p:nvCxnSpPr>
-        <p:spPr>
-          <a:xfrm>
-            <a:off x="2472353" y="2409756"/>
-            <a:ext cx="7247295" cy="14395"/>
-          </a:xfrm>
-          <a:prstGeom prst="line">
-            <a:avLst/>
-          </a:prstGeom>
-          <a:ln w="28575">
-            <a:solidFill>
-              <a:srgbClr val="112F41"/>
-            </a:solidFill>
-          </a:ln>
-        </p:spPr>
-        <p:style>
-          <a:lnRef idx="1">
-            <a:schemeClr val="accent1"/>
-          </a:lnRef>
-          <a:fillRef idx="0">
-            <a:schemeClr val="accent1"/>
-          </a:fillRef>
-          <a:effectRef idx="0">
-            <a:schemeClr val="accent1"/>
-          </a:effectRef>
-          <a:fontRef idx="minor">
-            <a:schemeClr val="tx1"/>
-          </a:fontRef>
-        </p:style>
-      </p:cxnSp>
-      <p:cxnSp>
-        <p:nvCxnSpPr>
-          <p:cNvPr id="8" name="직선 연결선 7"/>
-          <p:cNvCxnSpPr/>
-          <p:nvPr/>
-        </p:nvCxnSpPr>
-        <p:spPr>
-          <a:xfrm>
-            <a:off x="2472353" y="4473304"/>
-            <a:ext cx="7247295" cy="0"/>
-          </a:xfrm>
-          <a:prstGeom prst="line">
-            <a:avLst/>
-          </a:prstGeom>
-          <a:ln w="28575">
-            <a:solidFill>
-              <a:srgbClr val="112F41"/>
-            </a:solidFill>
-          </a:ln>
-        </p:spPr>
-        <p:style>
-          <a:lnRef idx="1">
-            <a:schemeClr val="accent1"/>
-          </a:lnRef>
-          <a:fillRef idx="0">
-            <a:schemeClr val="accent1"/>
-          </a:fillRef>
-          <a:effectRef idx="0">
-            <a:schemeClr val="accent1"/>
-          </a:effectRef>
-          <a:fontRef idx="minor">
-            <a:schemeClr val="tx1"/>
-          </a:fontRef>
-        </p:style>
-      </p:cxnSp>
-      <p:sp>
-        <p:nvSpPr>
-          <p:cNvPr id="14" name="TextBox 13"/>
-          <p:cNvSpPr txBox="1"/>
-          <p:nvPr/>
-        </p:nvSpPr>
-        <p:spPr>
-          <a:xfrm>
-            <a:off x="13293139" y="2363482"/>
-            <a:ext cx="748923" cy="769441"/>
-          </a:xfrm>
-          <a:prstGeom prst="rect">
-            <a:avLst/>
-          </a:prstGeom>
-          <a:noFill/>
-        </p:spPr>
-        <p:txBody>
-          <a:bodyPr wrap="none" rtlCol="0">
-            <a:spAutoFit/>
-          </a:bodyPr>
-          <a:lstStyle/>
-          <a:p>
-            <a:pPr algn="ctr"/>
-            <a:r>
-              <a:rPr lang="en-US" altLang="ko-KR" sz="4400" b="1" dirty="0">
-                <a:ln>
-                  <a:solidFill>
-                    <a:schemeClr val="bg1">
-                      <a:alpha val="20000"/>
-                    </a:schemeClr>
-                  </a:solidFill>
-                </a:ln>
-                <a:solidFill>
-                  <a:schemeClr val="bg1"/>
-                </a:solidFill>
-                <a:latin typeface="나눔스퀘어 ExtraBold" panose="020B0600000101010101" pitchFamily="50" charset="-127"/>
-                <a:ea typeface="나눔스퀘어 ExtraBold" panose="020B0600000101010101" pitchFamily="50" charset="-127"/>
-              </a:rPr>
-              <a:t>1.</a:t>
-            </a:r>
-            <a:endParaRPr lang="ko-KR" altLang="en-US" sz="4400" b="1" dirty="0">
-              <a:ln>
-                <a:solidFill>
-                  <a:schemeClr val="bg1">
-                    <a:alpha val="20000"/>
-                  </a:schemeClr>
-                </a:solidFill>
-              </a:ln>
-              <a:solidFill>
-                <a:schemeClr val="bg1"/>
-              </a:solidFill>
-              <a:latin typeface="나눔스퀘어 ExtraBold" panose="020B0600000101010101" pitchFamily="50" charset="-127"/>
-              <a:ea typeface="나눔스퀘어 ExtraBold" panose="020B0600000101010101" pitchFamily="50" charset="-127"/>
-            </a:endParaRPr>
-          </a:p>
-        </p:txBody>
-      </p:sp>
     </p:spTree>
     <p:extLst>
       <p:ext uri="{BB962C8B-B14F-4D97-AF65-F5344CB8AC3E}">
-        <p14:creationId xmlns:p14="http://schemas.microsoft.com/office/powerpoint/2010/main" val="378757165"/>
+        <p14:creationId xmlns:p14="http://schemas.microsoft.com/office/powerpoint/2010/main" val="2120840527"/>
       </p:ext>
     </p:extLst>
   </p:cSld>
@@ -6344,9 +7476,219 @@
           <a:chExt cx="0" cy="0"/>
         </a:xfrm>
       </p:grpSpPr>
+      <p:sp>
+        <p:nvSpPr>
+          <p:cNvPr id="2" name="TextBox 1"/>
+          <p:cNvSpPr txBox="1"/>
+          <p:nvPr/>
+        </p:nvSpPr>
+        <p:spPr>
+          <a:xfrm>
+            <a:off x="0" y="204364"/>
+            <a:ext cx="4853354" cy="400110"/>
+          </a:xfrm>
+          <a:prstGeom prst="rect">
+            <a:avLst/>
+          </a:prstGeom>
+          <a:noFill/>
+          <a:ln>
+            <a:noFill/>
+          </a:ln>
+        </p:spPr>
+        <p:txBody>
+          <a:bodyPr wrap="square" rtlCol="0">
+            <a:spAutoFit/>
+          </a:bodyPr>
+          <a:lstStyle/>
+          <a:p>
+            <a:r>
+              <a:rPr lang="en-US" altLang="ko-KR" sz="2000" b="1" dirty="0">
+                <a:ln>
+                  <a:solidFill>
+                    <a:schemeClr val="bg1">
+                      <a:alpha val="20000"/>
+                    </a:schemeClr>
+                  </a:solidFill>
+                </a:ln>
+                <a:solidFill>
+                  <a:srgbClr val="112F41"/>
+                </a:solidFill>
+                <a:latin typeface="맑은 고딕" panose="020B0503020000020004" pitchFamily="50" charset="-127"/>
+                <a:ea typeface="맑은 고딕" panose="020B0503020000020004" pitchFamily="50" charset="-127"/>
+              </a:rPr>
+              <a:t>4</a:t>
+            </a:r>
+            <a:r>
+              <a:rPr lang="en-US" altLang="ko-KR" sz="2000" b="1" dirty="0" smtClean="0">
+                <a:ln>
+                  <a:solidFill>
+                    <a:schemeClr val="bg1">
+                      <a:alpha val="20000"/>
+                    </a:schemeClr>
+                  </a:solidFill>
+                </a:ln>
+                <a:solidFill>
+                  <a:srgbClr val="112F41"/>
+                </a:solidFill>
+                <a:latin typeface="맑은 고딕" panose="020B0503020000020004" pitchFamily="50" charset="-127"/>
+                <a:ea typeface="맑은 고딕" panose="020B0503020000020004" pitchFamily="50" charset="-127"/>
+              </a:rPr>
+              <a:t>. </a:t>
+            </a:r>
+            <a:r>
+              <a:rPr lang="ko-KR" altLang="en-US" sz="2000" b="1" dirty="0" smtClean="0">
+                <a:ln>
+                  <a:solidFill>
+                    <a:schemeClr val="bg1">
+                      <a:alpha val="20000"/>
+                    </a:schemeClr>
+                  </a:solidFill>
+                </a:ln>
+                <a:solidFill>
+                  <a:srgbClr val="112F41"/>
+                </a:solidFill>
+                <a:latin typeface="맑은 고딕" panose="020B0503020000020004" pitchFamily="50" charset="-127"/>
+                <a:ea typeface="맑은 고딕" panose="020B0503020000020004" pitchFamily="50" charset="-127"/>
+              </a:rPr>
+              <a:t>한계점 및 향후 계획</a:t>
+            </a:r>
+            <a:endParaRPr lang="en-US" altLang="ko-KR" sz="2000" b="1" dirty="0" smtClean="0">
+              <a:ln>
+                <a:solidFill>
+                  <a:schemeClr val="bg1">
+                    <a:alpha val="20000"/>
+                  </a:schemeClr>
+                </a:solidFill>
+              </a:ln>
+              <a:solidFill>
+                <a:srgbClr val="112F41"/>
+              </a:solidFill>
+              <a:latin typeface="맑은 고딕" panose="020B0503020000020004" pitchFamily="50" charset="-127"/>
+              <a:ea typeface="맑은 고딕" panose="020B0503020000020004" pitchFamily="50" charset="-127"/>
+            </a:endParaRPr>
+          </a:p>
+        </p:txBody>
+      </p:sp>
+      <p:cxnSp>
+        <p:nvCxnSpPr>
+          <p:cNvPr id="3" name="직선 연결선 2"/>
+          <p:cNvCxnSpPr/>
+          <p:nvPr/>
+        </p:nvCxnSpPr>
+        <p:spPr>
+          <a:xfrm>
+            <a:off x="186353" y="718783"/>
+            <a:ext cx="3550378" cy="0"/>
+          </a:xfrm>
+          <a:prstGeom prst="line">
+            <a:avLst/>
+          </a:prstGeom>
+          <a:ln w="28575">
+            <a:solidFill>
+              <a:srgbClr val="112F41"/>
+            </a:solidFill>
+          </a:ln>
+        </p:spPr>
+        <p:style>
+          <a:lnRef idx="1">
+            <a:schemeClr val="accent1"/>
+          </a:lnRef>
+          <a:fillRef idx="0">
+            <a:schemeClr val="accent1"/>
+          </a:fillRef>
+          <a:effectRef idx="0">
+            <a:schemeClr val="accent1"/>
+          </a:effectRef>
+          <a:fontRef idx="minor">
+            <a:schemeClr val="tx1"/>
+          </a:fontRef>
+        </p:style>
+      </p:cxnSp>
+      <p:sp>
+        <p:nvSpPr>
+          <p:cNvPr id="4" name="AutoShape 2" descr="원형큐에 대한 이미지 검색결과"/>
+          <p:cNvSpPr>
+            <a:spLocks noChangeAspect="1" noChangeArrowheads="1"/>
+          </p:cNvSpPr>
+          <p:nvPr/>
+        </p:nvSpPr>
+        <p:spPr bwMode="auto">
+          <a:xfrm>
+            <a:off x="155575" y="-144463"/>
+            <a:ext cx="304800" cy="304801"/>
+          </a:xfrm>
+          <a:prstGeom prst="rect">
+            <a:avLst/>
+          </a:prstGeom>
+          <a:noFill/>
+          <a:extLst>
+            <a:ext uri="{909E8E84-426E-40DD-AFC4-6F175D3DCCD1}">
+              <a14:hiddenFill xmlns:a14="http://schemas.microsoft.com/office/drawing/2010/main">
+                <a:solidFill>
+                  <a:srgbClr val="FFFFFF"/>
+                </a:solidFill>
+              </a14:hiddenFill>
+            </a:ext>
+          </a:extLst>
+        </p:spPr>
+        <p:txBody>
+          <a:bodyPr vert="horz" wrap="square" lIns="91440" tIns="45720" rIns="91440" bIns="45720" numCol="1" anchor="t" anchorCtr="0" compatLnSpc="1">
+            <a:prstTxWarp prst="textNoShape">
+              <a:avLst/>
+            </a:prstTxWarp>
+          </a:bodyPr>
+          <a:lstStyle/>
+          <a:p>
+            <a:endParaRPr lang="ko-KR" altLang="en-US"/>
+          </a:p>
+        </p:txBody>
+      </p:sp>
+      <p:sp>
+        <p:nvSpPr>
+          <p:cNvPr id="11" name="TextBox 10"/>
+          <p:cNvSpPr txBox="1"/>
+          <p:nvPr/>
+        </p:nvSpPr>
+        <p:spPr>
+          <a:xfrm>
+            <a:off x="4400484" y="3405149"/>
+            <a:ext cx="3591372" cy="392415"/>
+          </a:xfrm>
+          <a:prstGeom prst="rect">
+            <a:avLst/>
+          </a:prstGeom>
+          <a:noFill/>
+        </p:spPr>
+        <p:txBody>
+          <a:bodyPr wrap="square" rtlCol="0">
+            <a:spAutoFit/>
+          </a:bodyPr>
+          <a:lstStyle/>
+          <a:p>
+            <a:pPr>
+              <a:lnSpc>
+                <a:spcPct val="150000"/>
+              </a:lnSpc>
+            </a:pPr>
+            <a:r>
+              <a:rPr lang="ko-KR" altLang="en-US" sz="1300" b="1" dirty="0" err="1" smtClean="0"/>
+              <a:t>금학기</a:t>
+            </a:r>
+            <a:r>
+              <a:rPr lang="ko-KR" altLang="en-US" sz="1300" b="1" dirty="0" smtClean="0"/>
+              <a:t> 학점이 하나도 올라오지 않았다</a:t>
+            </a:r>
+            <a:r>
+              <a:rPr lang="en-US" altLang="ko-KR" sz="1300" b="1" dirty="0" smtClean="0"/>
+              <a:t>.</a:t>
+            </a:r>
+            <a:endParaRPr lang="ko-KR" altLang="en-US" sz="1300" b="1" dirty="0"/>
+          </a:p>
+        </p:txBody>
+      </p:sp>
       <p:pic>
         <p:nvPicPr>
-          <p:cNvPr id="11" name="그림 10"/>
+          <p:cNvPr id="7" name="그림 6"/>
           <p:cNvPicPr>
             <a:picLocks noChangeAspect="1"/>
           </p:cNvPicPr>
@@ -6366,31 +7708,100 @@
         </p:blipFill>
         <p:spPr>
           <a:xfrm>
-            <a:off x="0" y="0"/>
-            <a:ext cx="12192000" cy="6858000"/>
+            <a:off x="1060704" y="1230650"/>
+            <a:ext cx="9198864" cy="2174499"/>
           </a:xfrm>
           <a:prstGeom prst="rect">
             <a:avLst/>
           </a:prstGeom>
         </p:spPr>
       </p:pic>
-      <p:sp>
-        <p:nvSpPr>
-          <p:cNvPr id="4" name="직사각형 3"/>
+      <p:pic>
+        <p:nvPicPr>
+          <p:cNvPr id="8" name="그림 7"/>
+          <p:cNvPicPr>
+            <a:picLocks noChangeAspect="1"/>
+          </p:cNvPicPr>
+          <p:nvPr/>
+        </p:nvPicPr>
+        <p:blipFill>
+          <a:blip r:embed="rId3">
+            <a:extLst>
+              <a:ext uri="{28A0092B-C50C-407E-A947-70E740481C1C}">
+                <a14:useLocalDpi xmlns:a14="http://schemas.microsoft.com/office/drawing/2010/main" val="0"/>
+              </a:ext>
+            </a:extLst>
+          </a:blip>
+          <a:stretch>
+            <a:fillRect/>
+          </a:stretch>
+        </p:blipFill>
+        <p:spPr>
+          <a:xfrm>
+            <a:off x="1961542" y="4031325"/>
+            <a:ext cx="7115175" cy="1209675"/>
+          </a:xfrm>
+          <a:prstGeom prst="rect">
+            <a:avLst/>
+          </a:prstGeom>
+        </p:spPr>
+      </p:pic>
+      <p:sp>
+        <p:nvSpPr>
+          <p:cNvPr id="14" name="TextBox 13"/>
+          <p:cNvSpPr txBox="1"/>
+          <p:nvPr/>
+        </p:nvSpPr>
+        <p:spPr>
+          <a:xfrm>
+            <a:off x="4360446" y="5241000"/>
+            <a:ext cx="3591372" cy="353751"/>
+          </a:xfrm>
+          <a:prstGeom prst="rect">
+            <a:avLst/>
+          </a:prstGeom>
+          <a:noFill/>
+        </p:spPr>
+        <p:txBody>
+          <a:bodyPr wrap="square" rtlCol="0">
+            <a:spAutoFit/>
+          </a:bodyPr>
+          <a:lstStyle/>
+          <a:p>
+            <a:pPr>
+              <a:lnSpc>
+                <a:spcPct val="150000"/>
+              </a:lnSpc>
+            </a:pPr>
+            <a:r>
+              <a:rPr lang="ko-KR" altLang="en-US" sz="1300" b="1" dirty="0" smtClean="0"/>
+              <a:t>태그의 내용을 분석할 수 없다</a:t>
+            </a:r>
+            <a:r>
+              <a:rPr lang="en-US" altLang="ko-KR" sz="1300" b="1" dirty="0" smtClean="0"/>
+              <a:t>.</a:t>
+            </a:r>
+            <a:endParaRPr lang="ko-KR" altLang="en-US" sz="1300" b="1" dirty="0"/>
+          </a:p>
+        </p:txBody>
+      </p:sp>
+      <p:sp>
+        <p:nvSpPr>
+          <p:cNvPr id="15" name="직사각형 14"/>
           <p:cNvSpPr/>
           <p:nvPr/>
         </p:nvSpPr>
         <p:spPr>
           <a:xfrm>
-            <a:off x="0" y="12530"/>
-            <a:ext cx="12191999" cy="6858000"/>
+            <a:off x="-3" y="4566"/>
+            <a:ext cx="12192000" cy="6873371"/>
           </a:xfrm>
           <a:prstGeom prst="rect">
             <a:avLst/>
           </a:prstGeom>
           <a:solidFill>
-            <a:schemeClr val="bg1">
-              <a:alpha val="62000"/>
+            <a:schemeClr val="tx1">
+              <a:alpha val="65000"/>
             </a:schemeClr>
           </a:solidFill>
           <a:ln>
@@ -6418,69 +7829,20 @@
           <a:lstStyle/>
           <a:p>
             <a:pPr algn="ctr"/>
-            <a:endParaRPr lang="ko-KR" altLang="en-US"/>
-          </a:p>
-        </p:txBody>
-      </p:sp>
-      <p:sp>
-        <p:nvSpPr>
-          <p:cNvPr id="5" name="직사각형 4"/>
-          <p:cNvSpPr/>
-          <p:nvPr/>
-        </p:nvSpPr>
-        <p:spPr>
-          <a:xfrm>
-            <a:off x="2472353" y="2409756"/>
-            <a:ext cx="7247295" cy="2063548"/>
-          </a:xfrm>
-          <a:prstGeom prst="rect">
-            <a:avLst/>
-          </a:prstGeom>
-          <a:solidFill>
-            <a:schemeClr val="bg1">
-              <a:lumMod val="95000"/>
-              <a:alpha val="17000"/>
-            </a:schemeClr>
-          </a:solidFill>
-          <a:ln>
-            <a:noFill/>
-          </a:ln>
-        </p:spPr>
-        <p:style>
-          <a:lnRef idx="2">
-            <a:schemeClr val="accent1">
-              <a:shade val="50000"/>
-            </a:schemeClr>
-          </a:lnRef>
-          <a:fillRef idx="1">
-            <a:schemeClr val="accent1"/>
-          </a:fillRef>
-          <a:effectRef idx="0">
-            <a:schemeClr val="accent1"/>
-          </a:effectRef>
-          <a:fontRef idx="minor">
-            <a:schemeClr val="lt1"/>
-          </a:fontRef>
-        </p:style>
-        <p:txBody>
-          <a:bodyPr rtlCol="0" anchor="ctr"/>
-          <a:lstStyle/>
-          <a:p>
-            <a:pPr algn="ctr"/>
-            <a:endParaRPr lang="ko-KR" altLang="en-US"/>
-          </a:p>
-        </p:txBody>
-      </p:sp>
-      <p:sp>
-        <p:nvSpPr>
-          <p:cNvPr id="6" name="TextBox 5"/>
+            <a:endParaRPr lang="ko-KR" altLang="en-US" dirty="0"/>
+          </a:p>
+        </p:txBody>
+      </p:sp>
+      <p:sp>
+        <p:nvSpPr>
+          <p:cNvPr id="16" name="TextBox 15"/>
           <p:cNvSpPr txBox="1"/>
           <p:nvPr/>
         </p:nvSpPr>
         <p:spPr>
           <a:xfrm>
-            <a:off x="3107474" y="3044280"/>
-            <a:ext cx="5977052" cy="769441"/>
+            <a:off x="2812194" y="2861514"/>
+            <a:ext cx="6906965" cy="769441"/>
           </a:xfrm>
           <a:prstGeom prst="rect">
             <a:avLst/>
@@ -6497,23 +7859,6 @@
           <a:lstStyle/>
           <a:p>
             <a:pPr algn="ctr"/>
-            <a:r>
-              <a:rPr lang="en-US" altLang="ko-KR" sz="4400" b="1" dirty="0">
-                <a:ln>
-                  <a:solidFill>
-                    <a:schemeClr val="bg1">
-                      <a:alpha val="20000"/>
-                    </a:schemeClr>
-                  </a:solidFill>
-                </a:ln>
-                <a:solidFill>
-                  <a:srgbClr val="112F41"/>
-                </a:solidFill>
-                <a:latin typeface="맑은 고딕" panose="020B0503020000020004" pitchFamily="50" charset="-127"/>
-                <a:ea typeface="맑은 고딕" panose="020B0503020000020004" pitchFamily="50" charset="-127"/>
-              </a:rPr>
-              <a:t>6. </a:t>
-            </a:r>
             <a:r>
               <a:rPr lang="ko-KR" altLang="en-US" sz="4400" b="1" dirty="0" smtClean="0">
                 <a:ln>
@@ -6524,14 +7869,14 @@
                   </a:solidFill>
                 </a:ln>
                 <a:solidFill>
-                  <a:srgbClr val="112F41"/>
+                  <a:schemeClr val="bg1"/>
                 </a:solidFill>
                 <a:latin typeface="맑은 고딕" panose="020B0503020000020004" pitchFamily="50" charset="-127"/>
                 <a:ea typeface="맑은 고딕" panose="020B0503020000020004" pitchFamily="50" charset="-127"/>
               </a:rPr>
-              <a:t>소감</a:t>
-            </a:r>
-            <a:endParaRPr lang="en-US" altLang="ko-KR" sz="4400" b="1" dirty="0">
+              <a:t>시간이 필요</a:t>
+            </a:r>
+            <a:endParaRPr lang="en-US" altLang="ko-KR" sz="4400" b="1" dirty="0" smtClean="0">
               <a:ln>
                 <a:solidFill>
                   <a:schemeClr val="bg1">
@@ -6540,7 +7885,7 @@
                 </a:solidFill>
               </a:ln>
               <a:solidFill>
-                <a:srgbClr val="112F41"/>
+                <a:schemeClr val="bg1"/>
               </a:solidFill>
               <a:latin typeface="맑은 고딕" panose="020B0503020000020004" pitchFamily="50" charset="-127"/>
               <a:ea typeface="맑은 고딕" panose="020B0503020000020004" pitchFamily="50" charset="-127"/>
@@ -6548,143 +7893,138 @@
           </a:p>
         </p:txBody>
       </p:sp>
-      <p:cxnSp>
-        <p:nvCxnSpPr>
-          <p:cNvPr id="7" name="직선 연결선 6"/>
-          <p:cNvCxnSpPr/>
-          <p:nvPr/>
-        </p:nvCxnSpPr>
-        <p:spPr>
-          <a:xfrm>
-            <a:off x="2472353" y="2409756"/>
-            <a:ext cx="7247295" cy="14395"/>
-          </a:xfrm>
-          <a:prstGeom prst="line">
-            <a:avLst/>
-          </a:prstGeom>
-          <a:ln w="28575">
-            <a:solidFill>
-              <a:srgbClr val="112F41"/>
-            </a:solidFill>
-          </a:ln>
-        </p:spPr>
-        <p:style>
-          <a:lnRef idx="1">
-            <a:schemeClr val="accent1"/>
-          </a:lnRef>
-          <a:fillRef idx="0">
-            <a:schemeClr val="accent1"/>
-          </a:fillRef>
-          <a:effectRef idx="0">
-            <a:schemeClr val="accent1"/>
-          </a:effectRef>
-          <a:fontRef idx="minor">
-            <a:schemeClr val="tx1"/>
-          </a:fontRef>
-        </p:style>
-      </p:cxnSp>
-      <p:cxnSp>
-        <p:nvCxnSpPr>
-          <p:cNvPr id="8" name="직선 연결선 7"/>
-          <p:cNvCxnSpPr/>
-          <p:nvPr/>
-        </p:nvCxnSpPr>
-        <p:spPr>
-          <a:xfrm>
-            <a:off x="2472353" y="4473304"/>
-            <a:ext cx="7247295" cy="0"/>
-          </a:xfrm>
-          <a:prstGeom prst="line">
-            <a:avLst/>
-          </a:prstGeom>
-          <a:ln w="28575">
-            <a:solidFill>
-              <a:srgbClr val="112F41"/>
-            </a:solidFill>
-          </a:ln>
-        </p:spPr>
-        <p:style>
-          <a:lnRef idx="1">
-            <a:schemeClr val="accent1"/>
-          </a:lnRef>
-          <a:fillRef idx="0">
-            <a:schemeClr val="accent1"/>
-          </a:fillRef>
-          <a:effectRef idx="0">
-            <a:schemeClr val="accent1"/>
-          </a:effectRef>
-          <a:fontRef idx="minor">
-            <a:schemeClr val="tx1"/>
-          </a:fontRef>
-        </p:style>
-      </p:cxnSp>
-      <p:sp>
-        <p:nvSpPr>
-          <p:cNvPr id="14" name="TextBox 13"/>
-          <p:cNvSpPr txBox="1"/>
-          <p:nvPr/>
-        </p:nvSpPr>
-        <p:spPr>
-          <a:xfrm>
-            <a:off x="13293139" y="2363482"/>
-            <a:ext cx="748923" cy="769441"/>
-          </a:xfrm>
-          <a:prstGeom prst="rect">
-            <a:avLst/>
-          </a:prstGeom>
-          <a:noFill/>
-        </p:spPr>
-        <p:txBody>
-          <a:bodyPr wrap="none" rtlCol="0">
-            <a:spAutoFit/>
-          </a:bodyPr>
-          <a:lstStyle/>
-          <a:p>
-            <a:pPr algn="ctr"/>
-            <a:r>
-              <a:rPr lang="en-US" altLang="ko-KR" sz="4400" b="1" dirty="0">
-                <a:ln>
-                  <a:solidFill>
-                    <a:schemeClr val="bg1">
-                      <a:alpha val="20000"/>
-                    </a:schemeClr>
-                  </a:solidFill>
-                </a:ln>
-                <a:solidFill>
-                  <a:schemeClr val="bg1"/>
-                </a:solidFill>
-                <a:latin typeface="나눔스퀘어 ExtraBold" panose="020B0600000101010101" pitchFamily="50" charset="-127"/>
-                <a:ea typeface="나눔스퀘어 ExtraBold" panose="020B0600000101010101" pitchFamily="50" charset="-127"/>
-              </a:rPr>
-              <a:t>1.</a:t>
-            </a:r>
-            <a:endParaRPr lang="ko-KR" altLang="en-US" sz="4400" b="1" dirty="0">
-              <a:ln>
-                <a:solidFill>
-                  <a:schemeClr val="bg1">
-                    <a:alpha val="20000"/>
-                  </a:schemeClr>
-                </a:solidFill>
-              </a:ln>
-              <a:solidFill>
-                <a:schemeClr val="bg1"/>
-              </a:solidFill>
-              <a:latin typeface="나눔스퀘어 ExtraBold" panose="020B0600000101010101" pitchFamily="50" charset="-127"/>
-              <a:ea typeface="나눔스퀘어 ExtraBold" panose="020B0600000101010101" pitchFamily="50" charset="-127"/>
-            </a:endParaRPr>
-          </a:p>
-        </p:txBody>
-      </p:sp>
     </p:spTree>
     <p:extLst>
       <p:ext uri="{BB962C8B-B14F-4D97-AF65-F5344CB8AC3E}">
-        <p14:creationId xmlns:p14="http://schemas.microsoft.com/office/powerpoint/2010/main" val="1335116206"/>
+        <p14:creationId xmlns:p14="http://schemas.microsoft.com/office/powerpoint/2010/main" val="3720737298"/>
       </p:ext>
     </p:extLst>
   </p:cSld>
   <p:clrMapOvr>
     <a:masterClrMapping/>
   </p:clrMapOvr>
+  <p:timing>
+    <p:tnLst>
+      <p:par>
+        <p:cTn id="1" dur="indefinite" restart="never" nodeType="tmRoot">
+          <p:childTnLst>
+            <p:seq concurrent="1" nextAc="seek">
+              <p:cTn id="2" dur="indefinite" nodeType="mainSeq">
+                <p:childTnLst>
+                  <p:par>
+                    <p:cTn id="3" fill="hold">
+                      <p:stCondLst>
+                        <p:cond delay="indefinite"/>
+                      </p:stCondLst>
+                      <p:childTnLst>
+                        <p:par>
+                          <p:cTn id="4" fill="hold">
+                            <p:stCondLst>
+                              <p:cond delay="0"/>
+                            </p:stCondLst>
+                            <p:childTnLst>
+                              <p:par>
+                                <p:cTn id="5" presetID="10" presetClass="entr" presetSubtype="0" fill="hold" grpId="0" nodeType="clickEffect">
+                                  <p:stCondLst>
+                                    <p:cond delay="0"/>
+                                  </p:stCondLst>
+                                  <p:childTnLst>
+                                    <p:set>
+                                      <p:cBhvr>
+                                        <p:cTn id="6" dur="1" fill="hold">
+                                          <p:stCondLst>
+                                            <p:cond delay="0"/>
+                                          </p:stCondLst>
+                                        </p:cTn>
+                                        <p:tgtEl>
+                                          <p:spTgt spid="15"/>
+                                        </p:tgtEl>
+                                        <p:attrNameLst>
+                                          <p:attrName>style.visibility</p:attrName>
+                                        </p:attrNameLst>
+                                      </p:cBhvr>
+                                      <p:to>
+                                        <p:strVal val="visible"/>
+                                      </p:to>
+                                    </p:set>
+                                    <p:animEffect transition="in" filter="fade">
+                                      <p:cBhvr>
+                                        <p:cTn id="7" dur="500"/>
+                                        <p:tgtEl>
+                                          <p:spTgt spid="15"/>
+                                        </p:tgtEl>
+                                      </p:cBhvr>
+                                    </p:animEffect>
+                                  </p:childTnLst>
+                                </p:cTn>
+                              </p:par>
+                              <p:par>
+                                <p:cTn id="8" presetID="16" presetClass="entr" presetSubtype="21" fill="hold" grpId="0" nodeType="withEffect">
+                                  <p:stCondLst>
+                                    <p:cond delay="0"/>
+                                  </p:stCondLst>
+                                  <p:childTnLst>
+                                    <p:set>
+                                      <p:cBhvr>
+                                        <p:cTn id="9" dur="1" fill="hold">
+                                          <p:stCondLst>
+                                            <p:cond delay="0"/>
+                                          </p:stCondLst>
+                                        </p:cTn>
+                                        <p:tgtEl>
+                                          <p:spTgt spid="16"/>
+                                        </p:tgtEl>
+                                        <p:attrNameLst>
+                                          <p:attrName>style.visibility</p:attrName>
+                                        </p:attrNameLst>
+                                      </p:cBhvr>
+                                      <p:to>
+                                        <p:strVal val="visible"/>
+                                      </p:to>
+                                    </p:set>
+                                    <p:animEffect transition="in" filter="barn(inVertical)">
+                                      <p:cBhvr>
+                                        <p:cTn id="10" dur="500"/>
+                                        <p:tgtEl>
+                                          <p:spTgt spid="16"/>
+                                        </p:tgtEl>
+                                      </p:cBhvr>
+                                    </p:animEffect>
+                                  </p:childTnLst>
+                                </p:cTn>
+                              </p:par>
+                            </p:childTnLst>
+                          </p:cTn>
+                        </p:par>
+                      </p:childTnLst>
+                    </p:cTn>
+                  </p:par>
+                </p:childTnLst>
+              </p:cTn>
+              <p:prevCondLst>
+                <p:cond evt="onPrev" delay="0">
+                  <p:tgtEl>
+                    <p:sldTgt/>
+                  </p:tgtEl>
+                </p:cond>
+              </p:prevCondLst>
+              <p:nextCondLst>
+                <p:cond evt="onNext" delay="0">
+                  <p:tgtEl>
+                    <p:sldTgt/>
+                  </p:tgtEl>
+                </p:cond>
+              </p:nextCondLst>
+            </p:seq>
+          </p:childTnLst>
+        </p:cTn>
+      </p:par>
+    </p:tnLst>
+    <p:bldLst>
+      <p:bldP spid="15" grpId="0" animBg="1"/>
+      <p:bldP spid="16" grpId="0"/>
+    </p:bldLst>
+  </p:timing>
 </p:sld>
 </file>
 
@@ -7712,7 +9052,7 @@
                 <a:latin typeface="맑은 고딕" panose="020B0503020000020004" pitchFamily="50" charset="-127"/>
                 <a:ea typeface="맑은 고딕" panose="020B0503020000020004" pitchFamily="50" charset="-127"/>
               </a:rPr>
-              <a:t>6. </a:t>
+              <a:t>3. </a:t>
             </a:r>
             <a:r>
               <a:rPr lang="ko-KR" altLang="en-US" sz="2000" b="1" dirty="0" smtClean="0">
@@ -7729,7 +9069,7 @@
                 <a:latin typeface="맑은 고딕" panose="020B0503020000020004" pitchFamily="50" charset="-127"/>
                 <a:ea typeface="맑은 고딕" panose="020B0503020000020004" pitchFamily="50" charset="-127"/>
               </a:rPr>
-              <a:t>소감</a:t>
+              <a:t>한계점 및 향후 계획</a:t>
             </a:r>
             <a:endParaRPr lang="en-US" altLang="ko-KR" sz="2000" b="1" dirty="0" smtClean="0">
               <a:ln>
@@ -7822,16 +9162,57 @@
           </a:p>
         </p:txBody>
       </p:sp>
-      <p:sp>
-        <p:nvSpPr>
-          <p:cNvPr id="7" name="TextBox 6"/>
+      <p:pic>
+        <p:nvPicPr>
+          <p:cNvPr id="2050" name="Picture 2" descr="play store에 대한 이미지 검색결과"/>
+          <p:cNvPicPr>
+            <a:picLocks noChangeAspect="1" noChangeArrowheads="1"/>
+          </p:cNvPicPr>
+          <p:nvPr/>
+        </p:nvPicPr>
+        <p:blipFill>
+          <a:blip r:embed="rId2">
+            <a:extLst>
+              <a:ext uri="{28A0092B-C50C-407E-A947-70E740481C1C}">
+                <a14:useLocalDpi xmlns:a14="http://schemas.microsoft.com/office/drawing/2010/main" val="0"/>
+              </a:ext>
+            </a:extLst>
+          </a:blip>
+          <a:srcRect/>
+          <a:stretch>
+            <a:fillRect/>
+          </a:stretch>
+        </p:blipFill>
+        <p:spPr bwMode="auto">
+          <a:xfrm>
+            <a:off x="307975" y="1534521"/>
+            <a:ext cx="5864062" cy="3904488"/>
+          </a:xfrm>
+          <a:prstGeom prst="rect">
+            <a:avLst/>
+          </a:prstGeom>
+          <a:noFill/>
+          <a:extLst>
+            <a:ext uri="{909E8E84-426E-40DD-AFC4-6F175D3DCCD1}">
+              <a14:hiddenFill xmlns:a14="http://schemas.microsoft.com/office/drawing/2010/main">
+                <a:solidFill>
+                  <a:srgbClr val="FFFFFF"/>
+                </a:solidFill>
+              </a14:hiddenFill>
+            </a:ext>
+          </a:extLst>
+        </p:spPr>
+      </p:pic>
+      <p:sp>
+        <p:nvSpPr>
+          <p:cNvPr id="9" name="TextBox 8"/>
           <p:cNvSpPr txBox="1"/>
           <p:nvPr/>
         </p:nvSpPr>
         <p:spPr>
           <a:xfrm>
-            <a:off x="1247037" y="1502625"/>
-            <a:ext cx="7721117" cy="3432030"/>
+            <a:off x="5442000" y="2408434"/>
+            <a:ext cx="5077469" cy="2169825"/>
           </a:xfrm>
           <a:prstGeom prst="rect">
             <a:avLst/>
@@ -7846,127 +9227,79 @@
           <a:p>
             <a:pPr marL="285750" indent="-285750">
               <a:lnSpc>
-                <a:spcPct val="250000"/>
+                <a:spcPct val="150000"/>
               </a:lnSpc>
               <a:buFontTx/>
               <a:buChar char="-"/>
             </a:pPr>
             <a:r>
               <a:rPr lang="ko-KR" altLang="en-US" b="1" dirty="0" smtClean="0"/>
-              <a:t>첫 </a:t>
-            </a:r>
-            <a:r>
-              <a:rPr lang="en-US" altLang="ko-KR" b="1" dirty="0" err="1" smtClean="0"/>
-              <a:t>gui</a:t>
-            </a:r>
-            <a:r>
-              <a:rPr lang="en-US" altLang="ko-KR" b="1" dirty="0" smtClean="0"/>
-              <a:t> </a:t>
-            </a:r>
-            <a:r>
-              <a:rPr lang="ko-KR" altLang="en-US" b="1" dirty="0" smtClean="0"/>
-              <a:t>프로그래밍</a:t>
+              <a:t>성적 공시 기간 이내에 개발 완료가 목표</a:t>
             </a:r>
             <a:endParaRPr lang="en-US" altLang="ko-KR" b="1" dirty="0" smtClean="0"/>
           </a:p>
           <a:p>
             <a:pPr marL="285750" indent="-285750">
               <a:lnSpc>
-                <a:spcPct val="250000"/>
+                <a:spcPct val="150000"/>
               </a:lnSpc>
               <a:buFontTx/>
               <a:buChar char="-"/>
             </a:pPr>
             <a:r>
-              <a:rPr lang="en-US" altLang="ko-KR" b="1" dirty="0" smtClean="0"/>
-              <a:t>QT</a:t>
-            </a:r>
-            <a:r>
               <a:rPr lang="ko-KR" altLang="en-US" b="1" dirty="0" smtClean="0"/>
-              <a:t>자료가 대부분 오래되어 찾기 어려웠다</a:t>
-            </a:r>
-            <a:r>
-              <a:rPr lang="en-US" altLang="ko-KR" b="1" dirty="0" smtClean="0"/>
-              <a:t>.</a:t>
-            </a:r>
+              <a:t>개발 후 </a:t>
+            </a:r>
+            <a:r>
+              <a:rPr lang="en-US" altLang="ko-KR" b="1" dirty="0" err="1" smtClean="0"/>
+              <a:t>PlayStore</a:t>
+            </a:r>
+            <a:r>
+              <a:rPr lang="ko-KR" altLang="en-US" b="1" dirty="0" smtClean="0"/>
+              <a:t>에 올릴 예정</a:t>
+            </a:r>
+            <a:endParaRPr lang="en-US" altLang="ko-KR" b="1" dirty="0" smtClean="0"/>
           </a:p>
           <a:p>
             <a:pPr marL="285750" indent="-285750">
               <a:lnSpc>
-                <a:spcPct val="250000"/>
+                <a:spcPct val="150000"/>
               </a:lnSpc>
               <a:buFontTx/>
               <a:buChar char="-"/>
             </a:pPr>
             <a:r>
+              <a:rPr lang="ko-KR" altLang="en-US" b="1" dirty="0" smtClean="0"/>
+              <a:t>약간의 </a:t>
+            </a:r>
+            <a:r>
               <a:rPr lang="en-US" altLang="ko-KR" b="1" dirty="0" smtClean="0"/>
-              <a:t>QT</a:t>
-            </a:r>
-            <a:r>
-              <a:rPr lang="ko-KR" altLang="en-US" b="1" dirty="0"/>
-              <a:t> </a:t>
-            </a:r>
-            <a:r>
-              <a:rPr lang="en-US" altLang="ko-KR" b="1" dirty="0" err="1" smtClean="0"/>
-              <a:t>Gui</a:t>
+              <a:t>UI </a:t>
             </a:r>
             <a:r>
               <a:rPr lang="ko-KR" altLang="en-US" b="1" dirty="0" smtClean="0"/>
-              <a:t>를 위해 기능 축소</a:t>
-            </a:r>
-            <a:r>
-              <a:rPr lang="en-US" altLang="ko-KR" b="1" dirty="0" smtClean="0"/>
-              <a:t>(</a:t>
-            </a:r>
-            <a:r>
-              <a:rPr lang="ko-KR" altLang="en-US" b="1" dirty="0" smtClean="0"/>
-              <a:t>기존 구현 기능은 일부 소스코드에 포함</a:t>
-            </a:r>
-            <a:r>
-              <a:rPr lang="en-US" altLang="ko-KR" b="1" dirty="0" smtClean="0"/>
-              <a:t>)</a:t>
-            </a:r>
-          </a:p>
-          <a:p>
-            <a:pPr>
-              <a:lnSpc>
-                <a:spcPct val="250000"/>
-              </a:lnSpc>
-            </a:pPr>
-            <a:r>
-              <a:rPr lang="en-US" altLang="ko-KR" b="1" dirty="0" smtClean="0"/>
-              <a:t>	=&gt; </a:t>
-            </a:r>
-            <a:r>
-              <a:rPr lang="ko-KR" altLang="en-US" b="1" dirty="0" smtClean="0"/>
-              <a:t>기능보다 </a:t>
-            </a:r>
-            <a:r>
-              <a:rPr lang="en-US" altLang="ko-KR" b="1" dirty="0" err="1" smtClean="0"/>
-              <a:t>Gui</a:t>
-            </a:r>
-            <a:r>
-              <a:rPr lang="ko-KR" altLang="en-US" b="1" dirty="0"/>
-              <a:t> </a:t>
-            </a:r>
-            <a:r>
-              <a:rPr lang="ko-KR" altLang="en-US" b="1" dirty="0" smtClean="0"/>
-              <a:t>구성과 동작원리 이해 및 자료구조에 집중</a:t>
+              <a:t>개선</a:t>
             </a:r>
             <a:endParaRPr lang="en-US" altLang="ko-KR" b="1" dirty="0" smtClean="0"/>
           </a:p>
           <a:p>
             <a:pPr marL="285750" indent="-285750">
               <a:lnSpc>
-                <a:spcPct val="250000"/>
+                <a:spcPct val="150000"/>
               </a:lnSpc>
               <a:buFontTx/>
               <a:buChar char="-"/>
             </a:pPr>
-            <a:r>
-              <a:rPr lang="ko-KR" altLang="en-US" b="1" dirty="0" smtClean="0"/>
-              <a:t>프로그래밍을 하며 기능에 대한 깊은 고찰 </a:t>
-            </a:r>
+            <a:endParaRPr lang="en-US" altLang="ko-KR" b="1" dirty="0"/>
+          </a:p>
+          <a:p>
+            <a:pPr marL="285750" indent="-285750">
+              <a:lnSpc>
+                <a:spcPct val="150000"/>
+              </a:lnSpc>
+              <a:buFontTx/>
+              <a:buChar char="-"/>
+            </a:pPr>
             <a:endParaRPr lang="en-US" altLang="ko-KR" b="1" dirty="0" smtClean="0"/>
           </a:p>
         </p:txBody>
@@ -7974,7 +9307,7 @@
     </p:spTree>
     <p:extLst>
       <p:ext uri="{BB962C8B-B14F-4D97-AF65-F5344CB8AC3E}">
-        <p14:creationId xmlns:p14="http://schemas.microsoft.com/office/powerpoint/2010/main" val="126149632"/>
+        <p14:creationId xmlns:p14="http://schemas.microsoft.com/office/powerpoint/2010/main" val="3530033333"/>
       </p:ext>
     </p:extLst>
   </p:cSld>
@@ -7992,6 +9325,759 @@
 </file>
 
 <file path=ppt/slides/slide21.xml><?xml version="1.0" encoding="utf-8"?>
+<p:sld xmlns:a="http://schemas.openxmlformats.org/drawingml/2006/main" xmlns:r="http://schemas.openxmlformats.org/officeDocument/2006/relationships" xmlns:p="http://schemas.openxmlformats.org/presentationml/2006/main">
+  <p:cSld>
+    <p:spTree>
+      <p:nvGrpSpPr>
+        <p:cNvPr id="1" name=""/>
+        <p:cNvGrpSpPr/>
+        <p:nvPr/>
+      </p:nvGrpSpPr>
+      <p:grpSpPr>
+        <a:xfrm>
+          <a:off x="0" y="0"/>
+          <a:ext cx="0" cy="0"/>
+          <a:chOff x="0" y="0"/>
+          <a:chExt cx="0" cy="0"/>
+        </a:xfrm>
+      </p:grpSpPr>
+      <p:pic>
+        <p:nvPicPr>
+          <p:cNvPr id="11" name="그림 10"/>
+          <p:cNvPicPr>
+            <a:picLocks noChangeAspect="1"/>
+          </p:cNvPicPr>
+          <p:nvPr/>
+        </p:nvPicPr>
+        <p:blipFill>
+          <a:blip r:embed="rId2">
+            <a:extLst>
+              <a:ext uri="{28A0092B-C50C-407E-A947-70E740481C1C}">
+                <a14:useLocalDpi xmlns:a14="http://schemas.microsoft.com/office/drawing/2010/main" val="0"/>
+              </a:ext>
+            </a:extLst>
+          </a:blip>
+          <a:stretch>
+            <a:fillRect/>
+          </a:stretch>
+        </p:blipFill>
+        <p:spPr>
+          <a:xfrm>
+            <a:off x="0" y="0"/>
+            <a:ext cx="12192000" cy="6858000"/>
+          </a:xfrm>
+          <a:prstGeom prst="rect">
+            <a:avLst/>
+          </a:prstGeom>
+        </p:spPr>
+      </p:pic>
+      <p:sp>
+        <p:nvSpPr>
+          <p:cNvPr id="4" name="직사각형 3"/>
+          <p:cNvSpPr/>
+          <p:nvPr/>
+        </p:nvSpPr>
+        <p:spPr>
+          <a:xfrm>
+            <a:off x="0" y="12530"/>
+            <a:ext cx="12191999" cy="6858000"/>
+          </a:xfrm>
+          <a:prstGeom prst="rect">
+            <a:avLst/>
+          </a:prstGeom>
+          <a:solidFill>
+            <a:schemeClr val="bg1">
+              <a:alpha val="62000"/>
+            </a:schemeClr>
+          </a:solidFill>
+          <a:ln>
+            <a:noFill/>
+          </a:ln>
+        </p:spPr>
+        <p:style>
+          <a:lnRef idx="2">
+            <a:schemeClr val="accent1">
+              <a:shade val="50000"/>
+            </a:schemeClr>
+          </a:lnRef>
+          <a:fillRef idx="1">
+            <a:schemeClr val="accent1"/>
+          </a:fillRef>
+          <a:effectRef idx="0">
+            <a:schemeClr val="accent1"/>
+          </a:effectRef>
+          <a:fontRef idx="minor">
+            <a:schemeClr val="lt1"/>
+          </a:fontRef>
+        </p:style>
+        <p:txBody>
+          <a:bodyPr rtlCol="0" anchor="ctr"/>
+          <a:lstStyle/>
+          <a:p>
+            <a:pPr algn="ctr"/>
+            <a:endParaRPr lang="ko-KR" altLang="en-US"/>
+          </a:p>
+        </p:txBody>
+      </p:sp>
+      <p:sp>
+        <p:nvSpPr>
+          <p:cNvPr id="5" name="직사각형 4"/>
+          <p:cNvSpPr/>
+          <p:nvPr/>
+        </p:nvSpPr>
+        <p:spPr>
+          <a:xfrm>
+            <a:off x="2472353" y="2409756"/>
+            <a:ext cx="7247295" cy="2063548"/>
+          </a:xfrm>
+          <a:prstGeom prst="rect">
+            <a:avLst/>
+          </a:prstGeom>
+          <a:solidFill>
+            <a:schemeClr val="bg1">
+              <a:lumMod val="95000"/>
+              <a:alpha val="17000"/>
+            </a:schemeClr>
+          </a:solidFill>
+          <a:ln>
+            <a:noFill/>
+          </a:ln>
+        </p:spPr>
+        <p:style>
+          <a:lnRef idx="2">
+            <a:schemeClr val="accent1">
+              <a:shade val="50000"/>
+            </a:schemeClr>
+          </a:lnRef>
+          <a:fillRef idx="1">
+            <a:schemeClr val="accent1"/>
+          </a:fillRef>
+          <a:effectRef idx="0">
+            <a:schemeClr val="accent1"/>
+          </a:effectRef>
+          <a:fontRef idx="minor">
+            <a:schemeClr val="lt1"/>
+          </a:fontRef>
+        </p:style>
+        <p:txBody>
+          <a:bodyPr rtlCol="0" anchor="ctr"/>
+          <a:lstStyle/>
+          <a:p>
+            <a:pPr algn="ctr"/>
+            <a:endParaRPr lang="ko-KR" altLang="en-US"/>
+          </a:p>
+        </p:txBody>
+      </p:sp>
+      <p:sp>
+        <p:nvSpPr>
+          <p:cNvPr id="6" name="TextBox 5"/>
+          <p:cNvSpPr txBox="1"/>
+          <p:nvPr/>
+        </p:nvSpPr>
+        <p:spPr>
+          <a:xfrm>
+            <a:off x="3107473" y="3061971"/>
+            <a:ext cx="5977052" cy="769441"/>
+          </a:xfrm>
+          <a:prstGeom prst="rect">
+            <a:avLst/>
+          </a:prstGeom>
+          <a:noFill/>
+          <a:ln>
+            <a:noFill/>
+          </a:ln>
+        </p:spPr>
+        <p:txBody>
+          <a:bodyPr wrap="square" rtlCol="0">
+            <a:spAutoFit/>
+          </a:bodyPr>
+          <a:lstStyle/>
+          <a:p>
+            <a:pPr algn="ctr"/>
+            <a:r>
+              <a:rPr lang="en-US" altLang="ko-KR" sz="4400" b="1" dirty="0">
+                <a:ln>
+                  <a:solidFill>
+                    <a:schemeClr val="bg1">
+                      <a:alpha val="20000"/>
+                    </a:schemeClr>
+                  </a:solidFill>
+                </a:ln>
+                <a:solidFill>
+                  <a:srgbClr val="112F41"/>
+                </a:solidFill>
+                <a:latin typeface="맑은 고딕" panose="020B0503020000020004" pitchFamily="50" charset="-127"/>
+                <a:ea typeface="맑은 고딕" panose="020B0503020000020004" pitchFamily="50" charset="-127"/>
+              </a:rPr>
+              <a:t>5</a:t>
+            </a:r>
+            <a:r>
+              <a:rPr lang="en-US" altLang="ko-KR" sz="4400" b="1" dirty="0" smtClean="0">
+                <a:ln>
+                  <a:solidFill>
+                    <a:schemeClr val="bg1">
+                      <a:alpha val="20000"/>
+                    </a:schemeClr>
+                  </a:solidFill>
+                </a:ln>
+                <a:solidFill>
+                  <a:srgbClr val="112F41"/>
+                </a:solidFill>
+                <a:latin typeface="맑은 고딕" panose="020B0503020000020004" pitchFamily="50" charset="-127"/>
+                <a:ea typeface="맑은 고딕" panose="020B0503020000020004" pitchFamily="50" charset="-127"/>
+              </a:rPr>
+              <a:t>. </a:t>
+            </a:r>
+            <a:r>
+              <a:rPr lang="ko-KR" altLang="en-US" sz="4400" b="1" dirty="0" smtClean="0">
+                <a:ln>
+                  <a:solidFill>
+                    <a:schemeClr val="bg1">
+                      <a:alpha val="20000"/>
+                    </a:schemeClr>
+                  </a:solidFill>
+                </a:ln>
+                <a:solidFill>
+                  <a:srgbClr val="112F41"/>
+                </a:solidFill>
+                <a:latin typeface="맑은 고딕" panose="020B0503020000020004" pitchFamily="50" charset="-127"/>
+                <a:ea typeface="맑은 고딕" panose="020B0503020000020004" pitchFamily="50" charset="-127"/>
+              </a:rPr>
+              <a:t>시연</a:t>
+            </a:r>
+            <a:endParaRPr lang="en-US" altLang="ko-KR" sz="4400" b="1" dirty="0" smtClean="0">
+              <a:ln>
+                <a:solidFill>
+                  <a:schemeClr val="bg1">
+                    <a:alpha val="20000"/>
+                  </a:schemeClr>
+                </a:solidFill>
+              </a:ln>
+              <a:solidFill>
+                <a:srgbClr val="112F41"/>
+              </a:solidFill>
+              <a:latin typeface="맑은 고딕" panose="020B0503020000020004" pitchFamily="50" charset="-127"/>
+              <a:ea typeface="맑은 고딕" panose="020B0503020000020004" pitchFamily="50" charset="-127"/>
+            </a:endParaRPr>
+          </a:p>
+        </p:txBody>
+      </p:sp>
+      <p:cxnSp>
+        <p:nvCxnSpPr>
+          <p:cNvPr id="7" name="직선 연결선 6"/>
+          <p:cNvCxnSpPr/>
+          <p:nvPr/>
+        </p:nvCxnSpPr>
+        <p:spPr>
+          <a:xfrm>
+            <a:off x="2472353" y="2409756"/>
+            <a:ext cx="7247295" cy="14395"/>
+          </a:xfrm>
+          <a:prstGeom prst="line">
+            <a:avLst/>
+          </a:prstGeom>
+          <a:ln w="28575">
+            <a:solidFill>
+              <a:srgbClr val="112F41"/>
+            </a:solidFill>
+          </a:ln>
+        </p:spPr>
+        <p:style>
+          <a:lnRef idx="1">
+            <a:schemeClr val="accent1"/>
+          </a:lnRef>
+          <a:fillRef idx="0">
+            <a:schemeClr val="accent1"/>
+          </a:fillRef>
+          <a:effectRef idx="0">
+            <a:schemeClr val="accent1"/>
+          </a:effectRef>
+          <a:fontRef idx="minor">
+            <a:schemeClr val="tx1"/>
+          </a:fontRef>
+        </p:style>
+      </p:cxnSp>
+      <p:cxnSp>
+        <p:nvCxnSpPr>
+          <p:cNvPr id="8" name="직선 연결선 7"/>
+          <p:cNvCxnSpPr/>
+          <p:nvPr/>
+        </p:nvCxnSpPr>
+        <p:spPr>
+          <a:xfrm>
+            <a:off x="2472353" y="4473304"/>
+            <a:ext cx="7247295" cy="0"/>
+          </a:xfrm>
+          <a:prstGeom prst="line">
+            <a:avLst/>
+          </a:prstGeom>
+          <a:ln w="28575">
+            <a:solidFill>
+              <a:srgbClr val="112F41"/>
+            </a:solidFill>
+          </a:ln>
+        </p:spPr>
+        <p:style>
+          <a:lnRef idx="1">
+            <a:schemeClr val="accent1"/>
+          </a:lnRef>
+          <a:fillRef idx="0">
+            <a:schemeClr val="accent1"/>
+          </a:fillRef>
+          <a:effectRef idx="0">
+            <a:schemeClr val="accent1"/>
+          </a:effectRef>
+          <a:fontRef idx="minor">
+            <a:schemeClr val="tx1"/>
+          </a:fontRef>
+        </p:style>
+      </p:cxnSp>
+      <p:sp>
+        <p:nvSpPr>
+          <p:cNvPr id="14" name="TextBox 13"/>
+          <p:cNvSpPr txBox="1"/>
+          <p:nvPr/>
+        </p:nvSpPr>
+        <p:spPr>
+          <a:xfrm>
+            <a:off x="13293139" y="2363482"/>
+            <a:ext cx="748923" cy="769441"/>
+          </a:xfrm>
+          <a:prstGeom prst="rect">
+            <a:avLst/>
+          </a:prstGeom>
+          <a:noFill/>
+        </p:spPr>
+        <p:txBody>
+          <a:bodyPr wrap="none" rtlCol="0">
+            <a:spAutoFit/>
+          </a:bodyPr>
+          <a:lstStyle/>
+          <a:p>
+            <a:pPr algn="ctr"/>
+            <a:r>
+              <a:rPr lang="en-US" altLang="ko-KR" sz="4400" b="1" dirty="0">
+                <a:ln>
+                  <a:solidFill>
+                    <a:schemeClr val="bg1">
+                      <a:alpha val="20000"/>
+                    </a:schemeClr>
+                  </a:solidFill>
+                </a:ln>
+                <a:solidFill>
+                  <a:schemeClr val="bg1"/>
+                </a:solidFill>
+                <a:latin typeface="나눔스퀘어 ExtraBold" panose="020B0600000101010101" pitchFamily="50" charset="-127"/>
+                <a:ea typeface="나눔스퀘어 ExtraBold" panose="020B0600000101010101" pitchFamily="50" charset="-127"/>
+              </a:rPr>
+              <a:t>1.</a:t>
+            </a:r>
+            <a:endParaRPr lang="ko-KR" altLang="en-US" sz="4400" b="1" dirty="0">
+              <a:ln>
+                <a:solidFill>
+                  <a:schemeClr val="bg1">
+                    <a:alpha val="20000"/>
+                  </a:schemeClr>
+                </a:solidFill>
+              </a:ln>
+              <a:solidFill>
+                <a:schemeClr val="bg1"/>
+              </a:solidFill>
+              <a:latin typeface="나눔스퀘어 ExtraBold" panose="020B0600000101010101" pitchFamily="50" charset="-127"/>
+              <a:ea typeface="나눔스퀘어 ExtraBold" panose="020B0600000101010101" pitchFamily="50" charset="-127"/>
+            </a:endParaRPr>
+          </a:p>
+        </p:txBody>
+      </p:sp>
+    </p:spTree>
+    <p:extLst>
+      <p:ext uri="{BB962C8B-B14F-4D97-AF65-F5344CB8AC3E}">
+        <p14:creationId xmlns:p14="http://schemas.microsoft.com/office/powerpoint/2010/main" val="378757165"/>
+      </p:ext>
+    </p:extLst>
+  </p:cSld>
+  <p:clrMapOvr>
+    <a:masterClrMapping/>
+  </p:clrMapOvr>
+  <p:timing>
+    <p:tnLst>
+      <p:par>
+        <p:cTn id="1" dur="indefinite" restart="never" nodeType="tmRoot"/>
+      </p:par>
+    </p:tnLst>
+  </p:timing>
+</p:sld>
+</file>
+
+<file path=ppt/slides/slide22.xml><?xml version="1.0" encoding="utf-8"?>
+<p:sld xmlns:a="http://schemas.openxmlformats.org/drawingml/2006/main" xmlns:r="http://schemas.openxmlformats.org/officeDocument/2006/relationships" xmlns:p="http://schemas.openxmlformats.org/presentationml/2006/main">
+  <p:cSld>
+    <p:spTree>
+      <p:nvGrpSpPr>
+        <p:cNvPr id="1" name=""/>
+        <p:cNvGrpSpPr/>
+        <p:nvPr/>
+      </p:nvGrpSpPr>
+      <p:grpSpPr>
+        <a:xfrm>
+          <a:off x="0" y="0"/>
+          <a:ext cx="0" cy="0"/>
+          <a:chOff x="0" y="0"/>
+          <a:chExt cx="0" cy="0"/>
+        </a:xfrm>
+      </p:grpSpPr>
+      <p:pic>
+        <p:nvPicPr>
+          <p:cNvPr id="11" name="그림 10"/>
+          <p:cNvPicPr>
+            <a:picLocks noChangeAspect="1"/>
+          </p:cNvPicPr>
+          <p:nvPr/>
+        </p:nvPicPr>
+        <p:blipFill>
+          <a:blip r:embed="rId2">
+            <a:extLst>
+              <a:ext uri="{28A0092B-C50C-407E-A947-70E740481C1C}">
+                <a14:useLocalDpi xmlns:a14="http://schemas.microsoft.com/office/drawing/2010/main" val="0"/>
+              </a:ext>
+            </a:extLst>
+          </a:blip>
+          <a:stretch>
+            <a:fillRect/>
+          </a:stretch>
+        </p:blipFill>
+        <p:spPr>
+          <a:xfrm>
+            <a:off x="0" y="0"/>
+            <a:ext cx="12192000" cy="6858000"/>
+          </a:xfrm>
+          <a:prstGeom prst="rect">
+            <a:avLst/>
+          </a:prstGeom>
+        </p:spPr>
+      </p:pic>
+      <p:sp>
+        <p:nvSpPr>
+          <p:cNvPr id="4" name="직사각형 3"/>
+          <p:cNvSpPr/>
+          <p:nvPr/>
+        </p:nvSpPr>
+        <p:spPr>
+          <a:xfrm>
+            <a:off x="0" y="12530"/>
+            <a:ext cx="12191999" cy="6858000"/>
+          </a:xfrm>
+          <a:prstGeom prst="rect">
+            <a:avLst/>
+          </a:prstGeom>
+          <a:solidFill>
+            <a:schemeClr val="bg1">
+              <a:alpha val="62000"/>
+            </a:schemeClr>
+          </a:solidFill>
+          <a:ln>
+            <a:noFill/>
+          </a:ln>
+        </p:spPr>
+        <p:style>
+          <a:lnRef idx="2">
+            <a:schemeClr val="accent1">
+              <a:shade val="50000"/>
+            </a:schemeClr>
+          </a:lnRef>
+          <a:fillRef idx="1">
+            <a:schemeClr val="accent1"/>
+          </a:fillRef>
+          <a:effectRef idx="0">
+            <a:schemeClr val="accent1"/>
+          </a:effectRef>
+          <a:fontRef idx="minor">
+            <a:schemeClr val="lt1"/>
+          </a:fontRef>
+        </p:style>
+        <p:txBody>
+          <a:bodyPr rtlCol="0" anchor="ctr"/>
+          <a:lstStyle/>
+          <a:p>
+            <a:pPr algn="ctr"/>
+            <a:endParaRPr lang="ko-KR" altLang="en-US"/>
+          </a:p>
+        </p:txBody>
+      </p:sp>
+      <p:sp>
+        <p:nvSpPr>
+          <p:cNvPr id="5" name="직사각형 4"/>
+          <p:cNvSpPr/>
+          <p:nvPr/>
+        </p:nvSpPr>
+        <p:spPr>
+          <a:xfrm>
+            <a:off x="2472353" y="2409756"/>
+            <a:ext cx="7247295" cy="2063548"/>
+          </a:xfrm>
+          <a:prstGeom prst="rect">
+            <a:avLst/>
+          </a:prstGeom>
+          <a:solidFill>
+            <a:schemeClr val="bg1">
+              <a:lumMod val="95000"/>
+              <a:alpha val="17000"/>
+            </a:schemeClr>
+          </a:solidFill>
+          <a:ln>
+            <a:noFill/>
+          </a:ln>
+        </p:spPr>
+        <p:style>
+          <a:lnRef idx="2">
+            <a:schemeClr val="accent1">
+              <a:shade val="50000"/>
+            </a:schemeClr>
+          </a:lnRef>
+          <a:fillRef idx="1">
+            <a:schemeClr val="accent1"/>
+          </a:fillRef>
+          <a:effectRef idx="0">
+            <a:schemeClr val="accent1"/>
+          </a:effectRef>
+          <a:fontRef idx="minor">
+            <a:schemeClr val="lt1"/>
+          </a:fontRef>
+        </p:style>
+        <p:txBody>
+          <a:bodyPr rtlCol="0" anchor="ctr"/>
+          <a:lstStyle/>
+          <a:p>
+            <a:pPr algn="ctr"/>
+            <a:endParaRPr lang="ko-KR" altLang="en-US"/>
+          </a:p>
+        </p:txBody>
+      </p:sp>
+      <p:sp>
+        <p:nvSpPr>
+          <p:cNvPr id="6" name="TextBox 5"/>
+          <p:cNvSpPr txBox="1"/>
+          <p:nvPr/>
+        </p:nvSpPr>
+        <p:spPr>
+          <a:xfrm>
+            <a:off x="3107474" y="3044280"/>
+            <a:ext cx="5977052" cy="769441"/>
+          </a:xfrm>
+          <a:prstGeom prst="rect">
+            <a:avLst/>
+          </a:prstGeom>
+          <a:noFill/>
+          <a:ln>
+            <a:noFill/>
+          </a:ln>
+        </p:spPr>
+        <p:txBody>
+          <a:bodyPr wrap="square" rtlCol="0">
+            <a:spAutoFit/>
+          </a:bodyPr>
+          <a:lstStyle/>
+          <a:p>
+            <a:pPr algn="ctr"/>
+            <a:r>
+              <a:rPr lang="en-US" altLang="ko-KR" sz="4400" b="1" dirty="0">
+                <a:ln>
+                  <a:solidFill>
+                    <a:schemeClr val="bg1">
+                      <a:alpha val="20000"/>
+                    </a:schemeClr>
+                  </a:solidFill>
+                </a:ln>
+                <a:solidFill>
+                  <a:srgbClr val="112F41"/>
+                </a:solidFill>
+                <a:latin typeface="맑은 고딕" panose="020B0503020000020004" pitchFamily="50" charset="-127"/>
+                <a:ea typeface="맑은 고딕" panose="020B0503020000020004" pitchFamily="50" charset="-127"/>
+              </a:rPr>
+              <a:t>6. </a:t>
+            </a:r>
+            <a:r>
+              <a:rPr lang="en-US" altLang="ko-KR" sz="4400" b="1" dirty="0" smtClean="0">
+                <a:ln>
+                  <a:solidFill>
+                    <a:schemeClr val="bg1">
+                      <a:alpha val="20000"/>
+                    </a:schemeClr>
+                  </a:solidFill>
+                </a:ln>
+                <a:solidFill>
+                  <a:srgbClr val="112F41"/>
+                </a:solidFill>
+                <a:latin typeface="맑은 고딕" panose="020B0503020000020004" pitchFamily="50" charset="-127"/>
+                <a:ea typeface="맑은 고딕" panose="020B0503020000020004" pitchFamily="50" charset="-127"/>
+              </a:rPr>
+              <a:t>Q&amp;A</a:t>
+            </a:r>
+            <a:endParaRPr lang="en-US" altLang="ko-KR" sz="4400" b="1" dirty="0">
+              <a:ln>
+                <a:solidFill>
+                  <a:schemeClr val="bg1">
+                    <a:alpha val="20000"/>
+                  </a:schemeClr>
+                </a:solidFill>
+              </a:ln>
+              <a:solidFill>
+                <a:srgbClr val="112F41"/>
+              </a:solidFill>
+              <a:latin typeface="맑은 고딕" panose="020B0503020000020004" pitchFamily="50" charset="-127"/>
+              <a:ea typeface="맑은 고딕" panose="020B0503020000020004" pitchFamily="50" charset="-127"/>
+            </a:endParaRPr>
+          </a:p>
+        </p:txBody>
+      </p:sp>
+      <p:cxnSp>
+        <p:nvCxnSpPr>
+          <p:cNvPr id="7" name="직선 연결선 6"/>
+          <p:cNvCxnSpPr/>
+          <p:nvPr/>
+        </p:nvCxnSpPr>
+        <p:spPr>
+          <a:xfrm>
+            <a:off x="2472353" y="2409756"/>
+            <a:ext cx="7247295" cy="14395"/>
+          </a:xfrm>
+          <a:prstGeom prst="line">
+            <a:avLst/>
+          </a:prstGeom>
+          <a:ln w="28575">
+            <a:solidFill>
+              <a:srgbClr val="112F41"/>
+            </a:solidFill>
+          </a:ln>
+        </p:spPr>
+        <p:style>
+          <a:lnRef idx="1">
+            <a:schemeClr val="accent1"/>
+          </a:lnRef>
+          <a:fillRef idx="0">
+            <a:schemeClr val="accent1"/>
+          </a:fillRef>
+          <a:effectRef idx="0">
+            <a:schemeClr val="accent1"/>
+          </a:effectRef>
+          <a:fontRef idx="minor">
+            <a:schemeClr val="tx1"/>
+          </a:fontRef>
+        </p:style>
+      </p:cxnSp>
+      <p:cxnSp>
+        <p:nvCxnSpPr>
+          <p:cNvPr id="8" name="직선 연결선 7"/>
+          <p:cNvCxnSpPr/>
+          <p:nvPr/>
+        </p:nvCxnSpPr>
+        <p:spPr>
+          <a:xfrm>
+            <a:off x="2472353" y="4473304"/>
+            <a:ext cx="7247295" cy="0"/>
+          </a:xfrm>
+          <a:prstGeom prst="line">
+            <a:avLst/>
+          </a:prstGeom>
+          <a:ln w="28575">
+            <a:solidFill>
+              <a:srgbClr val="112F41"/>
+            </a:solidFill>
+          </a:ln>
+        </p:spPr>
+        <p:style>
+          <a:lnRef idx="1">
+            <a:schemeClr val="accent1"/>
+          </a:lnRef>
+          <a:fillRef idx="0">
+            <a:schemeClr val="accent1"/>
+          </a:fillRef>
+          <a:effectRef idx="0">
+            <a:schemeClr val="accent1"/>
+          </a:effectRef>
+          <a:fontRef idx="minor">
+            <a:schemeClr val="tx1"/>
+          </a:fontRef>
+        </p:style>
+      </p:cxnSp>
+      <p:sp>
+        <p:nvSpPr>
+          <p:cNvPr id="14" name="TextBox 13"/>
+          <p:cNvSpPr txBox="1"/>
+          <p:nvPr/>
+        </p:nvSpPr>
+        <p:spPr>
+          <a:xfrm>
+            <a:off x="13293139" y="2363482"/>
+            <a:ext cx="748923" cy="769441"/>
+          </a:xfrm>
+          <a:prstGeom prst="rect">
+            <a:avLst/>
+          </a:prstGeom>
+          <a:noFill/>
+        </p:spPr>
+        <p:txBody>
+          <a:bodyPr wrap="none" rtlCol="0">
+            <a:spAutoFit/>
+          </a:bodyPr>
+          <a:lstStyle/>
+          <a:p>
+            <a:pPr algn="ctr"/>
+            <a:r>
+              <a:rPr lang="en-US" altLang="ko-KR" sz="4400" b="1" dirty="0">
+                <a:ln>
+                  <a:solidFill>
+                    <a:schemeClr val="bg1">
+                      <a:alpha val="20000"/>
+                    </a:schemeClr>
+                  </a:solidFill>
+                </a:ln>
+                <a:solidFill>
+                  <a:schemeClr val="bg1"/>
+                </a:solidFill>
+                <a:latin typeface="나눔스퀘어 ExtraBold" panose="020B0600000101010101" pitchFamily="50" charset="-127"/>
+                <a:ea typeface="나눔스퀘어 ExtraBold" panose="020B0600000101010101" pitchFamily="50" charset="-127"/>
+              </a:rPr>
+              <a:t>1.</a:t>
+            </a:r>
+            <a:endParaRPr lang="ko-KR" altLang="en-US" sz="4400" b="1" dirty="0">
+              <a:ln>
+                <a:solidFill>
+                  <a:schemeClr val="bg1">
+                    <a:alpha val="20000"/>
+                  </a:schemeClr>
+                </a:solidFill>
+              </a:ln>
+              <a:solidFill>
+                <a:schemeClr val="bg1"/>
+              </a:solidFill>
+              <a:latin typeface="나눔스퀘어 ExtraBold" panose="020B0600000101010101" pitchFamily="50" charset="-127"/>
+              <a:ea typeface="나눔스퀘어 ExtraBold" panose="020B0600000101010101" pitchFamily="50" charset="-127"/>
+            </a:endParaRPr>
+          </a:p>
+        </p:txBody>
+      </p:sp>
+    </p:spTree>
+    <p:extLst>
+      <p:ext uri="{BB962C8B-B14F-4D97-AF65-F5344CB8AC3E}">
+        <p14:creationId xmlns:p14="http://schemas.microsoft.com/office/powerpoint/2010/main" val="1335116206"/>
+      </p:ext>
+    </p:extLst>
+  </p:cSld>
+  <p:clrMapOvr>
+    <a:masterClrMapping/>
+  </p:clrMapOvr>
+  <p:timing>
+    <p:tnLst>
+      <p:par>
+        <p:cTn id="1" dur="indefinite" restart="never" nodeType="tmRoot"/>
+      </p:par>
+    </p:tnLst>
+  </p:timing>
+</p:sld>
+</file>
+
+<file path=ppt/slides/slide23.xml><?xml version="1.0" encoding="utf-8"?>
 <p:sld xmlns:a="http://schemas.openxmlformats.org/drawingml/2006/main" xmlns:r="http://schemas.openxmlformats.org/officeDocument/2006/relationships" xmlns:p="http://schemas.openxmlformats.org/presentationml/2006/main">
   <p:cSld>
     <p:spTree>
@@ -8263,67 +10349,6 @@
           </p:style>
         </p:cxnSp>
       </p:grpSp>
-      <p:sp>
-        <p:nvSpPr>
-          <p:cNvPr id="26" name="TextBox 25"/>
-          <p:cNvSpPr txBox="1"/>
-          <p:nvPr/>
-        </p:nvSpPr>
-        <p:spPr>
-          <a:xfrm>
-            <a:off x="9558616" y="5771654"/>
-            <a:ext cx="1863011" cy="307777"/>
-          </a:xfrm>
-          <a:prstGeom prst="rect">
-            <a:avLst/>
-          </a:prstGeom>
-          <a:noFill/>
-        </p:spPr>
-        <p:txBody>
-          <a:bodyPr wrap="none" rtlCol="0">
-            <a:spAutoFit/>
-          </a:bodyPr>
-          <a:lstStyle/>
-          <a:p>
-            <a:r>
-              <a:rPr lang="ko-KR" altLang="en-US" sz="1400" b="1">
-                <a:solidFill>
-                  <a:schemeClr val="bg1">
-                    <a:lumMod val="85000"/>
-                  </a:schemeClr>
-                </a:solidFill>
-                <a:latin typeface="맑은 고딕" panose="020B0503020000020004" pitchFamily="50" charset="-127"/>
-                <a:ea typeface="맑은 고딕" panose="020B0503020000020004" pitchFamily="50" charset="-127"/>
-              </a:rPr>
-              <a:t>컴퓨터공학과</a:t>
-            </a:r>
-            <a:r>
-              <a:rPr lang="en-US" altLang="ko-KR" sz="1400" b="1" dirty="0">
-                <a:solidFill>
-                  <a:schemeClr val="bg1">
-                    <a:lumMod val="85000"/>
-                  </a:schemeClr>
-                </a:solidFill>
-                <a:latin typeface="맑은 고딕" panose="020B0503020000020004" pitchFamily="50" charset="-127"/>
-                <a:ea typeface="맑은 고딕" panose="020B0503020000020004" pitchFamily="50" charset="-127"/>
-              </a:rPr>
-              <a:t> </a:t>
-            </a:r>
-            <a:r>
-              <a:rPr lang="ko-KR" altLang="en-US" sz="1400" b="1" dirty="0">
-                <a:solidFill>
-                  <a:schemeClr val="bg1">
-                    <a:lumMod val="85000"/>
-                  </a:schemeClr>
-                </a:solidFill>
-                <a:latin typeface="맑은 고딕" panose="020B0503020000020004" pitchFamily="50" charset="-127"/>
-                <a:ea typeface="맑은 고딕" panose="020B0503020000020004" pitchFamily="50" charset="-127"/>
-              </a:rPr>
-              <a:t>김다희</a:t>
-            </a:r>
-          </a:p>
-        </p:txBody>
-      </p:sp>
     </p:spTree>
     <p:extLst>
       <p:ext uri="{BB962C8B-B14F-4D97-AF65-F5344CB8AC3E}">
@@ -8334,6 +10359,13 @@
   <p:clrMapOvr>
     <a:masterClrMapping/>
   </p:clrMapOvr>
+  <p:timing>
+    <p:tnLst>
+      <p:par>
+        <p:cTn id="1" dur="indefinite" restart="never" nodeType="tmRoot"/>
+      </p:par>
+    </p:tnLst>
+  </p:timing>
 </p:sld>
 </file>
 
@@ -10534,7 +12566,7 @@
               </a:lnSpc>
             </a:pPr>
             <a:r>
-              <a:rPr lang="ko-KR" altLang="en-US" b="1" smtClean="0"/>
+              <a:rPr lang="ko-KR" altLang="en-US" b="1" dirty="0" smtClean="0"/>
               <a:t>알림 송신</a:t>
             </a:r>
             <a:endParaRPr lang="ko-KR" altLang="en-US" b="1" dirty="0"/>

--- a/doc/모바일프로그래밍 발표.pptx
+++ b/doc/모바일프로그래밍 발표.pptx
@@ -4,6 +4,9 @@
   <p:sldMasterIdLst>
     <p:sldMasterId id="2147483648" r:id="rId1"/>
   </p:sldMasterIdLst>
+  <p:notesMasterIdLst>
+    <p:notesMasterId r:id="rId25"/>
+  </p:notesMasterIdLst>
   <p:sldIdLst>
     <p:sldId id="257" r:id="rId2"/>
     <p:sldId id="258" r:id="rId3"/>
@@ -132,6 +135,3453 @@
     </p:ext>
   </p:extLst>
 </p:presentation>
+</file>
+
+<file path=ppt/notesMasters/notesMaster1.xml><?xml version="1.0" encoding="utf-8"?>
+<p:notesMaster xmlns:a="http://schemas.openxmlformats.org/drawingml/2006/main" xmlns:r="http://schemas.openxmlformats.org/officeDocument/2006/relationships" xmlns:p="http://schemas.openxmlformats.org/presentationml/2006/main">
+  <p:cSld>
+    <p:bg>
+      <p:bgRef idx="1001">
+        <a:schemeClr val="bg1"/>
+      </p:bgRef>
+    </p:bg>
+    <p:spTree>
+      <p:nvGrpSpPr>
+        <p:cNvPr id="1" name=""/>
+        <p:cNvGrpSpPr/>
+        <p:nvPr/>
+      </p:nvGrpSpPr>
+      <p:grpSpPr>
+        <a:xfrm>
+          <a:off x="0" y="0"/>
+          <a:ext cx="0" cy="0"/>
+          <a:chOff x="0" y="0"/>
+          <a:chExt cx="0" cy="0"/>
+        </a:xfrm>
+      </p:grpSpPr>
+      <p:sp>
+        <p:nvSpPr>
+          <p:cNvPr id="2" name="머리글 개체 틀 1"/>
+          <p:cNvSpPr>
+            <a:spLocks noGrp="1"/>
+          </p:cNvSpPr>
+          <p:nvPr>
+            <p:ph type="hdr" sz="quarter"/>
+          </p:nvPr>
+        </p:nvSpPr>
+        <p:spPr>
+          <a:xfrm>
+            <a:off x="0" y="0"/>
+            <a:ext cx="2971800" cy="458788"/>
+          </a:xfrm>
+          <a:prstGeom prst="rect">
+            <a:avLst/>
+          </a:prstGeom>
+        </p:spPr>
+        <p:txBody>
+          <a:bodyPr vert="horz" lIns="91440" tIns="45720" rIns="91440" bIns="45720" rtlCol="0"/>
+          <a:lstStyle>
+            <a:lvl1pPr algn="l">
+              <a:defRPr sz="1200"/>
+            </a:lvl1pPr>
+          </a:lstStyle>
+          <a:p>
+            <a:endParaRPr lang="ko-KR" altLang="en-US"/>
+          </a:p>
+        </p:txBody>
+      </p:sp>
+      <p:sp>
+        <p:nvSpPr>
+          <p:cNvPr id="3" name="날짜 개체 틀 2"/>
+          <p:cNvSpPr>
+            <a:spLocks noGrp="1"/>
+          </p:cNvSpPr>
+          <p:nvPr>
+            <p:ph type="dt" idx="1"/>
+          </p:nvPr>
+        </p:nvSpPr>
+        <p:spPr>
+          <a:xfrm>
+            <a:off x="3884613" y="0"/>
+            <a:ext cx="2971800" cy="458788"/>
+          </a:xfrm>
+          <a:prstGeom prst="rect">
+            <a:avLst/>
+          </a:prstGeom>
+        </p:spPr>
+        <p:txBody>
+          <a:bodyPr vert="horz" lIns="91440" tIns="45720" rIns="91440" bIns="45720" rtlCol="0"/>
+          <a:lstStyle>
+            <a:lvl1pPr algn="r">
+              <a:defRPr sz="1200"/>
+            </a:lvl1pPr>
+          </a:lstStyle>
+          <a:p>
+            <a:fld id="{0CF5A090-57B8-46DA-ABA4-48DD879EBB93}" type="datetimeFigureOut">
+              <a:rPr lang="ko-KR" altLang="en-US" smtClean="0"/>
+              <a:t>2019-12-17</a:t>
+            </a:fld>
+            <a:endParaRPr lang="ko-KR" altLang="en-US"/>
+          </a:p>
+        </p:txBody>
+      </p:sp>
+      <p:sp>
+        <p:nvSpPr>
+          <p:cNvPr id="4" name="슬라이드 이미지 개체 틀 3"/>
+          <p:cNvSpPr>
+            <a:spLocks noGrp="1" noRot="1" noChangeAspect="1"/>
+          </p:cNvSpPr>
+          <p:nvPr>
+            <p:ph type="sldImg" idx="2"/>
+          </p:nvPr>
+        </p:nvSpPr>
+        <p:spPr>
+          <a:xfrm>
+            <a:off x="685800" y="1143000"/>
+            <a:ext cx="5486400" cy="3086100"/>
+          </a:xfrm>
+          <a:prstGeom prst="rect">
+            <a:avLst/>
+          </a:prstGeom>
+          <a:noFill/>
+          <a:ln w="12700">
+            <a:solidFill>
+              <a:prstClr val="black"/>
+            </a:solidFill>
+          </a:ln>
+        </p:spPr>
+        <p:txBody>
+          <a:bodyPr vert="horz" lIns="91440" tIns="45720" rIns="91440" bIns="45720" rtlCol="0" anchor="ctr"/>
+          <a:lstStyle/>
+          <a:p>
+            <a:endParaRPr lang="ko-KR" altLang="en-US"/>
+          </a:p>
+        </p:txBody>
+      </p:sp>
+      <p:sp>
+        <p:nvSpPr>
+          <p:cNvPr id="5" name="슬라이드 노트 개체 틀 4"/>
+          <p:cNvSpPr>
+            <a:spLocks noGrp="1"/>
+          </p:cNvSpPr>
+          <p:nvPr>
+            <p:ph type="body" sz="quarter" idx="3"/>
+          </p:nvPr>
+        </p:nvSpPr>
+        <p:spPr>
+          <a:xfrm>
+            <a:off x="685800" y="4400550"/>
+            <a:ext cx="5486400" cy="3600450"/>
+          </a:xfrm>
+          <a:prstGeom prst="rect">
+            <a:avLst/>
+          </a:prstGeom>
+        </p:spPr>
+        <p:txBody>
+          <a:bodyPr vert="horz" lIns="91440" tIns="45720" rIns="91440" bIns="45720" rtlCol="0"/>
+          <a:lstStyle/>
+          <a:p>
+            <a:pPr lvl="0"/>
+            <a:r>
+              <a:rPr lang="ko-KR" altLang="en-US" smtClean="0"/>
+              <a:t>마스터 텍스트 스타일 편집</a:t>
+            </a:r>
+          </a:p>
+          <a:p>
+            <a:pPr lvl="1"/>
+            <a:r>
+              <a:rPr lang="ko-KR" altLang="en-US" smtClean="0"/>
+              <a:t>둘째 수준</a:t>
+            </a:r>
+          </a:p>
+          <a:p>
+            <a:pPr lvl="2"/>
+            <a:r>
+              <a:rPr lang="ko-KR" altLang="en-US" smtClean="0"/>
+              <a:t>셋째 수준</a:t>
+            </a:r>
+          </a:p>
+          <a:p>
+            <a:pPr lvl="3"/>
+            <a:r>
+              <a:rPr lang="ko-KR" altLang="en-US" smtClean="0"/>
+              <a:t>넷째 수준</a:t>
+            </a:r>
+          </a:p>
+          <a:p>
+            <a:pPr lvl="4"/>
+            <a:r>
+              <a:rPr lang="ko-KR" altLang="en-US" smtClean="0"/>
+              <a:t>다섯째 수준</a:t>
+            </a:r>
+            <a:endParaRPr lang="ko-KR" altLang="en-US"/>
+          </a:p>
+        </p:txBody>
+      </p:sp>
+      <p:sp>
+        <p:nvSpPr>
+          <p:cNvPr id="6" name="바닥글 개체 틀 5"/>
+          <p:cNvSpPr>
+            <a:spLocks noGrp="1"/>
+          </p:cNvSpPr>
+          <p:nvPr>
+            <p:ph type="ftr" sz="quarter" idx="4"/>
+          </p:nvPr>
+        </p:nvSpPr>
+        <p:spPr>
+          <a:xfrm>
+            <a:off x="0" y="8685213"/>
+            <a:ext cx="2971800" cy="458787"/>
+          </a:xfrm>
+          <a:prstGeom prst="rect">
+            <a:avLst/>
+          </a:prstGeom>
+        </p:spPr>
+        <p:txBody>
+          <a:bodyPr vert="horz" lIns="91440" tIns="45720" rIns="91440" bIns="45720" rtlCol="0" anchor="b"/>
+          <a:lstStyle>
+            <a:lvl1pPr algn="l">
+              <a:defRPr sz="1200"/>
+            </a:lvl1pPr>
+          </a:lstStyle>
+          <a:p>
+            <a:endParaRPr lang="ko-KR" altLang="en-US"/>
+          </a:p>
+        </p:txBody>
+      </p:sp>
+      <p:sp>
+        <p:nvSpPr>
+          <p:cNvPr id="7" name="슬라이드 번호 개체 틀 6"/>
+          <p:cNvSpPr>
+            <a:spLocks noGrp="1"/>
+          </p:cNvSpPr>
+          <p:nvPr>
+            <p:ph type="sldNum" sz="quarter" idx="5"/>
+          </p:nvPr>
+        </p:nvSpPr>
+        <p:spPr>
+          <a:xfrm>
+            <a:off x="3884613" y="8685213"/>
+            <a:ext cx="2971800" cy="458787"/>
+          </a:xfrm>
+          <a:prstGeom prst="rect">
+            <a:avLst/>
+          </a:prstGeom>
+        </p:spPr>
+        <p:txBody>
+          <a:bodyPr vert="horz" lIns="91440" tIns="45720" rIns="91440" bIns="45720" rtlCol="0" anchor="b"/>
+          <a:lstStyle>
+            <a:lvl1pPr algn="r">
+              <a:defRPr sz="1200"/>
+            </a:lvl1pPr>
+          </a:lstStyle>
+          <a:p>
+            <a:fld id="{520FA012-E42F-4B90-BA67-D8FB8B8ACD4E}" type="slidenum">
+              <a:rPr lang="ko-KR" altLang="en-US" smtClean="0"/>
+              <a:t>‹#›</a:t>
+            </a:fld>
+            <a:endParaRPr lang="ko-KR" altLang="en-US"/>
+          </a:p>
+        </p:txBody>
+      </p:sp>
+    </p:spTree>
+    <p:extLst>
+      <p:ext uri="{BB962C8B-B14F-4D97-AF65-F5344CB8AC3E}">
+        <p14:creationId xmlns:p14="http://schemas.microsoft.com/office/powerpoint/2010/main" val="4183440784"/>
+      </p:ext>
+    </p:extLst>
+  </p:cSld>
+  <p:clrMap bg1="lt1" tx1="dk1" bg2="lt2" tx2="dk2" accent1="accent1" accent2="accent2" accent3="accent3" accent4="accent4" accent5="accent5" accent6="accent6" hlink="hlink" folHlink="folHlink"/>
+  <p:notesStyle>
+    <a:lvl1pPr marL="0" algn="l" defTabSz="914400" rtl="0" eaLnBrk="1" latinLnBrk="1" hangingPunct="1">
+      <a:defRPr sz="1200" kern="1200">
+        <a:solidFill>
+          <a:schemeClr val="tx1"/>
+        </a:solidFill>
+        <a:latin typeface="+mn-lt"/>
+        <a:ea typeface="+mn-ea"/>
+        <a:cs typeface="+mn-cs"/>
+      </a:defRPr>
+    </a:lvl1pPr>
+    <a:lvl2pPr marL="457200" algn="l" defTabSz="914400" rtl="0" eaLnBrk="1" latinLnBrk="1" hangingPunct="1">
+      <a:defRPr sz="1200" kern="1200">
+        <a:solidFill>
+          <a:schemeClr val="tx1"/>
+        </a:solidFill>
+        <a:latin typeface="+mn-lt"/>
+        <a:ea typeface="+mn-ea"/>
+        <a:cs typeface="+mn-cs"/>
+      </a:defRPr>
+    </a:lvl2pPr>
+    <a:lvl3pPr marL="914400" algn="l" defTabSz="914400" rtl="0" eaLnBrk="1" latinLnBrk="1" hangingPunct="1">
+      <a:defRPr sz="1200" kern="1200">
+        <a:solidFill>
+          <a:schemeClr val="tx1"/>
+        </a:solidFill>
+        <a:latin typeface="+mn-lt"/>
+        <a:ea typeface="+mn-ea"/>
+        <a:cs typeface="+mn-cs"/>
+      </a:defRPr>
+    </a:lvl3pPr>
+    <a:lvl4pPr marL="1371600" algn="l" defTabSz="914400" rtl="0" eaLnBrk="1" latinLnBrk="1" hangingPunct="1">
+      <a:defRPr sz="1200" kern="1200">
+        <a:solidFill>
+          <a:schemeClr val="tx1"/>
+        </a:solidFill>
+        <a:latin typeface="+mn-lt"/>
+        <a:ea typeface="+mn-ea"/>
+        <a:cs typeface="+mn-cs"/>
+      </a:defRPr>
+    </a:lvl4pPr>
+    <a:lvl5pPr marL="1828800" algn="l" defTabSz="914400" rtl="0" eaLnBrk="1" latinLnBrk="1" hangingPunct="1">
+      <a:defRPr sz="1200" kern="1200">
+        <a:solidFill>
+          <a:schemeClr val="tx1"/>
+        </a:solidFill>
+        <a:latin typeface="+mn-lt"/>
+        <a:ea typeface="+mn-ea"/>
+        <a:cs typeface="+mn-cs"/>
+      </a:defRPr>
+    </a:lvl5pPr>
+    <a:lvl6pPr marL="2286000" algn="l" defTabSz="914400" rtl="0" eaLnBrk="1" latinLnBrk="1" hangingPunct="1">
+      <a:defRPr sz="1200" kern="1200">
+        <a:solidFill>
+          <a:schemeClr val="tx1"/>
+        </a:solidFill>
+        <a:latin typeface="+mn-lt"/>
+        <a:ea typeface="+mn-ea"/>
+        <a:cs typeface="+mn-cs"/>
+      </a:defRPr>
+    </a:lvl6pPr>
+    <a:lvl7pPr marL="2743200" algn="l" defTabSz="914400" rtl="0" eaLnBrk="1" latinLnBrk="1" hangingPunct="1">
+      <a:defRPr sz="1200" kern="1200">
+        <a:solidFill>
+          <a:schemeClr val="tx1"/>
+        </a:solidFill>
+        <a:latin typeface="+mn-lt"/>
+        <a:ea typeface="+mn-ea"/>
+        <a:cs typeface="+mn-cs"/>
+      </a:defRPr>
+    </a:lvl7pPr>
+    <a:lvl8pPr marL="3200400" algn="l" defTabSz="914400" rtl="0" eaLnBrk="1" latinLnBrk="1" hangingPunct="1">
+      <a:defRPr sz="1200" kern="1200">
+        <a:solidFill>
+          <a:schemeClr val="tx1"/>
+        </a:solidFill>
+        <a:latin typeface="+mn-lt"/>
+        <a:ea typeface="+mn-ea"/>
+        <a:cs typeface="+mn-cs"/>
+      </a:defRPr>
+    </a:lvl8pPr>
+    <a:lvl9pPr marL="3657600" algn="l" defTabSz="914400" rtl="0" eaLnBrk="1" latinLnBrk="1" hangingPunct="1">
+      <a:defRPr sz="1200" kern="1200">
+        <a:solidFill>
+          <a:schemeClr val="tx1"/>
+        </a:solidFill>
+        <a:latin typeface="+mn-lt"/>
+        <a:ea typeface="+mn-ea"/>
+        <a:cs typeface="+mn-cs"/>
+      </a:defRPr>
+    </a:lvl9pPr>
+  </p:notesStyle>
+</p:notesMaster>
+</file>
+
+<file path=ppt/notesSlides/notesSlide1.xml><?xml version="1.0" encoding="utf-8"?>
+<p:notes xmlns:a="http://schemas.openxmlformats.org/drawingml/2006/main" xmlns:r="http://schemas.openxmlformats.org/officeDocument/2006/relationships" xmlns:p="http://schemas.openxmlformats.org/presentationml/2006/main">
+  <p:cSld>
+    <p:spTree>
+      <p:nvGrpSpPr>
+        <p:cNvPr id="1" name=""/>
+        <p:cNvGrpSpPr/>
+        <p:nvPr/>
+      </p:nvGrpSpPr>
+      <p:grpSpPr>
+        <a:xfrm>
+          <a:off x="0" y="0"/>
+          <a:ext cx="0" cy="0"/>
+          <a:chOff x="0" y="0"/>
+          <a:chExt cx="0" cy="0"/>
+        </a:xfrm>
+      </p:grpSpPr>
+      <p:sp>
+        <p:nvSpPr>
+          <p:cNvPr id="2" name="슬라이드 이미지 개체 틀 1"/>
+          <p:cNvSpPr>
+            <a:spLocks noGrp="1" noRot="1" noChangeAspect="1"/>
+          </p:cNvSpPr>
+          <p:nvPr>
+            <p:ph type="sldImg"/>
+          </p:nvPr>
+        </p:nvSpPr>
+        <p:spPr/>
+      </p:sp>
+      <p:sp>
+        <p:nvSpPr>
+          <p:cNvPr id="3" name="슬라이드 노트 개체 틀 2"/>
+          <p:cNvSpPr>
+            <a:spLocks noGrp="1"/>
+          </p:cNvSpPr>
+          <p:nvPr>
+            <p:ph type="body" idx="1"/>
+          </p:nvPr>
+        </p:nvSpPr>
+        <p:spPr/>
+        <p:txBody>
+          <a:bodyPr/>
+          <a:lstStyle/>
+          <a:p>
+            <a:r>
+              <a:rPr lang="ko-KR" altLang="en-US" dirty="0" smtClean="0"/>
+              <a:t>안녕하세요 </a:t>
+            </a:r>
+            <a:r>
+              <a:rPr lang="ko-KR" altLang="en-US" dirty="0" err="1" smtClean="0"/>
+              <a:t>컴공</a:t>
+            </a:r>
+            <a:r>
+              <a:rPr lang="ko-KR" altLang="en-US" dirty="0" smtClean="0"/>
+              <a:t> </a:t>
+            </a:r>
+            <a:r>
+              <a:rPr lang="en-US" altLang="ko-KR" dirty="0" smtClean="0"/>
+              <a:t>15</a:t>
+            </a:r>
+            <a:r>
+              <a:rPr lang="ko-KR" altLang="en-US" dirty="0" smtClean="0"/>
+              <a:t>학번 </a:t>
+            </a:r>
+            <a:r>
+              <a:rPr lang="ko-KR" altLang="en-US" dirty="0" err="1" smtClean="0"/>
+              <a:t>이규호입니다</a:t>
+            </a:r>
+            <a:r>
+              <a:rPr lang="en-US" altLang="ko-KR" dirty="0" smtClean="0"/>
+              <a:t>. </a:t>
+            </a:r>
+            <a:r>
+              <a:rPr lang="ko-KR" altLang="en-US" dirty="0" smtClean="0"/>
+              <a:t>바로 발표 시작하겠습니다</a:t>
+            </a:r>
+            <a:r>
+              <a:rPr lang="en-US" altLang="ko-KR" dirty="0" smtClean="0"/>
+              <a:t>.</a:t>
+            </a:r>
+            <a:endParaRPr lang="ko-KR" altLang="en-US" dirty="0"/>
+          </a:p>
+        </p:txBody>
+      </p:sp>
+      <p:sp>
+        <p:nvSpPr>
+          <p:cNvPr id="4" name="슬라이드 번호 개체 틀 3"/>
+          <p:cNvSpPr>
+            <a:spLocks noGrp="1"/>
+          </p:cNvSpPr>
+          <p:nvPr>
+            <p:ph type="sldNum" sz="quarter" idx="10"/>
+          </p:nvPr>
+        </p:nvSpPr>
+        <p:spPr/>
+        <p:txBody>
+          <a:bodyPr/>
+          <a:lstStyle/>
+          <a:p>
+            <a:fld id="{520FA012-E42F-4B90-BA67-D8FB8B8ACD4E}" type="slidenum">
+              <a:rPr lang="ko-KR" altLang="en-US" smtClean="0"/>
+              <a:t>1</a:t>
+            </a:fld>
+            <a:endParaRPr lang="ko-KR" altLang="en-US"/>
+          </a:p>
+        </p:txBody>
+      </p:sp>
+    </p:spTree>
+    <p:extLst>
+      <p:ext uri="{BB962C8B-B14F-4D97-AF65-F5344CB8AC3E}">
+        <p14:creationId xmlns:p14="http://schemas.microsoft.com/office/powerpoint/2010/main" val="654756414"/>
+      </p:ext>
+    </p:extLst>
+  </p:cSld>
+  <p:clrMapOvr>
+    <a:masterClrMapping/>
+  </p:clrMapOvr>
+</p:notes>
+</file>
+
+<file path=ppt/notesSlides/notesSlide10.xml><?xml version="1.0" encoding="utf-8"?>
+<p:notes xmlns:a="http://schemas.openxmlformats.org/drawingml/2006/main" xmlns:r="http://schemas.openxmlformats.org/officeDocument/2006/relationships" xmlns:p="http://schemas.openxmlformats.org/presentationml/2006/main">
+  <p:cSld>
+    <p:spTree>
+      <p:nvGrpSpPr>
+        <p:cNvPr id="1" name=""/>
+        <p:cNvGrpSpPr/>
+        <p:nvPr/>
+      </p:nvGrpSpPr>
+      <p:grpSpPr>
+        <a:xfrm>
+          <a:off x="0" y="0"/>
+          <a:ext cx="0" cy="0"/>
+          <a:chOff x="0" y="0"/>
+          <a:chExt cx="0" cy="0"/>
+        </a:xfrm>
+      </p:grpSpPr>
+      <p:sp>
+        <p:nvSpPr>
+          <p:cNvPr id="2" name="슬라이드 이미지 개체 틀 1"/>
+          <p:cNvSpPr>
+            <a:spLocks noGrp="1" noRot="1" noChangeAspect="1"/>
+          </p:cNvSpPr>
+          <p:nvPr>
+            <p:ph type="sldImg"/>
+          </p:nvPr>
+        </p:nvSpPr>
+        <p:spPr/>
+      </p:sp>
+      <p:sp>
+        <p:nvSpPr>
+          <p:cNvPr id="3" name="슬라이드 노트 개체 틀 2"/>
+          <p:cNvSpPr>
+            <a:spLocks noGrp="1"/>
+          </p:cNvSpPr>
+          <p:nvPr>
+            <p:ph type="body" idx="1"/>
+          </p:nvPr>
+        </p:nvSpPr>
+        <p:spPr/>
+        <p:txBody>
+          <a:bodyPr/>
+          <a:lstStyle/>
+          <a:p>
+            <a:r>
+              <a:rPr lang="ko-KR" altLang="en-US" dirty="0" smtClean="0"/>
+              <a:t>본 어플리케이션의 구현 방법을 </a:t>
+            </a:r>
+            <a:r>
+              <a:rPr lang="ko-KR" altLang="en-US" dirty="0" err="1" smtClean="0"/>
+              <a:t>설명드리겠습니다</a:t>
+            </a:r>
+            <a:r>
+              <a:rPr lang="en-US" altLang="ko-KR" dirty="0" smtClean="0"/>
+              <a:t>.</a:t>
+            </a:r>
+            <a:endParaRPr lang="ko-KR" altLang="en-US" dirty="0"/>
+          </a:p>
+        </p:txBody>
+      </p:sp>
+      <p:sp>
+        <p:nvSpPr>
+          <p:cNvPr id="4" name="슬라이드 번호 개체 틀 3"/>
+          <p:cNvSpPr>
+            <a:spLocks noGrp="1"/>
+          </p:cNvSpPr>
+          <p:nvPr>
+            <p:ph type="sldNum" sz="quarter" idx="10"/>
+          </p:nvPr>
+        </p:nvSpPr>
+        <p:spPr/>
+        <p:txBody>
+          <a:bodyPr/>
+          <a:lstStyle/>
+          <a:p>
+            <a:fld id="{520FA012-E42F-4B90-BA67-D8FB8B8ACD4E}" type="slidenum">
+              <a:rPr lang="ko-KR" altLang="en-US" smtClean="0"/>
+              <a:t>10</a:t>
+            </a:fld>
+            <a:endParaRPr lang="ko-KR" altLang="en-US"/>
+          </a:p>
+        </p:txBody>
+      </p:sp>
+    </p:spTree>
+    <p:extLst>
+      <p:ext uri="{BB962C8B-B14F-4D97-AF65-F5344CB8AC3E}">
+        <p14:creationId xmlns:p14="http://schemas.microsoft.com/office/powerpoint/2010/main" val="1376599758"/>
+      </p:ext>
+    </p:extLst>
+  </p:cSld>
+  <p:clrMapOvr>
+    <a:masterClrMapping/>
+  </p:clrMapOvr>
+</p:notes>
+</file>
+
+<file path=ppt/notesSlides/notesSlide11.xml><?xml version="1.0" encoding="utf-8"?>
+<p:notes xmlns:a="http://schemas.openxmlformats.org/drawingml/2006/main" xmlns:r="http://schemas.openxmlformats.org/officeDocument/2006/relationships" xmlns:p="http://schemas.openxmlformats.org/presentationml/2006/main">
+  <p:cSld>
+    <p:spTree>
+      <p:nvGrpSpPr>
+        <p:cNvPr id="1" name=""/>
+        <p:cNvGrpSpPr/>
+        <p:nvPr/>
+      </p:nvGrpSpPr>
+      <p:grpSpPr>
+        <a:xfrm>
+          <a:off x="0" y="0"/>
+          <a:ext cx="0" cy="0"/>
+          <a:chOff x="0" y="0"/>
+          <a:chExt cx="0" cy="0"/>
+        </a:xfrm>
+      </p:grpSpPr>
+      <p:sp>
+        <p:nvSpPr>
+          <p:cNvPr id="2" name="슬라이드 이미지 개체 틀 1"/>
+          <p:cNvSpPr>
+            <a:spLocks noGrp="1" noRot="1" noChangeAspect="1"/>
+          </p:cNvSpPr>
+          <p:nvPr>
+            <p:ph type="sldImg"/>
+          </p:nvPr>
+        </p:nvSpPr>
+        <p:spPr/>
+      </p:sp>
+      <p:sp>
+        <p:nvSpPr>
+          <p:cNvPr id="3" name="슬라이드 노트 개체 틀 2"/>
+          <p:cNvSpPr>
+            <a:spLocks noGrp="1"/>
+          </p:cNvSpPr>
+          <p:nvPr>
+            <p:ph type="body" idx="1"/>
+          </p:nvPr>
+        </p:nvSpPr>
+        <p:spPr/>
+        <p:txBody>
+          <a:bodyPr/>
+          <a:lstStyle/>
+          <a:p>
+            <a:r>
+              <a:rPr lang="ko-KR" altLang="en-US" dirty="0" smtClean="0"/>
+              <a:t>웹 </a:t>
+            </a:r>
+            <a:r>
+              <a:rPr lang="ko-KR" altLang="en-US" dirty="0" err="1" smtClean="0"/>
+              <a:t>크롤링을</a:t>
+            </a:r>
+            <a:r>
+              <a:rPr lang="ko-KR" altLang="en-US" dirty="0" smtClean="0"/>
+              <a:t> 한 라이브러리는 </a:t>
+            </a:r>
+            <a:r>
+              <a:rPr lang="en-US" altLang="ko-KR" dirty="0" err="1" smtClean="0"/>
+              <a:t>jsoup</a:t>
+            </a:r>
+            <a:r>
+              <a:rPr lang="en-US" altLang="ko-KR" dirty="0" smtClean="0"/>
+              <a:t> </a:t>
+            </a:r>
+            <a:r>
+              <a:rPr lang="ko-KR" altLang="en-US" dirty="0" smtClean="0"/>
+              <a:t>입니다</a:t>
+            </a:r>
+            <a:r>
+              <a:rPr lang="en-US" altLang="ko-KR" dirty="0" smtClean="0"/>
+              <a:t>. </a:t>
+            </a:r>
+            <a:r>
+              <a:rPr lang="en-US" altLang="ko-KR" dirty="0" err="1" smtClean="0"/>
+              <a:t>Jsoup</a:t>
+            </a:r>
+            <a:r>
+              <a:rPr lang="ko-KR" altLang="en-US" dirty="0" smtClean="0"/>
+              <a:t>를 사용하여 </a:t>
+            </a:r>
+            <a:r>
+              <a:rPr lang="ko-KR" altLang="en-US" dirty="0" err="1" smtClean="0"/>
+              <a:t>경희대학교</a:t>
+            </a:r>
+            <a:r>
+              <a:rPr lang="ko-KR" altLang="en-US" dirty="0" smtClean="0"/>
+              <a:t> 로그인 페이지에</a:t>
+            </a:r>
+            <a:r>
+              <a:rPr lang="ko-KR" altLang="en-US" baseline="0" dirty="0" smtClean="0"/>
+              <a:t> </a:t>
+            </a:r>
+            <a:r>
+              <a:rPr lang="en-US" altLang="ko-KR" baseline="0" dirty="0" smtClean="0"/>
+              <a:t>post</a:t>
+            </a:r>
+            <a:r>
+              <a:rPr lang="ko-KR" altLang="en-US" baseline="0" dirty="0" smtClean="0"/>
+              <a:t>를 이용하여 </a:t>
+            </a:r>
+            <a:r>
+              <a:rPr lang="ko-KR" altLang="en-US" baseline="0" dirty="0" err="1" smtClean="0"/>
+              <a:t>어플에서</a:t>
+            </a:r>
+            <a:r>
+              <a:rPr lang="ko-KR" altLang="en-US" baseline="0" dirty="0" smtClean="0"/>
+              <a:t> 입력한 아이디와 비밀번호 </a:t>
+            </a:r>
+            <a:r>
+              <a:rPr lang="en-US" altLang="ko-KR" baseline="0" dirty="0" smtClean="0"/>
+              <a:t>data</a:t>
+            </a:r>
+            <a:r>
+              <a:rPr lang="ko-KR" altLang="en-US" baseline="0" dirty="0" smtClean="0"/>
+              <a:t>를 넘겨줍니다</a:t>
+            </a:r>
+            <a:r>
+              <a:rPr lang="en-US" altLang="ko-KR" baseline="0" dirty="0" smtClean="0"/>
+              <a:t>. </a:t>
+            </a:r>
+            <a:r>
+              <a:rPr lang="ko-KR" altLang="en-US" baseline="0" dirty="0" smtClean="0"/>
+              <a:t>이렇게 넘겨주면서 생긴 쿠키를 성적 조회 페이지로 넘겨서 다시 </a:t>
+            </a:r>
+            <a:r>
+              <a:rPr lang="en-US" altLang="ko-KR" baseline="0" dirty="0" smtClean="0"/>
+              <a:t>get</a:t>
+            </a:r>
+            <a:r>
+              <a:rPr lang="ko-KR" altLang="en-US" baseline="0" dirty="0" smtClean="0"/>
+              <a:t>을 받습니다</a:t>
+            </a:r>
+            <a:r>
+              <a:rPr lang="en-US" altLang="ko-KR" baseline="0" dirty="0" smtClean="0"/>
+              <a:t>. </a:t>
+            </a:r>
+            <a:r>
+              <a:rPr lang="ko-KR" altLang="en-US" baseline="0" dirty="0" smtClean="0"/>
+              <a:t>이렇게 </a:t>
+            </a:r>
+            <a:r>
+              <a:rPr lang="en-US" altLang="ko-KR" baseline="0" dirty="0" smtClean="0"/>
+              <a:t>get</a:t>
+            </a:r>
+            <a:r>
+              <a:rPr lang="ko-KR" altLang="en-US" baseline="0" dirty="0" smtClean="0"/>
+              <a:t>을 받으면 그 페이지의 </a:t>
+            </a:r>
+            <a:r>
+              <a:rPr lang="en-US" altLang="ko-KR" baseline="0" dirty="0" smtClean="0"/>
+              <a:t>html</a:t>
+            </a:r>
+            <a:r>
+              <a:rPr lang="ko-KR" altLang="en-US" baseline="0" dirty="0" smtClean="0"/>
+              <a:t>을 전부 받아올 수 있는데</a:t>
+            </a:r>
+            <a:r>
+              <a:rPr lang="en-US" altLang="ko-KR" baseline="0" dirty="0" smtClean="0"/>
+              <a:t>, </a:t>
+            </a:r>
+            <a:r>
+              <a:rPr lang="ko-KR" altLang="en-US" baseline="0" dirty="0" smtClean="0"/>
+              <a:t>받아온 </a:t>
+            </a:r>
+            <a:r>
+              <a:rPr lang="en-US" altLang="ko-KR" baseline="0" dirty="0" smtClean="0"/>
+              <a:t>html</a:t>
+            </a:r>
+            <a:r>
+              <a:rPr lang="ko-KR" altLang="en-US" baseline="0" dirty="0" smtClean="0"/>
+              <a:t>들을 </a:t>
+            </a:r>
+            <a:r>
+              <a:rPr lang="en-US" altLang="ko-KR" baseline="0" dirty="0" smtClean="0"/>
+              <a:t>document, element </a:t>
+            </a:r>
+            <a:r>
+              <a:rPr lang="ko-KR" altLang="en-US" baseline="0" dirty="0" smtClean="0"/>
+              <a:t>문법을 사용하여서 제가 필요한 데이터를 뽑아서 썼습니다</a:t>
+            </a:r>
+            <a:r>
+              <a:rPr lang="en-US" altLang="ko-KR" baseline="0" dirty="0" smtClean="0"/>
+              <a:t>.</a:t>
+            </a:r>
+            <a:endParaRPr lang="ko-KR" altLang="en-US" dirty="0"/>
+          </a:p>
+        </p:txBody>
+      </p:sp>
+      <p:sp>
+        <p:nvSpPr>
+          <p:cNvPr id="4" name="슬라이드 번호 개체 틀 3"/>
+          <p:cNvSpPr>
+            <a:spLocks noGrp="1"/>
+          </p:cNvSpPr>
+          <p:nvPr>
+            <p:ph type="sldNum" sz="quarter" idx="10"/>
+          </p:nvPr>
+        </p:nvSpPr>
+        <p:spPr/>
+        <p:txBody>
+          <a:bodyPr/>
+          <a:lstStyle/>
+          <a:p>
+            <a:fld id="{520FA012-E42F-4B90-BA67-D8FB8B8ACD4E}" type="slidenum">
+              <a:rPr lang="ko-KR" altLang="en-US" smtClean="0"/>
+              <a:t>11</a:t>
+            </a:fld>
+            <a:endParaRPr lang="ko-KR" altLang="en-US"/>
+          </a:p>
+        </p:txBody>
+      </p:sp>
+    </p:spTree>
+    <p:extLst>
+      <p:ext uri="{BB962C8B-B14F-4D97-AF65-F5344CB8AC3E}">
+        <p14:creationId xmlns:p14="http://schemas.microsoft.com/office/powerpoint/2010/main" val="203312661"/>
+      </p:ext>
+    </p:extLst>
+  </p:cSld>
+  <p:clrMapOvr>
+    <a:masterClrMapping/>
+  </p:clrMapOvr>
+</p:notes>
+</file>
+
+<file path=ppt/notesSlides/notesSlide12.xml><?xml version="1.0" encoding="utf-8"?>
+<p:notes xmlns:a="http://schemas.openxmlformats.org/drawingml/2006/main" xmlns:r="http://schemas.openxmlformats.org/officeDocument/2006/relationships" xmlns:p="http://schemas.openxmlformats.org/presentationml/2006/main">
+  <p:cSld>
+    <p:spTree>
+      <p:nvGrpSpPr>
+        <p:cNvPr id="1" name=""/>
+        <p:cNvGrpSpPr/>
+        <p:nvPr/>
+      </p:nvGrpSpPr>
+      <p:grpSpPr>
+        <a:xfrm>
+          <a:off x="0" y="0"/>
+          <a:ext cx="0" cy="0"/>
+          <a:chOff x="0" y="0"/>
+          <a:chExt cx="0" cy="0"/>
+        </a:xfrm>
+      </p:grpSpPr>
+      <p:sp>
+        <p:nvSpPr>
+          <p:cNvPr id="2" name="슬라이드 이미지 개체 틀 1"/>
+          <p:cNvSpPr>
+            <a:spLocks noGrp="1" noRot="1" noChangeAspect="1"/>
+          </p:cNvSpPr>
+          <p:nvPr>
+            <p:ph type="sldImg"/>
+          </p:nvPr>
+        </p:nvSpPr>
+        <p:spPr/>
+      </p:sp>
+      <p:sp>
+        <p:nvSpPr>
+          <p:cNvPr id="3" name="슬라이드 노트 개체 틀 2"/>
+          <p:cNvSpPr>
+            <a:spLocks noGrp="1"/>
+          </p:cNvSpPr>
+          <p:nvPr>
+            <p:ph type="body" idx="1"/>
+          </p:nvPr>
+        </p:nvSpPr>
+        <p:spPr/>
+        <p:txBody>
+          <a:bodyPr/>
+          <a:lstStyle/>
+          <a:p>
+            <a:r>
+              <a:rPr lang="ko-KR" altLang="en-US" dirty="0" smtClean="0"/>
+              <a:t>성적을 띄우는 </a:t>
+            </a:r>
+            <a:r>
+              <a:rPr lang="en-US" altLang="ko-KR" dirty="0" smtClean="0"/>
+              <a:t>view</a:t>
+            </a:r>
+            <a:r>
+              <a:rPr lang="ko-KR" altLang="en-US" dirty="0" smtClean="0"/>
+              <a:t>는 </a:t>
+            </a:r>
+            <a:r>
+              <a:rPr lang="en-US" altLang="ko-KR" dirty="0" err="1" smtClean="0"/>
+              <a:t>RecyclerView</a:t>
+            </a:r>
+            <a:r>
+              <a:rPr lang="ko-KR" altLang="en-US" dirty="0" smtClean="0"/>
+              <a:t>로 구현하였습니다</a:t>
+            </a:r>
+            <a:r>
+              <a:rPr lang="en-US" altLang="ko-KR" dirty="0" smtClean="0"/>
+              <a:t>. </a:t>
+            </a:r>
+            <a:r>
+              <a:rPr lang="ko-KR" altLang="en-US" dirty="0" smtClean="0"/>
+              <a:t>받아오는 과목의 개수를 코딩하면서 미리 알 수 없기에</a:t>
+            </a:r>
+            <a:r>
+              <a:rPr lang="en-US" altLang="ko-KR" dirty="0" smtClean="0"/>
+              <a:t>, Data</a:t>
+            </a:r>
+            <a:r>
+              <a:rPr lang="ko-KR" altLang="en-US" dirty="0" smtClean="0"/>
+              <a:t>를 동적으로 생성할 필요성이 있었습니다</a:t>
+            </a:r>
+            <a:r>
+              <a:rPr lang="en-US" altLang="ko-KR" dirty="0" smtClean="0"/>
+              <a:t>. </a:t>
+            </a:r>
+            <a:r>
+              <a:rPr lang="ko-KR" altLang="en-US" dirty="0" smtClean="0"/>
+              <a:t>이에 가장 </a:t>
+            </a:r>
+            <a:r>
+              <a:rPr lang="ko-KR" altLang="en-US" dirty="0" err="1" smtClean="0"/>
+              <a:t>적합한게</a:t>
+            </a:r>
+            <a:r>
+              <a:rPr lang="ko-KR" altLang="en-US" dirty="0" smtClean="0"/>
+              <a:t> </a:t>
+            </a:r>
+            <a:r>
+              <a:rPr lang="en-US" altLang="ko-KR" dirty="0" err="1" smtClean="0"/>
+              <a:t>RecyclerView</a:t>
+            </a:r>
+            <a:r>
+              <a:rPr lang="ko-KR" altLang="en-US" dirty="0" smtClean="0"/>
+              <a:t>라고 생각하여서</a:t>
+            </a:r>
+            <a:r>
+              <a:rPr lang="en-US" altLang="ko-KR" dirty="0" smtClean="0"/>
+              <a:t>, Adapter</a:t>
+            </a:r>
+            <a:r>
+              <a:rPr lang="ko-KR" altLang="en-US" dirty="0" smtClean="0"/>
+              <a:t>와 </a:t>
+            </a:r>
+            <a:r>
+              <a:rPr lang="en-US" altLang="ko-KR" dirty="0" err="1" smtClean="0"/>
+              <a:t>layoutmanager</a:t>
+            </a:r>
+            <a:r>
+              <a:rPr lang="ko-KR" altLang="en-US" dirty="0" smtClean="0"/>
+              <a:t>를 통해 </a:t>
+            </a:r>
+            <a:r>
+              <a:rPr lang="en-US" altLang="ko-KR" dirty="0" err="1" smtClean="0"/>
+              <a:t>RecyclerView</a:t>
+            </a:r>
+            <a:r>
+              <a:rPr lang="ko-KR" altLang="en-US" dirty="0" smtClean="0"/>
+              <a:t>로 </a:t>
+            </a:r>
+            <a:r>
+              <a:rPr lang="en-US" altLang="ko-KR" dirty="0" smtClean="0"/>
+              <a:t>view</a:t>
+            </a:r>
+            <a:r>
+              <a:rPr lang="ko-KR" altLang="en-US" dirty="0" smtClean="0"/>
+              <a:t>를 구성하였습니다</a:t>
+            </a:r>
+            <a:r>
+              <a:rPr lang="en-US" altLang="ko-KR" dirty="0" smtClean="0"/>
+              <a:t>.</a:t>
+            </a:r>
+            <a:r>
+              <a:rPr lang="en-US" altLang="ko-KR" baseline="0" dirty="0" smtClean="0"/>
+              <a:t> </a:t>
+            </a:r>
+            <a:r>
+              <a:rPr lang="ko-KR" altLang="en-US" baseline="0" dirty="0" smtClean="0"/>
+              <a:t>띄우는데 소요되는 </a:t>
+            </a:r>
+            <a:r>
+              <a:rPr lang="ko-KR" altLang="en-US" baseline="0" dirty="0" err="1" smtClean="0"/>
+              <a:t>시간동안</a:t>
+            </a:r>
+            <a:r>
+              <a:rPr lang="ko-KR" altLang="en-US" baseline="0" dirty="0" smtClean="0"/>
+              <a:t> </a:t>
+            </a:r>
+            <a:r>
+              <a:rPr lang="en-US" altLang="ko-KR" baseline="0" dirty="0" err="1" smtClean="0"/>
+              <a:t>progressDialog</a:t>
+            </a:r>
+            <a:r>
+              <a:rPr lang="ko-KR" altLang="en-US" baseline="0" dirty="0" smtClean="0"/>
+              <a:t>를 보여주었습니다</a:t>
+            </a:r>
+            <a:r>
+              <a:rPr lang="en-US" altLang="ko-KR" baseline="0" dirty="0" smtClean="0"/>
+              <a:t>.</a:t>
+            </a:r>
+            <a:endParaRPr lang="ko-KR" altLang="en-US" dirty="0"/>
+          </a:p>
+        </p:txBody>
+      </p:sp>
+      <p:sp>
+        <p:nvSpPr>
+          <p:cNvPr id="4" name="슬라이드 번호 개체 틀 3"/>
+          <p:cNvSpPr>
+            <a:spLocks noGrp="1"/>
+          </p:cNvSpPr>
+          <p:nvPr>
+            <p:ph type="sldNum" sz="quarter" idx="10"/>
+          </p:nvPr>
+        </p:nvSpPr>
+        <p:spPr/>
+        <p:txBody>
+          <a:bodyPr/>
+          <a:lstStyle/>
+          <a:p>
+            <a:fld id="{520FA012-E42F-4B90-BA67-D8FB8B8ACD4E}" type="slidenum">
+              <a:rPr lang="ko-KR" altLang="en-US" smtClean="0"/>
+              <a:t>12</a:t>
+            </a:fld>
+            <a:endParaRPr lang="ko-KR" altLang="en-US"/>
+          </a:p>
+        </p:txBody>
+      </p:sp>
+    </p:spTree>
+    <p:extLst>
+      <p:ext uri="{BB962C8B-B14F-4D97-AF65-F5344CB8AC3E}">
+        <p14:creationId xmlns:p14="http://schemas.microsoft.com/office/powerpoint/2010/main" val="1996374337"/>
+      </p:ext>
+    </p:extLst>
+  </p:cSld>
+  <p:clrMapOvr>
+    <a:masterClrMapping/>
+  </p:clrMapOvr>
+</p:notes>
+</file>
+
+<file path=ppt/notesSlides/notesSlide13.xml><?xml version="1.0" encoding="utf-8"?>
+<p:notes xmlns:a="http://schemas.openxmlformats.org/drawingml/2006/main" xmlns:r="http://schemas.openxmlformats.org/officeDocument/2006/relationships" xmlns:p="http://schemas.openxmlformats.org/presentationml/2006/main">
+  <p:cSld>
+    <p:spTree>
+      <p:nvGrpSpPr>
+        <p:cNvPr id="1" name=""/>
+        <p:cNvGrpSpPr/>
+        <p:nvPr/>
+      </p:nvGrpSpPr>
+      <p:grpSpPr>
+        <a:xfrm>
+          <a:off x="0" y="0"/>
+          <a:ext cx="0" cy="0"/>
+          <a:chOff x="0" y="0"/>
+          <a:chExt cx="0" cy="0"/>
+        </a:xfrm>
+      </p:grpSpPr>
+      <p:sp>
+        <p:nvSpPr>
+          <p:cNvPr id="2" name="슬라이드 이미지 개체 틀 1"/>
+          <p:cNvSpPr>
+            <a:spLocks noGrp="1" noRot="1" noChangeAspect="1"/>
+          </p:cNvSpPr>
+          <p:nvPr>
+            <p:ph type="sldImg"/>
+          </p:nvPr>
+        </p:nvSpPr>
+        <p:spPr/>
+      </p:sp>
+      <p:sp>
+        <p:nvSpPr>
+          <p:cNvPr id="3" name="슬라이드 노트 개체 틀 2"/>
+          <p:cNvSpPr>
+            <a:spLocks noGrp="1"/>
+          </p:cNvSpPr>
+          <p:nvPr>
+            <p:ph type="body" idx="1"/>
+          </p:nvPr>
+        </p:nvSpPr>
+        <p:spPr/>
+        <p:txBody>
+          <a:bodyPr/>
+          <a:lstStyle/>
+          <a:p>
+            <a:r>
+              <a:rPr lang="ko-KR" altLang="en-US" dirty="0" smtClean="0"/>
+              <a:t>이 코드가 </a:t>
+            </a:r>
+            <a:r>
+              <a:rPr lang="en-US" altLang="ko-KR" dirty="0" err="1" smtClean="0"/>
+              <a:t>RecyclerView</a:t>
+            </a:r>
+            <a:r>
+              <a:rPr lang="ko-KR" altLang="en-US" dirty="0" smtClean="0"/>
+              <a:t>의 </a:t>
+            </a:r>
+            <a:r>
+              <a:rPr lang="en-US" altLang="ko-KR" dirty="0" smtClean="0"/>
+              <a:t>Adapter</a:t>
+            </a:r>
+            <a:r>
+              <a:rPr lang="ko-KR" altLang="en-US" dirty="0" smtClean="0"/>
+              <a:t>에 해당합니다</a:t>
+            </a:r>
+            <a:r>
+              <a:rPr lang="en-US" altLang="ko-KR" dirty="0" smtClean="0"/>
+              <a:t>. </a:t>
+            </a:r>
+            <a:r>
+              <a:rPr lang="ko-KR" altLang="en-US" dirty="0" smtClean="0"/>
+              <a:t>어댑터는 받은 </a:t>
+            </a:r>
+            <a:r>
+              <a:rPr lang="en-US" altLang="ko-KR" dirty="0" smtClean="0"/>
+              <a:t>List</a:t>
+            </a:r>
+            <a:r>
+              <a:rPr lang="ko-KR" altLang="en-US" dirty="0" smtClean="0"/>
+              <a:t>에서 아이템들을 꺼내서</a:t>
+            </a:r>
+            <a:r>
+              <a:rPr lang="en-US" altLang="ko-KR" dirty="0" smtClean="0"/>
+              <a:t>, </a:t>
+            </a:r>
+            <a:r>
+              <a:rPr lang="en-US" altLang="ko-KR" dirty="0" err="1" smtClean="0"/>
+              <a:t>ViewHolder</a:t>
+            </a:r>
+            <a:r>
+              <a:rPr lang="ko-KR" altLang="en-US" dirty="0" smtClean="0"/>
+              <a:t>에서 각각의 위젯을 생성합니다</a:t>
+            </a:r>
+            <a:r>
+              <a:rPr lang="en-US" altLang="ko-KR" dirty="0" smtClean="0"/>
+              <a:t>.</a:t>
+            </a:r>
+            <a:endParaRPr lang="ko-KR" altLang="en-US" dirty="0"/>
+          </a:p>
+        </p:txBody>
+      </p:sp>
+      <p:sp>
+        <p:nvSpPr>
+          <p:cNvPr id="4" name="슬라이드 번호 개체 틀 3"/>
+          <p:cNvSpPr>
+            <a:spLocks noGrp="1"/>
+          </p:cNvSpPr>
+          <p:nvPr>
+            <p:ph type="sldNum" sz="quarter" idx="10"/>
+          </p:nvPr>
+        </p:nvSpPr>
+        <p:spPr/>
+        <p:txBody>
+          <a:bodyPr/>
+          <a:lstStyle/>
+          <a:p>
+            <a:fld id="{520FA012-E42F-4B90-BA67-D8FB8B8ACD4E}" type="slidenum">
+              <a:rPr lang="ko-KR" altLang="en-US" smtClean="0"/>
+              <a:t>13</a:t>
+            </a:fld>
+            <a:endParaRPr lang="ko-KR" altLang="en-US"/>
+          </a:p>
+        </p:txBody>
+      </p:sp>
+    </p:spTree>
+    <p:extLst>
+      <p:ext uri="{BB962C8B-B14F-4D97-AF65-F5344CB8AC3E}">
+        <p14:creationId xmlns:p14="http://schemas.microsoft.com/office/powerpoint/2010/main" val="2471399999"/>
+      </p:ext>
+    </p:extLst>
+  </p:cSld>
+  <p:clrMapOvr>
+    <a:masterClrMapping/>
+  </p:clrMapOvr>
+</p:notes>
+</file>
+
+<file path=ppt/notesSlides/notesSlide14.xml><?xml version="1.0" encoding="utf-8"?>
+<p:notes xmlns:a="http://schemas.openxmlformats.org/drawingml/2006/main" xmlns:r="http://schemas.openxmlformats.org/officeDocument/2006/relationships" xmlns:p="http://schemas.openxmlformats.org/presentationml/2006/main">
+  <p:cSld>
+    <p:spTree>
+      <p:nvGrpSpPr>
+        <p:cNvPr id="1" name=""/>
+        <p:cNvGrpSpPr/>
+        <p:nvPr/>
+      </p:nvGrpSpPr>
+      <p:grpSpPr>
+        <a:xfrm>
+          <a:off x="0" y="0"/>
+          <a:ext cx="0" cy="0"/>
+          <a:chOff x="0" y="0"/>
+          <a:chExt cx="0" cy="0"/>
+        </a:xfrm>
+      </p:grpSpPr>
+      <p:sp>
+        <p:nvSpPr>
+          <p:cNvPr id="2" name="슬라이드 이미지 개체 틀 1"/>
+          <p:cNvSpPr>
+            <a:spLocks noGrp="1" noRot="1" noChangeAspect="1"/>
+          </p:cNvSpPr>
+          <p:nvPr>
+            <p:ph type="sldImg"/>
+          </p:nvPr>
+        </p:nvSpPr>
+        <p:spPr/>
+      </p:sp>
+      <p:sp>
+        <p:nvSpPr>
+          <p:cNvPr id="3" name="슬라이드 노트 개체 틀 2"/>
+          <p:cNvSpPr>
+            <a:spLocks noGrp="1"/>
+          </p:cNvSpPr>
+          <p:nvPr>
+            <p:ph type="body" idx="1"/>
+          </p:nvPr>
+        </p:nvSpPr>
+        <p:spPr/>
+        <p:txBody>
+          <a:bodyPr/>
+          <a:lstStyle/>
+          <a:p>
+            <a:r>
+              <a:rPr lang="ko-KR" altLang="en-US" dirty="0" smtClean="0"/>
+              <a:t>로그인후 보이는 메인 화면에 해당하는 부분은 </a:t>
+            </a:r>
+            <a:r>
+              <a:rPr lang="en-US" altLang="ko-KR" dirty="0" err="1" smtClean="0"/>
+              <a:t>PreferenceScreen</a:t>
+            </a:r>
+            <a:r>
+              <a:rPr lang="ko-KR" altLang="en-US" dirty="0" smtClean="0"/>
+              <a:t>로 구현하였습니다</a:t>
+            </a:r>
+            <a:r>
+              <a:rPr lang="en-US" altLang="ko-KR" dirty="0" smtClean="0"/>
+              <a:t>. </a:t>
+            </a:r>
+            <a:r>
+              <a:rPr lang="ko-KR" altLang="en-US" dirty="0" smtClean="0"/>
+              <a:t>제가 만든 이 알림 </a:t>
+            </a:r>
+            <a:r>
+              <a:rPr lang="ko-KR" altLang="en-US" dirty="0" err="1" smtClean="0"/>
+              <a:t>어플은</a:t>
+            </a:r>
+            <a:r>
+              <a:rPr lang="ko-KR" altLang="en-US" dirty="0" smtClean="0"/>
+              <a:t> </a:t>
+            </a:r>
+            <a:r>
+              <a:rPr lang="en-US" altLang="ko-KR" dirty="0" smtClean="0"/>
+              <a:t>Notification</a:t>
+            </a:r>
+            <a:r>
+              <a:rPr lang="ko-KR" altLang="en-US" dirty="0" smtClean="0"/>
+              <a:t>이 주 용도인 </a:t>
+            </a:r>
+            <a:r>
+              <a:rPr lang="ko-KR" altLang="en-US" dirty="0" err="1" smtClean="0"/>
+              <a:t>어플이라고</a:t>
+            </a:r>
+            <a:r>
+              <a:rPr lang="ko-KR" altLang="en-US" dirty="0" smtClean="0"/>
+              <a:t> 판단하여서</a:t>
+            </a:r>
+            <a:r>
+              <a:rPr lang="en-US" altLang="ko-KR" dirty="0" smtClean="0"/>
+              <a:t>, UI</a:t>
+            </a:r>
+            <a:r>
+              <a:rPr lang="ko-KR" altLang="en-US" dirty="0" smtClean="0"/>
+              <a:t>는 환경 설정이 가장 큰 부분을 차지할 것이라고 생각하여</a:t>
+            </a:r>
+            <a:r>
+              <a:rPr lang="en-US" altLang="ko-KR" dirty="0" smtClean="0"/>
+              <a:t>, </a:t>
+            </a:r>
+            <a:r>
+              <a:rPr lang="ko-KR" altLang="en-US" dirty="0" smtClean="0"/>
+              <a:t>해당 화면을 메인화면으로 구성하였습니다</a:t>
+            </a:r>
+            <a:r>
+              <a:rPr lang="en-US" altLang="ko-KR" dirty="0" smtClean="0"/>
+              <a:t>.</a:t>
+            </a:r>
+            <a:endParaRPr lang="ko-KR" altLang="en-US" dirty="0"/>
+          </a:p>
+        </p:txBody>
+      </p:sp>
+      <p:sp>
+        <p:nvSpPr>
+          <p:cNvPr id="4" name="슬라이드 번호 개체 틀 3"/>
+          <p:cNvSpPr>
+            <a:spLocks noGrp="1"/>
+          </p:cNvSpPr>
+          <p:nvPr>
+            <p:ph type="sldNum" sz="quarter" idx="10"/>
+          </p:nvPr>
+        </p:nvSpPr>
+        <p:spPr/>
+        <p:txBody>
+          <a:bodyPr/>
+          <a:lstStyle/>
+          <a:p>
+            <a:fld id="{520FA012-E42F-4B90-BA67-D8FB8B8ACD4E}" type="slidenum">
+              <a:rPr lang="ko-KR" altLang="en-US" smtClean="0"/>
+              <a:t>14</a:t>
+            </a:fld>
+            <a:endParaRPr lang="ko-KR" altLang="en-US"/>
+          </a:p>
+        </p:txBody>
+      </p:sp>
+    </p:spTree>
+    <p:extLst>
+      <p:ext uri="{BB962C8B-B14F-4D97-AF65-F5344CB8AC3E}">
+        <p14:creationId xmlns:p14="http://schemas.microsoft.com/office/powerpoint/2010/main" val="2008355811"/>
+      </p:ext>
+    </p:extLst>
+  </p:cSld>
+  <p:clrMapOvr>
+    <a:masterClrMapping/>
+  </p:clrMapOvr>
+</p:notes>
+</file>
+
+<file path=ppt/notesSlides/notesSlide15.xml><?xml version="1.0" encoding="utf-8"?>
+<p:notes xmlns:a="http://schemas.openxmlformats.org/drawingml/2006/main" xmlns:r="http://schemas.openxmlformats.org/officeDocument/2006/relationships" xmlns:p="http://schemas.openxmlformats.org/presentationml/2006/main">
+  <p:cSld>
+    <p:spTree>
+      <p:nvGrpSpPr>
+        <p:cNvPr id="1" name=""/>
+        <p:cNvGrpSpPr/>
+        <p:nvPr/>
+      </p:nvGrpSpPr>
+      <p:grpSpPr>
+        <a:xfrm>
+          <a:off x="0" y="0"/>
+          <a:ext cx="0" cy="0"/>
+          <a:chOff x="0" y="0"/>
+          <a:chExt cx="0" cy="0"/>
+        </a:xfrm>
+      </p:grpSpPr>
+      <p:sp>
+        <p:nvSpPr>
+          <p:cNvPr id="2" name="슬라이드 이미지 개체 틀 1"/>
+          <p:cNvSpPr>
+            <a:spLocks noGrp="1" noRot="1" noChangeAspect="1"/>
+          </p:cNvSpPr>
+          <p:nvPr>
+            <p:ph type="sldImg"/>
+          </p:nvPr>
+        </p:nvSpPr>
+        <p:spPr/>
+      </p:sp>
+      <p:sp>
+        <p:nvSpPr>
+          <p:cNvPr id="3" name="슬라이드 노트 개체 틀 2"/>
+          <p:cNvSpPr>
+            <a:spLocks noGrp="1"/>
+          </p:cNvSpPr>
+          <p:nvPr>
+            <p:ph type="body" idx="1"/>
+          </p:nvPr>
+        </p:nvSpPr>
+        <p:spPr/>
+        <p:txBody>
+          <a:bodyPr/>
+          <a:lstStyle/>
+          <a:p>
+            <a:r>
+              <a:rPr lang="ko-KR" altLang="en-US" dirty="0" smtClean="0"/>
+              <a:t>어플리케이션에 필요한 데이터들은 </a:t>
+            </a:r>
+            <a:r>
+              <a:rPr lang="en-US" altLang="ko-KR" dirty="0" err="1" smtClean="0"/>
+              <a:t>SharedPreferences</a:t>
+            </a:r>
+            <a:r>
+              <a:rPr lang="ko-KR" altLang="en-US" dirty="0" smtClean="0"/>
+              <a:t>로 관리하였습니다</a:t>
+            </a:r>
+            <a:r>
+              <a:rPr lang="en-US" altLang="ko-KR" dirty="0" smtClean="0"/>
+              <a:t>. </a:t>
+            </a:r>
+            <a:r>
+              <a:rPr lang="ko-KR" altLang="en-US" dirty="0" smtClean="0"/>
+              <a:t>어차피 </a:t>
+            </a:r>
+            <a:r>
+              <a:rPr lang="ko-KR" altLang="en-US" dirty="0" err="1" smtClean="0"/>
+              <a:t>크롤링을</a:t>
+            </a:r>
+            <a:r>
+              <a:rPr lang="ko-KR" altLang="en-US" dirty="0" smtClean="0"/>
+              <a:t> 통해 </a:t>
+            </a:r>
+            <a:r>
+              <a:rPr lang="en-US" altLang="ko-KR" dirty="0" smtClean="0"/>
+              <a:t>html</a:t>
+            </a:r>
+            <a:r>
+              <a:rPr lang="ko-KR" altLang="en-US" dirty="0" smtClean="0"/>
+              <a:t>을 읽어 오므로</a:t>
+            </a:r>
+            <a:r>
+              <a:rPr lang="en-US" altLang="ko-KR" dirty="0" smtClean="0"/>
+              <a:t>, </a:t>
+            </a:r>
+            <a:r>
+              <a:rPr lang="ko-KR" altLang="en-US" dirty="0" smtClean="0"/>
+              <a:t>다른 작은 </a:t>
+            </a:r>
+            <a:r>
+              <a:rPr lang="en-US" altLang="ko-KR" dirty="0" smtClean="0"/>
+              <a:t>data</a:t>
+            </a:r>
+            <a:r>
+              <a:rPr lang="ko-KR" altLang="en-US" dirty="0" smtClean="0"/>
+              <a:t>들을 위해 </a:t>
+            </a:r>
+            <a:r>
+              <a:rPr lang="en-US" altLang="ko-KR" dirty="0" smtClean="0"/>
+              <a:t>database</a:t>
+            </a:r>
+            <a:r>
+              <a:rPr lang="ko-KR" altLang="en-US" dirty="0" smtClean="0"/>
+              <a:t>를 쓰는 것은 과하다고 판단했습니다</a:t>
+            </a:r>
+            <a:r>
+              <a:rPr lang="en-US" altLang="ko-KR" dirty="0" smtClean="0"/>
+              <a:t>. </a:t>
+            </a:r>
+            <a:r>
+              <a:rPr lang="ko-KR" altLang="en-US" dirty="0" smtClean="0"/>
+              <a:t>하지만 다른 </a:t>
+            </a:r>
+            <a:r>
+              <a:rPr lang="en-US" altLang="ko-KR" dirty="0" smtClean="0"/>
+              <a:t>Activity</a:t>
+            </a:r>
+            <a:r>
+              <a:rPr lang="ko-KR" altLang="en-US" dirty="0" smtClean="0"/>
+              <a:t>끼리 데이터를 주고 받는 작업은 필요했기에</a:t>
+            </a:r>
+            <a:r>
+              <a:rPr lang="en-US" altLang="ko-KR" dirty="0" smtClean="0"/>
+              <a:t>, </a:t>
+            </a:r>
+            <a:r>
+              <a:rPr lang="ko-KR" altLang="en-US" dirty="0" smtClean="0"/>
+              <a:t>이에 가장 최적화 된 것이 </a:t>
+            </a:r>
+            <a:r>
+              <a:rPr lang="en-US" altLang="ko-KR" dirty="0" err="1" smtClean="0"/>
+              <a:t>SharedPreferences</a:t>
+            </a:r>
+            <a:r>
+              <a:rPr lang="ko-KR" altLang="en-US" dirty="0" smtClean="0"/>
+              <a:t>였습니다</a:t>
+            </a:r>
+            <a:r>
+              <a:rPr lang="en-US" altLang="ko-KR" dirty="0" smtClean="0"/>
+              <a:t>. </a:t>
+            </a:r>
+            <a:r>
+              <a:rPr lang="ko-KR" altLang="en-US" dirty="0" smtClean="0"/>
+              <a:t>여기에 저장된 </a:t>
+            </a:r>
+            <a:r>
+              <a:rPr lang="en-US" altLang="ko-KR" dirty="0" smtClean="0"/>
+              <a:t>data</a:t>
+            </a:r>
+            <a:r>
+              <a:rPr lang="ko-KR" altLang="en-US" dirty="0" smtClean="0"/>
+              <a:t>들은 어플리케이션이 꺼져도 파일로 저장되어 있기 때문에 효율적인 데이터 관리를 할 수 있었습니다</a:t>
+            </a:r>
+            <a:r>
+              <a:rPr lang="en-US" altLang="ko-KR" dirty="0" smtClean="0"/>
+              <a:t>.</a:t>
+            </a:r>
+            <a:r>
+              <a:rPr lang="ko-KR" altLang="en-US" dirty="0" smtClean="0"/>
+              <a:t> </a:t>
+            </a:r>
+            <a:endParaRPr lang="ko-KR" altLang="en-US" dirty="0"/>
+          </a:p>
+        </p:txBody>
+      </p:sp>
+      <p:sp>
+        <p:nvSpPr>
+          <p:cNvPr id="4" name="슬라이드 번호 개체 틀 3"/>
+          <p:cNvSpPr>
+            <a:spLocks noGrp="1"/>
+          </p:cNvSpPr>
+          <p:nvPr>
+            <p:ph type="sldNum" sz="quarter" idx="10"/>
+          </p:nvPr>
+        </p:nvSpPr>
+        <p:spPr/>
+        <p:txBody>
+          <a:bodyPr/>
+          <a:lstStyle/>
+          <a:p>
+            <a:fld id="{520FA012-E42F-4B90-BA67-D8FB8B8ACD4E}" type="slidenum">
+              <a:rPr lang="ko-KR" altLang="en-US" smtClean="0"/>
+              <a:t>15</a:t>
+            </a:fld>
+            <a:endParaRPr lang="ko-KR" altLang="en-US"/>
+          </a:p>
+        </p:txBody>
+      </p:sp>
+    </p:spTree>
+    <p:extLst>
+      <p:ext uri="{BB962C8B-B14F-4D97-AF65-F5344CB8AC3E}">
+        <p14:creationId xmlns:p14="http://schemas.microsoft.com/office/powerpoint/2010/main" val="2288119797"/>
+      </p:ext>
+    </p:extLst>
+  </p:cSld>
+  <p:clrMapOvr>
+    <a:masterClrMapping/>
+  </p:clrMapOvr>
+</p:notes>
+</file>
+
+<file path=ppt/notesSlides/notesSlide16.xml><?xml version="1.0" encoding="utf-8"?>
+<p:notes xmlns:a="http://schemas.openxmlformats.org/drawingml/2006/main" xmlns:r="http://schemas.openxmlformats.org/officeDocument/2006/relationships" xmlns:p="http://schemas.openxmlformats.org/presentationml/2006/main">
+  <p:cSld>
+    <p:spTree>
+      <p:nvGrpSpPr>
+        <p:cNvPr id="1" name=""/>
+        <p:cNvGrpSpPr/>
+        <p:nvPr/>
+      </p:nvGrpSpPr>
+      <p:grpSpPr>
+        <a:xfrm>
+          <a:off x="0" y="0"/>
+          <a:ext cx="0" cy="0"/>
+          <a:chOff x="0" y="0"/>
+          <a:chExt cx="0" cy="0"/>
+        </a:xfrm>
+      </p:grpSpPr>
+      <p:sp>
+        <p:nvSpPr>
+          <p:cNvPr id="2" name="슬라이드 이미지 개체 틀 1"/>
+          <p:cNvSpPr>
+            <a:spLocks noGrp="1" noRot="1" noChangeAspect="1"/>
+          </p:cNvSpPr>
+          <p:nvPr>
+            <p:ph type="sldImg"/>
+          </p:nvPr>
+        </p:nvSpPr>
+        <p:spPr/>
+      </p:sp>
+      <p:sp>
+        <p:nvSpPr>
+          <p:cNvPr id="3" name="슬라이드 노트 개체 틀 2"/>
+          <p:cNvSpPr>
+            <a:spLocks noGrp="1"/>
+          </p:cNvSpPr>
+          <p:nvPr>
+            <p:ph type="body" idx="1"/>
+          </p:nvPr>
+        </p:nvSpPr>
+        <p:spPr/>
+        <p:txBody>
+          <a:bodyPr/>
+          <a:lstStyle/>
+          <a:p>
+            <a:r>
+              <a:rPr lang="ko-KR" altLang="en-US" dirty="0" smtClean="0"/>
+              <a:t>다음으로 프로젝트를 진행하면서 느낀 한계점과 앞으로의 계획에 대해 말씀드리겠습니다</a:t>
+            </a:r>
+            <a:r>
+              <a:rPr lang="en-US" altLang="ko-KR" dirty="0" smtClean="0"/>
+              <a:t>.</a:t>
+            </a:r>
+            <a:endParaRPr lang="ko-KR" altLang="en-US" dirty="0"/>
+          </a:p>
+        </p:txBody>
+      </p:sp>
+      <p:sp>
+        <p:nvSpPr>
+          <p:cNvPr id="4" name="슬라이드 번호 개체 틀 3"/>
+          <p:cNvSpPr>
+            <a:spLocks noGrp="1"/>
+          </p:cNvSpPr>
+          <p:nvPr>
+            <p:ph type="sldNum" sz="quarter" idx="10"/>
+          </p:nvPr>
+        </p:nvSpPr>
+        <p:spPr/>
+        <p:txBody>
+          <a:bodyPr/>
+          <a:lstStyle/>
+          <a:p>
+            <a:fld id="{520FA012-E42F-4B90-BA67-D8FB8B8ACD4E}" type="slidenum">
+              <a:rPr lang="ko-KR" altLang="en-US" smtClean="0"/>
+              <a:t>16</a:t>
+            </a:fld>
+            <a:endParaRPr lang="ko-KR" altLang="en-US"/>
+          </a:p>
+        </p:txBody>
+      </p:sp>
+    </p:spTree>
+    <p:extLst>
+      <p:ext uri="{BB962C8B-B14F-4D97-AF65-F5344CB8AC3E}">
+        <p14:creationId xmlns:p14="http://schemas.microsoft.com/office/powerpoint/2010/main" val="4098380499"/>
+      </p:ext>
+    </p:extLst>
+  </p:cSld>
+  <p:clrMapOvr>
+    <a:masterClrMapping/>
+  </p:clrMapOvr>
+</p:notes>
+</file>
+
+<file path=ppt/notesSlides/notesSlide17.xml><?xml version="1.0" encoding="utf-8"?>
+<p:notes xmlns:a="http://schemas.openxmlformats.org/drawingml/2006/main" xmlns:r="http://schemas.openxmlformats.org/officeDocument/2006/relationships" xmlns:p="http://schemas.openxmlformats.org/presentationml/2006/main">
+  <p:cSld>
+    <p:spTree>
+      <p:nvGrpSpPr>
+        <p:cNvPr id="1" name=""/>
+        <p:cNvGrpSpPr/>
+        <p:nvPr/>
+      </p:nvGrpSpPr>
+      <p:grpSpPr>
+        <a:xfrm>
+          <a:off x="0" y="0"/>
+          <a:ext cx="0" cy="0"/>
+          <a:chOff x="0" y="0"/>
+          <a:chExt cx="0" cy="0"/>
+        </a:xfrm>
+      </p:grpSpPr>
+      <p:sp>
+        <p:nvSpPr>
+          <p:cNvPr id="2" name="슬라이드 이미지 개체 틀 1"/>
+          <p:cNvSpPr>
+            <a:spLocks noGrp="1" noRot="1" noChangeAspect="1"/>
+          </p:cNvSpPr>
+          <p:nvPr>
+            <p:ph type="sldImg"/>
+          </p:nvPr>
+        </p:nvSpPr>
+        <p:spPr/>
+      </p:sp>
+      <p:sp>
+        <p:nvSpPr>
+          <p:cNvPr id="3" name="슬라이드 노트 개체 틀 2"/>
+          <p:cNvSpPr>
+            <a:spLocks noGrp="1"/>
+          </p:cNvSpPr>
+          <p:nvPr>
+            <p:ph type="body" idx="1"/>
+          </p:nvPr>
+        </p:nvSpPr>
+        <p:spPr/>
+        <p:txBody>
+          <a:bodyPr/>
+          <a:lstStyle/>
+          <a:p>
+            <a:r>
+              <a:rPr lang="ko-KR" altLang="en-US" dirty="0" smtClean="0"/>
+              <a:t>각 이미지의 </a:t>
+            </a:r>
+            <a:r>
+              <a:rPr lang="ko-KR" altLang="en-US" dirty="0" err="1" smtClean="0"/>
+              <a:t>좌측부분이</a:t>
+            </a:r>
+            <a:r>
+              <a:rPr lang="ko-KR" altLang="en-US" dirty="0" smtClean="0"/>
+              <a:t> 홈페이지에 로그인 하기 전 쿠키이고</a:t>
+            </a:r>
+            <a:r>
+              <a:rPr lang="en-US" altLang="ko-KR" dirty="0" smtClean="0"/>
+              <a:t>, </a:t>
+            </a:r>
+            <a:r>
+              <a:rPr lang="ko-KR" altLang="en-US" dirty="0" smtClean="0"/>
+              <a:t>우측 부분이 </a:t>
+            </a:r>
+            <a:r>
+              <a:rPr lang="ko-KR" altLang="en-US" dirty="0" err="1" smtClean="0"/>
+              <a:t>로그인을</a:t>
+            </a:r>
+            <a:r>
+              <a:rPr lang="ko-KR" altLang="en-US" dirty="0" smtClean="0"/>
+              <a:t> 한 후 쿠키입니다</a:t>
+            </a:r>
+            <a:r>
+              <a:rPr lang="en-US" altLang="ko-KR" dirty="0" smtClean="0"/>
+              <a:t>. </a:t>
+            </a:r>
+            <a:r>
+              <a:rPr lang="ko-KR" altLang="en-US" dirty="0" smtClean="0"/>
+              <a:t>보시다시피 </a:t>
+            </a:r>
+            <a:r>
+              <a:rPr lang="ko-KR" altLang="en-US" dirty="0" err="1" smtClean="0"/>
+              <a:t>쿠키값이</a:t>
+            </a:r>
+            <a:r>
+              <a:rPr lang="ko-KR" altLang="en-US" dirty="0" smtClean="0"/>
+              <a:t> 변경되지 않습니다</a:t>
+            </a:r>
+            <a:r>
+              <a:rPr lang="en-US" altLang="ko-KR" dirty="0" smtClean="0"/>
+              <a:t>. </a:t>
+            </a:r>
+            <a:r>
+              <a:rPr lang="ko-KR" altLang="en-US" dirty="0" smtClean="0"/>
+              <a:t>로그인 된 페이지에서 </a:t>
+            </a:r>
+            <a:r>
+              <a:rPr lang="ko-KR" altLang="en-US" dirty="0" err="1" smtClean="0"/>
+              <a:t>쿠키값을</a:t>
+            </a:r>
+            <a:r>
+              <a:rPr lang="ko-KR" altLang="en-US" dirty="0" smtClean="0"/>
+              <a:t> 전부 삭제한 뒤 페이지를 </a:t>
+            </a:r>
+            <a:r>
+              <a:rPr lang="ko-KR" altLang="en-US" dirty="0" err="1" smtClean="0"/>
+              <a:t>새로고침</a:t>
+            </a:r>
+            <a:r>
+              <a:rPr lang="ko-KR" altLang="en-US" dirty="0" smtClean="0"/>
+              <a:t> 해보아도</a:t>
+            </a:r>
+            <a:r>
+              <a:rPr lang="en-US" altLang="ko-KR" dirty="0" smtClean="0"/>
+              <a:t>, </a:t>
+            </a:r>
+            <a:r>
+              <a:rPr lang="ko-KR" altLang="en-US" dirty="0" smtClean="0"/>
+              <a:t>로그아웃이 되지 않았습니다</a:t>
+            </a:r>
+            <a:r>
+              <a:rPr lang="en-US" altLang="ko-KR" dirty="0" smtClean="0"/>
+              <a:t>. </a:t>
+            </a:r>
+            <a:r>
+              <a:rPr lang="ko-KR" altLang="en-US" dirty="0" smtClean="0"/>
+              <a:t>본질적으로 경희대의 포털 사이트가 </a:t>
+            </a:r>
+            <a:r>
+              <a:rPr lang="ko-KR" altLang="en-US" dirty="0" err="1" smtClean="0"/>
+              <a:t>쿠키값을</a:t>
+            </a:r>
+            <a:r>
+              <a:rPr lang="ko-KR" altLang="en-US" dirty="0" smtClean="0"/>
+              <a:t> 통해 로그인 정보를 저장하고 있지 않았습니다</a:t>
+            </a:r>
+            <a:r>
+              <a:rPr lang="en-US" altLang="ko-KR" dirty="0" smtClean="0"/>
+              <a:t>. </a:t>
+            </a:r>
+            <a:r>
+              <a:rPr lang="ko-KR" altLang="en-US" dirty="0" smtClean="0"/>
+              <a:t>제가 알아보기에 </a:t>
+            </a:r>
+            <a:r>
+              <a:rPr lang="en-US" altLang="ko-KR" dirty="0" err="1" smtClean="0"/>
+              <a:t>Jsoup</a:t>
+            </a:r>
+            <a:r>
+              <a:rPr lang="en-US" altLang="ko-KR" dirty="0" smtClean="0"/>
+              <a:t> </a:t>
+            </a:r>
+            <a:r>
+              <a:rPr lang="ko-KR" altLang="en-US" dirty="0" smtClean="0"/>
+              <a:t>같은 경우 </a:t>
+            </a:r>
+            <a:r>
+              <a:rPr lang="en-US" altLang="ko-KR" dirty="0" smtClean="0"/>
+              <a:t>cookie</a:t>
+            </a:r>
+            <a:r>
+              <a:rPr lang="ko-KR" altLang="en-US" dirty="0" smtClean="0"/>
+              <a:t>값을 통한 전달 밖에 안되었기에 현재는 </a:t>
+            </a:r>
+            <a:r>
+              <a:rPr lang="ko-KR" altLang="en-US" dirty="0" err="1" smtClean="0"/>
+              <a:t>로그인이</a:t>
+            </a:r>
+            <a:r>
+              <a:rPr lang="ko-KR" altLang="en-US" dirty="0" smtClean="0"/>
+              <a:t> 제대로 구현되지 않아 성적 </a:t>
+            </a:r>
+            <a:r>
+              <a:rPr lang="en-US" altLang="ko-KR" dirty="0" smtClean="0"/>
+              <a:t>html</a:t>
+            </a:r>
+            <a:r>
+              <a:rPr lang="ko-KR" altLang="en-US" dirty="0" smtClean="0"/>
+              <a:t>을 서버에 따로 올려놓고 </a:t>
+            </a:r>
+            <a:r>
+              <a:rPr lang="ko-KR" altLang="en-US" dirty="0" err="1" smtClean="0"/>
+              <a:t>파싱하여</a:t>
+            </a:r>
+            <a:r>
+              <a:rPr lang="ko-KR" altLang="en-US" dirty="0" smtClean="0"/>
+              <a:t> 사용하였습니다</a:t>
+            </a:r>
+            <a:r>
+              <a:rPr lang="en-US" altLang="ko-KR" dirty="0" smtClean="0"/>
+              <a:t>.</a:t>
+            </a:r>
+            <a:endParaRPr lang="ko-KR" altLang="en-US" dirty="0"/>
+          </a:p>
+        </p:txBody>
+      </p:sp>
+      <p:sp>
+        <p:nvSpPr>
+          <p:cNvPr id="4" name="슬라이드 번호 개체 틀 3"/>
+          <p:cNvSpPr>
+            <a:spLocks noGrp="1"/>
+          </p:cNvSpPr>
+          <p:nvPr>
+            <p:ph type="sldNum" sz="quarter" idx="10"/>
+          </p:nvPr>
+        </p:nvSpPr>
+        <p:spPr/>
+        <p:txBody>
+          <a:bodyPr/>
+          <a:lstStyle/>
+          <a:p>
+            <a:fld id="{520FA012-E42F-4B90-BA67-D8FB8B8ACD4E}" type="slidenum">
+              <a:rPr lang="ko-KR" altLang="en-US" smtClean="0"/>
+              <a:t>17</a:t>
+            </a:fld>
+            <a:endParaRPr lang="ko-KR" altLang="en-US"/>
+          </a:p>
+        </p:txBody>
+      </p:sp>
+    </p:spTree>
+    <p:extLst>
+      <p:ext uri="{BB962C8B-B14F-4D97-AF65-F5344CB8AC3E}">
+        <p14:creationId xmlns:p14="http://schemas.microsoft.com/office/powerpoint/2010/main" val="1972334700"/>
+      </p:ext>
+    </p:extLst>
+  </p:cSld>
+  <p:clrMapOvr>
+    <a:masterClrMapping/>
+  </p:clrMapOvr>
+</p:notes>
+</file>
+
+<file path=ppt/notesSlides/notesSlide18.xml><?xml version="1.0" encoding="utf-8"?>
+<p:notes xmlns:a="http://schemas.openxmlformats.org/drawingml/2006/main" xmlns:r="http://schemas.openxmlformats.org/officeDocument/2006/relationships" xmlns:p="http://schemas.openxmlformats.org/presentationml/2006/main">
+  <p:cSld>
+    <p:spTree>
+      <p:nvGrpSpPr>
+        <p:cNvPr id="1" name=""/>
+        <p:cNvGrpSpPr/>
+        <p:nvPr/>
+      </p:nvGrpSpPr>
+      <p:grpSpPr>
+        <a:xfrm>
+          <a:off x="0" y="0"/>
+          <a:ext cx="0" cy="0"/>
+          <a:chOff x="0" y="0"/>
+          <a:chExt cx="0" cy="0"/>
+        </a:xfrm>
+      </p:grpSpPr>
+      <p:sp>
+        <p:nvSpPr>
+          <p:cNvPr id="2" name="슬라이드 이미지 개체 틀 1"/>
+          <p:cNvSpPr>
+            <a:spLocks noGrp="1" noRot="1" noChangeAspect="1"/>
+          </p:cNvSpPr>
+          <p:nvPr>
+            <p:ph type="sldImg"/>
+          </p:nvPr>
+        </p:nvSpPr>
+        <p:spPr/>
+      </p:sp>
+      <p:sp>
+        <p:nvSpPr>
+          <p:cNvPr id="3" name="슬라이드 노트 개체 틀 2"/>
+          <p:cNvSpPr>
+            <a:spLocks noGrp="1"/>
+          </p:cNvSpPr>
+          <p:nvPr>
+            <p:ph type="body" idx="1"/>
+          </p:nvPr>
+        </p:nvSpPr>
+        <p:spPr/>
+        <p:txBody>
+          <a:bodyPr/>
+          <a:lstStyle/>
+          <a:p>
+            <a:r>
+              <a:rPr lang="ko-KR" altLang="en-US" dirty="0" smtClean="0"/>
+              <a:t>이러한 문제를 해결하기 위해 </a:t>
+            </a:r>
+            <a:r>
+              <a:rPr lang="en-US" altLang="ko-KR" baseline="0" dirty="0" smtClean="0"/>
+              <a:t> </a:t>
+            </a:r>
+            <a:r>
+              <a:rPr lang="ko-KR" altLang="en-US" baseline="0" dirty="0" err="1" smtClean="0"/>
+              <a:t>셀레니움의</a:t>
+            </a:r>
+            <a:r>
+              <a:rPr lang="ko-KR" altLang="en-US" baseline="0" dirty="0" smtClean="0"/>
+              <a:t> 안드로이드 버전인 </a:t>
+            </a:r>
+            <a:r>
+              <a:rPr lang="en-US" altLang="ko-KR" baseline="0" dirty="0" err="1" smtClean="0"/>
+              <a:t>s</a:t>
+            </a:r>
+            <a:r>
+              <a:rPr lang="en-US" altLang="ko-KR" dirty="0" err="1" smtClean="0"/>
+              <a:t>elendroid</a:t>
+            </a:r>
+            <a:r>
+              <a:rPr lang="ko-KR" altLang="en-US" dirty="0" smtClean="0"/>
+              <a:t>을 사용해볼 계획입니다</a:t>
+            </a:r>
+            <a:r>
+              <a:rPr lang="en-US" altLang="ko-KR" dirty="0" smtClean="0"/>
+              <a:t>. </a:t>
+            </a:r>
+            <a:r>
+              <a:rPr lang="ko-KR" altLang="en-US" dirty="0" smtClean="0"/>
+              <a:t>앞서 </a:t>
+            </a:r>
+            <a:r>
+              <a:rPr lang="ko-KR" altLang="en-US" dirty="0" err="1" smtClean="0"/>
+              <a:t>몇번</a:t>
+            </a:r>
+            <a:r>
+              <a:rPr lang="ko-KR" altLang="en-US" dirty="0" smtClean="0"/>
+              <a:t> 시도해보았는데 개발 환경을 맞추지 못하여 아직 제대로 써보지 못하였는데</a:t>
+            </a:r>
+            <a:r>
+              <a:rPr lang="en-US" altLang="ko-KR" dirty="0" smtClean="0"/>
+              <a:t>, </a:t>
+            </a:r>
+            <a:r>
+              <a:rPr lang="ko-KR" altLang="en-US" dirty="0" smtClean="0"/>
+              <a:t>이것을 사용하게 되면 </a:t>
+            </a:r>
+            <a:r>
+              <a:rPr lang="ko-KR" altLang="en-US" dirty="0" err="1" smtClean="0"/>
+              <a:t>웹페이지를</a:t>
+            </a:r>
+            <a:r>
+              <a:rPr lang="ko-KR" altLang="en-US" dirty="0" smtClean="0"/>
+              <a:t> 직접 동작시킬 수 있어서</a:t>
+            </a:r>
+            <a:r>
+              <a:rPr lang="en-US" altLang="ko-KR" dirty="0" smtClean="0"/>
+              <a:t>, </a:t>
+            </a:r>
+            <a:r>
+              <a:rPr lang="ko-KR" altLang="en-US" dirty="0" err="1" smtClean="0"/>
+              <a:t>자바코드로</a:t>
+            </a:r>
+            <a:r>
+              <a:rPr lang="ko-KR" altLang="en-US" dirty="0" smtClean="0"/>
+              <a:t> </a:t>
+            </a:r>
+            <a:r>
+              <a:rPr lang="en-US" altLang="ko-KR" dirty="0" smtClean="0"/>
+              <a:t>input</a:t>
+            </a:r>
+            <a:r>
+              <a:rPr lang="ko-KR" altLang="en-US" dirty="0" smtClean="0"/>
+              <a:t>값에 </a:t>
+            </a:r>
+            <a:r>
+              <a:rPr lang="en-US" altLang="ko-KR" dirty="0" smtClean="0"/>
+              <a:t>id</a:t>
+            </a:r>
+            <a:r>
+              <a:rPr lang="ko-KR" altLang="en-US" dirty="0" smtClean="0"/>
+              <a:t>와 패스워드를 넘기고 버튼을 클릭하여 </a:t>
+            </a:r>
+            <a:r>
+              <a:rPr lang="ko-KR" altLang="en-US" dirty="0" err="1" smtClean="0"/>
+              <a:t>로그인을</a:t>
+            </a:r>
+            <a:r>
+              <a:rPr lang="ko-KR" altLang="en-US" dirty="0" smtClean="0"/>
+              <a:t> 가상으로 진행할 수 있습니다</a:t>
+            </a:r>
+            <a:r>
+              <a:rPr lang="en-US" altLang="ko-KR" dirty="0" smtClean="0"/>
+              <a:t>. </a:t>
+            </a:r>
+            <a:r>
+              <a:rPr lang="ko-KR" altLang="en-US" dirty="0" smtClean="0"/>
+              <a:t>이것을 통해 </a:t>
+            </a:r>
+            <a:r>
+              <a:rPr lang="en-US" altLang="ko-KR" dirty="0" smtClean="0"/>
+              <a:t>html</a:t>
+            </a:r>
+            <a:r>
+              <a:rPr lang="ko-KR" altLang="en-US" dirty="0" smtClean="0"/>
+              <a:t>을 전부 가져올 계획입니다</a:t>
+            </a:r>
+            <a:r>
+              <a:rPr lang="en-US" altLang="ko-KR" dirty="0" smtClean="0"/>
+              <a:t>.</a:t>
+            </a:r>
+            <a:endParaRPr lang="ko-KR" altLang="en-US" dirty="0"/>
+          </a:p>
+        </p:txBody>
+      </p:sp>
+      <p:sp>
+        <p:nvSpPr>
+          <p:cNvPr id="4" name="슬라이드 번호 개체 틀 3"/>
+          <p:cNvSpPr>
+            <a:spLocks noGrp="1"/>
+          </p:cNvSpPr>
+          <p:nvPr>
+            <p:ph type="sldNum" sz="quarter" idx="10"/>
+          </p:nvPr>
+        </p:nvSpPr>
+        <p:spPr/>
+        <p:txBody>
+          <a:bodyPr/>
+          <a:lstStyle/>
+          <a:p>
+            <a:fld id="{520FA012-E42F-4B90-BA67-D8FB8B8ACD4E}" type="slidenum">
+              <a:rPr lang="ko-KR" altLang="en-US" smtClean="0"/>
+              <a:t>18</a:t>
+            </a:fld>
+            <a:endParaRPr lang="ko-KR" altLang="en-US"/>
+          </a:p>
+        </p:txBody>
+      </p:sp>
+    </p:spTree>
+    <p:extLst>
+      <p:ext uri="{BB962C8B-B14F-4D97-AF65-F5344CB8AC3E}">
+        <p14:creationId xmlns:p14="http://schemas.microsoft.com/office/powerpoint/2010/main" val="113870876"/>
+      </p:ext>
+    </p:extLst>
+  </p:cSld>
+  <p:clrMapOvr>
+    <a:masterClrMapping/>
+  </p:clrMapOvr>
+</p:notes>
+</file>
+
+<file path=ppt/notesSlides/notesSlide19.xml><?xml version="1.0" encoding="utf-8"?>
+<p:notes xmlns:a="http://schemas.openxmlformats.org/drawingml/2006/main" xmlns:r="http://schemas.openxmlformats.org/officeDocument/2006/relationships" xmlns:p="http://schemas.openxmlformats.org/presentationml/2006/main">
+  <p:cSld>
+    <p:spTree>
+      <p:nvGrpSpPr>
+        <p:cNvPr id="1" name=""/>
+        <p:cNvGrpSpPr/>
+        <p:nvPr/>
+      </p:nvGrpSpPr>
+      <p:grpSpPr>
+        <a:xfrm>
+          <a:off x="0" y="0"/>
+          <a:ext cx="0" cy="0"/>
+          <a:chOff x="0" y="0"/>
+          <a:chExt cx="0" cy="0"/>
+        </a:xfrm>
+      </p:grpSpPr>
+      <p:sp>
+        <p:nvSpPr>
+          <p:cNvPr id="2" name="슬라이드 이미지 개체 틀 1"/>
+          <p:cNvSpPr>
+            <a:spLocks noGrp="1" noRot="1" noChangeAspect="1"/>
+          </p:cNvSpPr>
+          <p:nvPr>
+            <p:ph type="sldImg"/>
+          </p:nvPr>
+        </p:nvSpPr>
+        <p:spPr/>
+      </p:sp>
+      <p:sp>
+        <p:nvSpPr>
+          <p:cNvPr id="3" name="슬라이드 노트 개체 틀 2"/>
+          <p:cNvSpPr>
+            <a:spLocks noGrp="1"/>
+          </p:cNvSpPr>
+          <p:nvPr>
+            <p:ph type="body" idx="1"/>
+          </p:nvPr>
+        </p:nvSpPr>
+        <p:spPr/>
+        <p:txBody>
+          <a:bodyPr/>
+          <a:lstStyle/>
+          <a:p>
+            <a:r>
+              <a:rPr lang="ko-KR" altLang="en-US" dirty="0" smtClean="0"/>
+              <a:t>두번째 문제로는 </a:t>
+            </a:r>
+            <a:r>
+              <a:rPr lang="ko-KR" altLang="en-US" dirty="0" err="1" smtClean="0"/>
+              <a:t>금학기</a:t>
+            </a:r>
+            <a:r>
+              <a:rPr lang="ko-KR" altLang="en-US" dirty="0" smtClean="0"/>
+              <a:t> 학점이 하나도 올라오지 않았습니다</a:t>
+            </a:r>
+            <a:r>
+              <a:rPr lang="en-US" altLang="ko-KR" dirty="0" smtClean="0"/>
+              <a:t>. </a:t>
+            </a:r>
+            <a:r>
+              <a:rPr lang="ko-KR" altLang="en-US" dirty="0" smtClean="0"/>
+              <a:t>검사를 통해서도 성적이 </a:t>
+            </a:r>
+            <a:r>
+              <a:rPr lang="ko-KR" altLang="en-US" dirty="0" err="1" smtClean="0"/>
+              <a:t>있을시</a:t>
+            </a:r>
+            <a:r>
+              <a:rPr lang="ko-KR" altLang="en-US" dirty="0" smtClean="0"/>
+              <a:t> 태그의 내용을 분석하기가 힘들어서 </a:t>
+            </a:r>
+            <a:r>
+              <a:rPr lang="ko-KR" altLang="en-US" dirty="0" err="1" smtClean="0"/>
+              <a:t>금학기</a:t>
+            </a:r>
+            <a:r>
+              <a:rPr lang="ko-KR" altLang="en-US" dirty="0" smtClean="0"/>
+              <a:t> 성적 조회는 아직 개발하지 못하였습니다</a:t>
+            </a:r>
+            <a:r>
+              <a:rPr lang="en-US" altLang="ko-KR" dirty="0" smtClean="0"/>
+              <a:t>. </a:t>
+            </a:r>
+            <a:r>
+              <a:rPr lang="ko-KR" altLang="en-US" dirty="0" smtClean="0"/>
+              <a:t>성적이 하나만 올라오면 진행할 수 있는 부분이라 </a:t>
+            </a:r>
+            <a:r>
+              <a:rPr lang="ko-KR" altLang="en-US" dirty="0" err="1" smtClean="0"/>
+              <a:t>필요한것은</a:t>
+            </a:r>
+            <a:r>
+              <a:rPr lang="ko-KR" altLang="en-US" dirty="0" smtClean="0"/>
+              <a:t> </a:t>
+            </a:r>
+            <a:r>
+              <a:rPr lang="ko-KR" altLang="en-US" dirty="0" err="1" smtClean="0"/>
+              <a:t>시간뿐입니다</a:t>
+            </a:r>
+            <a:r>
+              <a:rPr lang="en-US" altLang="ko-KR" dirty="0" smtClean="0"/>
+              <a:t>.</a:t>
+            </a:r>
+            <a:endParaRPr lang="ko-KR" altLang="en-US" dirty="0"/>
+          </a:p>
+        </p:txBody>
+      </p:sp>
+      <p:sp>
+        <p:nvSpPr>
+          <p:cNvPr id="4" name="슬라이드 번호 개체 틀 3"/>
+          <p:cNvSpPr>
+            <a:spLocks noGrp="1"/>
+          </p:cNvSpPr>
+          <p:nvPr>
+            <p:ph type="sldNum" sz="quarter" idx="10"/>
+          </p:nvPr>
+        </p:nvSpPr>
+        <p:spPr/>
+        <p:txBody>
+          <a:bodyPr/>
+          <a:lstStyle/>
+          <a:p>
+            <a:fld id="{520FA012-E42F-4B90-BA67-D8FB8B8ACD4E}" type="slidenum">
+              <a:rPr lang="ko-KR" altLang="en-US" smtClean="0"/>
+              <a:t>19</a:t>
+            </a:fld>
+            <a:endParaRPr lang="ko-KR" altLang="en-US"/>
+          </a:p>
+        </p:txBody>
+      </p:sp>
+    </p:spTree>
+    <p:extLst>
+      <p:ext uri="{BB962C8B-B14F-4D97-AF65-F5344CB8AC3E}">
+        <p14:creationId xmlns:p14="http://schemas.microsoft.com/office/powerpoint/2010/main" val="448919241"/>
+      </p:ext>
+    </p:extLst>
+  </p:cSld>
+  <p:clrMapOvr>
+    <a:masterClrMapping/>
+  </p:clrMapOvr>
+</p:notes>
+</file>
+
+<file path=ppt/notesSlides/notesSlide2.xml><?xml version="1.0" encoding="utf-8"?>
+<p:notes xmlns:a="http://schemas.openxmlformats.org/drawingml/2006/main" xmlns:r="http://schemas.openxmlformats.org/officeDocument/2006/relationships" xmlns:p="http://schemas.openxmlformats.org/presentationml/2006/main">
+  <p:cSld>
+    <p:spTree>
+      <p:nvGrpSpPr>
+        <p:cNvPr id="1" name=""/>
+        <p:cNvGrpSpPr/>
+        <p:nvPr/>
+      </p:nvGrpSpPr>
+      <p:grpSpPr>
+        <a:xfrm>
+          <a:off x="0" y="0"/>
+          <a:ext cx="0" cy="0"/>
+          <a:chOff x="0" y="0"/>
+          <a:chExt cx="0" cy="0"/>
+        </a:xfrm>
+      </p:grpSpPr>
+      <p:sp>
+        <p:nvSpPr>
+          <p:cNvPr id="2" name="슬라이드 이미지 개체 틀 1"/>
+          <p:cNvSpPr>
+            <a:spLocks noGrp="1" noRot="1" noChangeAspect="1"/>
+          </p:cNvSpPr>
+          <p:nvPr>
+            <p:ph type="sldImg"/>
+          </p:nvPr>
+        </p:nvSpPr>
+        <p:spPr/>
+      </p:sp>
+      <p:sp>
+        <p:nvSpPr>
+          <p:cNvPr id="3" name="슬라이드 노트 개체 틀 2"/>
+          <p:cNvSpPr>
+            <a:spLocks noGrp="1"/>
+          </p:cNvSpPr>
+          <p:nvPr>
+            <p:ph type="body" idx="1"/>
+          </p:nvPr>
+        </p:nvSpPr>
+        <p:spPr/>
+        <p:txBody>
+          <a:bodyPr/>
+          <a:lstStyle/>
+          <a:p>
+            <a:r>
+              <a:rPr lang="ko-KR" altLang="en-US" dirty="0" smtClean="0"/>
+              <a:t>발표 순서는 제가 진행한 프로젝트의 필요성을 먼저 설명하고</a:t>
+            </a:r>
+            <a:r>
+              <a:rPr lang="en-US" altLang="ko-KR" dirty="0" smtClean="0"/>
+              <a:t>, </a:t>
+            </a:r>
+            <a:r>
+              <a:rPr lang="ko-KR" altLang="en-US" dirty="0" smtClean="0"/>
+              <a:t>프로젝트 개요</a:t>
+            </a:r>
+            <a:r>
+              <a:rPr lang="en-US" altLang="ko-KR" dirty="0" smtClean="0"/>
+              <a:t>, </a:t>
+            </a:r>
+            <a:r>
+              <a:rPr lang="ko-KR" altLang="en-US" dirty="0" smtClean="0"/>
+              <a:t>구현 방법</a:t>
+            </a:r>
+            <a:r>
+              <a:rPr lang="en-US" altLang="ko-KR" dirty="0" smtClean="0"/>
+              <a:t>, </a:t>
+            </a:r>
+            <a:r>
+              <a:rPr lang="ko-KR" altLang="en-US" dirty="0" smtClean="0"/>
+              <a:t>한계점 및 향후 계획을 발표한 뒤 시연을 하겠습니다</a:t>
+            </a:r>
+            <a:r>
+              <a:rPr lang="en-US" altLang="ko-KR" dirty="0" smtClean="0"/>
+              <a:t>.</a:t>
+            </a:r>
+            <a:endParaRPr lang="ko-KR" altLang="en-US" dirty="0"/>
+          </a:p>
+        </p:txBody>
+      </p:sp>
+      <p:sp>
+        <p:nvSpPr>
+          <p:cNvPr id="4" name="슬라이드 번호 개체 틀 3"/>
+          <p:cNvSpPr>
+            <a:spLocks noGrp="1"/>
+          </p:cNvSpPr>
+          <p:nvPr>
+            <p:ph type="sldNum" sz="quarter" idx="10"/>
+          </p:nvPr>
+        </p:nvSpPr>
+        <p:spPr/>
+        <p:txBody>
+          <a:bodyPr/>
+          <a:lstStyle/>
+          <a:p>
+            <a:fld id="{520FA012-E42F-4B90-BA67-D8FB8B8ACD4E}" type="slidenum">
+              <a:rPr lang="ko-KR" altLang="en-US" smtClean="0"/>
+              <a:t>2</a:t>
+            </a:fld>
+            <a:endParaRPr lang="ko-KR" altLang="en-US"/>
+          </a:p>
+        </p:txBody>
+      </p:sp>
+    </p:spTree>
+    <p:extLst>
+      <p:ext uri="{BB962C8B-B14F-4D97-AF65-F5344CB8AC3E}">
+        <p14:creationId xmlns:p14="http://schemas.microsoft.com/office/powerpoint/2010/main" val="3178202054"/>
+      </p:ext>
+    </p:extLst>
+  </p:cSld>
+  <p:clrMapOvr>
+    <a:masterClrMapping/>
+  </p:clrMapOvr>
+</p:notes>
+</file>
+
+<file path=ppt/notesSlides/notesSlide20.xml><?xml version="1.0" encoding="utf-8"?>
+<p:notes xmlns:a="http://schemas.openxmlformats.org/drawingml/2006/main" xmlns:r="http://schemas.openxmlformats.org/officeDocument/2006/relationships" xmlns:p="http://schemas.openxmlformats.org/presentationml/2006/main">
+  <p:cSld>
+    <p:spTree>
+      <p:nvGrpSpPr>
+        <p:cNvPr id="1" name=""/>
+        <p:cNvGrpSpPr/>
+        <p:nvPr/>
+      </p:nvGrpSpPr>
+      <p:grpSpPr>
+        <a:xfrm>
+          <a:off x="0" y="0"/>
+          <a:ext cx="0" cy="0"/>
+          <a:chOff x="0" y="0"/>
+          <a:chExt cx="0" cy="0"/>
+        </a:xfrm>
+      </p:grpSpPr>
+      <p:sp>
+        <p:nvSpPr>
+          <p:cNvPr id="2" name="슬라이드 이미지 개체 틀 1"/>
+          <p:cNvSpPr>
+            <a:spLocks noGrp="1" noRot="1" noChangeAspect="1"/>
+          </p:cNvSpPr>
+          <p:nvPr>
+            <p:ph type="sldImg"/>
+          </p:nvPr>
+        </p:nvSpPr>
+        <p:spPr/>
+      </p:sp>
+      <p:sp>
+        <p:nvSpPr>
+          <p:cNvPr id="3" name="슬라이드 노트 개체 틀 2"/>
+          <p:cNvSpPr>
+            <a:spLocks noGrp="1"/>
+          </p:cNvSpPr>
+          <p:nvPr>
+            <p:ph type="body" idx="1"/>
+          </p:nvPr>
+        </p:nvSpPr>
+        <p:spPr/>
+        <p:txBody>
+          <a:bodyPr/>
+          <a:lstStyle/>
+          <a:p>
+            <a:r>
+              <a:rPr lang="ko-KR" altLang="en-US" dirty="0" smtClean="0"/>
+              <a:t>앞으로의 목표는</a:t>
+            </a:r>
+            <a:r>
+              <a:rPr lang="ko-KR" altLang="en-US" baseline="0" dirty="0" smtClean="0"/>
+              <a:t> </a:t>
+            </a:r>
+            <a:r>
+              <a:rPr lang="ko-KR" altLang="en-US" dirty="0" smtClean="0"/>
+              <a:t>성적 공시 기간 이내에 개발을 완료하는 것입니다</a:t>
+            </a:r>
+            <a:r>
+              <a:rPr lang="en-US" altLang="ko-KR" dirty="0" smtClean="0"/>
+              <a:t>. </a:t>
+            </a:r>
+            <a:r>
+              <a:rPr lang="ko-KR" altLang="en-US" dirty="0" smtClean="0"/>
+              <a:t>이게 좀 성공적으로 </a:t>
+            </a:r>
+            <a:r>
+              <a:rPr lang="ko-KR" altLang="en-US" dirty="0" err="1" smtClean="0"/>
+              <a:t>이루어질시</a:t>
+            </a:r>
+            <a:r>
+              <a:rPr lang="en-US" altLang="ko-KR" dirty="0" smtClean="0"/>
+              <a:t>, </a:t>
+            </a:r>
+            <a:r>
+              <a:rPr lang="en-US" altLang="ko-KR" dirty="0" err="1" smtClean="0"/>
+              <a:t>PlayStore</a:t>
+            </a:r>
+            <a:r>
+              <a:rPr lang="ko-KR" altLang="en-US" dirty="0" smtClean="0"/>
+              <a:t>에 올릴 계획도 갖고 있습니다</a:t>
+            </a:r>
+            <a:r>
+              <a:rPr lang="en-US" altLang="ko-KR" dirty="0" smtClean="0"/>
+              <a:t>. </a:t>
+            </a:r>
+            <a:endParaRPr lang="ko-KR" altLang="en-US" dirty="0"/>
+          </a:p>
+        </p:txBody>
+      </p:sp>
+      <p:sp>
+        <p:nvSpPr>
+          <p:cNvPr id="4" name="슬라이드 번호 개체 틀 3"/>
+          <p:cNvSpPr>
+            <a:spLocks noGrp="1"/>
+          </p:cNvSpPr>
+          <p:nvPr>
+            <p:ph type="sldNum" sz="quarter" idx="10"/>
+          </p:nvPr>
+        </p:nvSpPr>
+        <p:spPr/>
+        <p:txBody>
+          <a:bodyPr/>
+          <a:lstStyle/>
+          <a:p>
+            <a:fld id="{520FA012-E42F-4B90-BA67-D8FB8B8ACD4E}" type="slidenum">
+              <a:rPr lang="ko-KR" altLang="en-US" smtClean="0"/>
+              <a:t>20</a:t>
+            </a:fld>
+            <a:endParaRPr lang="ko-KR" altLang="en-US"/>
+          </a:p>
+        </p:txBody>
+      </p:sp>
+    </p:spTree>
+    <p:extLst>
+      <p:ext uri="{BB962C8B-B14F-4D97-AF65-F5344CB8AC3E}">
+        <p14:creationId xmlns:p14="http://schemas.microsoft.com/office/powerpoint/2010/main" val="1111378212"/>
+      </p:ext>
+    </p:extLst>
+  </p:cSld>
+  <p:clrMapOvr>
+    <a:masterClrMapping/>
+  </p:clrMapOvr>
+</p:notes>
+</file>
+
+<file path=ppt/notesSlides/notesSlide21.xml><?xml version="1.0" encoding="utf-8"?>
+<p:notes xmlns:a="http://schemas.openxmlformats.org/drawingml/2006/main" xmlns:r="http://schemas.openxmlformats.org/officeDocument/2006/relationships" xmlns:p="http://schemas.openxmlformats.org/presentationml/2006/main">
+  <p:cSld>
+    <p:spTree>
+      <p:nvGrpSpPr>
+        <p:cNvPr id="1" name=""/>
+        <p:cNvGrpSpPr/>
+        <p:nvPr/>
+      </p:nvGrpSpPr>
+      <p:grpSpPr>
+        <a:xfrm>
+          <a:off x="0" y="0"/>
+          <a:ext cx="0" cy="0"/>
+          <a:chOff x="0" y="0"/>
+          <a:chExt cx="0" cy="0"/>
+        </a:xfrm>
+      </p:grpSpPr>
+      <p:sp>
+        <p:nvSpPr>
+          <p:cNvPr id="2" name="슬라이드 이미지 개체 틀 1"/>
+          <p:cNvSpPr>
+            <a:spLocks noGrp="1" noRot="1" noChangeAspect="1"/>
+          </p:cNvSpPr>
+          <p:nvPr>
+            <p:ph type="sldImg"/>
+          </p:nvPr>
+        </p:nvSpPr>
+        <p:spPr/>
+      </p:sp>
+      <p:sp>
+        <p:nvSpPr>
+          <p:cNvPr id="3" name="슬라이드 노트 개체 틀 2"/>
+          <p:cNvSpPr>
+            <a:spLocks noGrp="1"/>
+          </p:cNvSpPr>
+          <p:nvPr>
+            <p:ph type="body" idx="1"/>
+          </p:nvPr>
+        </p:nvSpPr>
+        <p:spPr/>
+        <p:txBody>
+          <a:bodyPr/>
+          <a:lstStyle/>
+          <a:p>
+            <a:r>
+              <a:rPr lang="ko-KR" altLang="en-US" dirty="0" smtClean="0"/>
+              <a:t>시연하겠습니다</a:t>
+            </a:r>
+            <a:r>
+              <a:rPr lang="en-US" altLang="ko-KR" dirty="0" smtClean="0"/>
+              <a:t>.</a:t>
+            </a:r>
+            <a:endParaRPr lang="ko-KR" altLang="en-US" dirty="0"/>
+          </a:p>
+        </p:txBody>
+      </p:sp>
+      <p:sp>
+        <p:nvSpPr>
+          <p:cNvPr id="4" name="슬라이드 번호 개체 틀 3"/>
+          <p:cNvSpPr>
+            <a:spLocks noGrp="1"/>
+          </p:cNvSpPr>
+          <p:nvPr>
+            <p:ph type="sldNum" sz="quarter" idx="10"/>
+          </p:nvPr>
+        </p:nvSpPr>
+        <p:spPr/>
+        <p:txBody>
+          <a:bodyPr/>
+          <a:lstStyle/>
+          <a:p>
+            <a:fld id="{520FA012-E42F-4B90-BA67-D8FB8B8ACD4E}" type="slidenum">
+              <a:rPr lang="ko-KR" altLang="en-US" smtClean="0"/>
+              <a:t>21</a:t>
+            </a:fld>
+            <a:endParaRPr lang="ko-KR" altLang="en-US"/>
+          </a:p>
+        </p:txBody>
+      </p:sp>
+    </p:spTree>
+    <p:extLst>
+      <p:ext uri="{BB962C8B-B14F-4D97-AF65-F5344CB8AC3E}">
+        <p14:creationId xmlns:p14="http://schemas.microsoft.com/office/powerpoint/2010/main" val="3256186600"/>
+      </p:ext>
+    </p:extLst>
+  </p:cSld>
+  <p:clrMapOvr>
+    <a:masterClrMapping/>
+  </p:clrMapOvr>
+</p:notes>
+</file>
+
+<file path=ppt/notesSlides/notesSlide22.xml><?xml version="1.0" encoding="utf-8"?>
+<p:notes xmlns:a="http://schemas.openxmlformats.org/drawingml/2006/main" xmlns:r="http://schemas.openxmlformats.org/officeDocument/2006/relationships" xmlns:p="http://schemas.openxmlformats.org/presentationml/2006/main">
+  <p:cSld>
+    <p:spTree>
+      <p:nvGrpSpPr>
+        <p:cNvPr id="1" name=""/>
+        <p:cNvGrpSpPr/>
+        <p:nvPr/>
+      </p:nvGrpSpPr>
+      <p:grpSpPr>
+        <a:xfrm>
+          <a:off x="0" y="0"/>
+          <a:ext cx="0" cy="0"/>
+          <a:chOff x="0" y="0"/>
+          <a:chExt cx="0" cy="0"/>
+        </a:xfrm>
+      </p:grpSpPr>
+      <p:sp>
+        <p:nvSpPr>
+          <p:cNvPr id="2" name="슬라이드 이미지 개체 틀 1"/>
+          <p:cNvSpPr>
+            <a:spLocks noGrp="1" noRot="1" noChangeAspect="1"/>
+          </p:cNvSpPr>
+          <p:nvPr>
+            <p:ph type="sldImg"/>
+          </p:nvPr>
+        </p:nvSpPr>
+        <p:spPr/>
+      </p:sp>
+      <p:sp>
+        <p:nvSpPr>
+          <p:cNvPr id="3" name="슬라이드 노트 개체 틀 2"/>
+          <p:cNvSpPr>
+            <a:spLocks noGrp="1"/>
+          </p:cNvSpPr>
+          <p:nvPr>
+            <p:ph type="body" idx="1"/>
+          </p:nvPr>
+        </p:nvSpPr>
+        <p:spPr/>
+        <p:txBody>
+          <a:bodyPr/>
+          <a:lstStyle/>
+          <a:p>
+            <a:endParaRPr lang="ko-KR" altLang="en-US"/>
+          </a:p>
+        </p:txBody>
+      </p:sp>
+      <p:sp>
+        <p:nvSpPr>
+          <p:cNvPr id="4" name="슬라이드 번호 개체 틀 3"/>
+          <p:cNvSpPr>
+            <a:spLocks noGrp="1"/>
+          </p:cNvSpPr>
+          <p:nvPr>
+            <p:ph type="sldNum" sz="quarter" idx="10"/>
+          </p:nvPr>
+        </p:nvSpPr>
+        <p:spPr/>
+        <p:txBody>
+          <a:bodyPr/>
+          <a:lstStyle/>
+          <a:p>
+            <a:fld id="{520FA012-E42F-4B90-BA67-D8FB8B8ACD4E}" type="slidenum">
+              <a:rPr lang="ko-KR" altLang="en-US" smtClean="0"/>
+              <a:t>22</a:t>
+            </a:fld>
+            <a:endParaRPr lang="ko-KR" altLang="en-US"/>
+          </a:p>
+        </p:txBody>
+      </p:sp>
+    </p:spTree>
+    <p:extLst>
+      <p:ext uri="{BB962C8B-B14F-4D97-AF65-F5344CB8AC3E}">
+        <p14:creationId xmlns:p14="http://schemas.microsoft.com/office/powerpoint/2010/main" val="510021572"/>
+      </p:ext>
+    </p:extLst>
+  </p:cSld>
+  <p:clrMapOvr>
+    <a:masterClrMapping/>
+  </p:clrMapOvr>
+</p:notes>
+</file>
+
+<file path=ppt/notesSlides/notesSlide3.xml><?xml version="1.0" encoding="utf-8"?>
+<p:notes xmlns:a="http://schemas.openxmlformats.org/drawingml/2006/main" xmlns:r="http://schemas.openxmlformats.org/officeDocument/2006/relationships" xmlns:p="http://schemas.openxmlformats.org/presentationml/2006/main">
+  <p:cSld>
+    <p:spTree>
+      <p:nvGrpSpPr>
+        <p:cNvPr id="1" name=""/>
+        <p:cNvGrpSpPr/>
+        <p:nvPr/>
+      </p:nvGrpSpPr>
+      <p:grpSpPr>
+        <a:xfrm>
+          <a:off x="0" y="0"/>
+          <a:ext cx="0" cy="0"/>
+          <a:chOff x="0" y="0"/>
+          <a:chExt cx="0" cy="0"/>
+        </a:xfrm>
+      </p:grpSpPr>
+      <p:sp>
+        <p:nvSpPr>
+          <p:cNvPr id="2" name="슬라이드 이미지 개체 틀 1"/>
+          <p:cNvSpPr>
+            <a:spLocks noGrp="1" noRot="1" noChangeAspect="1"/>
+          </p:cNvSpPr>
+          <p:nvPr>
+            <p:ph type="sldImg"/>
+          </p:nvPr>
+        </p:nvSpPr>
+        <p:spPr/>
+      </p:sp>
+      <p:sp>
+        <p:nvSpPr>
+          <p:cNvPr id="3" name="슬라이드 노트 개체 틀 2"/>
+          <p:cNvSpPr>
+            <a:spLocks noGrp="1"/>
+          </p:cNvSpPr>
+          <p:nvPr>
+            <p:ph type="body" idx="1"/>
+          </p:nvPr>
+        </p:nvSpPr>
+        <p:spPr/>
+        <p:txBody>
+          <a:bodyPr/>
+          <a:lstStyle/>
+          <a:p>
+            <a:r>
+              <a:rPr lang="ko-KR" altLang="en-US" dirty="0" smtClean="0"/>
+              <a:t>프로젝트의</a:t>
+            </a:r>
+            <a:r>
+              <a:rPr lang="ko-KR" altLang="en-US" baseline="0" dirty="0" smtClean="0"/>
+              <a:t> 필요성입니다</a:t>
+            </a:r>
+            <a:r>
+              <a:rPr lang="en-US" altLang="ko-KR" baseline="0" dirty="0" smtClean="0"/>
+              <a:t>.</a:t>
+            </a:r>
+            <a:endParaRPr lang="ko-KR" altLang="en-US" dirty="0"/>
+          </a:p>
+        </p:txBody>
+      </p:sp>
+      <p:sp>
+        <p:nvSpPr>
+          <p:cNvPr id="4" name="슬라이드 번호 개체 틀 3"/>
+          <p:cNvSpPr>
+            <a:spLocks noGrp="1"/>
+          </p:cNvSpPr>
+          <p:nvPr>
+            <p:ph type="sldNum" sz="quarter" idx="10"/>
+          </p:nvPr>
+        </p:nvSpPr>
+        <p:spPr/>
+        <p:txBody>
+          <a:bodyPr/>
+          <a:lstStyle/>
+          <a:p>
+            <a:fld id="{520FA012-E42F-4B90-BA67-D8FB8B8ACD4E}" type="slidenum">
+              <a:rPr lang="ko-KR" altLang="en-US" smtClean="0"/>
+              <a:t>3</a:t>
+            </a:fld>
+            <a:endParaRPr lang="ko-KR" altLang="en-US"/>
+          </a:p>
+        </p:txBody>
+      </p:sp>
+    </p:spTree>
+    <p:extLst>
+      <p:ext uri="{BB962C8B-B14F-4D97-AF65-F5344CB8AC3E}">
+        <p14:creationId xmlns:p14="http://schemas.microsoft.com/office/powerpoint/2010/main" val="2642314990"/>
+      </p:ext>
+    </p:extLst>
+  </p:cSld>
+  <p:clrMapOvr>
+    <a:masterClrMapping/>
+  </p:clrMapOvr>
+</p:notes>
+</file>
+
+<file path=ppt/notesSlides/notesSlide4.xml><?xml version="1.0" encoding="utf-8"?>
+<p:notes xmlns:a="http://schemas.openxmlformats.org/drawingml/2006/main" xmlns:r="http://schemas.openxmlformats.org/officeDocument/2006/relationships" xmlns:p="http://schemas.openxmlformats.org/presentationml/2006/main">
+  <p:cSld>
+    <p:spTree>
+      <p:nvGrpSpPr>
+        <p:cNvPr id="1" name=""/>
+        <p:cNvGrpSpPr/>
+        <p:nvPr/>
+      </p:nvGrpSpPr>
+      <p:grpSpPr>
+        <a:xfrm>
+          <a:off x="0" y="0"/>
+          <a:ext cx="0" cy="0"/>
+          <a:chOff x="0" y="0"/>
+          <a:chExt cx="0" cy="0"/>
+        </a:xfrm>
+      </p:grpSpPr>
+      <p:sp>
+        <p:nvSpPr>
+          <p:cNvPr id="2" name="슬라이드 이미지 개체 틀 1"/>
+          <p:cNvSpPr>
+            <a:spLocks noGrp="1" noRot="1" noChangeAspect="1"/>
+          </p:cNvSpPr>
+          <p:nvPr>
+            <p:ph type="sldImg"/>
+          </p:nvPr>
+        </p:nvSpPr>
+        <p:spPr/>
+      </p:sp>
+      <p:sp>
+        <p:nvSpPr>
+          <p:cNvPr id="3" name="슬라이드 노트 개체 틀 2"/>
+          <p:cNvSpPr>
+            <a:spLocks noGrp="1"/>
+          </p:cNvSpPr>
+          <p:nvPr>
+            <p:ph type="body" idx="1"/>
+          </p:nvPr>
+        </p:nvSpPr>
+        <p:spPr/>
+        <p:txBody>
+          <a:bodyPr/>
+          <a:lstStyle/>
+          <a:p>
+            <a:r>
+              <a:rPr lang="ko-KR" altLang="en-US" dirty="0" smtClean="0"/>
+              <a:t>현재 저희 학교에서 성적을 조회하기 위해서는</a:t>
+            </a:r>
+            <a:r>
+              <a:rPr lang="en-US" altLang="ko-KR" dirty="0" smtClean="0"/>
+              <a:t>, </a:t>
+            </a:r>
+            <a:r>
+              <a:rPr lang="ko-KR" altLang="en-US" dirty="0" smtClean="0"/>
+              <a:t>화면에 보이는 것</a:t>
+            </a:r>
+            <a:r>
+              <a:rPr lang="ko-KR" altLang="en-US" baseline="0" dirty="0" smtClean="0"/>
+              <a:t> 처럼 포털사이트에 로그인 한 뒤</a:t>
+            </a:r>
+            <a:r>
+              <a:rPr lang="en-US" altLang="ko-KR" baseline="0" dirty="0" smtClean="0"/>
+              <a:t>, </a:t>
+            </a:r>
+            <a:r>
+              <a:rPr lang="ko-KR" altLang="en-US" baseline="0" dirty="0" smtClean="0"/>
+              <a:t>성적 조회를 </a:t>
+            </a:r>
+            <a:r>
+              <a:rPr lang="ko-KR" altLang="en-US" baseline="0" dirty="0" err="1" smtClean="0"/>
+              <a:t>해야됩니다</a:t>
+            </a:r>
+            <a:r>
+              <a:rPr lang="en-US" altLang="ko-KR" baseline="0" dirty="0" smtClean="0"/>
+              <a:t>.</a:t>
+            </a:r>
+            <a:endParaRPr lang="ko-KR" altLang="en-US" dirty="0"/>
+          </a:p>
+        </p:txBody>
+      </p:sp>
+      <p:sp>
+        <p:nvSpPr>
+          <p:cNvPr id="4" name="슬라이드 번호 개체 틀 3"/>
+          <p:cNvSpPr>
+            <a:spLocks noGrp="1"/>
+          </p:cNvSpPr>
+          <p:nvPr>
+            <p:ph type="sldNum" sz="quarter" idx="10"/>
+          </p:nvPr>
+        </p:nvSpPr>
+        <p:spPr/>
+        <p:txBody>
+          <a:bodyPr/>
+          <a:lstStyle/>
+          <a:p>
+            <a:fld id="{520FA012-E42F-4B90-BA67-D8FB8B8ACD4E}" type="slidenum">
+              <a:rPr lang="ko-KR" altLang="en-US" smtClean="0"/>
+              <a:t>4</a:t>
+            </a:fld>
+            <a:endParaRPr lang="ko-KR" altLang="en-US"/>
+          </a:p>
+        </p:txBody>
+      </p:sp>
+    </p:spTree>
+    <p:extLst>
+      <p:ext uri="{BB962C8B-B14F-4D97-AF65-F5344CB8AC3E}">
+        <p14:creationId xmlns:p14="http://schemas.microsoft.com/office/powerpoint/2010/main" val="1575669764"/>
+      </p:ext>
+    </p:extLst>
+  </p:cSld>
+  <p:clrMapOvr>
+    <a:masterClrMapping/>
+  </p:clrMapOvr>
+</p:notes>
+</file>
+
+<file path=ppt/notesSlides/notesSlide5.xml><?xml version="1.0" encoding="utf-8"?>
+<p:notes xmlns:a="http://schemas.openxmlformats.org/drawingml/2006/main" xmlns:r="http://schemas.openxmlformats.org/officeDocument/2006/relationships" xmlns:p="http://schemas.openxmlformats.org/presentationml/2006/main">
+  <p:cSld>
+    <p:spTree>
+      <p:nvGrpSpPr>
+        <p:cNvPr id="1" name=""/>
+        <p:cNvGrpSpPr/>
+        <p:nvPr/>
+      </p:nvGrpSpPr>
+      <p:grpSpPr>
+        <a:xfrm>
+          <a:off x="0" y="0"/>
+          <a:ext cx="0" cy="0"/>
+          <a:chOff x="0" y="0"/>
+          <a:chExt cx="0" cy="0"/>
+        </a:xfrm>
+      </p:grpSpPr>
+      <p:sp>
+        <p:nvSpPr>
+          <p:cNvPr id="2" name="슬라이드 이미지 개체 틀 1"/>
+          <p:cNvSpPr>
+            <a:spLocks noGrp="1" noRot="1" noChangeAspect="1"/>
+          </p:cNvSpPr>
+          <p:nvPr>
+            <p:ph type="sldImg"/>
+          </p:nvPr>
+        </p:nvSpPr>
+        <p:spPr/>
+      </p:sp>
+      <p:sp>
+        <p:nvSpPr>
+          <p:cNvPr id="3" name="슬라이드 노트 개체 틀 2"/>
+          <p:cNvSpPr>
+            <a:spLocks noGrp="1"/>
+          </p:cNvSpPr>
+          <p:nvPr>
+            <p:ph type="body" idx="1"/>
+          </p:nvPr>
+        </p:nvSpPr>
+        <p:spPr/>
+        <p:txBody>
+          <a:bodyPr/>
+          <a:lstStyle/>
+          <a:p>
+            <a:r>
+              <a:rPr lang="ko-KR" altLang="en-US" dirty="0" smtClean="0"/>
+              <a:t>모바일로도 마찬가지입니다</a:t>
+            </a:r>
+            <a:r>
+              <a:rPr lang="en-US" altLang="ko-KR" dirty="0" smtClean="0"/>
+              <a:t>. </a:t>
+            </a:r>
+            <a:r>
+              <a:rPr lang="ko-KR" altLang="en-US" dirty="0" smtClean="0"/>
+              <a:t>다들 아시다시피 </a:t>
+            </a:r>
+            <a:r>
+              <a:rPr lang="ko-KR" altLang="en-US" dirty="0" err="1" smtClean="0"/>
+              <a:t>주소창에</a:t>
+            </a:r>
+            <a:r>
+              <a:rPr lang="ko-KR" altLang="en-US" dirty="0" smtClean="0"/>
+              <a:t> </a:t>
+            </a:r>
+            <a:r>
+              <a:rPr lang="en-US" altLang="ko-KR" dirty="0" smtClean="0"/>
+              <a:t>info21</a:t>
+            </a:r>
+            <a:r>
+              <a:rPr lang="ko-KR" altLang="en-US" dirty="0" smtClean="0"/>
+              <a:t>을 친 뒤</a:t>
+            </a:r>
+            <a:r>
+              <a:rPr lang="en-US" altLang="ko-KR" dirty="0" smtClean="0"/>
+              <a:t>,</a:t>
+            </a:r>
+            <a:r>
+              <a:rPr lang="en-US" altLang="ko-KR" baseline="0" dirty="0" smtClean="0"/>
+              <a:t> </a:t>
+            </a:r>
+            <a:r>
+              <a:rPr lang="ko-KR" altLang="en-US" baseline="0" dirty="0" smtClean="0"/>
+              <a:t>로그인 후 </a:t>
+            </a:r>
+            <a:r>
+              <a:rPr lang="ko-KR" altLang="en-US" baseline="0" dirty="0" err="1" smtClean="0"/>
+              <a:t>메뉴칸에</a:t>
+            </a:r>
+            <a:r>
+              <a:rPr lang="ko-KR" altLang="en-US" baseline="0" dirty="0" smtClean="0"/>
+              <a:t> 가서 성적 조회를 눌러야 됩니다</a:t>
+            </a:r>
+            <a:r>
+              <a:rPr lang="en-US" altLang="ko-KR" baseline="0" dirty="0" smtClean="0"/>
+              <a:t>.</a:t>
+            </a:r>
+          </a:p>
+          <a:p>
+            <a:endParaRPr lang="en-US" altLang="ko-KR" baseline="0" dirty="0" smtClean="0"/>
+          </a:p>
+          <a:p>
+            <a:r>
+              <a:rPr lang="ko-KR" altLang="en-US" baseline="0" dirty="0" smtClean="0"/>
+              <a:t>지금 시기와 같이 학점이 하나 둘 나오는 기간에 </a:t>
+            </a:r>
+            <a:r>
+              <a:rPr lang="ko-KR" altLang="en-US" baseline="0" dirty="0" smtClean="0"/>
+              <a:t>교수님이 언제 성적을 올리실 지 모르기 때문에 학생들은 괜히 계속 사이트를 방문하면서 조회해야 됩니다</a:t>
+            </a:r>
+            <a:r>
+              <a:rPr lang="en-US" altLang="ko-KR" baseline="0" dirty="0" smtClean="0"/>
+              <a:t>. </a:t>
+            </a:r>
+            <a:r>
+              <a:rPr lang="ko-KR" altLang="en-US" baseline="0" dirty="0" smtClean="0"/>
+              <a:t>하루에도 몇 번</a:t>
+            </a:r>
+            <a:r>
+              <a:rPr lang="en-US" altLang="ko-KR" baseline="0" dirty="0" smtClean="0"/>
+              <a:t>, </a:t>
+            </a:r>
+            <a:r>
+              <a:rPr lang="ko-KR" altLang="en-US" baseline="0" dirty="0" smtClean="0"/>
+              <a:t>몇 </a:t>
+            </a:r>
+            <a:r>
+              <a:rPr lang="ko-KR" altLang="en-US" baseline="0" dirty="0" err="1" smtClean="0"/>
+              <a:t>십번씩</a:t>
+            </a:r>
+            <a:r>
+              <a:rPr lang="ko-KR" altLang="en-US" baseline="0" dirty="0" smtClean="0"/>
+              <a:t> 사이트에 들어가서 학점을 조회하곤 합니다</a:t>
+            </a:r>
+            <a:r>
+              <a:rPr lang="en-US" altLang="ko-KR" baseline="0" dirty="0" smtClean="0"/>
+              <a:t>. </a:t>
+            </a:r>
+            <a:r>
+              <a:rPr lang="ko-KR" altLang="en-US" baseline="0" dirty="0" smtClean="0"/>
+              <a:t>이렇게 수요가 많은 것에 비해 현재 성적 조회 시스템은 너무 불편하다는 생각이 들었습니다</a:t>
+            </a:r>
+            <a:r>
+              <a:rPr lang="en-US" altLang="ko-KR" baseline="0" dirty="0" smtClean="0"/>
+              <a:t>. </a:t>
+            </a:r>
+            <a:r>
+              <a:rPr lang="ko-KR" altLang="en-US" baseline="0" dirty="0" smtClean="0"/>
+              <a:t>따라서 저는 이러한 시스템을 해결해줄 무언가가 필요하다고 느꼈습니다</a:t>
+            </a:r>
+            <a:r>
+              <a:rPr lang="en-US" altLang="ko-KR" baseline="0" dirty="0" smtClean="0"/>
+              <a:t>.</a:t>
+            </a:r>
+            <a:endParaRPr lang="ko-KR" altLang="en-US" dirty="0"/>
+          </a:p>
+        </p:txBody>
+      </p:sp>
+      <p:sp>
+        <p:nvSpPr>
+          <p:cNvPr id="4" name="슬라이드 번호 개체 틀 3"/>
+          <p:cNvSpPr>
+            <a:spLocks noGrp="1"/>
+          </p:cNvSpPr>
+          <p:nvPr>
+            <p:ph type="sldNum" sz="quarter" idx="10"/>
+          </p:nvPr>
+        </p:nvSpPr>
+        <p:spPr/>
+        <p:txBody>
+          <a:bodyPr/>
+          <a:lstStyle/>
+          <a:p>
+            <a:fld id="{520FA012-E42F-4B90-BA67-D8FB8B8ACD4E}" type="slidenum">
+              <a:rPr lang="ko-KR" altLang="en-US" smtClean="0"/>
+              <a:t>5</a:t>
+            </a:fld>
+            <a:endParaRPr lang="ko-KR" altLang="en-US"/>
+          </a:p>
+        </p:txBody>
+      </p:sp>
+    </p:spTree>
+    <p:extLst>
+      <p:ext uri="{BB962C8B-B14F-4D97-AF65-F5344CB8AC3E}">
+        <p14:creationId xmlns:p14="http://schemas.microsoft.com/office/powerpoint/2010/main" val="2586646910"/>
+      </p:ext>
+    </p:extLst>
+  </p:cSld>
+  <p:clrMapOvr>
+    <a:masterClrMapping/>
+  </p:clrMapOvr>
+</p:notes>
+</file>
+
+<file path=ppt/notesSlides/notesSlide6.xml><?xml version="1.0" encoding="utf-8"?>
+<p:notes xmlns:a="http://schemas.openxmlformats.org/drawingml/2006/main" xmlns:r="http://schemas.openxmlformats.org/officeDocument/2006/relationships" xmlns:p="http://schemas.openxmlformats.org/presentationml/2006/main">
+  <p:cSld>
+    <p:spTree>
+      <p:nvGrpSpPr>
+        <p:cNvPr id="1" name=""/>
+        <p:cNvGrpSpPr/>
+        <p:nvPr/>
+      </p:nvGrpSpPr>
+      <p:grpSpPr>
+        <a:xfrm>
+          <a:off x="0" y="0"/>
+          <a:ext cx="0" cy="0"/>
+          <a:chOff x="0" y="0"/>
+          <a:chExt cx="0" cy="0"/>
+        </a:xfrm>
+      </p:grpSpPr>
+      <p:sp>
+        <p:nvSpPr>
+          <p:cNvPr id="2" name="슬라이드 이미지 개체 틀 1"/>
+          <p:cNvSpPr>
+            <a:spLocks noGrp="1" noRot="1" noChangeAspect="1"/>
+          </p:cNvSpPr>
+          <p:nvPr>
+            <p:ph type="sldImg"/>
+          </p:nvPr>
+        </p:nvSpPr>
+        <p:spPr/>
+      </p:sp>
+      <p:sp>
+        <p:nvSpPr>
+          <p:cNvPr id="3" name="슬라이드 노트 개체 틀 2"/>
+          <p:cNvSpPr>
+            <a:spLocks noGrp="1"/>
+          </p:cNvSpPr>
+          <p:nvPr>
+            <p:ph type="body" idx="1"/>
+          </p:nvPr>
+        </p:nvSpPr>
+        <p:spPr/>
+        <p:txBody>
+          <a:bodyPr/>
+          <a:lstStyle/>
+          <a:p>
+            <a:r>
+              <a:rPr lang="ko-KR" altLang="en-US" dirty="0" smtClean="0"/>
+              <a:t>이어서 프로젝트의 개요를 </a:t>
+            </a:r>
+            <a:r>
+              <a:rPr lang="ko-KR" altLang="en-US" dirty="0" err="1" smtClean="0"/>
+              <a:t>설명드리겠습니다</a:t>
+            </a:r>
+            <a:r>
+              <a:rPr lang="en-US" altLang="ko-KR" dirty="0" smtClean="0"/>
+              <a:t>.</a:t>
+            </a:r>
+            <a:endParaRPr lang="ko-KR" altLang="en-US" dirty="0"/>
+          </a:p>
+        </p:txBody>
+      </p:sp>
+      <p:sp>
+        <p:nvSpPr>
+          <p:cNvPr id="4" name="슬라이드 번호 개체 틀 3"/>
+          <p:cNvSpPr>
+            <a:spLocks noGrp="1"/>
+          </p:cNvSpPr>
+          <p:nvPr>
+            <p:ph type="sldNum" sz="quarter" idx="10"/>
+          </p:nvPr>
+        </p:nvSpPr>
+        <p:spPr/>
+        <p:txBody>
+          <a:bodyPr/>
+          <a:lstStyle/>
+          <a:p>
+            <a:fld id="{520FA012-E42F-4B90-BA67-D8FB8B8ACD4E}" type="slidenum">
+              <a:rPr lang="ko-KR" altLang="en-US" smtClean="0"/>
+              <a:t>6</a:t>
+            </a:fld>
+            <a:endParaRPr lang="ko-KR" altLang="en-US"/>
+          </a:p>
+        </p:txBody>
+      </p:sp>
+    </p:spTree>
+    <p:extLst>
+      <p:ext uri="{BB962C8B-B14F-4D97-AF65-F5344CB8AC3E}">
+        <p14:creationId xmlns:p14="http://schemas.microsoft.com/office/powerpoint/2010/main" val="2648726048"/>
+      </p:ext>
+    </p:extLst>
+  </p:cSld>
+  <p:clrMapOvr>
+    <a:masterClrMapping/>
+  </p:clrMapOvr>
+</p:notes>
+</file>
+
+<file path=ppt/notesSlides/notesSlide7.xml><?xml version="1.0" encoding="utf-8"?>
+<p:notes xmlns:a="http://schemas.openxmlformats.org/drawingml/2006/main" xmlns:r="http://schemas.openxmlformats.org/officeDocument/2006/relationships" xmlns:p="http://schemas.openxmlformats.org/presentationml/2006/main">
+  <p:cSld>
+    <p:spTree>
+      <p:nvGrpSpPr>
+        <p:cNvPr id="1" name=""/>
+        <p:cNvGrpSpPr/>
+        <p:nvPr/>
+      </p:nvGrpSpPr>
+      <p:grpSpPr>
+        <a:xfrm>
+          <a:off x="0" y="0"/>
+          <a:ext cx="0" cy="0"/>
+          <a:chOff x="0" y="0"/>
+          <a:chExt cx="0" cy="0"/>
+        </a:xfrm>
+      </p:grpSpPr>
+      <p:sp>
+        <p:nvSpPr>
+          <p:cNvPr id="2" name="슬라이드 이미지 개체 틀 1"/>
+          <p:cNvSpPr>
+            <a:spLocks noGrp="1" noRot="1" noChangeAspect="1"/>
+          </p:cNvSpPr>
+          <p:nvPr>
+            <p:ph type="sldImg"/>
+          </p:nvPr>
+        </p:nvSpPr>
+        <p:spPr/>
+      </p:sp>
+      <p:sp>
+        <p:nvSpPr>
+          <p:cNvPr id="3" name="슬라이드 노트 개체 틀 2"/>
+          <p:cNvSpPr>
+            <a:spLocks noGrp="1"/>
+          </p:cNvSpPr>
+          <p:nvPr>
+            <p:ph type="body" idx="1"/>
+          </p:nvPr>
+        </p:nvSpPr>
+        <p:spPr/>
+        <p:txBody>
+          <a:bodyPr/>
+          <a:lstStyle/>
+          <a:p>
+            <a:r>
+              <a:rPr lang="ko-KR" altLang="en-US" dirty="0" smtClean="0"/>
+              <a:t>좌측에 보이는 뷰가 로그인 화면입니다</a:t>
+            </a:r>
+            <a:r>
+              <a:rPr lang="en-US" altLang="ko-KR" dirty="0" smtClean="0"/>
+              <a:t>. </a:t>
+            </a:r>
+            <a:r>
+              <a:rPr lang="ko-KR" altLang="en-US" dirty="0" smtClean="0"/>
+              <a:t>우측에는 </a:t>
+            </a:r>
+            <a:r>
+              <a:rPr lang="ko-KR" altLang="en-US" dirty="0" err="1" smtClean="0"/>
+              <a:t>로그인을</a:t>
+            </a:r>
+            <a:r>
+              <a:rPr lang="ko-KR" altLang="en-US" dirty="0" smtClean="0"/>
+              <a:t> 할 시 보여주는 메인 화면입니다</a:t>
+            </a:r>
+            <a:r>
+              <a:rPr lang="en-US" altLang="ko-KR" dirty="0" smtClean="0"/>
+              <a:t>. </a:t>
+            </a:r>
+            <a:r>
+              <a:rPr lang="ko-KR" altLang="en-US" dirty="0" smtClean="0"/>
+              <a:t>이번 학기의 학점 조회는 물론</a:t>
+            </a:r>
+            <a:r>
+              <a:rPr lang="en-US" altLang="ko-KR" dirty="0" smtClean="0"/>
+              <a:t>, </a:t>
+            </a:r>
+            <a:r>
+              <a:rPr lang="ko-KR" altLang="en-US" dirty="0" smtClean="0"/>
+              <a:t>지난 학기의 성적도 보여줍니다</a:t>
+            </a:r>
+            <a:r>
+              <a:rPr lang="en-US" altLang="ko-KR" dirty="0" smtClean="0"/>
+              <a:t>. </a:t>
+            </a:r>
+            <a:r>
+              <a:rPr lang="ko-KR" altLang="en-US" dirty="0" smtClean="0"/>
+              <a:t>또 학점을 </a:t>
+            </a:r>
+            <a:r>
+              <a:rPr lang="en-US" altLang="ko-KR" dirty="0" smtClean="0"/>
+              <a:t>4.5</a:t>
+            </a:r>
+            <a:r>
+              <a:rPr lang="ko-KR" altLang="en-US" dirty="0" smtClean="0"/>
+              <a:t>로 변환해서 보여주는 기능도 있고</a:t>
+            </a:r>
+            <a:r>
+              <a:rPr lang="en-US" altLang="ko-KR" dirty="0" smtClean="0"/>
+              <a:t>, </a:t>
+            </a:r>
+            <a:r>
+              <a:rPr lang="ko-KR" altLang="en-US" dirty="0" smtClean="0"/>
+              <a:t>제일 중요한 기능인</a:t>
+            </a:r>
+            <a:r>
+              <a:rPr lang="ko-KR" altLang="en-US" baseline="0" dirty="0" smtClean="0"/>
+              <a:t> 학점이 변경될 시 알림을 보내줄지 말지 결정하는 스위치도 있습니다</a:t>
+            </a:r>
+            <a:r>
+              <a:rPr lang="en-US" altLang="ko-KR" baseline="0" dirty="0" smtClean="0"/>
+              <a:t>.</a:t>
+            </a:r>
+            <a:endParaRPr lang="ko-KR" altLang="en-US" dirty="0"/>
+          </a:p>
+        </p:txBody>
+      </p:sp>
+      <p:sp>
+        <p:nvSpPr>
+          <p:cNvPr id="4" name="슬라이드 번호 개체 틀 3"/>
+          <p:cNvSpPr>
+            <a:spLocks noGrp="1"/>
+          </p:cNvSpPr>
+          <p:nvPr>
+            <p:ph type="sldNum" sz="quarter" idx="10"/>
+          </p:nvPr>
+        </p:nvSpPr>
+        <p:spPr/>
+        <p:txBody>
+          <a:bodyPr/>
+          <a:lstStyle/>
+          <a:p>
+            <a:fld id="{520FA012-E42F-4B90-BA67-D8FB8B8ACD4E}" type="slidenum">
+              <a:rPr lang="ko-KR" altLang="en-US" smtClean="0"/>
+              <a:t>7</a:t>
+            </a:fld>
+            <a:endParaRPr lang="ko-KR" altLang="en-US"/>
+          </a:p>
+        </p:txBody>
+      </p:sp>
+    </p:spTree>
+    <p:extLst>
+      <p:ext uri="{BB962C8B-B14F-4D97-AF65-F5344CB8AC3E}">
+        <p14:creationId xmlns:p14="http://schemas.microsoft.com/office/powerpoint/2010/main" val="1668318545"/>
+      </p:ext>
+    </p:extLst>
+  </p:cSld>
+  <p:clrMapOvr>
+    <a:masterClrMapping/>
+  </p:clrMapOvr>
+</p:notes>
+</file>
+
+<file path=ppt/notesSlides/notesSlide8.xml><?xml version="1.0" encoding="utf-8"?>
+<p:notes xmlns:a="http://schemas.openxmlformats.org/drawingml/2006/main" xmlns:r="http://schemas.openxmlformats.org/officeDocument/2006/relationships" xmlns:p="http://schemas.openxmlformats.org/presentationml/2006/main">
+  <p:cSld>
+    <p:spTree>
+      <p:nvGrpSpPr>
+        <p:cNvPr id="1" name=""/>
+        <p:cNvGrpSpPr/>
+        <p:nvPr/>
+      </p:nvGrpSpPr>
+      <p:grpSpPr>
+        <a:xfrm>
+          <a:off x="0" y="0"/>
+          <a:ext cx="0" cy="0"/>
+          <a:chOff x="0" y="0"/>
+          <a:chExt cx="0" cy="0"/>
+        </a:xfrm>
+      </p:grpSpPr>
+      <p:sp>
+        <p:nvSpPr>
+          <p:cNvPr id="2" name="슬라이드 이미지 개체 틀 1"/>
+          <p:cNvSpPr>
+            <a:spLocks noGrp="1" noRot="1" noChangeAspect="1"/>
+          </p:cNvSpPr>
+          <p:nvPr>
+            <p:ph type="sldImg"/>
+          </p:nvPr>
+        </p:nvSpPr>
+        <p:spPr/>
+      </p:sp>
+      <p:sp>
+        <p:nvSpPr>
+          <p:cNvPr id="3" name="슬라이드 노트 개체 틀 2"/>
+          <p:cNvSpPr>
+            <a:spLocks noGrp="1"/>
+          </p:cNvSpPr>
+          <p:nvPr>
+            <p:ph type="body" idx="1"/>
+          </p:nvPr>
+        </p:nvSpPr>
+        <p:spPr/>
+        <p:txBody>
+          <a:bodyPr/>
+          <a:lstStyle/>
+          <a:p>
+            <a:r>
+              <a:rPr lang="ko-KR" altLang="en-US" dirty="0" smtClean="0"/>
+              <a:t>지난 학기 성적같은 경우는 제가 들었던 학기들 중 선택하면 우측 화면과 같이 해당 학기</a:t>
+            </a:r>
+            <a:r>
+              <a:rPr lang="ko-KR" altLang="en-US" baseline="0" dirty="0" smtClean="0"/>
+              <a:t> 성적을 바로 보여줍니다</a:t>
+            </a:r>
+            <a:r>
+              <a:rPr lang="en-US" altLang="ko-KR" baseline="0" dirty="0" smtClean="0"/>
+              <a:t>.</a:t>
+            </a:r>
+            <a:endParaRPr lang="ko-KR" altLang="en-US" dirty="0"/>
+          </a:p>
+        </p:txBody>
+      </p:sp>
+      <p:sp>
+        <p:nvSpPr>
+          <p:cNvPr id="4" name="슬라이드 번호 개체 틀 3"/>
+          <p:cNvSpPr>
+            <a:spLocks noGrp="1"/>
+          </p:cNvSpPr>
+          <p:nvPr>
+            <p:ph type="sldNum" sz="quarter" idx="10"/>
+          </p:nvPr>
+        </p:nvSpPr>
+        <p:spPr/>
+        <p:txBody>
+          <a:bodyPr/>
+          <a:lstStyle/>
+          <a:p>
+            <a:fld id="{520FA012-E42F-4B90-BA67-D8FB8B8ACD4E}" type="slidenum">
+              <a:rPr lang="ko-KR" altLang="en-US" smtClean="0"/>
+              <a:t>8</a:t>
+            </a:fld>
+            <a:endParaRPr lang="ko-KR" altLang="en-US"/>
+          </a:p>
+        </p:txBody>
+      </p:sp>
+    </p:spTree>
+    <p:extLst>
+      <p:ext uri="{BB962C8B-B14F-4D97-AF65-F5344CB8AC3E}">
+        <p14:creationId xmlns:p14="http://schemas.microsoft.com/office/powerpoint/2010/main" val="3664148089"/>
+      </p:ext>
+    </p:extLst>
+  </p:cSld>
+  <p:clrMapOvr>
+    <a:masterClrMapping/>
+  </p:clrMapOvr>
+</p:notes>
+</file>
+
+<file path=ppt/notesSlides/notesSlide9.xml><?xml version="1.0" encoding="utf-8"?>
+<p:notes xmlns:a="http://schemas.openxmlformats.org/drawingml/2006/main" xmlns:r="http://schemas.openxmlformats.org/officeDocument/2006/relationships" xmlns:p="http://schemas.openxmlformats.org/presentationml/2006/main">
+  <p:cSld>
+    <p:spTree>
+      <p:nvGrpSpPr>
+        <p:cNvPr id="1" name=""/>
+        <p:cNvGrpSpPr/>
+        <p:nvPr/>
+      </p:nvGrpSpPr>
+      <p:grpSpPr>
+        <a:xfrm>
+          <a:off x="0" y="0"/>
+          <a:ext cx="0" cy="0"/>
+          <a:chOff x="0" y="0"/>
+          <a:chExt cx="0" cy="0"/>
+        </a:xfrm>
+      </p:grpSpPr>
+      <p:sp>
+        <p:nvSpPr>
+          <p:cNvPr id="2" name="슬라이드 이미지 개체 틀 1"/>
+          <p:cNvSpPr>
+            <a:spLocks noGrp="1" noRot="1" noChangeAspect="1"/>
+          </p:cNvSpPr>
+          <p:nvPr>
+            <p:ph type="sldImg"/>
+          </p:nvPr>
+        </p:nvSpPr>
+        <p:spPr/>
+      </p:sp>
+      <p:sp>
+        <p:nvSpPr>
+          <p:cNvPr id="3" name="슬라이드 노트 개체 틀 2"/>
+          <p:cNvSpPr>
+            <a:spLocks noGrp="1"/>
+          </p:cNvSpPr>
+          <p:nvPr>
+            <p:ph type="body" idx="1"/>
+          </p:nvPr>
+        </p:nvSpPr>
+        <p:spPr/>
+        <p:txBody>
+          <a:bodyPr/>
+          <a:lstStyle/>
+          <a:p>
+            <a:r>
+              <a:rPr lang="ko-KR" altLang="en-US" dirty="0" smtClean="0"/>
+              <a:t>선택한 주기에 따라 변경</a:t>
+            </a:r>
+            <a:r>
+              <a:rPr lang="ko-KR" altLang="en-US" baseline="0" dirty="0" smtClean="0"/>
+              <a:t> 여부를</a:t>
+            </a:r>
+            <a:r>
+              <a:rPr lang="ko-KR" altLang="en-US" dirty="0" smtClean="0"/>
+              <a:t> 확인하여서 알림을 날려줍니다</a:t>
+            </a:r>
+            <a:r>
+              <a:rPr lang="en-US" altLang="ko-KR" dirty="0" smtClean="0"/>
+              <a:t>. </a:t>
+            </a:r>
+            <a:r>
+              <a:rPr lang="ko-KR" altLang="en-US" dirty="0" smtClean="0"/>
+              <a:t>알림은 다음과 같이 간단하게 만들었으며</a:t>
+            </a:r>
+            <a:r>
+              <a:rPr lang="en-US" altLang="ko-KR" dirty="0" smtClean="0"/>
+              <a:t>, </a:t>
+            </a:r>
+            <a:r>
+              <a:rPr lang="ko-KR" altLang="en-US" dirty="0" smtClean="0"/>
+              <a:t>클릭하면 </a:t>
+            </a:r>
+            <a:r>
+              <a:rPr lang="ko-KR" altLang="en-US" dirty="0" err="1" smtClean="0"/>
+              <a:t>금학기</a:t>
+            </a:r>
+            <a:r>
+              <a:rPr lang="ko-KR" altLang="en-US" dirty="0" smtClean="0"/>
+              <a:t> </a:t>
+            </a:r>
+            <a:r>
+              <a:rPr lang="ko-KR" altLang="en-US" dirty="0" err="1" smtClean="0"/>
+              <a:t>성적조회</a:t>
+            </a:r>
+            <a:r>
+              <a:rPr lang="ko-KR" altLang="en-US" dirty="0" smtClean="0"/>
+              <a:t> 란으로 이동합니다</a:t>
+            </a:r>
+            <a:r>
+              <a:rPr lang="en-US" altLang="ko-KR" dirty="0" smtClean="0"/>
+              <a:t>.</a:t>
+            </a:r>
+            <a:endParaRPr lang="ko-KR" altLang="en-US" dirty="0"/>
+          </a:p>
+        </p:txBody>
+      </p:sp>
+      <p:sp>
+        <p:nvSpPr>
+          <p:cNvPr id="4" name="슬라이드 번호 개체 틀 3"/>
+          <p:cNvSpPr>
+            <a:spLocks noGrp="1"/>
+          </p:cNvSpPr>
+          <p:nvPr>
+            <p:ph type="sldNum" sz="quarter" idx="10"/>
+          </p:nvPr>
+        </p:nvSpPr>
+        <p:spPr/>
+        <p:txBody>
+          <a:bodyPr/>
+          <a:lstStyle/>
+          <a:p>
+            <a:fld id="{520FA012-E42F-4B90-BA67-D8FB8B8ACD4E}" type="slidenum">
+              <a:rPr lang="ko-KR" altLang="en-US" smtClean="0"/>
+              <a:t>9</a:t>
+            </a:fld>
+            <a:endParaRPr lang="ko-KR" altLang="en-US"/>
+          </a:p>
+        </p:txBody>
+      </p:sp>
+    </p:spTree>
+    <p:extLst>
+      <p:ext uri="{BB962C8B-B14F-4D97-AF65-F5344CB8AC3E}">
+        <p14:creationId xmlns:p14="http://schemas.microsoft.com/office/powerpoint/2010/main" val="2174649542"/>
+      </p:ext>
+    </p:extLst>
+  </p:cSld>
+  <p:clrMapOvr>
+    <a:masterClrMapping/>
+  </p:clrMapOvr>
+</p:notes>
 </file>
 
 <file path=ppt/slideLayouts/slideLayout1.xml><?xml version="1.0" encoding="utf-8"?>
@@ -2979,7 +6429,7 @@
           <p:nvPr/>
         </p:nvPicPr>
         <p:blipFill>
-          <a:blip r:embed="rId2">
+          <a:blip r:embed="rId3">
             <a:extLst>
               <a:ext uri="{28A0092B-C50C-407E-A947-70E740481C1C}">
                 <a14:useLocalDpi xmlns:a14="http://schemas.microsoft.com/office/drawing/2010/main" val="0"/>
@@ -3365,7 +6815,7 @@
           <p:nvPr/>
         </p:nvPicPr>
         <p:blipFill>
-          <a:blip r:embed="rId2">
+          <a:blip r:embed="rId3">
             <a:extLst>
               <a:ext uri="{28A0092B-C50C-407E-A947-70E740481C1C}">
                 <a14:useLocalDpi xmlns:a14="http://schemas.microsoft.com/office/drawing/2010/main" val="0"/>
@@ -3974,7 +7424,7 @@
           <p:nvPr/>
         </p:nvPicPr>
         <p:blipFill>
-          <a:blip r:embed="rId2">
+          <a:blip r:embed="rId3">
             <a:extLst>
               <a:ext uri="{28A0092B-C50C-407E-A947-70E740481C1C}">
                 <a14:useLocalDpi xmlns:a14="http://schemas.microsoft.com/office/drawing/2010/main" val="0"/>
@@ -4382,18 +7832,7 @@
                 </a:solidFill>
                 <a:latin typeface="+mj-lt"/>
               </a:rPr>
-              <a:t>* </a:t>
-            </a:r>
-            <a:r>
-              <a:rPr lang="en-US" altLang="ko-KR" sz="2800" b="1" dirty="0" smtClean="0">
-                <a:solidFill>
-                  <a:schemeClr val="tx1">
-                    <a:lumMod val="50000"/>
-                  </a:schemeClr>
-                </a:solidFill>
-                <a:latin typeface="+mj-lt"/>
-              </a:rPr>
-              <a:t>Recycler View</a:t>
+              <a:t>* Recycler View</a:t>
             </a:r>
             <a:endParaRPr lang="en-US" altLang="ko-KR" sz="2800" b="1" dirty="0">
               <a:solidFill>
@@ -4572,7 +8011,7 @@
           <p:nvPr/>
         </p:nvPicPr>
         <p:blipFill>
-          <a:blip r:embed="rId2">
+          <a:blip r:embed="rId3">
             <a:extLst>
               <a:ext uri="{28A0092B-C50C-407E-A947-70E740481C1C}">
                 <a14:useLocalDpi xmlns:a14="http://schemas.microsoft.com/office/drawing/2010/main" val="0"/>
@@ -4602,7 +8041,7 @@
           <p:nvPr/>
         </p:nvPicPr>
         <p:blipFill>
-          <a:blip r:embed="rId3">
+          <a:blip r:embed="rId4">
             <a:extLst>
               <a:ext uri="{28A0092B-C50C-407E-A947-70E740481C1C}">
                 <a14:useLocalDpi xmlns:a14="http://schemas.microsoft.com/office/drawing/2010/main" val="0"/>
@@ -4907,18 +8346,7 @@
                 </a:solidFill>
                 <a:latin typeface="+mj-lt"/>
               </a:rPr>
-              <a:t>* </a:t>
-            </a:r>
-            <a:r>
-              <a:rPr lang="en-US" altLang="ko-KR" sz="2800" b="1" dirty="0" smtClean="0">
-                <a:solidFill>
-                  <a:schemeClr val="tx1">
-                    <a:lumMod val="50000"/>
-                  </a:schemeClr>
-                </a:solidFill>
-                <a:latin typeface="+mj-lt"/>
-              </a:rPr>
-              <a:t>Adapter</a:t>
+              <a:t>* Adapter</a:t>
             </a:r>
             <a:endParaRPr lang="en-US" altLang="ko-KR" sz="2800" b="1" dirty="0">
               <a:solidFill>
@@ -4979,7 +8407,7 @@
           <p:nvPr/>
         </p:nvPicPr>
         <p:blipFill>
-          <a:blip r:embed="rId2">
+          <a:blip r:embed="rId3">
             <a:extLst>
               <a:ext uri="{28A0092B-C50C-407E-A947-70E740481C1C}">
                 <a14:useLocalDpi xmlns:a14="http://schemas.microsoft.com/office/drawing/2010/main" val="0"/>
@@ -5233,18 +8661,7 @@
                 </a:solidFill>
                 <a:latin typeface="+mj-lt"/>
               </a:rPr>
-              <a:t>* </a:t>
-            </a:r>
-            <a:r>
-              <a:rPr lang="en-US" altLang="ko-KR" sz="2800" b="1" dirty="0" smtClean="0">
-                <a:solidFill>
-                  <a:schemeClr val="tx1">
-                    <a:lumMod val="50000"/>
-                  </a:schemeClr>
-                </a:solidFill>
-                <a:latin typeface="+mj-lt"/>
-              </a:rPr>
-              <a:t>Preference</a:t>
+              <a:t>* Preference</a:t>
             </a:r>
             <a:endParaRPr lang="en-US" altLang="ko-KR" sz="2800" b="1" dirty="0">
               <a:solidFill>
@@ -5305,7 +8722,7 @@
           <p:nvPr/>
         </p:nvPicPr>
         <p:blipFill>
-          <a:blip r:embed="rId2">
+          <a:blip r:embed="rId3">
             <a:extLst>
               <a:ext uri="{28A0092B-C50C-407E-A947-70E740481C1C}">
                 <a14:useLocalDpi xmlns:a14="http://schemas.microsoft.com/office/drawing/2010/main" val="0"/>
@@ -5432,7 +8849,7 @@
           <p:nvPr/>
         </p:nvPicPr>
         <p:blipFill>
-          <a:blip r:embed="rId3">
+          <a:blip r:embed="rId4">
             <a:extLst>
               <a:ext uri="{28A0092B-C50C-407E-A947-70E740481C1C}">
                 <a14:useLocalDpi xmlns:a14="http://schemas.microsoft.com/office/drawing/2010/main" val="0"/>
@@ -5896,7 +9313,7 @@
           <p:nvPr/>
         </p:nvPicPr>
         <p:blipFill>
-          <a:blip r:embed="rId2">
+          <a:blip r:embed="rId3">
             <a:extLst>
               <a:ext uri="{28A0092B-C50C-407E-A947-70E740481C1C}">
                 <a14:useLocalDpi xmlns:a14="http://schemas.microsoft.com/office/drawing/2010/main" val="0"/>
@@ -5926,7 +9343,7 @@
           <p:nvPr/>
         </p:nvPicPr>
         <p:blipFill>
-          <a:blip r:embed="rId3">
+          <a:blip r:embed="rId4">
             <a:extLst>
               <a:ext uri="{28A0092B-C50C-407E-A947-70E740481C1C}">
                 <a14:useLocalDpi xmlns:a14="http://schemas.microsoft.com/office/drawing/2010/main" val="0"/>
@@ -6071,7 +9488,7 @@
           <p:nvPr/>
         </p:nvPicPr>
         <p:blipFill>
-          <a:blip r:embed="rId2">
+          <a:blip r:embed="rId3">
             <a:extLst>
               <a:ext uri="{28A0092B-C50C-407E-A947-70E740481C1C}">
                 <a14:useLocalDpi xmlns:a14="http://schemas.microsoft.com/office/drawing/2010/main" val="0"/>
@@ -6640,7 +10057,7 @@
           <p:nvPr/>
         </p:nvPicPr>
         <p:blipFill>
-          <a:blip r:embed="rId2" cstate="print">
+          <a:blip r:embed="rId3" cstate="print">
             <a:extLst>
               <a:ext uri="{28A0092B-C50C-407E-A947-70E740481C1C}">
                 <a14:useLocalDpi xmlns:a14="http://schemas.microsoft.com/office/drawing/2010/main" val="0"/>
@@ -6670,7 +10087,7 @@
           <p:nvPr/>
         </p:nvPicPr>
         <p:blipFill>
-          <a:blip r:embed="rId3" cstate="print">
+          <a:blip r:embed="rId4" cstate="print">
             <a:extLst>
               <a:ext uri="{28A0092B-C50C-407E-A947-70E740481C1C}">
                 <a14:useLocalDpi xmlns:a14="http://schemas.microsoft.com/office/drawing/2010/main" val="0"/>
@@ -7407,7 +10824,7 @@
           <p:nvPr/>
         </p:nvPicPr>
         <p:blipFill>
-          <a:blip r:embed="rId2">
+          <a:blip r:embed="rId3">
             <a:extLst>
               <a:ext uri="{28A0092B-C50C-407E-A947-70E740481C1C}">
                 <a14:useLocalDpi xmlns:a14="http://schemas.microsoft.com/office/drawing/2010/main" val="0"/>
@@ -7695,7 +11112,7 @@
           <p:nvPr/>
         </p:nvPicPr>
         <p:blipFill>
-          <a:blip r:embed="rId2">
+          <a:blip r:embed="rId3">
             <a:extLst>
               <a:ext uri="{28A0092B-C50C-407E-A947-70E740481C1C}">
                 <a14:useLocalDpi xmlns:a14="http://schemas.microsoft.com/office/drawing/2010/main" val="0"/>
@@ -7725,7 +11142,7 @@
           <p:nvPr/>
         </p:nvPicPr>
         <p:blipFill>
-          <a:blip r:embed="rId3">
+          <a:blip r:embed="rId4">
             <a:extLst>
               <a:ext uri="{28A0092B-C50C-407E-A947-70E740481C1C}">
                 <a14:useLocalDpi xmlns:a14="http://schemas.microsoft.com/office/drawing/2010/main" val="0"/>
@@ -8130,7 +11547,17 @@
                 <a:latin typeface="맑은 고딕" panose="020B0503020000020004" pitchFamily="50" charset="-127"/>
                 <a:ea typeface="맑은 고딕" panose="020B0503020000020004" pitchFamily="50" charset="-127"/>
               </a:rPr>
-              <a:t>프로젝트 설명</a:t>
+              <a:t>프로젝트 </a:t>
+            </a:r>
+            <a:r>
+              <a:rPr lang="ko-KR" altLang="en-US" sz="2400" b="1" dirty="0" smtClean="0">
+                <a:solidFill>
+                  <a:srgbClr val="112F41"/>
+                </a:solidFill>
+                <a:latin typeface="맑은 고딕" panose="020B0503020000020004" pitchFamily="50" charset="-127"/>
+                <a:ea typeface="맑은 고딕" panose="020B0503020000020004" pitchFamily="50" charset="-127"/>
+              </a:rPr>
+              <a:t>개요</a:t>
             </a:r>
             <a:endParaRPr lang="ko-KR" altLang="en-US" sz="2400" b="1" dirty="0">
               <a:solidFill>
@@ -9171,7 +12598,7 @@
           <p:nvPr/>
         </p:nvPicPr>
         <p:blipFill>
-          <a:blip r:embed="rId2">
+          <a:blip r:embed="rId3">
             <a:extLst>
               <a:ext uri="{28A0092B-C50C-407E-A947-70E740481C1C}">
                 <a14:useLocalDpi xmlns:a14="http://schemas.microsoft.com/office/drawing/2010/main" val="0"/>
@@ -9350,7 +12777,7 @@
           <p:nvPr/>
         </p:nvPicPr>
         <p:blipFill>
-          <a:blip r:embed="rId2">
+          <a:blip r:embed="rId3">
             <a:extLst>
               <a:ext uri="{28A0092B-C50C-407E-A947-70E740481C1C}">
                 <a14:useLocalDpi xmlns:a14="http://schemas.microsoft.com/office/drawing/2010/main" val="0"/>
@@ -9735,7 +13162,7 @@
           <p:nvPr/>
         </p:nvPicPr>
         <p:blipFill>
-          <a:blip r:embed="rId2">
+          <a:blip r:embed="rId3">
             <a:extLst>
               <a:ext uri="{28A0092B-C50C-407E-A947-70E740481C1C}">
                 <a14:useLocalDpi xmlns:a14="http://schemas.microsoft.com/office/drawing/2010/main" val="0"/>
@@ -10395,7 +13822,7 @@
           <p:nvPr/>
         </p:nvPicPr>
         <p:blipFill>
-          <a:blip r:embed="rId2">
+          <a:blip r:embed="rId3">
             <a:extLst>
               <a:ext uri="{28A0092B-C50C-407E-A947-70E740481C1C}">
                 <a14:useLocalDpi xmlns:a14="http://schemas.microsoft.com/office/drawing/2010/main" val="0"/>
@@ -10976,7 +14403,7 @@
           <p:nvPr/>
         </p:nvPicPr>
         <p:blipFill>
-          <a:blip r:embed="rId2" cstate="print">
+          <a:blip r:embed="rId3" cstate="print">
             <a:extLst>
               <a:ext uri="{28A0092B-C50C-407E-A947-70E740481C1C}">
                 <a14:useLocalDpi xmlns:a14="http://schemas.microsoft.com/office/drawing/2010/main" val="0"/>
@@ -11256,36 +14683,6 @@
           <p:nvPr/>
         </p:nvPicPr>
         <p:blipFill>
-          <a:blip r:embed="rId2">
-            <a:extLst>
-              <a:ext uri="{28A0092B-C50C-407E-A947-70E740481C1C}">
-                <a14:useLocalDpi xmlns:a14="http://schemas.microsoft.com/office/drawing/2010/main" val="0"/>
-              </a:ext>
-            </a:extLst>
-          </a:blip>
-          <a:stretch>
-            <a:fillRect/>
-          </a:stretch>
-        </p:blipFill>
-        <p:spPr>
-          <a:xfrm>
-            <a:off x="728452" y="1916841"/>
-            <a:ext cx="2305352" cy="4739054"/>
-          </a:xfrm>
-          <a:prstGeom prst="rect">
-            <a:avLst/>
-          </a:prstGeom>
-        </p:spPr>
-      </p:pic>
-      <p:pic>
-        <p:nvPicPr>
-          <p:cNvPr id="7" name="그림 6"/>
-          <p:cNvPicPr>
-            <a:picLocks noChangeAspect="1"/>
-          </p:cNvPicPr>
-          <p:nvPr/>
-        </p:nvPicPr>
-        <p:blipFill>
           <a:blip r:embed="rId3">
             <a:extLst>
               <a:ext uri="{28A0092B-C50C-407E-A947-70E740481C1C}">
@@ -11299,6 +14696,36 @@
         </p:blipFill>
         <p:spPr>
           <a:xfrm>
+            <a:off x="728452" y="1916841"/>
+            <a:ext cx="2305352" cy="4739054"/>
+          </a:xfrm>
+          <a:prstGeom prst="rect">
+            <a:avLst/>
+          </a:prstGeom>
+        </p:spPr>
+      </p:pic>
+      <p:pic>
+        <p:nvPicPr>
+          <p:cNvPr id="7" name="그림 6"/>
+          <p:cNvPicPr>
+            <a:picLocks noChangeAspect="1"/>
+          </p:cNvPicPr>
+          <p:nvPr/>
+        </p:nvPicPr>
+        <p:blipFill>
+          <a:blip r:embed="rId4">
+            <a:extLst>
+              <a:ext uri="{28A0092B-C50C-407E-A947-70E740481C1C}">
+                <a14:useLocalDpi xmlns:a14="http://schemas.microsoft.com/office/drawing/2010/main" val="0"/>
+              </a:ext>
+            </a:extLst>
+          </a:blip>
+          <a:stretch>
+            <a:fillRect/>
+          </a:stretch>
+        </p:blipFill>
+        <p:spPr>
+          <a:xfrm>
             <a:off x="4514611" y="1916841"/>
             <a:ext cx="2305352" cy="4739054"/>
           </a:xfrm>
@@ -11316,7 +14743,7 @@
           <p:nvPr/>
         </p:nvPicPr>
         <p:blipFill>
-          <a:blip r:embed="rId4">
+          <a:blip r:embed="rId5">
             <a:extLst>
               <a:ext uri="{28A0092B-C50C-407E-A947-70E740481C1C}">
                 <a14:useLocalDpi xmlns:a14="http://schemas.microsoft.com/office/drawing/2010/main" val="0"/>
@@ -11449,7 +14876,7 @@
           <p:nvPr/>
         </p:nvPicPr>
         <p:blipFill>
-          <a:blip r:embed="rId2">
+          <a:blip r:embed="rId3">
             <a:extLst>
               <a:ext uri="{28A0092B-C50C-407E-A947-70E740481C1C}">
                 <a14:useLocalDpi xmlns:a14="http://schemas.microsoft.com/office/drawing/2010/main" val="0"/>
@@ -11625,7 +15052,24 @@
                 <a:latin typeface="맑은 고딕" panose="020B0503020000020004" pitchFamily="50" charset="-127"/>
                 <a:ea typeface="맑은 고딕" panose="020B0503020000020004" pitchFamily="50" charset="-127"/>
               </a:rPr>
-              <a:t>프로젝트 설명</a:t>
+              <a:t>프로젝트 </a:t>
+            </a:r>
+            <a:r>
+              <a:rPr lang="ko-KR" altLang="en-US" sz="4400" b="1" dirty="0" smtClean="0">
+                <a:ln>
+                  <a:solidFill>
+                    <a:schemeClr val="bg1">
+                      <a:alpha val="20000"/>
+                    </a:schemeClr>
+                  </a:solidFill>
+                </a:ln>
+                <a:solidFill>
+                  <a:srgbClr val="112F41"/>
+                </a:solidFill>
+                <a:latin typeface="맑은 고딕" panose="020B0503020000020004" pitchFamily="50" charset="-127"/>
+                <a:ea typeface="맑은 고딕" panose="020B0503020000020004" pitchFamily="50" charset="-127"/>
+              </a:rPr>
+              <a:t>개요</a:t>
             </a:r>
             <a:endParaRPr lang="ko-KR" altLang="en-US" sz="4400" b="1" dirty="0">
               <a:ln>
@@ -11882,7 +15326,24 @@
                 <a:latin typeface="맑은 고딕" panose="020B0503020000020004" pitchFamily="50" charset="-127"/>
                 <a:ea typeface="맑은 고딕" panose="020B0503020000020004" pitchFamily="50" charset="-127"/>
               </a:rPr>
-              <a:t>프로젝트 설명</a:t>
+              <a:t>프로젝트 </a:t>
+            </a:r>
+            <a:r>
+              <a:rPr lang="ko-KR" altLang="en-US" sz="2000" b="1" dirty="0" smtClean="0">
+                <a:ln>
+                  <a:solidFill>
+                    <a:schemeClr val="bg1">
+                      <a:alpha val="20000"/>
+                    </a:schemeClr>
+                  </a:solidFill>
+                </a:ln>
+                <a:solidFill>
+                  <a:srgbClr val="112F41"/>
+                </a:solidFill>
+                <a:latin typeface="맑은 고딕" panose="020B0503020000020004" pitchFamily="50" charset="-127"/>
+                <a:ea typeface="맑은 고딕" panose="020B0503020000020004" pitchFamily="50" charset="-127"/>
+              </a:rPr>
+              <a:t>개요</a:t>
             </a:r>
             <a:endParaRPr lang="ko-KR" altLang="en-US" sz="2000" b="1" dirty="0">
               <a:ln>
@@ -11945,7 +15406,7 @@
           <p:nvPr/>
         </p:nvPicPr>
         <p:blipFill>
-          <a:blip r:embed="rId2" cstate="print">
+          <a:blip r:embed="rId3" cstate="print">
             <a:extLst>
               <a:ext uri="{28A0092B-C50C-407E-A947-70E740481C1C}">
                 <a14:useLocalDpi xmlns:a14="http://schemas.microsoft.com/office/drawing/2010/main" val="0"/>
@@ -12022,7 +15483,7 @@
           <p:nvPr/>
         </p:nvPicPr>
         <p:blipFill>
-          <a:blip r:embed="rId3" cstate="print">
+          <a:blip r:embed="rId4" cstate="print">
             <a:extLst>
               <a:ext uri="{28A0092B-C50C-407E-A947-70E740481C1C}">
                 <a14:useLocalDpi xmlns:a14="http://schemas.microsoft.com/office/drawing/2010/main" val="0"/>
@@ -12322,7 +15783,7 @@
           <p:nvPr/>
         </p:nvPicPr>
         <p:blipFill>
-          <a:blip r:embed="rId2" cstate="print">
+          <a:blip r:embed="rId3" cstate="print">
             <a:extLst>
               <a:ext uri="{28A0092B-C50C-407E-A947-70E740481C1C}">
                 <a14:useLocalDpi xmlns:a14="http://schemas.microsoft.com/office/drawing/2010/main" val="0"/>
@@ -12352,7 +15813,7 @@
           <p:nvPr/>
         </p:nvPicPr>
         <p:blipFill>
-          <a:blip r:embed="rId3" cstate="print">
+          <a:blip r:embed="rId4" cstate="print">
             <a:extLst>
               <a:ext uri="{28A0092B-C50C-407E-A947-70E740481C1C}">
                 <a14:useLocalDpi xmlns:a14="http://schemas.microsoft.com/office/drawing/2010/main" val="0"/>
@@ -12582,7 +16043,7 @@
           <p:nvPr/>
         </p:nvPicPr>
         <p:blipFill>
-          <a:blip r:embed="rId2">
+          <a:blip r:embed="rId3">
             <a:extLst>
               <a:ext uri="{28A0092B-C50C-407E-A947-70E740481C1C}">
                 <a14:useLocalDpi xmlns:a14="http://schemas.microsoft.com/office/drawing/2010/main" val="0"/>
@@ -12882,4 +16343,265 @@
     </a:ext>
   </a:extLst>
 </a:theme>
+</file>
+
+<file path=ppt/theme/theme2.xml><?xml version="1.0" encoding="utf-8"?>
+<a:theme xmlns:a="http://schemas.openxmlformats.org/drawingml/2006/main" name="Office 테마">
+  <a:themeElements>
+    <a:clrScheme name="Office">
+      <a:dk1>
+        <a:sysClr val="windowText" lastClr="000000"/>
+      </a:dk1>
+      <a:lt1>
+        <a:sysClr val="window" lastClr="FFFFFF"/>
+      </a:lt1>
+      <a:dk2>
+        <a:srgbClr val="44546A"/>
+      </a:dk2>
+      <a:lt2>
+        <a:srgbClr val="E7E6E6"/>
+      </a:lt2>
+      <a:accent1>
+        <a:srgbClr val="5B9BD5"/>
+      </a:accent1>
+      <a:accent2>
+        <a:srgbClr val="ED7D31"/>
+      </a:accent2>
+      <a:accent3>
+        <a:srgbClr val="A5A5A5"/>
+      </a:accent3>
+      <a:accent4>
+        <a:srgbClr val="FFC000"/>
+      </a:accent4>
+      <a:accent5>
+        <a:srgbClr val="4472C4"/>
+      </a:accent5>
+      <a:accent6>
+        <a:srgbClr val="70AD47"/>
+      </a:accent6>
+      <a:hlink>
+        <a:srgbClr val="0563C1"/>
+      </a:hlink>
+      <a:folHlink>
+        <a:srgbClr val="954F72"/>
+      </a:folHlink>
+    </a:clrScheme>
+    <a:fontScheme name="Office">
+      <a:majorFont>
+        <a:latin typeface="맑은 고딕" panose="020F0302020204030204"/>
+        <a:ea typeface=""/>
+        <a:cs typeface=""/>
+        <a:font script="Jpan" typeface="游ゴシック Light"/>
+        <a:font script="Hang" typeface="맑은 고딕"/>
+        <a:font script="Hans" typeface="等线 Light"/>
+        <a:font script="Hant" typeface="新細明體"/>
+        <a:font script="Arab" typeface="Times New Roman"/>
+        <a:font script="Hebr" typeface="Times New Roman"/>
+        <a:font script="Thai" typeface="Angsana New"/>
+        <a:font script="Ethi" typeface="Nyala"/>
+        <a:font script="Beng" typeface="Vrinda"/>
+        <a:font script="Gujr" typeface="Shruti"/>
+        <a:font script="Khmr" typeface="MoolBoran"/>
+        <a:font script="Knda" typeface="Tunga"/>
+        <a:font script="Guru" typeface="Raavi"/>
+        <a:font script="Cans" typeface="Euphemia"/>
+        <a:font script="Cher" typeface="Plantagenet Cherokee"/>
+        <a:font script="Yiii" typeface="Microsoft Yi Baiti"/>
+        <a:font script="Tibt" typeface="Microsoft Himalaya"/>
+        <a:font script="Thaa" typeface="MV Boli"/>
+        <a:font script="Deva" typeface="Mangal"/>
+        <a:font script="Telu" typeface="Gautami"/>
+        <a:font script="Taml" typeface="Latha"/>
+        <a:font script="Syrc" typeface="Estrangelo Edessa"/>
+        <a:font script="Orya" typeface="Kalinga"/>
+        <a:font script="Mlym" typeface="Kartika"/>
+        <a:font script="Laoo" typeface="DokChampa"/>
+        <a:font script="Sinh" typeface="Iskoola Pota"/>
+        <a:font script="Mong" typeface="Mongolian Baiti"/>
+        <a:font script="Viet" typeface="Times New Roman"/>
+        <a:font script="Uigh" typeface="Microsoft Uighur"/>
+        <a:font script="Geor" typeface="Sylfaen"/>
+      </a:majorFont>
+      <a:minorFont>
+        <a:latin typeface="맑은 고딕" panose="020F0502020204030204"/>
+        <a:ea typeface=""/>
+        <a:cs typeface=""/>
+        <a:font script="Jpan" typeface="游ゴシック"/>
+        <a:font script="Hang" typeface="맑은 고딕"/>
+        <a:font script="Hans" typeface="等线"/>
+        <a:font script="Hant" typeface="新細明體"/>
+        <a:font script="Arab" typeface="Arial"/>
+        <a:font script="Hebr" typeface="Arial"/>
+        <a:font script="Thai" typeface="Cordia New"/>
+        <a:font script="Ethi" typeface="Nyala"/>
+        <a:font script="Beng" typeface="Vrinda"/>
+        <a:font script="Gujr" typeface="Shruti"/>
+        <a:font script="Khmr" typeface="DaunPenh"/>
+        <a:font script="Knda" typeface="Tunga"/>
+        <a:font script="Guru" typeface="Raavi"/>
+        <a:font script="Cans" typeface="Euphemia"/>
+        <a:font script="Cher" typeface="Plantagenet Cherokee"/>
+        <a:font script="Yiii" typeface="Microsoft Yi Baiti"/>
+        <a:font script="Tibt" typeface="Microsoft Himalaya"/>
+        <a:font script="Thaa" typeface="MV Boli"/>
+        <a:font script="Deva" typeface="Mangal"/>
+        <a:font script="Telu" typeface="Gautami"/>
+        <a:font script="Taml" typeface="Latha"/>
+        <a:font script="Syrc" typeface="Estrangelo Edessa"/>
+        <a:font script="Orya" typeface="Kalinga"/>
+        <a:font script="Mlym" typeface="Kartika"/>
+        <a:font script="Laoo" typeface="DokChampa"/>
+        <a:font script="Sinh" typeface="Iskoola Pota"/>
+        <a:font script="Mong" typeface="Mongolian Baiti"/>
+        <a:font script="Viet" typeface="Arial"/>
+        <a:font script="Uigh" typeface="Microsoft Uighur"/>
+        <a:font script="Geor" typeface="Sylfaen"/>
+      </a:minorFont>
+    </a:fontScheme>
+    <a:fmtScheme name="Office">
+      <a:fillStyleLst>
+        <a:solidFill>
+          <a:schemeClr val="phClr"/>
+        </a:solidFill>
+        <a:gradFill rotWithShape="1">
+          <a:gsLst>
+            <a:gs pos="0">
+              <a:schemeClr val="phClr">
+                <a:lumMod val="110000"/>
+                <a:satMod val="105000"/>
+                <a:tint val="67000"/>
+              </a:schemeClr>
+            </a:gs>
+            <a:gs pos="50000">
+              <a:schemeClr val="phClr">
+                <a:lumMod val="105000"/>
+                <a:satMod val="103000"/>
+                <a:tint val="73000"/>
+              </a:schemeClr>
+            </a:gs>
+            <a:gs pos="100000">
+              <a:schemeClr val="phClr">
+                <a:lumMod val="105000"/>
+                <a:satMod val="109000"/>
+                <a:tint val="81000"/>
+              </a:schemeClr>
+            </a:gs>
+          </a:gsLst>
+          <a:lin ang="5400000" scaled="0"/>
+        </a:gradFill>
+        <a:gradFill rotWithShape="1">
+          <a:gsLst>
+            <a:gs pos="0">
+              <a:schemeClr val="phClr">
+                <a:satMod val="103000"/>
+                <a:lumMod val="102000"/>
+                <a:tint val="94000"/>
+              </a:schemeClr>
+            </a:gs>
+            <a:gs pos="50000">
+              <a:schemeClr val="phClr">
+                <a:satMod val="110000"/>
+                <a:lumMod val="100000"/>
+                <a:shade val="100000"/>
+              </a:schemeClr>
+            </a:gs>
+            <a:gs pos="100000">
+              <a:schemeClr val="phClr">
+                <a:lumMod val="99000"/>
+                <a:satMod val="120000"/>
+                <a:shade val="78000"/>
+              </a:schemeClr>
+            </a:gs>
+          </a:gsLst>
+          <a:lin ang="5400000" scaled="0"/>
+        </a:gradFill>
+      </a:fillStyleLst>
+      <a:lnStyleLst>
+        <a:ln w="6350" cap="flat" cmpd="sng" algn="ctr">
+          <a:solidFill>
+            <a:schemeClr val="phClr"/>
+          </a:solidFill>
+          <a:prstDash val="solid"/>
+          <a:miter lim="800000"/>
+        </a:ln>
+        <a:ln w="12700" cap="flat" cmpd="sng" algn="ctr">
+          <a:solidFill>
+            <a:schemeClr val="phClr"/>
+          </a:solidFill>
+          <a:prstDash val="solid"/>
+          <a:miter lim="800000"/>
+        </a:ln>
+        <a:ln w="19050" cap="flat" cmpd="sng" algn="ctr">
+          <a:solidFill>
+            <a:schemeClr val="phClr"/>
+          </a:solidFill>
+          <a:prstDash val="solid"/>
+          <a:miter lim="800000"/>
+        </a:ln>
+      </a:lnStyleLst>
+      <a:effectStyleLst>
+        <a:effectStyle>
+          <a:effectLst/>
+        </a:effectStyle>
+        <a:effectStyle>
+          <a:effectLst/>
+        </a:effectStyle>
+        <a:effectStyle>
+          <a:effectLst>
+            <a:outerShdw blurRad="57150" dist="19050" dir="5400000" algn="ctr" rotWithShape="0">
+              <a:srgbClr val="000000">
+                <a:alpha val="63000"/>
+              </a:srgbClr>
+            </a:outerShdw>
+          </a:effectLst>
+        </a:effectStyle>
+      </a:effectStyleLst>
+      <a:bgFillStyleLst>
+        <a:solidFill>
+          <a:schemeClr val="phClr"/>
+        </a:solidFill>
+        <a:solidFill>
+          <a:schemeClr val="phClr">
+            <a:tint val="95000"/>
+            <a:satMod val="170000"/>
+          </a:schemeClr>
+        </a:solidFill>
+        <a:gradFill rotWithShape="1">
+          <a:gsLst>
+            <a:gs pos="0">
+              <a:schemeClr val="phClr">
+                <a:tint val="93000"/>
+                <a:satMod val="150000"/>
+                <a:shade val="98000"/>
+                <a:lumMod val="102000"/>
+              </a:schemeClr>
+            </a:gs>
+            <a:gs pos="50000">
+              <a:schemeClr val="phClr">
+                <a:tint val="98000"/>
+                <a:satMod val="130000"/>
+                <a:shade val="90000"/>
+                <a:lumMod val="103000"/>
+              </a:schemeClr>
+            </a:gs>
+            <a:gs pos="100000">
+              <a:schemeClr val="phClr">
+                <a:shade val="63000"/>
+                <a:satMod val="120000"/>
+              </a:schemeClr>
+            </a:gs>
+          </a:gsLst>
+          <a:lin ang="5400000" scaled="0"/>
+        </a:gradFill>
+      </a:bgFillStyleLst>
+    </a:fmtScheme>
+  </a:themeElements>
+  <a:objectDefaults/>
+  <a:extraClrSchemeLst/>
+  <a:extLst>
+    <a:ext uri="{05A4C25C-085E-4340-85A3-A5531E510DB2}">
+      <thm15:themeFamily xmlns:thm15="http://schemas.microsoft.com/office/thememl/2012/main" name="Office Theme" id="{62F939B6-93AF-4DB8-9C6B-D6C7DFDC589F}" vid="{4A3C46E8-61CC-4603-A589-7422A47A8E4A}"/>
+    </a:ext>
+  </a:extLst>
+</a:theme>
 </file>